--- a/数据结构/PPT/05-sorting-part2-fall21.pptx
+++ b/数据结构/PPT/05-sorting-part2-fall21.pptx
@@ -5,45 +5,45 @@
     <p:sldMasterId id="2147483648" r:id="rId1"/>
   </p:sldMasterIdLst>
   <p:sldIdLst>
-    <p:sldId id="257" r:id="rId2"/>
-    <p:sldId id="312" r:id="rId3"/>
-    <p:sldId id="313" r:id="rId4"/>
-    <p:sldId id="314" r:id="rId5"/>
-    <p:sldId id="315" r:id="rId6"/>
-    <p:sldId id="316" r:id="rId7"/>
-    <p:sldId id="317" r:id="rId8"/>
-    <p:sldId id="318" r:id="rId9"/>
-    <p:sldId id="319" r:id="rId10"/>
-    <p:sldId id="320" r:id="rId11"/>
-    <p:sldId id="321" r:id="rId12"/>
-    <p:sldId id="322" r:id="rId13"/>
-    <p:sldId id="323" r:id="rId14"/>
-    <p:sldId id="324" r:id="rId15"/>
-    <p:sldId id="325" r:id="rId16"/>
-    <p:sldId id="326" r:id="rId17"/>
-    <p:sldId id="327" r:id="rId18"/>
-    <p:sldId id="328" r:id="rId19"/>
-    <p:sldId id="329" r:id="rId20"/>
-    <p:sldId id="290" r:id="rId21"/>
+    <p:sldId id="257" r:id="rId3"/>
+    <p:sldId id="312" r:id="rId4"/>
+    <p:sldId id="313" r:id="rId5"/>
+    <p:sldId id="314" r:id="rId6"/>
+    <p:sldId id="315" r:id="rId7"/>
+    <p:sldId id="316" r:id="rId8"/>
+    <p:sldId id="317" r:id="rId9"/>
+    <p:sldId id="318" r:id="rId10"/>
+    <p:sldId id="319" r:id="rId11"/>
+    <p:sldId id="320" r:id="rId12"/>
+    <p:sldId id="321" r:id="rId13"/>
+    <p:sldId id="322" r:id="rId14"/>
+    <p:sldId id="323" r:id="rId15"/>
+    <p:sldId id="324" r:id="rId16"/>
+    <p:sldId id="325" r:id="rId17"/>
+    <p:sldId id="326" r:id="rId18"/>
+    <p:sldId id="327" r:id="rId19"/>
+    <p:sldId id="328" r:id="rId20"/>
+    <p:sldId id="329" r:id="rId21"/>
+    <p:sldId id="290" r:id="rId22"/>
   </p:sldIdLst>
   <p:sldSz cx="9144000" cy="6858000" type="screen4x3"/>
   <p:notesSz cx="6858000" cy="9144000"/>
   <p:embeddedFontLst>
     <p:embeddedFont>
       <p:font typeface="Calibri" panose="020F0502020204030204" pitchFamily="34" charset="0"/>
-      <p:regular r:id="rId22"/>
-      <p:bold r:id="rId23"/>
-      <p:italic r:id="rId24"/>
-      <p:boldItalic r:id="rId25"/>
+      <p:regular r:id="rId26"/>
+      <p:bold r:id="rId27"/>
+      <p:italic r:id="rId28"/>
+      <p:boldItalic r:id="rId29"/>
     </p:embeddedFont>
     <p:embeddedFont>
       <p:font typeface="Calibri Light" panose="020F0302020204030204" pitchFamily="34" charset="0"/>
-      <p:regular r:id="rId26"/>
-      <p:italic r:id="rId27"/>
+      <p:regular r:id="rId30"/>
+      <p:italic r:id="rId31"/>
     </p:embeddedFont>
     <p:embeddedFont>
       <p:font typeface="Cambria Math" panose="02040503050406030204" pitchFamily="18" charset="0"/>
-      <p:regular r:id="rId28"/>
+      <p:regular r:id="rId32"/>
     </p:embeddedFont>
   </p:embeddedFontLst>
   <p:defaultTextStyle>
@@ -141,11 +141,6 @@
       </a:defRPr>
     </a:lvl9pPr>
   </p:defaultTextStyle>
-  <p:extLst>
-    <p:ext uri="{EFAFB233-063F-42B5-8137-9DF3F51BA10A}">
-      <p15:sldGuideLst xmlns:p15="http://schemas.microsoft.com/office/powerpoint/2012/main"/>
-    </p:ext>
-  </p:extLst>
 </p:presentation>
 </file>
 
@@ -168,13 +163,7 @@
       </p:grpSpPr>
       <p:sp>
         <p:nvSpPr>
-          <p:cNvPr id="2" name="标题 1">
-            <a:extLst>
-              <a:ext uri="{FF2B5EF4-FFF2-40B4-BE49-F238E27FC236}">
-                <a16:creationId xmlns:a16="http://schemas.microsoft.com/office/drawing/2014/main" id="{0C052048-50D7-4CB4-90A8-650D341A8B8F}"/>
-              </a:ext>
-            </a:extLst>
-          </p:cNvPr>
+          <p:cNvPr id="2" name="标题 1"/>
           <p:cNvSpPr>
             <a:spLocks noGrp="1"/>
           </p:cNvSpPr>
@@ -206,13 +195,7 @@
       </p:sp>
       <p:sp>
         <p:nvSpPr>
-          <p:cNvPr id="3" name="副标题 2">
-            <a:extLst>
-              <a:ext uri="{FF2B5EF4-FFF2-40B4-BE49-F238E27FC236}">
-                <a16:creationId xmlns:a16="http://schemas.microsoft.com/office/drawing/2014/main" id="{4516E891-D36C-4F31-86E5-48360FC3386C}"/>
-              </a:ext>
-            </a:extLst>
-          </p:cNvPr>
+          <p:cNvPr id="3" name="副标题 2"/>
           <p:cNvSpPr>
             <a:spLocks noGrp="1"/>
           </p:cNvSpPr>
@@ -277,13 +260,7 @@
       </p:sp>
       <p:sp>
         <p:nvSpPr>
-          <p:cNvPr id="4" name="日期占位符 3">
-            <a:extLst>
-              <a:ext uri="{FF2B5EF4-FFF2-40B4-BE49-F238E27FC236}">
-                <a16:creationId xmlns:a16="http://schemas.microsoft.com/office/drawing/2014/main" id="{C249437C-1ACE-4D24-BFCA-0E78FFDEF966}"/>
-              </a:ext>
-            </a:extLst>
-          </p:cNvPr>
+          <p:cNvPr id="4" name="日期占位符 3"/>
           <p:cNvSpPr>
             <a:spLocks noGrp="1"/>
           </p:cNvSpPr>
@@ -298,7 +275,6 @@
           <a:p>
             <a:fld id="{C020B53D-227B-4039-9FB3-FDFB3C37236B}" type="datetimeFigureOut">
               <a:rPr lang="en-US" smtClean="0"/>
-              <a:t>2021-09-28</a:t>
             </a:fld>
             <a:endParaRPr lang="en-US"/>
           </a:p>
@@ -306,13 +282,7 @@
       </p:sp>
       <p:sp>
         <p:nvSpPr>
-          <p:cNvPr id="5" name="页脚占位符 4">
-            <a:extLst>
-              <a:ext uri="{FF2B5EF4-FFF2-40B4-BE49-F238E27FC236}">
-                <a16:creationId xmlns:a16="http://schemas.microsoft.com/office/drawing/2014/main" id="{FB37E858-EE42-45DC-A79A-CA61898CEF7B}"/>
-              </a:ext>
-            </a:extLst>
-          </p:cNvPr>
+          <p:cNvPr id="5" name="页脚占位符 4"/>
           <p:cNvSpPr>
             <a:spLocks noGrp="1"/>
           </p:cNvSpPr>
@@ -331,13 +301,7 @@
       </p:sp>
       <p:sp>
         <p:nvSpPr>
-          <p:cNvPr id="6" name="灯片编号占位符 5">
-            <a:extLst>
-              <a:ext uri="{FF2B5EF4-FFF2-40B4-BE49-F238E27FC236}">
-                <a16:creationId xmlns:a16="http://schemas.microsoft.com/office/drawing/2014/main" id="{F36047D1-1BCA-446A-BC39-56914FA94294}"/>
-              </a:ext>
-            </a:extLst>
-          </p:cNvPr>
+          <p:cNvPr id="6" name="灯片编号占位符 5"/>
           <p:cNvSpPr>
             <a:spLocks noGrp="1"/>
           </p:cNvSpPr>
@@ -352,18 +316,12 @@
           <a:p>
             <a:fld id="{7F34339B-1C62-4A78-8F04-8594B379508C}" type="slidenum">
               <a:rPr lang="en-US" smtClean="0"/>
-              <a:t>‹#›</a:t>
             </a:fld>
             <a:endParaRPr lang="en-US"/>
           </a:p>
         </p:txBody>
       </p:sp>
     </p:spTree>
-    <p:extLst>
-      <p:ext uri="{BB962C8B-B14F-4D97-AF65-F5344CB8AC3E}">
-        <p14:creationId xmlns:p14="http://schemas.microsoft.com/office/powerpoint/2010/main" val="602240879"/>
-      </p:ext>
-    </p:extLst>
   </p:cSld>
   <p:clrMapOvr>
     <a:masterClrMapping/>
@@ -390,13 +348,7 @@
       </p:grpSpPr>
       <p:sp>
         <p:nvSpPr>
-          <p:cNvPr id="2" name="标题 1">
-            <a:extLst>
-              <a:ext uri="{FF2B5EF4-FFF2-40B4-BE49-F238E27FC236}">
-                <a16:creationId xmlns:a16="http://schemas.microsoft.com/office/drawing/2014/main" id="{EF8C0EA5-172C-42B5-B3F6-B35A10B66412}"/>
-              </a:ext>
-            </a:extLst>
-          </p:cNvPr>
+          <p:cNvPr id="2" name="标题 1"/>
           <p:cNvSpPr>
             <a:spLocks noGrp="1"/>
           </p:cNvSpPr>
@@ -419,13 +371,7 @@
       </p:sp>
       <p:sp>
         <p:nvSpPr>
-          <p:cNvPr id="3" name="竖排文字占位符 2">
-            <a:extLst>
-              <a:ext uri="{FF2B5EF4-FFF2-40B4-BE49-F238E27FC236}">
-                <a16:creationId xmlns:a16="http://schemas.microsoft.com/office/drawing/2014/main" id="{EBC812FD-CF19-42CC-A5E9-5C53B6C5ABDA}"/>
-              </a:ext>
-            </a:extLst>
-          </p:cNvPr>
+          <p:cNvPr id="3" name="竖排文字占位符 2"/>
           <p:cNvSpPr>
             <a:spLocks noGrp="1"/>
           </p:cNvSpPr>
@@ -443,6 +389,7 @@
               <a:rPr lang="zh-CN" altLang="en-US"/>
               <a:t>单击此处编辑母版文本样式</a:t>
             </a:r>
+            <a:endParaRPr lang="zh-CN" altLang="en-US"/>
           </a:p>
           <a:p>
             <a:pPr lvl="1"/>
@@ -450,6 +397,7 @@
               <a:rPr lang="zh-CN" altLang="en-US"/>
               <a:t>二级</a:t>
             </a:r>
+            <a:endParaRPr lang="zh-CN" altLang="en-US"/>
           </a:p>
           <a:p>
             <a:pPr lvl="2"/>
@@ -457,6 +405,7 @@
               <a:rPr lang="zh-CN" altLang="en-US"/>
               <a:t>三级</a:t>
             </a:r>
+            <a:endParaRPr lang="zh-CN" altLang="en-US"/>
           </a:p>
           <a:p>
             <a:pPr lvl="3"/>
@@ -464,6 +413,7 @@
               <a:rPr lang="zh-CN" altLang="en-US"/>
               <a:t>四级</a:t>
             </a:r>
+            <a:endParaRPr lang="zh-CN" altLang="en-US"/>
           </a:p>
           <a:p>
             <a:pPr lvl="4"/>
@@ -477,13 +427,7 @@
       </p:sp>
       <p:sp>
         <p:nvSpPr>
-          <p:cNvPr id="4" name="日期占位符 3">
-            <a:extLst>
-              <a:ext uri="{FF2B5EF4-FFF2-40B4-BE49-F238E27FC236}">
-                <a16:creationId xmlns:a16="http://schemas.microsoft.com/office/drawing/2014/main" id="{77E299EE-A70F-4FCB-A62F-C6E9AE1DC034}"/>
-              </a:ext>
-            </a:extLst>
-          </p:cNvPr>
+          <p:cNvPr id="4" name="日期占位符 3"/>
           <p:cNvSpPr>
             <a:spLocks noGrp="1"/>
           </p:cNvSpPr>
@@ -498,7 +442,6 @@
           <a:p>
             <a:fld id="{C020B53D-227B-4039-9FB3-FDFB3C37236B}" type="datetimeFigureOut">
               <a:rPr lang="en-US" smtClean="0"/>
-              <a:t>2021-09-28</a:t>
             </a:fld>
             <a:endParaRPr lang="en-US"/>
           </a:p>
@@ -506,13 +449,7 @@
       </p:sp>
       <p:sp>
         <p:nvSpPr>
-          <p:cNvPr id="5" name="页脚占位符 4">
-            <a:extLst>
-              <a:ext uri="{FF2B5EF4-FFF2-40B4-BE49-F238E27FC236}">
-                <a16:creationId xmlns:a16="http://schemas.microsoft.com/office/drawing/2014/main" id="{818BE2AC-EF1A-4E02-AAD8-CDDEB9FF975C}"/>
-              </a:ext>
-            </a:extLst>
-          </p:cNvPr>
+          <p:cNvPr id="5" name="页脚占位符 4"/>
           <p:cNvSpPr>
             <a:spLocks noGrp="1"/>
           </p:cNvSpPr>
@@ -531,13 +468,7 @@
       </p:sp>
       <p:sp>
         <p:nvSpPr>
-          <p:cNvPr id="6" name="灯片编号占位符 5">
-            <a:extLst>
-              <a:ext uri="{FF2B5EF4-FFF2-40B4-BE49-F238E27FC236}">
-                <a16:creationId xmlns:a16="http://schemas.microsoft.com/office/drawing/2014/main" id="{FE0D13CA-53E4-41E4-AF2A-DE12BCEB65E1}"/>
-              </a:ext>
-            </a:extLst>
-          </p:cNvPr>
+          <p:cNvPr id="6" name="灯片编号占位符 5"/>
           <p:cNvSpPr>
             <a:spLocks noGrp="1"/>
           </p:cNvSpPr>
@@ -552,18 +483,12 @@
           <a:p>
             <a:fld id="{7F34339B-1C62-4A78-8F04-8594B379508C}" type="slidenum">
               <a:rPr lang="en-US" smtClean="0"/>
-              <a:t>‹#›</a:t>
             </a:fld>
             <a:endParaRPr lang="en-US"/>
           </a:p>
         </p:txBody>
       </p:sp>
     </p:spTree>
-    <p:extLst>
-      <p:ext uri="{BB962C8B-B14F-4D97-AF65-F5344CB8AC3E}">
-        <p14:creationId xmlns:p14="http://schemas.microsoft.com/office/powerpoint/2010/main" val="2555913647"/>
-      </p:ext>
-    </p:extLst>
   </p:cSld>
   <p:clrMapOvr>
     <a:masterClrMapping/>
@@ -590,13 +515,7 @@
       </p:grpSpPr>
       <p:sp>
         <p:nvSpPr>
-          <p:cNvPr id="2" name="竖排标题 1">
-            <a:extLst>
-              <a:ext uri="{FF2B5EF4-FFF2-40B4-BE49-F238E27FC236}">
-                <a16:creationId xmlns:a16="http://schemas.microsoft.com/office/drawing/2014/main" id="{4E3CC722-19B7-4E8C-A040-ADA0BE63FCDF}"/>
-              </a:ext>
-            </a:extLst>
-          </p:cNvPr>
+          <p:cNvPr id="2" name="竖排标题 1"/>
           <p:cNvSpPr>
             <a:spLocks noGrp="1"/>
           </p:cNvSpPr>
@@ -624,13 +543,7 @@
       </p:sp>
       <p:sp>
         <p:nvSpPr>
-          <p:cNvPr id="3" name="竖排文字占位符 2">
-            <a:extLst>
-              <a:ext uri="{FF2B5EF4-FFF2-40B4-BE49-F238E27FC236}">
-                <a16:creationId xmlns:a16="http://schemas.microsoft.com/office/drawing/2014/main" id="{AA46BFA9-0D75-4185-AA74-3D2976F2F4A6}"/>
-              </a:ext>
-            </a:extLst>
-          </p:cNvPr>
+          <p:cNvPr id="3" name="竖排文字占位符 2"/>
           <p:cNvSpPr>
             <a:spLocks noGrp="1"/>
           </p:cNvSpPr>
@@ -653,6 +566,7 @@
               <a:rPr lang="zh-CN" altLang="en-US"/>
               <a:t>单击此处编辑母版文本样式</a:t>
             </a:r>
+            <a:endParaRPr lang="zh-CN" altLang="en-US"/>
           </a:p>
           <a:p>
             <a:pPr lvl="1"/>
@@ -660,6 +574,7 @@
               <a:rPr lang="zh-CN" altLang="en-US"/>
               <a:t>二级</a:t>
             </a:r>
+            <a:endParaRPr lang="zh-CN" altLang="en-US"/>
           </a:p>
           <a:p>
             <a:pPr lvl="2"/>
@@ -667,6 +582,7 @@
               <a:rPr lang="zh-CN" altLang="en-US"/>
               <a:t>三级</a:t>
             </a:r>
+            <a:endParaRPr lang="zh-CN" altLang="en-US"/>
           </a:p>
           <a:p>
             <a:pPr lvl="3"/>
@@ -674,6 +590,7 @@
               <a:rPr lang="zh-CN" altLang="en-US"/>
               <a:t>四级</a:t>
             </a:r>
+            <a:endParaRPr lang="zh-CN" altLang="en-US"/>
           </a:p>
           <a:p>
             <a:pPr lvl="4"/>
@@ -687,13 +604,7 @@
       </p:sp>
       <p:sp>
         <p:nvSpPr>
-          <p:cNvPr id="4" name="日期占位符 3">
-            <a:extLst>
-              <a:ext uri="{FF2B5EF4-FFF2-40B4-BE49-F238E27FC236}">
-                <a16:creationId xmlns:a16="http://schemas.microsoft.com/office/drawing/2014/main" id="{E0A0E15E-D4F2-4A9D-AE8D-EABEE1D9A161}"/>
-              </a:ext>
-            </a:extLst>
-          </p:cNvPr>
+          <p:cNvPr id="4" name="日期占位符 3"/>
           <p:cNvSpPr>
             <a:spLocks noGrp="1"/>
           </p:cNvSpPr>
@@ -708,7 +619,6 @@
           <a:p>
             <a:fld id="{C020B53D-227B-4039-9FB3-FDFB3C37236B}" type="datetimeFigureOut">
               <a:rPr lang="en-US" smtClean="0"/>
-              <a:t>2021-09-28</a:t>
             </a:fld>
             <a:endParaRPr lang="en-US"/>
           </a:p>
@@ -716,13 +626,7 @@
       </p:sp>
       <p:sp>
         <p:nvSpPr>
-          <p:cNvPr id="5" name="页脚占位符 4">
-            <a:extLst>
-              <a:ext uri="{FF2B5EF4-FFF2-40B4-BE49-F238E27FC236}">
-                <a16:creationId xmlns:a16="http://schemas.microsoft.com/office/drawing/2014/main" id="{03660F8B-1FC7-4647-8F66-B63E952DEF90}"/>
-              </a:ext>
-            </a:extLst>
-          </p:cNvPr>
+          <p:cNvPr id="5" name="页脚占位符 4"/>
           <p:cNvSpPr>
             <a:spLocks noGrp="1"/>
           </p:cNvSpPr>
@@ -741,13 +645,7 @@
       </p:sp>
       <p:sp>
         <p:nvSpPr>
-          <p:cNvPr id="6" name="灯片编号占位符 5">
-            <a:extLst>
-              <a:ext uri="{FF2B5EF4-FFF2-40B4-BE49-F238E27FC236}">
-                <a16:creationId xmlns:a16="http://schemas.microsoft.com/office/drawing/2014/main" id="{D5DE989F-8686-4EE6-A988-BA5FEB49DF43}"/>
-              </a:ext>
-            </a:extLst>
-          </p:cNvPr>
+          <p:cNvPr id="6" name="灯片编号占位符 5"/>
           <p:cNvSpPr>
             <a:spLocks noGrp="1"/>
           </p:cNvSpPr>
@@ -762,18 +660,12 @@
           <a:p>
             <a:fld id="{7F34339B-1C62-4A78-8F04-8594B379508C}" type="slidenum">
               <a:rPr lang="en-US" smtClean="0"/>
-              <a:t>‹#›</a:t>
             </a:fld>
             <a:endParaRPr lang="en-US"/>
           </a:p>
         </p:txBody>
       </p:sp>
     </p:spTree>
-    <p:extLst>
-      <p:ext uri="{BB962C8B-B14F-4D97-AF65-F5344CB8AC3E}">
-        <p14:creationId xmlns:p14="http://schemas.microsoft.com/office/powerpoint/2010/main" val="1006666763"/>
-      </p:ext>
-    </p:extLst>
   </p:cSld>
   <p:clrMapOvr>
     <a:masterClrMapping/>
@@ -800,13 +692,7 @@
       </p:grpSpPr>
       <p:sp>
         <p:nvSpPr>
-          <p:cNvPr id="2" name="标题 1">
-            <a:extLst>
-              <a:ext uri="{FF2B5EF4-FFF2-40B4-BE49-F238E27FC236}">
-                <a16:creationId xmlns:a16="http://schemas.microsoft.com/office/drawing/2014/main" id="{DAF652A5-751D-427D-94CF-7E0296841E36}"/>
-              </a:ext>
-            </a:extLst>
-          </p:cNvPr>
+          <p:cNvPr id="2" name="标题 1"/>
           <p:cNvSpPr>
             <a:spLocks noGrp="1"/>
           </p:cNvSpPr>
@@ -829,13 +715,7 @@
       </p:sp>
       <p:sp>
         <p:nvSpPr>
-          <p:cNvPr id="3" name="内容占位符 2">
-            <a:extLst>
-              <a:ext uri="{FF2B5EF4-FFF2-40B4-BE49-F238E27FC236}">
-                <a16:creationId xmlns:a16="http://schemas.microsoft.com/office/drawing/2014/main" id="{E616F346-B078-4280-90B3-3BDCA01E1DAD}"/>
-              </a:ext>
-            </a:extLst>
-          </p:cNvPr>
+          <p:cNvPr id="3" name="内容占位符 2"/>
           <p:cNvSpPr>
             <a:spLocks noGrp="1"/>
           </p:cNvSpPr>
@@ -853,6 +733,7 @@
               <a:rPr lang="zh-CN" altLang="en-US"/>
               <a:t>单击此处编辑母版文本样式</a:t>
             </a:r>
+            <a:endParaRPr lang="zh-CN" altLang="en-US"/>
           </a:p>
           <a:p>
             <a:pPr lvl="1"/>
@@ -860,6 +741,7 @@
               <a:rPr lang="zh-CN" altLang="en-US"/>
               <a:t>二级</a:t>
             </a:r>
+            <a:endParaRPr lang="zh-CN" altLang="en-US"/>
           </a:p>
           <a:p>
             <a:pPr lvl="2"/>
@@ -867,6 +749,7 @@
               <a:rPr lang="zh-CN" altLang="en-US"/>
               <a:t>三级</a:t>
             </a:r>
+            <a:endParaRPr lang="zh-CN" altLang="en-US"/>
           </a:p>
           <a:p>
             <a:pPr lvl="3"/>
@@ -874,6 +757,7 @@
               <a:rPr lang="zh-CN" altLang="en-US"/>
               <a:t>四级</a:t>
             </a:r>
+            <a:endParaRPr lang="zh-CN" altLang="en-US"/>
           </a:p>
           <a:p>
             <a:pPr lvl="4"/>
@@ -887,13 +771,7 @@
       </p:sp>
       <p:sp>
         <p:nvSpPr>
-          <p:cNvPr id="4" name="日期占位符 3">
-            <a:extLst>
-              <a:ext uri="{FF2B5EF4-FFF2-40B4-BE49-F238E27FC236}">
-                <a16:creationId xmlns:a16="http://schemas.microsoft.com/office/drawing/2014/main" id="{BD8FBADB-D19A-4774-ADDB-DA6C10C1B57E}"/>
-              </a:ext>
-            </a:extLst>
-          </p:cNvPr>
+          <p:cNvPr id="4" name="日期占位符 3"/>
           <p:cNvSpPr>
             <a:spLocks noGrp="1"/>
           </p:cNvSpPr>
@@ -908,7 +786,6 @@
           <a:p>
             <a:fld id="{C020B53D-227B-4039-9FB3-FDFB3C37236B}" type="datetimeFigureOut">
               <a:rPr lang="en-US" smtClean="0"/>
-              <a:t>2021-09-28</a:t>
             </a:fld>
             <a:endParaRPr lang="en-US"/>
           </a:p>
@@ -916,13 +793,7 @@
       </p:sp>
       <p:sp>
         <p:nvSpPr>
-          <p:cNvPr id="5" name="页脚占位符 4">
-            <a:extLst>
-              <a:ext uri="{FF2B5EF4-FFF2-40B4-BE49-F238E27FC236}">
-                <a16:creationId xmlns:a16="http://schemas.microsoft.com/office/drawing/2014/main" id="{EE124A44-38C3-415A-A485-2F66D46C272F}"/>
-              </a:ext>
-            </a:extLst>
-          </p:cNvPr>
+          <p:cNvPr id="5" name="页脚占位符 4"/>
           <p:cNvSpPr>
             <a:spLocks noGrp="1"/>
           </p:cNvSpPr>
@@ -941,13 +812,7 @@
       </p:sp>
       <p:sp>
         <p:nvSpPr>
-          <p:cNvPr id="6" name="灯片编号占位符 5">
-            <a:extLst>
-              <a:ext uri="{FF2B5EF4-FFF2-40B4-BE49-F238E27FC236}">
-                <a16:creationId xmlns:a16="http://schemas.microsoft.com/office/drawing/2014/main" id="{163A4033-D997-4856-942D-43F5A2F6A4A9}"/>
-              </a:ext>
-            </a:extLst>
-          </p:cNvPr>
+          <p:cNvPr id="6" name="灯片编号占位符 5"/>
           <p:cNvSpPr>
             <a:spLocks noGrp="1"/>
           </p:cNvSpPr>
@@ -962,18 +827,12 @@
           <a:p>
             <a:fld id="{7F34339B-1C62-4A78-8F04-8594B379508C}" type="slidenum">
               <a:rPr lang="en-US" smtClean="0"/>
-              <a:t>‹#›</a:t>
             </a:fld>
             <a:endParaRPr lang="en-US"/>
           </a:p>
         </p:txBody>
       </p:sp>
     </p:spTree>
-    <p:extLst>
-      <p:ext uri="{BB962C8B-B14F-4D97-AF65-F5344CB8AC3E}">
-        <p14:creationId xmlns:p14="http://schemas.microsoft.com/office/powerpoint/2010/main" val="3603543122"/>
-      </p:ext>
-    </p:extLst>
   </p:cSld>
   <p:clrMapOvr>
     <a:masterClrMapping/>
@@ -1000,13 +859,7 @@
       </p:grpSpPr>
       <p:sp>
         <p:nvSpPr>
-          <p:cNvPr id="2" name="标题 1">
-            <a:extLst>
-              <a:ext uri="{FF2B5EF4-FFF2-40B4-BE49-F238E27FC236}">
-                <a16:creationId xmlns:a16="http://schemas.microsoft.com/office/drawing/2014/main" id="{46E8701E-7EED-49A0-8A43-14C9D4959270}"/>
-              </a:ext>
-            </a:extLst>
-          </p:cNvPr>
+          <p:cNvPr id="2" name="标题 1"/>
           <p:cNvSpPr>
             <a:spLocks noGrp="1"/>
           </p:cNvSpPr>
@@ -1038,13 +891,7 @@
       </p:sp>
       <p:sp>
         <p:nvSpPr>
-          <p:cNvPr id="3" name="文本占位符 2">
-            <a:extLst>
-              <a:ext uri="{FF2B5EF4-FFF2-40B4-BE49-F238E27FC236}">
-                <a16:creationId xmlns:a16="http://schemas.microsoft.com/office/drawing/2014/main" id="{87D8F39F-8F67-494B-8A09-A433824C9B5F}"/>
-              </a:ext>
-            </a:extLst>
-          </p:cNvPr>
+          <p:cNvPr id="3" name="文本占位符 2"/>
           <p:cNvSpPr>
             <a:spLocks noGrp="1"/>
           </p:cNvSpPr>
@@ -1158,18 +1005,13 @@
               <a:rPr lang="zh-CN" altLang="en-US"/>
               <a:t>单击此处编辑母版文本样式</a:t>
             </a:r>
+            <a:endParaRPr lang="zh-CN" altLang="en-US"/>
           </a:p>
         </p:txBody>
       </p:sp>
       <p:sp>
         <p:nvSpPr>
-          <p:cNvPr id="4" name="日期占位符 3">
-            <a:extLst>
-              <a:ext uri="{FF2B5EF4-FFF2-40B4-BE49-F238E27FC236}">
-                <a16:creationId xmlns:a16="http://schemas.microsoft.com/office/drawing/2014/main" id="{3B8D6E32-2031-44B7-BCC6-6222B9328B42}"/>
-              </a:ext>
-            </a:extLst>
-          </p:cNvPr>
+          <p:cNvPr id="4" name="日期占位符 3"/>
           <p:cNvSpPr>
             <a:spLocks noGrp="1"/>
           </p:cNvSpPr>
@@ -1184,7 +1026,6 @@
           <a:p>
             <a:fld id="{C020B53D-227B-4039-9FB3-FDFB3C37236B}" type="datetimeFigureOut">
               <a:rPr lang="en-US" smtClean="0"/>
-              <a:t>2021-09-28</a:t>
             </a:fld>
             <a:endParaRPr lang="en-US"/>
           </a:p>
@@ -1192,13 +1033,7 @@
       </p:sp>
       <p:sp>
         <p:nvSpPr>
-          <p:cNvPr id="5" name="页脚占位符 4">
-            <a:extLst>
-              <a:ext uri="{FF2B5EF4-FFF2-40B4-BE49-F238E27FC236}">
-                <a16:creationId xmlns:a16="http://schemas.microsoft.com/office/drawing/2014/main" id="{ED48F25A-186A-456E-8DFF-FAEC7FDB61B0}"/>
-              </a:ext>
-            </a:extLst>
-          </p:cNvPr>
+          <p:cNvPr id="5" name="页脚占位符 4"/>
           <p:cNvSpPr>
             <a:spLocks noGrp="1"/>
           </p:cNvSpPr>
@@ -1217,13 +1052,7 @@
       </p:sp>
       <p:sp>
         <p:nvSpPr>
-          <p:cNvPr id="6" name="灯片编号占位符 5">
-            <a:extLst>
-              <a:ext uri="{FF2B5EF4-FFF2-40B4-BE49-F238E27FC236}">
-                <a16:creationId xmlns:a16="http://schemas.microsoft.com/office/drawing/2014/main" id="{1CE3477D-5199-44BC-A719-F3C264836F73}"/>
-              </a:ext>
-            </a:extLst>
-          </p:cNvPr>
+          <p:cNvPr id="6" name="灯片编号占位符 5"/>
           <p:cNvSpPr>
             <a:spLocks noGrp="1"/>
           </p:cNvSpPr>
@@ -1238,18 +1067,12 @@
           <a:p>
             <a:fld id="{7F34339B-1C62-4A78-8F04-8594B379508C}" type="slidenum">
               <a:rPr lang="en-US" smtClean="0"/>
-              <a:t>‹#›</a:t>
             </a:fld>
             <a:endParaRPr lang="en-US"/>
           </a:p>
         </p:txBody>
       </p:sp>
     </p:spTree>
-    <p:extLst>
-      <p:ext uri="{BB962C8B-B14F-4D97-AF65-F5344CB8AC3E}">
-        <p14:creationId xmlns:p14="http://schemas.microsoft.com/office/powerpoint/2010/main" val="578744363"/>
-      </p:ext>
-    </p:extLst>
   </p:cSld>
   <p:clrMapOvr>
     <a:masterClrMapping/>
@@ -1276,13 +1099,7 @@
       </p:grpSpPr>
       <p:sp>
         <p:nvSpPr>
-          <p:cNvPr id="2" name="标题 1">
-            <a:extLst>
-              <a:ext uri="{FF2B5EF4-FFF2-40B4-BE49-F238E27FC236}">
-                <a16:creationId xmlns:a16="http://schemas.microsoft.com/office/drawing/2014/main" id="{D32FEEEF-1F6F-40D2-B129-984533F8DA38}"/>
-              </a:ext>
-            </a:extLst>
-          </p:cNvPr>
+          <p:cNvPr id="2" name="标题 1"/>
           <p:cNvSpPr>
             <a:spLocks noGrp="1"/>
           </p:cNvSpPr>
@@ -1305,13 +1122,7 @@
       </p:sp>
       <p:sp>
         <p:nvSpPr>
-          <p:cNvPr id="3" name="内容占位符 2">
-            <a:extLst>
-              <a:ext uri="{FF2B5EF4-FFF2-40B4-BE49-F238E27FC236}">
-                <a16:creationId xmlns:a16="http://schemas.microsoft.com/office/drawing/2014/main" id="{564FEFB5-100B-451D-BD36-02C94CF04E6E}"/>
-              </a:ext>
-            </a:extLst>
-          </p:cNvPr>
+          <p:cNvPr id="3" name="内容占位符 2"/>
           <p:cNvSpPr>
             <a:spLocks noGrp="1"/>
           </p:cNvSpPr>
@@ -1334,6 +1145,7 @@
               <a:rPr lang="zh-CN" altLang="en-US"/>
               <a:t>单击此处编辑母版文本样式</a:t>
             </a:r>
+            <a:endParaRPr lang="zh-CN" altLang="en-US"/>
           </a:p>
           <a:p>
             <a:pPr lvl="1"/>
@@ -1341,6 +1153,7 @@
               <a:rPr lang="zh-CN" altLang="en-US"/>
               <a:t>二级</a:t>
             </a:r>
+            <a:endParaRPr lang="zh-CN" altLang="en-US"/>
           </a:p>
           <a:p>
             <a:pPr lvl="2"/>
@@ -1348,6 +1161,7 @@
               <a:rPr lang="zh-CN" altLang="en-US"/>
               <a:t>三级</a:t>
             </a:r>
+            <a:endParaRPr lang="zh-CN" altLang="en-US"/>
           </a:p>
           <a:p>
             <a:pPr lvl="3"/>
@@ -1355,6 +1169,7 @@
               <a:rPr lang="zh-CN" altLang="en-US"/>
               <a:t>四级</a:t>
             </a:r>
+            <a:endParaRPr lang="zh-CN" altLang="en-US"/>
           </a:p>
           <a:p>
             <a:pPr lvl="4"/>
@@ -1368,13 +1183,7 @@
       </p:sp>
       <p:sp>
         <p:nvSpPr>
-          <p:cNvPr id="4" name="内容占位符 3">
-            <a:extLst>
-              <a:ext uri="{FF2B5EF4-FFF2-40B4-BE49-F238E27FC236}">
-                <a16:creationId xmlns:a16="http://schemas.microsoft.com/office/drawing/2014/main" id="{2E41C11B-EC6A-49B0-8945-8490859155FC}"/>
-              </a:ext>
-            </a:extLst>
-          </p:cNvPr>
+          <p:cNvPr id="4" name="内容占位符 3"/>
           <p:cNvSpPr>
             <a:spLocks noGrp="1"/>
           </p:cNvSpPr>
@@ -1397,6 +1206,7 @@
               <a:rPr lang="zh-CN" altLang="en-US"/>
               <a:t>单击此处编辑母版文本样式</a:t>
             </a:r>
+            <a:endParaRPr lang="zh-CN" altLang="en-US"/>
           </a:p>
           <a:p>
             <a:pPr lvl="1"/>
@@ -1404,6 +1214,7 @@
               <a:rPr lang="zh-CN" altLang="en-US"/>
               <a:t>二级</a:t>
             </a:r>
+            <a:endParaRPr lang="zh-CN" altLang="en-US"/>
           </a:p>
           <a:p>
             <a:pPr lvl="2"/>
@@ -1411,6 +1222,7 @@
               <a:rPr lang="zh-CN" altLang="en-US"/>
               <a:t>三级</a:t>
             </a:r>
+            <a:endParaRPr lang="zh-CN" altLang="en-US"/>
           </a:p>
           <a:p>
             <a:pPr lvl="3"/>
@@ -1418,6 +1230,7 @@
               <a:rPr lang="zh-CN" altLang="en-US"/>
               <a:t>四级</a:t>
             </a:r>
+            <a:endParaRPr lang="zh-CN" altLang="en-US"/>
           </a:p>
           <a:p>
             <a:pPr lvl="4"/>
@@ -1431,13 +1244,7 @@
       </p:sp>
       <p:sp>
         <p:nvSpPr>
-          <p:cNvPr id="5" name="日期占位符 4">
-            <a:extLst>
-              <a:ext uri="{FF2B5EF4-FFF2-40B4-BE49-F238E27FC236}">
-                <a16:creationId xmlns:a16="http://schemas.microsoft.com/office/drawing/2014/main" id="{EFBCFD21-9886-4871-A210-AD8CCDEA1471}"/>
-              </a:ext>
-            </a:extLst>
-          </p:cNvPr>
+          <p:cNvPr id="5" name="日期占位符 4"/>
           <p:cNvSpPr>
             <a:spLocks noGrp="1"/>
           </p:cNvSpPr>
@@ -1452,7 +1259,6 @@
           <a:p>
             <a:fld id="{C020B53D-227B-4039-9FB3-FDFB3C37236B}" type="datetimeFigureOut">
               <a:rPr lang="en-US" smtClean="0"/>
-              <a:t>2021-09-28</a:t>
             </a:fld>
             <a:endParaRPr lang="en-US"/>
           </a:p>
@@ -1460,13 +1266,7 @@
       </p:sp>
       <p:sp>
         <p:nvSpPr>
-          <p:cNvPr id="6" name="页脚占位符 5">
-            <a:extLst>
-              <a:ext uri="{FF2B5EF4-FFF2-40B4-BE49-F238E27FC236}">
-                <a16:creationId xmlns:a16="http://schemas.microsoft.com/office/drawing/2014/main" id="{8B97B8CD-9401-4615-8420-54452AD61B96}"/>
-              </a:ext>
-            </a:extLst>
-          </p:cNvPr>
+          <p:cNvPr id="6" name="页脚占位符 5"/>
           <p:cNvSpPr>
             <a:spLocks noGrp="1"/>
           </p:cNvSpPr>
@@ -1485,13 +1285,7 @@
       </p:sp>
       <p:sp>
         <p:nvSpPr>
-          <p:cNvPr id="7" name="灯片编号占位符 6">
-            <a:extLst>
-              <a:ext uri="{FF2B5EF4-FFF2-40B4-BE49-F238E27FC236}">
-                <a16:creationId xmlns:a16="http://schemas.microsoft.com/office/drawing/2014/main" id="{16B96051-E0AB-4700-AEFB-45102E4F64CF}"/>
-              </a:ext>
-            </a:extLst>
-          </p:cNvPr>
+          <p:cNvPr id="7" name="灯片编号占位符 6"/>
           <p:cNvSpPr>
             <a:spLocks noGrp="1"/>
           </p:cNvSpPr>
@@ -1506,18 +1300,12 @@
           <a:p>
             <a:fld id="{7F34339B-1C62-4A78-8F04-8594B379508C}" type="slidenum">
               <a:rPr lang="en-US" smtClean="0"/>
-              <a:t>‹#›</a:t>
             </a:fld>
             <a:endParaRPr lang="en-US"/>
           </a:p>
         </p:txBody>
       </p:sp>
     </p:spTree>
-    <p:extLst>
-      <p:ext uri="{BB962C8B-B14F-4D97-AF65-F5344CB8AC3E}">
-        <p14:creationId xmlns:p14="http://schemas.microsoft.com/office/powerpoint/2010/main" val="489241452"/>
-      </p:ext>
-    </p:extLst>
   </p:cSld>
   <p:clrMapOvr>
     <a:masterClrMapping/>
@@ -1544,13 +1332,7 @@
       </p:grpSpPr>
       <p:sp>
         <p:nvSpPr>
-          <p:cNvPr id="2" name="标题 1">
-            <a:extLst>
-              <a:ext uri="{FF2B5EF4-FFF2-40B4-BE49-F238E27FC236}">
-                <a16:creationId xmlns:a16="http://schemas.microsoft.com/office/drawing/2014/main" id="{AAE1DAA3-1F43-4093-B029-E7DB598F44B4}"/>
-              </a:ext>
-            </a:extLst>
-          </p:cNvPr>
+          <p:cNvPr id="2" name="标题 1"/>
           <p:cNvSpPr>
             <a:spLocks noGrp="1"/>
           </p:cNvSpPr>
@@ -1578,13 +1360,7 @@
       </p:sp>
       <p:sp>
         <p:nvSpPr>
-          <p:cNvPr id="3" name="文本占位符 2">
-            <a:extLst>
-              <a:ext uri="{FF2B5EF4-FFF2-40B4-BE49-F238E27FC236}">
-                <a16:creationId xmlns:a16="http://schemas.microsoft.com/office/drawing/2014/main" id="{642852E7-5FFF-4285-8143-A1FF07005C07}"/>
-              </a:ext>
-            </a:extLst>
-          </p:cNvPr>
+          <p:cNvPr id="3" name="文本占位符 2"/>
           <p:cNvSpPr>
             <a:spLocks noGrp="1"/>
           </p:cNvSpPr>
@@ -1644,18 +1420,13 @@
               <a:rPr lang="zh-CN" altLang="en-US"/>
               <a:t>单击此处编辑母版文本样式</a:t>
             </a:r>
+            <a:endParaRPr lang="zh-CN" altLang="en-US"/>
           </a:p>
         </p:txBody>
       </p:sp>
       <p:sp>
         <p:nvSpPr>
-          <p:cNvPr id="4" name="内容占位符 3">
-            <a:extLst>
-              <a:ext uri="{FF2B5EF4-FFF2-40B4-BE49-F238E27FC236}">
-                <a16:creationId xmlns:a16="http://schemas.microsoft.com/office/drawing/2014/main" id="{8CD6F3E0-1246-4651-A138-57D7B7E2F02C}"/>
-              </a:ext>
-            </a:extLst>
-          </p:cNvPr>
+          <p:cNvPr id="4" name="内容占位符 3"/>
           <p:cNvSpPr>
             <a:spLocks noGrp="1"/>
           </p:cNvSpPr>
@@ -1678,6 +1449,7 @@
               <a:rPr lang="zh-CN" altLang="en-US"/>
               <a:t>单击此处编辑母版文本样式</a:t>
             </a:r>
+            <a:endParaRPr lang="zh-CN" altLang="en-US"/>
           </a:p>
           <a:p>
             <a:pPr lvl="1"/>
@@ -1685,6 +1457,7 @@
               <a:rPr lang="zh-CN" altLang="en-US"/>
               <a:t>二级</a:t>
             </a:r>
+            <a:endParaRPr lang="zh-CN" altLang="en-US"/>
           </a:p>
           <a:p>
             <a:pPr lvl="2"/>
@@ -1692,6 +1465,7 @@
               <a:rPr lang="zh-CN" altLang="en-US"/>
               <a:t>三级</a:t>
             </a:r>
+            <a:endParaRPr lang="zh-CN" altLang="en-US"/>
           </a:p>
           <a:p>
             <a:pPr lvl="3"/>
@@ -1699,6 +1473,7 @@
               <a:rPr lang="zh-CN" altLang="en-US"/>
               <a:t>四级</a:t>
             </a:r>
+            <a:endParaRPr lang="zh-CN" altLang="en-US"/>
           </a:p>
           <a:p>
             <a:pPr lvl="4"/>
@@ -1712,13 +1487,7 @@
       </p:sp>
       <p:sp>
         <p:nvSpPr>
-          <p:cNvPr id="5" name="文本占位符 4">
-            <a:extLst>
-              <a:ext uri="{FF2B5EF4-FFF2-40B4-BE49-F238E27FC236}">
-                <a16:creationId xmlns:a16="http://schemas.microsoft.com/office/drawing/2014/main" id="{0AE16DA8-0407-439E-9FF0-5BE69663E737}"/>
-              </a:ext>
-            </a:extLst>
-          </p:cNvPr>
+          <p:cNvPr id="5" name="文本占位符 4"/>
           <p:cNvSpPr>
             <a:spLocks noGrp="1"/>
           </p:cNvSpPr>
@@ -1778,18 +1547,13 @@
               <a:rPr lang="zh-CN" altLang="en-US"/>
               <a:t>单击此处编辑母版文本样式</a:t>
             </a:r>
+            <a:endParaRPr lang="zh-CN" altLang="en-US"/>
           </a:p>
         </p:txBody>
       </p:sp>
       <p:sp>
         <p:nvSpPr>
-          <p:cNvPr id="6" name="内容占位符 5">
-            <a:extLst>
-              <a:ext uri="{FF2B5EF4-FFF2-40B4-BE49-F238E27FC236}">
-                <a16:creationId xmlns:a16="http://schemas.microsoft.com/office/drawing/2014/main" id="{9FC11095-7697-4ADE-B5E5-FF8C72BD2895}"/>
-              </a:ext>
-            </a:extLst>
-          </p:cNvPr>
+          <p:cNvPr id="6" name="内容占位符 5"/>
           <p:cNvSpPr>
             <a:spLocks noGrp="1"/>
           </p:cNvSpPr>
@@ -1812,6 +1576,7 @@
               <a:rPr lang="zh-CN" altLang="en-US"/>
               <a:t>单击此处编辑母版文本样式</a:t>
             </a:r>
+            <a:endParaRPr lang="zh-CN" altLang="en-US"/>
           </a:p>
           <a:p>
             <a:pPr lvl="1"/>
@@ -1819,6 +1584,7 @@
               <a:rPr lang="zh-CN" altLang="en-US"/>
               <a:t>二级</a:t>
             </a:r>
+            <a:endParaRPr lang="zh-CN" altLang="en-US"/>
           </a:p>
           <a:p>
             <a:pPr lvl="2"/>
@@ -1826,6 +1592,7 @@
               <a:rPr lang="zh-CN" altLang="en-US"/>
               <a:t>三级</a:t>
             </a:r>
+            <a:endParaRPr lang="zh-CN" altLang="en-US"/>
           </a:p>
           <a:p>
             <a:pPr lvl="3"/>
@@ -1833,6 +1600,7 @@
               <a:rPr lang="zh-CN" altLang="en-US"/>
               <a:t>四级</a:t>
             </a:r>
+            <a:endParaRPr lang="zh-CN" altLang="en-US"/>
           </a:p>
           <a:p>
             <a:pPr lvl="4"/>
@@ -1846,13 +1614,7 @@
       </p:sp>
       <p:sp>
         <p:nvSpPr>
-          <p:cNvPr id="7" name="日期占位符 6">
-            <a:extLst>
-              <a:ext uri="{FF2B5EF4-FFF2-40B4-BE49-F238E27FC236}">
-                <a16:creationId xmlns:a16="http://schemas.microsoft.com/office/drawing/2014/main" id="{287FE688-BE95-424C-A501-B1F69C813EF1}"/>
-              </a:ext>
-            </a:extLst>
-          </p:cNvPr>
+          <p:cNvPr id="7" name="日期占位符 6"/>
           <p:cNvSpPr>
             <a:spLocks noGrp="1"/>
           </p:cNvSpPr>
@@ -1867,7 +1629,6 @@
           <a:p>
             <a:fld id="{C020B53D-227B-4039-9FB3-FDFB3C37236B}" type="datetimeFigureOut">
               <a:rPr lang="en-US" smtClean="0"/>
-              <a:t>2021-09-28</a:t>
             </a:fld>
             <a:endParaRPr lang="en-US"/>
           </a:p>
@@ -1875,13 +1636,7 @@
       </p:sp>
       <p:sp>
         <p:nvSpPr>
-          <p:cNvPr id="8" name="页脚占位符 7">
-            <a:extLst>
-              <a:ext uri="{FF2B5EF4-FFF2-40B4-BE49-F238E27FC236}">
-                <a16:creationId xmlns:a16="http://schemas.microsoft.com/office/drawing/2014/main" id="{F8FE4CF1-E57A-49A7-B90D-B851F69231B0}"/>
-              </a:ext>
-            </a:extLst>
-          </p:cNvPr>
+          <p:cNvPr id="8" name="页脚占位符 7"/>
           <p:cNvSpPr>
             <a:spLocks noGrp="1"/>
           </p:cNvSpPr>
@@ -1900,13 +1655,7 @@
       </p:sp>
       <p:sp>
         <p:nvSpPr>
-          <p:cNvPr id="9" name="灯片编号占位符 8">
-            <a:extLst>
-              <a:ext uri="{FF2B5EF4-FFF2-40B4-BE49-F238E27FC236}">
-                <a16:creationId xmlns:a16="http://schemas.microsoft.com/office/drawing/2014/main" id="{DD33032F-A479-4833-ABF8-1D65C4AF5BCA}"/>
-              </a:ext>
-            </a:extLst>
-          </p:cNvPr>
+          <p:cNvPr id="9" name="灯片编号占位符 8"/>
           <p:cNvSpPr>
             <a:spLocks noGrp="1"/>
           </p:cNvSpPr>
@@ -1921,18 +1670,12 @@
           <a:p>
             <a:fld id="{7F34339B-1C62-4A78-8F04-8594B379508C}" type="slidenum">
               <a:rPr lang="en-US" smtClean="0"/>
-              <a:t>‹#›</a:t>
             </a:fld>
             <a:endParaRPr lang="en-US"/>
           </a:p>
         </p:txBody>
       </p:sp>
     </p:spTree>
-    <p:extLst>
-      <p:ext uri="{BB962C8B-B14F-4D97-AF65-F5344CB8AC3E}">
-        <p14:creationId xmlns:p14="http://schemas.microsoft.com/office/powerpoint/2010/main" val="3312983880"/>
-      </p:ext>
-    </p:extLst>
   </p:cSld>
   <p:clrMapOvr>
     <a:masterClrMapping/>
@@ -1959,13 +1702,7 @@
       </p:grpSpPr>
       <p:sp>
         <p:nvSpPr>
-          <p:cNvPr id="2" name="标题 1">
-            <a:extLst>
-              <a:ext uri="{FF2B5EF4-FFF2-40B4-BE49-F238E27FC236}">
-                <a16:creationId xmlns:a16="http://schemas.microsoft.com/office/drawing/2014/main" id="{9F6B4B91-CC2D-4BA2-A6A4-E01E3871406B}"/>
-              </a:ext>
-            </a:extLst>
-          </p:cNvPr>
+          <p:cNvPr id="2" name="标题 1"/>
           <p:cNvSpPr>
             <a:spLocks noGrp="1"/>
           </p:cNvSpPr>
@@ -1988,13 +1725,7 @@
       </p:sp>
       <p:sp>
         <p:nvSpPr>
-          <p:cNvPr id="3" name="日期占位符 2">
-            <a:extLst>
-              <a:ext uri="{FF2B5EF4-FFF2-40B4-BE49-F238E27FC236}">
-                <a16:creationId xmlns:a16="http://schemas.microsoft.com/office/drawing/2014/main" id="{9BFFB67B-A861-49B3-831A-4FDDAD63C7F1}"/>
-              </a:ext>
-            </a:extLst>
-          </p:cNvPr>
+          <p:cNvPr id="3" name="日期占位符 2"/>
           <p:cNvSpPr>
             <a:spLocks noGrp="1"/>
           </p:cNvSpPr>
@@ -2009,7 +1740,6 @@
           <a:p>
             <a:fld id="{C020B53D-227B-4039-9FB3-FDFB3C37236B}" type="datetimeFigureOut">
               <a:rPr lang="en-US" smtClean="0"/>
-              <a:t>2021-09-28</a:t>
             </a:fld>
             <a:endParaRPr lang="en-US"/>
           </a:p>
@@ -2017,13 +1747,7 @@
       </p:sp>
       <p:sp>
         <p:nvSpPr>
-          <p:cNvPr id="4" name="页脚占位符 3">
-            <a:extLst>
-              <a:ext uri="{FF2B5EF4-FFF2-40B4-BE49-F238E27FC236}">
-                <a16:creationId xmlns:a16="http://schemas.microsoft.com/office/drawing/2014/main" id="{D5A5D8B3-3A8D-4B09-8F89-0F8052689402}"/>
-              </a:ext>
-            </a:extLst>
-          </p:cNvPr>
+          <p:cNvPr id="4" name="页脚占位符 3"/>
           <p:cNvSpPr>
             <a:spLocks noGrp="1"/>
           </p:cNvSpPr>
@@ -2042,13 +1766,7 @@
       </p:sp>
       <p:sp>
         <p:nvSpPr>
-          <p:cNvPr id="5" name="灯片编号占位符 4">
-            <a:extLst>
-              <a:ext uri="{FF2B5EF4-FFF2-40B4-BE49-F238E27FC236}">
-                <a16:creationId xmlns:a16="http://schemas.microsoft.com/office/drawing/2014/main" id="{6E040ADD-3AA6-4664-B55C-E6A9A07A471C}"/>
-              </a:ext>
-            </a:extLst>
-          </p:cNvPr>
+          <p:cNvPr id="5" name="灯片编号占位符 4"/>
           <p:cNvSpPr>
             <a:spLocks noGrp="1"/>
           </p:cNvSpPr>
@@ -2063,18 +1781,12 @@
           <a:p>
             <a:fld id="{7F34339B-1C62-4A78-8F04-8594B379508C}" type="slidenum">
               <a:rPr lang="en-US" smtClean="0"/>
-              <a:t>‹#›</a:t>
             </a:fld>
             <a:endParaRPr lang="en-US"/>
           </a:p>
         </p:txBody>
       </p:sp>
     </p:spTree>
-    <p:extLst>
-      <p:ext uri="{BB962C8B-B14F-4D97-AF65-F5344CB8AC3E}">
-        <p14:creationId xmlns:p14="http://schemas.microsoft.com/office/powerpoint/2010/main" val="3043574797"/>
-      </p:ext>
-    </p:extLst>
   </p:cSld>
   <p:clrMapOvr>
     <a:masterClrMapping/>
@@ -2101,13 +1813,7 @@
       </p:grpSpPr>
       <p:sp>
         <p:nvSpPr>
-          <p:cNvPr id="2" name="日期占位符 1">
-            <a:extLst>
-              <a:ext uri="{FF2B5EF4-FFF2-40B4-BE49-F238E27FC236}">
-                <a16:creationId xmlns:a16="http://schemas.microsoft.com/office/drawing/2014/main" id="{132A9F05-24F3-4A42-B785-00DBA4E69661}"/>
-              </a:ext>
-            </a:extLst>
-          </p:cNvPr>
+          <p:cNvPr id="2" name="日期占位符 1"/>
           <p:cNvSpPr>
             <a:spLocks noGrp="1"/>
           </p:cNvSpPr>
@@ -2122,7 +1828,6 @@
           <a:p>
             <a:fld id="{C020B53D-227B-4039-9FB3-FDFB3C37236B}" type="datetimeFigureOut">
               <a:rPr lang="en-US" smtClean="0"/>
-              <a:t>2021-09-28</a:t>
             </a:fld>
             <a:endParaRPr lang="en-US"/>
           </a:p>
@@ -2130,13 +1835,7 @@
       </p:sp>
       <p:sp>
         <p:nvSpPr>
-          <p:cNvPr id="3" name="页脚占位符 2">
-            <a:extLst>
-              <a:ext uri="{FF2B5EF4-FFF2-40B4-BE49-F238E27FC236}">
-                <a16:creationId xmlns:a16="http://schemas.microsoft.com/office/drawing/2014/main" id="{74C6AA69-A2FB-4BF2-B223-A857F235F7FC}"/>
-              </a:ext>
-            </a:extLst>
-          </p:cNvPr>
+          <p:cNvPr id="3" name="页脚占位符 2"/>
           <p:cNvSpPr>
             <a:spLocks noGrp="1"/>
           </p:cNvSpPr>
@@ -2155,13 +1854,7 @@
       </p:sp>
       <p:sp>
         <p:nvSpPr>
-          <p:cNvPr id="4" name="灯片编号占位符 3">
-            <a:extLst>
-              <a:ext uri="{FF2B5EF4-FFF2-40B4-BE49-F238E27FC236}">
-                <a16:creationId xmlns:a16="http://schemas.microsoft.com/office/drawing/2014/main" id="{786F140F-CC8E-4998-8D13-B5E309F9A14B}"/>
-              </a:ext>
-            </a:extLst>
-          </p:cNvPr>
+          <p:cNvPr id="4" name="灯片编号占位符 3"/>
           <p:cNvSpPr>
             <a:spLocks noGrp="1"/>
           </p:cNvSpPr>
@@ -2176,18 +1869,12 @@
           <a:p>
             <a:fld id="{7F34339B-1C62-4A78-8F04-8594B379508C}" type="slidenum">
               <a:rPr lang="en-US" smtClean="0"/>
-              <a:t>‹#›</a:t>
             </a:fld>
             <a:endParaRPr lang="en-US"/>
           </a:p>
         </p:txBody>
       </p:sp>
     </p:spTree>
-    <p:extLst>
-      <p:ext uri="{BB962C8B-B14F-4D97-AF65-F5344CB8AC3E}">
-        <p14:creationId xmlns:p14="http://schemas.microsoft.com/office/powerpoint/2010/main" val="2376604055"/>
-      </p:ext>
-    </p:extLst>
   </p:cSld>
   <p:clrMapOvr>
     <a:masterClrMapping/>
@@ -2214,13 +1901,7 @@
       </p:grpSpPr>
       <p:sp>
         <p:nvSpPr>
-          <p:cNvPr id="2" name="标题 1">
-            <a:extLst>
-              <a:ext uri="{FF2B5EF4-FFF2-40B4-BE49-F238E27FC236}">
-                <a16:creationId xmlns:a16="http://schemas.microsoft.com/office/drawing/2014/main" id="{4EA3A317-276D-4678-9D8C-8FA9D3238E36}"/>
-              </a:ext>
-            </a:extLst>
-          </p:cNvPr>
+          <p:cNvPr id="2" name="标题 1"/>
           <p:cNvSpPr>
             <a:spLocks noGrp="1"/>
           </p:cNvSpPr>
@@ -2252,13 +1933,7 @@
       </p:sp>
       <p:sp>
         <p:nvSpPr>
-          <p:cNvPr id="3" name="内容占位符 2">
-            <a:extLst>
-              <a:ext uri="{FF2B5EF4-FFF2-40B4-BE49-F238E27FC236}">
-                <a16:creationId xmlns:a16="http://schemas.microsoft.com/office/drawing/2014/main" id="{9AEA1537-9581-4310-96C3-DD61AEADDDC4}"/>
-              </a:ext>
-            </a:extLst>
-          </p:cNvPr>
+          <p:cNvPr id="3" name="内容占位符 2"/>
           <p:cNvSpPr>
             <a:spLocks noGrp="1"/>
           </p:cNvSpPr>
@@ -2309,6 +1984,7 @@
               <a:rPr lang="zh-CN" altLang="en-US"/>
               <a:t>单击此处编辑母版文本样式</a:t>
             </a:r>
+            <a:endParaRPr lang="zh-CN" altLang="en-US"/>
           </a:p>
           <a:p>
             <a:pPr lvl="1"/>
@@ -2316,6 +1992,7 @@
               <a:rPr lang="zh-CN" altLang="en-US"/>
               <a:t>二级</a:t>
             </a:r>
+            <a:endParaRPr lang="zh-CN" altLang="en-US"/>
           </a:p>
           <a:p>
             <a:pPr lvl="2"/>
@@ -2323,6 +2000,7 @@
               <a:rPr lang="zh-CN" altLang="en-US"/>
               <a:t>三级</a:t>
             </a:r>
+            <a:endParaRPr lang="zh-CN" altLang="en-US"/>
           </a:p>
           <a:p>
             <a:pPr lvl="3"/>
@@ -2330,6 +2008,7 @@
               <a:rPr lang="zh-CN" altLang="en-US"/>
               <a:t>四级</a:t>
             </a:r>
+            <a:endParaRPr lang="zh-CN" altLang="en-US"/>
           </a:p>
           <a:p>
             <a:pPr lvl="4"/>
@@ -2343,13 +2022,7 @@
       </p:sp>
       <p:sp>
         <p:nvSpPr>
-          <p:cNvPr id="4" name="文本占位符 3">
-            <a:extLst>
-              <a:ext uri="{FF2B5EF4-FFF2-40B4-BE49-F238E27FC236}">
-                <a16:creationId xmlns:a16="http://schemas.microsoft.com/office/drawing/2014/main" id="{DC30704E-1F05-49AE-AE97-5BA7C0812433}"/>
-              </a:ext>
-            </a:extLst>
-          </p:cNvPr>
+          <p:cNvPr id="4" name="文本占位符 3"/>
           <p:cNvSpPr>
             <a:spLocks noGrp="1"/>
           </p:cNvSpPr>
@@ -2409,18 +2082,13 @@
               <a:rPr lang="zh-CN" altLang="en-US"/>
               <a:t>单击此处编辑母版文本样式</a:t>
             </a:r>
+            <a:endParaRPr lang="zh-CN" altLang="en-US"/>
           </a:p>
         </p:txBody>
       </p:sp>
       <p:sp>
         <p:nvSpPr>
-          <p:cNvPr id="5" name="日期占位符 4">
-            <a:extLst>
-              <a:ext uri="{FF2B5EF4-FFF2-40B4-BE49-F238E27FC236}">
-                <a16:creationId xmlns:a16="http://schemas.microsoft.com/office/drawing/2014/main" id="{CA30FA99-1127-48E5-A923-E9F709BD3866}"/>
-              </a:ext>
-            </a:extLst>
-          </p:cNvPr>
+          <p:cNvPr id="5" name="日期占位符 4"/>
           <p:cNvSpPr>
             <a:spLocks noGrp="1"/>
           </p:cNvSpPr>
@@ -2435,7 +2103,6 @@
           <a:p>
             <a:fld id="{C020B53D-227B-4039-9FB3-FDFB3C37236B}" type="datetimeFigureOut">
               <a:rPr lang="en-US" smtClean="0"/>
-              <a:t>2021-09-28</a:t>
             </a:fld>
             <a:endParaRPr lang="en-US"/>
           </a:p>
@@ -2443,13 +2110,7 @@
       </p:sp>
       <p:sp>
         <p:nvSpPr>
-          <p:cNvPr id="6" name="页脚占位符 5">
-            <a:extLst>
-              <a:ext uri="{FF2B5EF4-FFF2-40B4-BE49-F238E27FC236}">
-                <a16:creationId xmlns:a16="http://schemas.microsoft.com/office/drawing/2014/main" id="{DCF191FC-1EDA-4783-A438-4EC61AD3D4B2}"/>
-              </a:ext>
-            </a:extLst>
-          </p:cNvPr>
+          <p:cNvPr id="6" name="页脚占位符 5"/>
           <p:cNvSpPr>
             <a:spLocks noGrp="1"/>
           </p:cNvSpPr>
@@ -2468,13 +2129,7 @@
       </p:sp>
       <p:sp>
         <p:nvSpPr>
-          <p:cNvPr id="7" name="灯片编号占位符 6">
-            <a:extLst>
-              <a:ext uri="{FF2B5EF4-FFF2-40B4-BE49-F238E27FC236}">
-                <a16:creationId xmlns:a16="http://schemas.microsoft.com/office/drawing/2014/main" id="{FD9EB690-A05B-4293-920D-A1EB2DD0EF32}"/>
-              </a:ext>
-            </a:extLst>
-          </p:cNvPr>
+          <p:cNvPr id="7" name="灯片编号占位符 6"/>
           <p:cNvSpPr>
             <a:spLocks noGrp="1"/>
           </p:cNvSpPr>
@@ -2489,18 +2144,12 @@
           <a:p>
             <a:fld id="{7F34339B-1C62-4A78-8F04-8594B379508C}" type="slidenum">
               <a:rPr lang="en-US" smtClean="0"/>
-              <a:t>‹#›</a:t>
             </a:fld>
             <a:endParaRPr lang="en-US"/>
           </a:p>
         </p:txBody>
       </p:sp>
     </p:spTree>
-    <p:extLst>
-      <p:ext uri="{BB962C8B-B14F-4D97-AF65-F5344CB8AC3E}">
-        <p14:creationId xmlns:p14="http://schemas.microsoft.com/office/powerpoint/2010/main" val="1605729065"/>
-      </p:ext>
-    </p:extLst>
   </p:cSld>
   <p:clrMapOvr>
     <a:masterClrMapping/>
@@ -2527,13 +2176,7 @@
       </p:grpSpPr>
       <p:sp>
         <p:nvSpPr>
-          <p:cNvPr id="2" name="标题 1">
-            <a:extLst>
-              <a:ext uri="{FF2B5EF4-FFF2-40B4-BE49-F238E27FC236}">
-                <a16:creationId xmlns:a16="http://schemas.microsoft.com/office/drawing/2014/main" id="{C7FE0810-DDD5-4F7C-B9A8-54E283C3DA10}"/>
-              </a:ext>
-            </a:extLst>
-          </p:cNvPr>
+          <p:cNvPr id="2" name="标题 1"/>
           <p:cNvSpPr>
             <a:spLocks noGrp="1"/>
           </p:cNvSpPr>
@@ -2565,13 +2208,7 @@
       </p:sp>
       <p:sp>
         <p:nvSpPr>
-          <p:cNvPr id="3" name="图片占位符 2">
-            <a:extLst>
-              <a:ext uri="{FF2B5EF4-FFF2-40B4-BE49-F238E27FC236}">
-                <a16:creationId xmlns:a16="http://schemas.microsoft.com/office/drawing/2014/main" id="{B1E946F5-FE66-43D0-B96D-E469EC65B263}"/>
-              </a:ext>
-            </a:extLst>
-          </p:cNvPr>
+          <p:cNvPr id="3" name="图片占位符 2"/>
           <p:cNvSpPr>
             <a:spLocks noGrp="1"/>
           </p:cNvSpPr>
@@ -2632,13 +2269,7 @@
       </p:sp>
       <p:sp>
         <p:nvSpPr>
-          <p:cNvPr id="4" name="文本占位符 3">
-            <a:extLst>
-              <a:ext uri="{FF2B5EF4-FFF2-40B4-BE49-F238E27FC236}">
-                <a16:creationId xmlns:a16="http://schemas.microsoft.com/office/drawing/2014/main" id="{B878046D-F98A-42FB-8BB7-8ECEDB2D6B73}"/>
-              </a:ext>
-            </a:extLst>
-          </p:cNvPr>
+          <p:cNvPr id="4" name="文本占位符 3"/>
           <p:cNvSpPr>
             <a:spLocks noGrp="1"/>
           </p:cNvSpPr>
@@ -2698,18 +2329,13 @@
               <a:rPr lang="zh-CN" altLang="en-US"/>
               <a:t>单击此处编辑母版文本样式</a:t>
             </a:r>
+            <a:endParaRPr lang="zh-CN" altLang="en-US"/>
           </a:p>
         </p:txBody>
       </p:sp>
       <p:sp>
         <p:nvSpPr>
-          <p:cNvPr id="5" name="日期占位符 4">
-            <a:extLst>
-              <a:ext uri="{FF2B5EF4-FFF2-40B4-BE49-F238E27FC236}">
-                <a16:creationId xmlns:a16="http://schemas.microsoft.com/office/drawing/2014/main" id="{B884BD34-BF12-4046-B3AE-15AB76EC7A55}"/>
-              </a:ext>
-            </a:extLst>
-          </p:cNvPr>
+          <p:cNvPr id="5" name="日期占位符 4"/>
           <p:cNvSpPr>
             <a:spLocks noGrp="1"/>
           </p:cNvSpPr>
@@ -2724,7 +2350,6 @@
           <a:p>
             <a:fld id="{C020B53D-227B-4039-9FB3-FDFB3C37236B}" type="datetimeFigureOut">
               <a:rPr lang="en-US" smtClean="0"/>
-              <a:t>2021-09-28</a:t>
             </a:fld>
             <a:endParaRPr lang="en-US"/>
           </a:p>
@@ -2732,13 +2357,7 @@
       </p:sp>
       <p:sp>
         <p:nvSpPr>
-          <p:cNvPr id="6" name="页脚占位符 5">
-            <a:extLst>
-              <a:ext uri="{FF2B5EF4-FFF2-40B4-BE49-F238E27FC236}">
-                <a16:creationId xmlns:a16="http://schemas.microsoft.com/office/drawing/2014/main" id="{35ACA211-8006-402B-ADB0-B4BBDC5F507F}"/>
-              </a:ext>
-            </a:extLst>
-          </p:cNvPr>
+          <p:cNvPr id="6" name="页脚占位符 5"/>
           <p:cNvSpPr>
             <a:spLocks noGrp="1"/>
           </p:cNvSpPr>
@@ -2757,13 +2376,7 @@
       </p:sp>
       <p:sp>
         <p:nvSpPr>
-          <p:cNvPr id="7" name="灯片编号占位符 6">
-            <a:extLst>
-              <a:ext uri="{FF2B5EF4-FFF2-40B4-BE49-F238E27FC236}">
-                <a16:creationId xmlns:a16="http://schemas.microsoft.com/office/drawing/2014/main" id="{DE68C435-4101-4021-8982-7ACD70DD62E7}"/>
-              </a:ext>
-            </a:extLst>
-          </p:cNvPr>
+          <p:cNvPr id="7" name="灯片编号占位符 6"/>
           <p:cNvSpPr>
             <a:spLocks noGrp="1"/>
           </p:cNvSpPr>
@@ -2778,18 +2391,12 @@
           <a:p>
             <a:fld id="{7F34339B-1C62-4A78-8F04-8594B379508C}" type="slidenum">
               <a:rPr lang="en-US" smtClean="0"/>
-              <a:t>‹#›</a:t>
             </a:fld>
             <a:endParaRPr lang="en-US"/>
           </a:p>
         </p:txBody>
       </p:sp>
     </p:spTree>
-    <p:extLst>
-      <p:ext uri="{BB962C8B-B14F-4D97-AF65-F5344CB8AC3E}">
-        <p14:creationId xmlns:p14="http://schemas.microsoft.com/office/powerpoint/2010/main" val="1362103225"/>
-      </p:ext>
-    </p:extLst>
   </p:cSld>
   <p:clrMapOvr>
     <a:masterClrMapping/>
@@ -2821,13 +2428,7 @@
       </p:grpSpPr>
       <p:sp>
         <p:nvSpPr>
-          <p:cNvPr id="2" name="标题占位符 1">
-            <a:extLst>
-              <a:ext uri="{FF2B5EF4-FFF2-40B4-BE49-F238E27FC236}">
-                <a16:creationId xmlns:a16="http://schemas.microsoft.com/office/drawing/2014/main" id="{16F31793-2705-4B97-9F14-793B995C2685}"/>
-              </a:ext>
-            </a:extLst>
-          </p:cNvPr>
+          <p:cNvPr id="2" name="标题占位符 1"/>
           <p:cNvSpPr>
             <a:spLocks noGrp="1"/>
           </p:cNvSpPr>
@@ -2860,13 +2461,7 @@
       </p:sp>
       <p:sp>
         <p:nvSpPr>
-          <p:cNvPr id="3" name="文本占位符 2">
-            <a:extLst>
-              <a:ext uri="{FF2B5EF4-FFF2-40B4-BE49-F238E27FC236}">
-                <a16:creationId xmlns:a16="http://schemas.microsoft.com/office/drawing/2014/main" id="{594B4BCF-0D37-4C33-93A8-09FAF3763DF0}"/>
-              </a:ext>
-            </a:extLst>
-          </p:cNvPr>
+          <p:cNvPr id="3" name="文本占位符 2"/>
           <p:cNvSpPr>
             <a:spLocks noGrp="1"/>
           </p:cNvSpPr>
@@ -2894,6 +2489,7 @@
               <a:rPr lang="zh-CN" altLang="en-US"/>
               <a:t>单击此处编辑母版文本样式</a:t>
             </a:r>
+            <a:endParaRPr lang="zh-CN" altLang="en-US"/>
           </a:p>
           <a:p>
             <a:pPr lvl="1"/>
@@ -2901,6 +2497,7 @@
               <a:rPr lang="zh-CN" altLang="en-US"/>
               <a:t>二级</a:t>
             </a:r>
+            <a:endParaRPr lang="zh-CN" altLang="en-US"/>
           </a:p>
           <a:p>
             <a:pPr lvl="2"/>
@@ -2908,6 +2505,7 @@
               <a:rPr lang="zh-CN" altLang="en-US"/>
               <a:t>三级</a:t>
             </a:r>
+            <a:endParaRPr lang="zh-CN" altLang="en-US"/>
           </a:p>
           <a:p>
             <a:pPr lvl="3"/>
@@ -2915,6 +2513,7 @@
               <a:rPr lang="zh-CN" altLang="en-US"/>
               <a:t>四级</a:t>
             </a:r>
+            <a:endParaRPr lang="zh-CN" altLang="en-US"/>
           </a:p>
           <a:p>
             <a:pPr lvl="4"/>
@@ -2928,13 +2527,7 @@
       </p:sp>
       <p:sp>
         <p:nvSpPr>
-          <p:cNvPr id="4" name="日期占位符 3">
-            <a:extLst>
-              <a:ext uri="{FF2B5EF4-FFF2-40B4-BE49-F238E27FC236}">
-                <a16:creationId xmlns:a16="http://schemas.microsoft.com/office/drawing/2014/main" id="{E517761A-3511-4388-A71D-0DAE4B23762C}"/>
-              </a:ext>
-            </a:extLst>
-          </p:cNvPr>
+          <p:cNvPr id="4" name="日期占位符 3"/>
           <p:cNvSpPr>
             <a:spLocks noGrp="1"/>
           </p:cNvSpPr>
@@ -2967,7 +2560,6 @@
           <a:p>
             <a:fld id="{C020B53D-227B-4039-9FB3-FDFB3C37236B}" type="datetimeFigureOut">
               <a:rPr lang="en-US" smtClean="0"/>
-              <a:t>2021-09-28</a:t>
             </a:fld>
             <a:endParaRPr lang="en-US"/>
           </a:p>
@@ -2975,13 +2567,7 @@
       </p:sp>
       <p:sp>
         <p:nvSpPr>
-          <p:cNvPr id="5" name="页脚占位符 4">
-            <a:extLst>
-              <a:ext uri="{FF2B5EF4-FFF2-40B4-BE49-F238E27FC236}">
-                <a16:creationId xmlns:a16="http://schemas.microsoft.com/office/drawing/2014/main" id="{879CC5A2-6AA0-4217-95F5-1CFA11A733D2}"/>
-              </a:ext>
-            </a:extLst>
-          </p:cNvPr>
+          <p:cNvPr id="5" name="页脚占位符 4"/>
           <p:cNvSpPr>
             <a:spLocks noGrp="1"/>
           </p:cNvSpPr>
@@ -3018,13 +2604,7 @@
       </p:sp>
       <p:sp>
         <p:nvSpPr>
-          <p:cNvPr id="6" name="灯片编号占位符 5">
-            <a:extLst>
-              <a:ext uri="{FF2B5EF4-FFF2-40B4-BE49-F238E27FC236}">
-                <a16:creationId xmlns:a16="http://schemas.microsoft.com/office/drawing/2014/main" id="{B93D7F63-FDF8-4742-BFB9-16B0DA4305CF}"/>
-              </a:ext>
-            </a:extLst>
-          </p:cNvPr>
+          <p:cNvPr id="6" name="灯片编号占位符 5"/>
           <p:cNvSpPr>
             <a:spLocks noGrp="1"/>
           </p:cNvSpPr>
@@ -3057,18 +2637,12 @@
           <a:p>
             <a:fld id="{7F34339B-1C62-4A78-8F04-8594B379508C}" type="slidenum">
               <a:rPr lang="en-US" smtClean="0"/>
-              <a:t>‹#›</a:t>
             </a:fld>
             <a:endParaRPr lang="en-US"/>
           </a:p>
         </p:txBody>
       </p:sp>
     </p:spTree>
-    <p:extLst>
-      <p:ext uri="{BB962C8B-B14F-4D97-AF65-F5344CB8AC3E}">
-        <p14:creationId xmlns:p14="http://schemas.microsoft.com/office/powerpoint/2010/main" val="2622905837"/>
-      </p:ext>
-    </p:extLst>
   </p:cSld>
   <p:clrMap bg1="lt1" tx1="dk1" bg2="lt2" tx2="dk2" accent1="accent1" accent2="accent2" accent3="accent3" accent4="accent4" accent5="accent5" accent6="accent6" hlink="hlink" folHlink="folHlink"/>
   <p:sldLayoutIdLst>
@@ -3112,7 +2686,7 @@
         <a:spcBef>
           <a:spcPts val="1000"/>
         </a:spcBef>
-        <a:buFont typeface="Arial" panose="020B0604020202020204" pitchFamily="34" charset="0"/>
+        <a:buFont typeface="Arial" panose="02080604020202020204" pitchFamily="34" charset="0"/>
         <a:buChar char="•"/>
         <a:defRPr sz="2800" kern="1200">
           <a:solidFill>
@@ -3130,7 +2704,7 @@
         <a:spcBef>
           <a:spcPts val="500"/>
         </a:spcBef>
-        <a:buFont typeface="Arial" panose="020B0604020202020204" pitchFamily="34" charset="0"/>
+        <a:buFont typeface="Arial" panose="02080604020202020204" pitchFamily="34" charset="0"/>
         <a:buChar char="•"/>
         <a:defRPr sz="2400" kern="1200">
           <a:solidFill>
@@ -3148,7 +2722,7 @@
         <a:spcBef>
           <a:spcPts val="500"/>
         </a:spcBef>
-        <a:buFont typeface="Arial" panose="020B0604020202020204" pitchFamily="34" charset="0"/>
+        <a:buFont typeface="Arial" panose="02080604020202020204" pitchFamily="34" charset="0"/>
         <a:buChar char="•"/>
         <a:defRPr sz="2000" kern="1200">
           <a:solidFill>
@@ -3166,7 +2740,7 @@
         <a:spcBef>
           <a:spcPts val="500"/>
         </a:spcBef>
-        <a:buFont typeface="Arial" panose="020B0604020202020204" pitchFamily="34" charset="0"/>
+        <a:buFont typeface="Arial" panose="02080604020202020204" pitchFamily="34" charset="0"/>
         <a:buChar char="•"/>
         <a:defRPr sz="1800" kern="1200">
           <a:solidFill>
@@ -3184,7 +2758,7 @@
         <a:spcBef>
           <a:spcPts val="500"/>
         </a:spcBef>
-        <a:buFont typeface="Arial" panose="020B0604020202020204" pitchFamily="34" charset="0"/>
+        <a:buFont typeface="Arial" panose="02080604020202020204" pitchFamily="34" charset="0"/>
         <a:buChar char="•"/>
         <a:defRPr sz="1800" kern="1200">
           <a:solidFill>
@@ -3202,7 +2776,7 @@
         <a:spcBef>
           <a:spcPts val="500"/>
         </a:spcBef>
-        <a:buFont typeface="Arial" panose="020B0604020202020204" pitchFamily="34" charset="0"/>
+        <a:buFont typeface="Arial" panose="02080604020202020204" pitchFamily="34" charset="0"/>
         <a:buChar char="•"/>
         <a:defRPr sz="1800" kern="1200">
           <a:solidFill>
@@ -3220,7 +2794,7 @@
         <a:spcBef>
           <a:spcPts val="500"/>
         </a:spcBef>
-        <a:buFont typeface="Arial" panose="020B0604020202020204" pitchFamily="34" charset="0"/>
+        <a:buFont typeface="Arial" panose="02080604020202020204" pitchFamily="34" charset="0"/>
         <a:buChar char="•"/>
         <a:defRPr sz="1800" kern="1200">
           <a:solidFill>
@@ -3238,7 +2812,7 @@
         <a:spcBef>
           <a:spcPts val="500"/>
         </a:spcBef>
-        <a:buFont typeface="Arial" panose="020B0604020202020204" pitchFamily="34" charset="0"/>
+        <a:buFont typeface="Arial" panose="02080604020202020204" pitchFamily="34" charset="0"/>
         <a:buChar char="•"/>
         <a:defRPr sz="1800" kern="1200">
           <a:solidFill>
@@ -3256,7 +2830,7 @@
         <a:spcBef>
           <a:spcPts val="500"/>
         </a:spcBef>
-        <a:buFont typeface="Arial" panose="020B0604020202020204" pitchFamily="34" charset="0"/>
+        <a:buFont typeface="Arial" panose="02080604020202020204" pitchFamily="34" charset="0"/>
         <a:buChar char="•"/>
         <a:defRPr sz="1800" kern="1200">
           <a:solidFill>
@@ -3386,13 +2960,7 @@
       </p:grpSpPr>
       <p:sp>
         <p:nvSpPr>
-          <p:cNvPr id="2" name="标题 1">
-            <a:extLst>
-              <a:ext uri="{FF2B5EF4-FFF2-40B4-BE49-F238E27FC236}">
-                <a16:creationId xmlns:a16="http://schemas.microsoft.com/office/drawing/2014/main" id="{F7FB974E-FDF9-47AD-B73D-2F48DADDAC15}"/>
-              </a:ext>
-            </a:extLst>
-          </p:cNvPr>
+          <p:cNvPr id="2" name="标题 1"/>
           <p:cNvSpPr>
             <a:spLocks noGrp="1"/>
           </p:cNvSpPr>
@@ -3422,13 +2990,7 @@
       </p:sp>
       <p:sp>
         <p:nvSpPr>
-          <p:cNvPr id="3" name="副标题 2">
-            <a:extLst>
-              <a:ext uri="{FF2B5EF4-FFF2-40B4-BE49-F238E27FC236}">
-                <a16:creationId xmlns:a16="http://schemas.microsoft.com/office/drawing/2014/main" id="{7730E9ED-4082-48C1-9706-0FA0AA4FD79A}"/>
-              </a:ext>
-            </a:extLst>
-          </p:cNvPr>
+          <p:cNvPr id="3" name="副标题 2"/>
           <p:cNvSpPr>
             <a:spLocks noGrp="1"/>
           </p:cNvSpPr>
@@ -3458,6 +3020,7 @@
               <a:rPr lang="en-GB" dirty="0"/>
               <a:t>Data Structures and Algorithms</a:t>
             </a:r>
+            <a:endParaRPr lang="en-GB" dirty="0"/>
           </a:p>
           <a:p>
             <a:pPr>
@@ -3478,6 +3041,13 @@
               </a:rPr>
               <a:t>Nanjing University, Fall 2021</a:t>
             </a:r>
+            <a:endParaRPr lang="en-GB" sz="2000" dirty="0">
+              <a:solidFill>
+                <a:schemeClr val="bg2">
+                  <a:lumMod val="50000"/>
+                </a:schemeClr>
+              </a:solidFill>
+            </a:endParaRPr>
           </a:p>
           <a:p>
             <a:pPr>
@@ -3509,11 +3079,6 @@
         </p:txBody>
       </p:sp>
     </p:spTree>
-    <p:extLst>
-      <p:ext uri="{BB962C8B-B14F-4D97-AF65-F5344CB8AC3E}">
-        <p14:creationId xmlns:p14="http://schemas.microsoft.com/office/powerpoint/2010/main" val="3322341687"/>
-      </p:ext>
-    </p:extLst>
   </p:cSld>
   <p:clrMapOvr>
     <a:masterClrMapping/>
@@ -3540,13 +3105,7 @@
       </p:grpSpPr>
       <p:sp>
         <p:nvSpPr>
-          <p:cNvPr id="2" name="标题 1">
-            <a:extLst>
-              <a:ext uri="{FF2B5EF4-FFF2-40B4-BE49-F238E27FC236}">
-                <a16:creationId xmlns:a16="http://schemas.microsoft.com/office/drawing/2014/main" id="{1E23ACB0-F271-4C81-AABF-9A254AE79F50}"/>
-              </a:ext>
-            </a:extLst>
-          </p:cNvPr>
+          <p:cNvPr id="2" name="标题 1"/>
           <p:cNvSpPr>
             <a:spLocks noGrp="1"/>
           </p:cNvSpPr>
@@ -3572,20 +3131,15 @@
               <a:rPr lang="en-US" sz="3800" dirty="0"/>
               <a:t>Comparison-based sorting lower bound</a:t>
             </a:r>
+            <a:endParaRPr lang="en-US" sz="3800" dirty="0"/>
           </a:p>
         </p:txBody>
       </p:sp>
-      <mc:AlternateContent xmlns:mc="http://schemas.openxmlformats.org/markup-compatibility/2006" xmlns:a14="http://schemas.microsoft.com/office/drawing/2010/main">
-        <mc:Choice Requires="a14">
+      <mc:AlternateContent xmlns:mc="http://schemas.openxmlformats.org/markup-compatibility/2006">
+        <mc:Choice xmlns:a14="http://schemas.microsoft.com/office/drawing/2010/main" Requires="a14">
           <p:sp>
             <p:nvSpPr>
-              <p:cNvPr id="3" name="内容占位符 2">
-                <a:extLst>
-                  <a:ext uri="{FF2B5EF4-FFF2-40B4-BE49-F238E27FC236}">
-                    <a16:creationId xmlns:a16="http://schemas.microsoft.com/office/drawing/2014/main" id="{BFD168A2-663C-4731-9C4B-9AC154E931E5}"/>
-                  </a:ext>
-                </a:extLst>
-              </p:cNvPr>
+              <p:cNvPr id="3" name="内容占位符 2"/>
               <p:cNvSpPr>
                 <a:spLocks noGrp="1"/>
               </p:cNvSpPr>
@@ -3609,6 +3163,7 @@
                   <a:rPr lang="en-US" sz="2400" dirty="0"/>
                   <a:t>Assume input items are distinct.</a:t>
                 </a:r>
+                <a:endParaRPr lang="en-US" sz="2400" dirty="0"/>
               </a:p>
               <a:p>
                 <a:r>
@@ -3629,6 +3184,7 @@
                   <a:rPr lang="en-US" sz="2400" dirty="0"/>
                   <a:t>” to do comparison.</a:t>
                 </a:r>
+                <a:endParaRPr lang="en-US" sz="2400" dirty="0"/>
               </a:p>
               <a:p>
                 <a:r>
@@ -3647,6 +3203,7 @@
                   <a:rPr lang="en-US" sz="2400" dirty="0"/>
                   <a:t> to describe the alg.</a:t>
                 </a:r>
+                <a:endParaRPr lang="en-US" sz="2400" dirty="0"/>
               </a:p>
               <a:p>
                 <a:pPr lvl="1"/>
@@ -3654,6 +3211,7 @@
                   <a:rPr lang="en-US" sz="2000" dirty="0"/>
                   <a:t>Each internal node has two outgoing edges.</a:t>
                 </a:r>
+                <a:endParaRPr lang="en-US" sz="2000" dirty="0"/>
               </a:p>
               <a:p>
                 <a:pPr lvl="1"/>
@@ -3725,6 +3283,7 @@
                   <a:rPr lang="en-US" sz="2000" dirty="0"/>
                   <a:t>”.</a:t>
                 </a:r>
+                <a:endParaRPr lang="en-US" sz="2000" dirty="0"/>
               </a:p>
               <a:p>
                 <a:r>
@@ -3774,6 +3333,11 @@
                   </a:rPr>
                   <a:t> leaves.</a:t>
                 </a:r>
+                <a:endParaRPr lang="en-US" sz="2400" b="1" dirty="0">
+                  <a:solidFill>
+                    <a:srgbClr val="C00000"/>
+                  </a:solidFill>
+                </a:endParaRPr>
               </a:p>
               <a:p>
                 <a:r>
@@ -3983,22 +3547,21 @@
                   </a:rPr>
                   <a:t>.</a:t>
                 </a:r>
+                <a:endParaRPr lang="en-US" sz="2400" dirty="0">
+                  <a:solidFill>
+                    <a:srgbClr val="C00000"/>
+                  </a:solidFill>
+                </a:endParaRPr>
               </a:p>
             </p:txBody>
           </p:sp>
         </mc:Choice>
-        <mc:Fallback xmlns="">
+        <mc:Fallback>
           <p:sp>
             <p:nvSpPr>
-              <p:cNvPr id="3" name="内容占位符 2">
-                <a:extLst>
-                  <a:ext uri="{FF2B5EF4-FFF2-40B4-BE49-F238E27FC236}">
-                    <a16:creationId xmlns:a16="http://schemas.microsoft.com/office/drawing/2014/main" id="{BFD168A2-663C-4731-9C4B-9AC154E931E5}"/>
-                  </a:ext>
-                </a:extLst>
-              </p:cNvPr>
+              <p:cNvPr id="3" name="内容占位符 2"/>
               <p:cNvSpPr>
-                <a:spLocks noGrp="1" noRot="1" noChangeAspect="1" noMove="1" noResize="1" noEditPoints="1" noAdjustHandles="1" noChangeArrowheads="1" noChangeShapeType="1" noTextEdit="1"/>
+                <a:spLocks noRot="1" noChangeAspect="1" noMove="1" noResize="1" noEditPoints="1" noAdjustHandles="1" noChangeArrowheads="1" noChangeShapeType="1" noTextEdit="1"/>
               </p:cNvSpPr>
               <p:nvPr>
                 <p:ph idx="1"/>
@@ -4009,10 +3572,10 @@
                 <a:off x="628650" y="1690689"/>
                 <a:ext cx="7886700" cy="4802186"/>
               </a:xfrm>
-              <a:blipFill>
-                <a:blip r:embed="rId2"/>
+              <a:blipFill rotWithShape="1">
+                <a:blip r:embed="rId1"/>
                 <a:stretch>
-                  <a:fillRect l="-1005" t="-1777"/>
+                  <a:fillRect t="-7"/>
                 </a:stretch>
               </a:blipFill>
             </p:spPr>
@@ -4021,7 +3584,7 @@
               <a:lstStyle/>
               <a:p>
                 <a:r>
-                  <a:rPr lang="en-US">
+                  <a:rPr lang="zh-CN" altLang="en-US">
                     <a:noFill/>
                   </a:rPr>
                   <a:t> </a:t>
@@ -4033,27 +3596,23 @@
       </mc:AlternateContent>
       <p:pic>
         <p:nvPicPr>
-          <p:cNvPr id="5" name="图片 4">
-            <a:extLst>
-              <a:ext uri="{FF2B5EF4-FFF2-40B4-BE49-F238E27FC236}">
-                <a16:creationId xmlns:a16="http://schemas.microsoft.com/office/drawing/2014/main" id="{6FD691D6-C343-4485-98FE-241B37387F92}"/>
-              </a:ext>
-            </a:extLst>
-          </p:cNvPr>
+          <p:cNvPr id="5" name="图片 4"/>
           <p:cNvPicPr>
             <a:picLocks noChangeAspect="1"/>
           </p:cNvPicPr>
           <p:nvPr/>
         </p:nvPicPr>
         <p:blipFill rotWithShape="1">
-          <a:blip r:embed="rId3"/>
+          <a:blip r:embed="rId2"/>
           <a:srcRect l="2862" t="2894" r="4446"/>
-          <a:stretch/>
+          <a:stretch>
+            <a:fillRect/>
+          </a:stretch>
         </p:blipFill>
         <p:spPr>
           <a:xfrm>
-            <a:off x="4090495" y="4309241"/>
-            <a:ext cx="4424855" cy="2068020"/>
+            <a:off x="4845050" y="4933315"/>
+            <a:ext cx="3496945" cy="1634490"/>
           </a:xfrm>
           <a:prstGeom prst="rect">
             <a:avLst/>
@@ -4064,6 +3623,8 @@
             </a:solidFill>
             <a:prstDash val="solid"/>
             <a:miter lim="800000"/>
+            <a:headEnd/>
+            <a:tailEnd/>
           </a:ln>
           <a:effectLst>
             <a:outerShdw blurRad="50800" dist="38100" dir="2700000" algn="tl" rotWithShape="0">
@@ -4074,24 +3635,18 @@
           </a:effectLst>
         </p:spPr>
       </p:pic>
-      <mc:AlternateContent xmlns:mc="http://schemas.openxmlformats.org/markup-compatibility/2006" xmlns:a14="http://schemas.microsoft.com/office/drawing/2010/main">
-        <mc:Choice Requires="a14">
+      <mc:AlternateContent xmlns:mc="http://schemas.openxmlformats.org/markup-compatibility/2006">
+        <mc:Choice xmlns:a14="http://schemas.microsoft.com/office/drawing/2010/main" Requires="a14">
           <p:sp>
             <p:nvSpPr>
-              <p:cNvPr id="7" name="文本框 6">
-                <a:extLst>
-                  <a:ext uri="{FF2B5EF4-FFF2-40B4-BE49-F238E27FC236}">
-                    <a16:creationId xmlns:a16="http://schemas.microsoft.com/office/drawing/2014/main" id="{5D681B4C-3EA6-403B-89BB-DB38B18AFDD6}"/>
-                  </a:ext>
-                </a:extLst>
-              </p:cNvPr>
+              <p:cNvPr id="7" name="文本框 6"/>
               <p:cNvSpPr txBox="1"/>
               <p:nvPr/>
             </p:nvSpPr>
             <p:spPr>
               <a:xfrm>
-                <a:off x="1062694" y="2660621"/>
-                <a:ext cx="7018611" cy="954107"/>
+                <a:off x="5549900" y="1296670"/>
+                <a:ext cx="2868295" cy="739775"/>
               </a:xfrm>
               <a:prstGeom prst="rect">
                 <a:avLst/>
@@ -4119,7 +3674,7 @@
               <a:p>
                 <a:pPr algn="ctr"/>
                 <a:r>
-                  <a:rPr lang="en-US" sz="2800" dirty="0"/>
+                  <a:rPr lang="en-US" sz="1400" dirty="0"/>
                   <a:t>Any comparison-based sorting algorithm has time complexity </a:t>
                 </a:r>
                 <a14:m>
@@ -4128,19 +3683,19 @@
                       <m:rPr>
                         <m:sty m:val="p"/>
                       </m:rPr>
-                      <a:rPr lang="en-US" sz="2800">
+                      <a:rPr lang="en-US" sz="1400">
                         <a:latin typeface="Cambria Math" panose="02040503050406030204" pitchFamily="18" charset="0"/>
                       </a:rPr>
                       <m:t>Ω</m:t>
                     </m:r>
                     <m:r>
-                      <a:rPr lang="en-US" sz="2800" i="1">
+                      <a:rPr lang="en-US" sz="1400" i="1">
                         <a:latin typeface="Cambria Math" panose="02040503050406030204" pitchFamily="18" charset="0"/>
                       </a:rPr>
                       <m:t>(</m:t>
                     </m:r>
                     <m:r>
-                      <a:rPr lang="en-US" sz="2800" i="1">
+                      <a:rPr lang="en-US" sz="1400" i="1">
                         <a:latin typeface="Cambria Math" panose="02040503050406030204" pitchFamily="18" charset="0"/>
                       </a:rPr>
                       <m:t>𝑛</m:t>
@@ -4148,7 +3703,7 @@
                     <m:func>
                       <m:funcPr>
                         <m:ctrlPr>
-                          <a:rPr lang="en-US" sz="2800" i="1">
+                          <a:rPr lang="en-US" sz="1400" i="1">
                             <a:latin typeface="Cambria Math" panose="02040503050406030204" pitchFamily="18" charset="0"/>
                           </a:rPr>
                         </m:ctrlPr>
@@ -4158,7 +3713,7 @@
                           <m:rPr>
                             <m:sty m:val="p"/>
                           </m:rPr>
-                          <a:rPr lang="en-US" sz="2800">
+                          <a:rPr lang="en-US" sz="1400">
                             <a:latin typeface="Cambria Math" panose="02040503050406030204" pitchFamily="18" charset="0"/>
                           </a:rPr>
                           <m:t>log</m:t>
@@ -4166,7 +3721,7 @@
                       </m:fName>
                       <m:e>
                         <m:r>
-                          <a:rPr lang="en-US" sz="2800" i="1">
+                          <a:rPr lang="en-US" sz="1400" i="1">
                             <a:latin typeface="Cambria Math" panose="02040503050406030204" pitchFamily="18" charset="0"/>
                           </a:rPr>
                           <m:t>𝑛</m:t>
@@ -4174,7 +3729,7 @@
                       </m:e>
                     </m:func>
                     <m:r>
-                      <a:rPr lang="en-US" sz="2800" i="1">
+                      <a:rPr lang="en-US" sz="1400" i="1">
                         <a:latin typeface="Cambria Math" panose="02040503050406030204" pitchFamily="18" charset="0"/>
                       </a:rPr>
                       <m:t>)</m:t>
@@ -4182,23 +3737,18 @@
                   </m:oMath>
                 </a14:m>
                 <a:r>
-                  <a:rPr lang="en-US" sz="2800" dirty="0"/>
+                  <a:rPr lang="en-US" sz="1400" dirty="0"/>
                   <a:t>, in the worst case.</a:t>
                 </a:r>
+                <a:endParaRPr lang="en-US" sz="1400" dirty="0"/>
               </a:p>
             </p:txBody>
           </p:sp>
         </mc:Choice>
-        <mc:Fallback xmlns="">
+        <mc:Fallback>
           <p:sp>
             <p:nvSpPr>
-              <p:cNvPr id="7" name="文本框 6">
-                <a:extLst>
-                  <a:ext uri="{FF2B5EF4-FFF2-40B4-BE49-F238E27FC236}">
-                    <a16:creationId xmlns:a16="http://schemas.microsoft.com/office/drawing/2014/main" id="{5D681B4C-3EA6-403B-89BB-DB38B18AFDD6}"/>
-                  </a:ext>
-                </a:extLst>
-              </p:cNvPr>
+              <p:cNvPr id="7" name="文本框 6"/>
               <p:cNvSpPr txBox="1">
                 <a:spLocks noRot="1" noChangeAspect="1" noMove="1" noResize="1" noEditPoints="1" noAdjustHandles="1" noChangeArrowheads="1" noChangeShapeType="1" noTextEdit="1"/>
               </p:cNvSpPr>
@@ -4206,16 +3756,210 @@
             </p:nvSpPr>
             <p:spPr>
               <a:xfrm>
-                <a:off x="1062694" y="2660621"/>
-                <a:ext cx="7018611" cy="954107"/>
+                <a:off x="5549900" y="1296670"/>
+                <a:ext cx="2868295" cy="739775"/>
               </a:xfrm>
               <a:prstGeom prst="rect">
                 <a:avLst/>
               </a:prstGeom>
-              <a:blipFill>
+              <a:blipFill rotWithShape="1">
+                <a:blip r:embed="rId3"/>
+                <a:stretch>
+                  <a:fillRect l="-1683" t="-3948" r="-1660" b="-9013"/>
+                </a:stretch>
+              </a:blipFill>
+            </p:spPr>
+            <p:style>
+              <a:lnRef idx="0">
+                <a:schemeClr val="accent1"/>
+              </a:lnRef>
+              <a:fillRef idx="3">
+                <a:schemeClr val="accent1"/>
+              </a:fillRef>
+              <a:effectRef idx="3">
+                <a:schemeClr val="accent1"/>
+              </a:effectRef>
+              <a:fontRef idx="minor">
+                <a:schemeClr val="lt1"/>
+              </a:fontRef>
+            </p:style>
+            <p:txBody>
+              <a:bodyPr/>
+              <a:lstStyle/>
+              <a:p>
+                <a:r>
+                  <a:rPr lang="zh-CN" altLang="en-US">
+                    <a:noFill/>
+                  </a:rPr>
+                  <a:t> </a:t>
+                </a:r>
+              </a:p>
+            </p:txBody>
+          </p:sp>
+        </mc:Fallback>
+      </mc:AlternateContent>
+      <p:sp>
+        <p:nvSpPr>
+          <p:cNvPr id="4" name="文本框 3"/>
+          <p:cNvSpPr txBox="1"/>
+          <p:nvPr/>
+        </p:nvSpPr>
+        <p:spPr>
+          <a:xfrm>
+            <a:off x="942340" y="6199505"/>
+            <a:ext cx="2706370" cy="368300"/>
+          </a:xfrm>
+          <a:prstGeom prst="rect">
+            <a:avLst/>
+          </a:prstGeom>
+          <a:noFill/>
+        </p:spPr>
+        <p:txBody>
+          <a:bodyPr wrap="none" rtlCol="0">
+            <a:spAutoFit/>
+          </a:bodyPr>
+          <a:p>
+            <a:r>
+              <a:rPr lang="en-US" altLang="zh-CN">
+                <a:ln/>
+                <a:solidFill>
+                  <a:schemeClr val="accent1"/>
+                </a:solidFill>
+                <a:effectLst>
+                  <a:outerShdw blurRad="38100" dist="25400" dir="5400000" algn="ctr" rotWithShape="0">
+                    <a:srgbClr val="6E747A">
+                      <a:alpha val="43000"/>
+                    </a:srgbClr>
+                  </a:outerShdw>
+                </a:effectLst>
+                <a:ea typeface="宋体" charset="0"/>
+              </a:rPr>
+              <a:t>*: </a:t>
+            </a:r>
+            <a:r>
+              <a:rPr lang="zh-CN" altLang="en-US">
+                <a:ln/>
+                <a:solidFill>
+                  <a:schemeClr val="accent1"/>
+                </a:solidFill>
+                <a:effectLst>
+                  <a:outerShdw blurRad="38100" dist="25400" dir="5400000" algn="ctr" rotWithShape="0">
+                    <a:srgbClr val="6E747A">
+                      <a:alpha val="43000"/>
+                    </a:srgbClr>
+                  </a:outerShdw>
+                </a:effectLst>
+                <a:ea typeface="宋体" charset="0"/>
+              </a:rPr>
+              <a:t>基于信息论的下界证明</a:t>
+            </a:r>
+            <a:endParaRPr lang="zh-CN" altLang="en-US">
+              <a:ln/>
+              <a:solidFill>
+                <a:schemeClr val="accent1"/>
+              </a:solidFill>
+              <a:effectLst>
+                <a:outerShdw blurRad="38100" dist="25400" dir="5400000" algn="ctr" rotWithShape="0">
+                  <a:srgbClr val="6E747A">
+                    <a:alpha val="43000"/>
+                  </a:srgbClr>
+                </a:outerShdw>
+              </a:effectLst>
+              <a:ea typeface="宋体" charset="0"/>
+            </a:endParaRPr>
+          </a:p>
+        </p:txBody>
+      </p:sp>
+      <mc:AlternateContent xmlns:mc="http://schemas.openxmlformats.org/markup-compatibility/2006">
+        <mc:Choice xmlns:a14="http://schemas.microsoft.com/office/drawing/2010/main" Requires="a14">
+          <p:sp>
+            <p:nvSpPr>
+              <p:cNvPr id="8" name="文本框 7"/>
+              <p:cNvSpPr txBox="1"/>
+              <p:nvPr/>
+            </p:nvSpPr>
+            <p:spPr>
+              <a:xfrm>
+                <a:off x="3583876" y="6199759"/>
+                <a:ext cx="1156335" cy="368300"/>
+              </a:xfrm>
+              <a:prstGeom prst="rect">
+                <a:avLst/>
+              </a:prstGeom>
+              <a:noFill/>
+            </p:spPr>
+            <p:txBody>
+              <a:bodyPr wrap="none" rtlCol="0" anchor="t">
+                <a:spAutoFit/>
+              </a:bodyPr>
+              <a:p>
+                <a:pPr algn="l"/>
+                <a14:m>
+                  <m:oMath xmlns:m="http://schemas.openxmlformats.org/officeDocument/2006/math">
+                    <m:sSup>
+                      <m:sSupPr>
+                        <m:ctrlPr>
+                          <a:rPr lang="en-US" altLang="zh-CN" i="1">
+                            <a:latin typeface="DejaVu Math TeX Gyre" panose="02000503000000000000" charset="0"/>
+                            <a:cs typeface="DejaVu Math TeX Gyre" panose="02000503000000000000" charset="0"/>
+                          </a:rPr>
+                        </m:ctrlPr>
+                      </m:sSupPr>
+                      <m:e>
+                        <m:r>
+                          <a:rPr lang="en-US" altLang="zh-CN" i="1">
+                            <a:latin typeface="DejaVu Math TeX Gyre" panose="02000503000000000000" charset="0"/>
+                            <a:cs typeface="DejaVu Math TeX Gyre" panose="02000503000000000000" charset="0"/>
+                          </a:rPr>
+                          <m:t>2</m:t>
+                        </m:r>
+                      </m:e>
+                      <m:sup>
+                        <m:r>
+                          <a:rPr lang="en-US" altLang="zh-CN" i="1">
+                            <a:latin typeface="DejaVu Math TeX Gyre" panose="02000503000000000000" charset="0"/>
+                            <a:cs typeface="DejaVu Math TeX Gyre" panose="02000503000000000000" charset="0"/>
+                          </a:rPr>
+                          <m:t>𝑥</m:t>
+                        </m:r>
+                      </m:sup>
+                    </m:sSup>
+                  </m:oMath>
+                </a14:m>
+                <a:r>
+                  <a:rPr lang="en-US" altLang="zh-CN"/>
+                  <a:t> </a:t>
+                </a:r>
+                <a:r>
+                  <a:rPr lang="en-US" altLang="zh-CN"/>
+                  <a:t>&gt;= n!</a:t>
+                </a:r>
+                <a:endParaRPr lang="en-US" altLang="zh-CN"/>
+              </a:p>
+            </p:txBody>
+          </p:sp>
+        </mc:Choice>
+        <mc:Fallback>
+          <p:sp>
+            <p:nvSpPr>
+              <p:cNvPr id="8" name="文本框 7"/>
+              <p:cNvSpPr txBox="1">
+                <a:spLocks noRot="1" noChangeAspect="1" noMove="1" noResize="1" noEditPoints="1" noAdjustHandles="1" noChangeArrowheads="1" noChangeShapeType="1" noTextEdit="1"/>
+              </p:cNvSpPr>
+              <p:nvPr/>
+            </p:nvSpPr>
+            <p:spPr>
+              <a:xfrm>
+                <a:off x="3583876" y="6199759"/>
+                <a:ext cx="1156335" cy="368300"/>
+              </a:xfrm>
+              <a:prstGeom prst="rect">
+                <a:avLst/>
+              </a:prstGeom>
+              <a:blipFill rotWithShape="1">
                 <a:blip r:embed="rId4"/>
                 <a:stretch>
-                  <a:fillRect/>
+                  <a:fillRect l="-49" t="-69" r="49" b="69"/>
                 </a:stretch>
               </a:blipFill>
             </p:spPr>
@@ -4224,7 +3968,7 @@
               <a:lstStyle/>
               <a:p>
                 <a:r>
-                  <a:rPr lang="en-US">
+                  <a:rPr lang="zh-CN" altLang="en-US">
                     <a:noFill/>
                   </a:rPr>
                   <a:t> </a:t>
@@ -4235,11 +3979,6 @@
         </mc:Fallback>
       </mc:AlternateContent>
     </p:spTree>
-    <p:extLst>
-      <p:ext uri="{BB962C8B-B14F-4D97-AF65-F5344CB8AC3E}">
-        <p14:creationId xmlns:p14="http://schemas.microsoft.com/office/powerpoint/2010/main" val="1098321331"/>
-      </p:ext>
-    </p:extLst>
   </p:cSld>
   <p:clrMapOvr>
     <a:masterClrMapping/>
@@ -4555,7 +4294,7 @@
       </p:par>
     </p:tnLst>
     <p:bldLst>
-      <p:bldP spid="7" grpId="0" animBg="1"/>
+      <p:bldP spid="7" grpId="0" bldLvl="0" animBg="1"/>
     </p:bldLst>
   </p:timing>
 </p:sld>
@@ -4578,17 +4317,11 @@
           <a:chExt cx="0" cy="0"/>
         </a:xfrm>
       </p:grpSpPr>
-      <mc:AlternateContent xmlns:mc="http://schemas.openxmlformats.org/markup-compatibility/2006" xmlns:a14="http://schemas.microsoft.com/office/drawing/2010/main">
-        <mc:Choice Requires="a14">
+      <mc:AlternateContent xmlns:mc="http://schemas.openxmlformats.org/markup-compatibility/2006">
+        <mc:Choice xmlns:a14="http://schemas.microsoft.com/office/drawing/2010/main" Requires="a14">
           <p:sp>
             <p:nvSpPr>
-              <p:cNvPr id="4" name="文本框 3">
-                <a:extLst>
-                  <a:ext uri="{FF2B5EF4-FFF2-40B4-BE49-F238E27FC236}">
-                    <a16:creationId xmlns:a16="http://schemas.microsoft.com/office/drawing/2014/main" id="{B97F518F-3D1E-4E06-9487-7C89CF91E62C}"/>
-                  </a:ext>
-                </a:extLst>
-              </p:cNvPr>
+              <p:cNvPr id="4" name="文本框 3"/>
               <p:cNvSpPr txBox="1"/>
               <p:nvPr/>
             </p:nvSpPr>
@@ -4699,20 +4432,19 @@
                   </a:rPr>
                   <a:t>?</a:t>
                 </a:r>
+                <a:endParaRPr lang="en-US" sz="3200" b="1" dirty="0">
+                  <a:solidFill>
+                    <a:srgbClr val="C00000"/>
+                  </a:solidFill>
+                </a:endParaRPr>
               </a:p>
             </p:txBody>
           </p:sp>
         </mc:Choice>
-        <mc:Fallback xmlns="">
+        <mc:Fallback>
           <p:sp>
             <p:nvSpPr>
-              <p:cNvPr id="4" name="文本框 3">
-                <a:extLst>
-                  <a:ext uri="{FF2B5EF4-FFF2-40B4-BE49-F238E27FC236}">
-                    <a16:creationId xmlns:a16="http://schemas.microsoft.com/office/drawing/2014/main" id="{B97F518F-3D1E-4E06-9487-7C89CF91E62C}"/>
-                  </a:ext>
-                </a:extLst>
-              </p:cNvPr>
+              <p:cNvPr id="4" name="文本框 3"/>
               <p:cNvSpPr txBox="1">
                 <a:spLocks noRot="1" noChangeAspect="1" noMove="1" noResize="1" noEditPoints="1" noAdjustHandles="1" noChangeArrowheads="1" noChangeShapeType="1" noTextEdit="1"/>
               </p:cNvSpPr>
@@ -4726,10 +4458,10 @@
               <a:prstGeom prst="rect">
                 <a:avLst/>
               </a:prstGeom>
-              <a:blipFill>
-                <a:blip r:embed="rId2"/>
+              <a:blipFill rotWithShape="1">
+                <a:blip r:embed="rId1"/>
                 <a:stretch>
-                  <a:fillRect l="-2027" t="-12500" r="-1931" b="-34375"/>
+                  <a:fillRect l="-14035" t="-10" r="-16216"/>
                 </a:stretch>
               </a:blipFill>
             </p:spPr>
@@ -4738,7 +4470,7 @@
               <a:lstStyle/>
               <a:p>
                 <a:r>
-                  <a:rPr lang="en-US">
+                  <a:rPr lang="zh-CN" altLang="en-US">
                     <a:noFill/>
                   </a:rPr>
                   <a:t> </a:t>
@@ -4748,17 +4480,11 @@
           </p:sp>
         </mc:Fallback>
       </mc:AlternateContent>
-      <mc:AlternateContent xmlns:mc="http://schemas.openxmlformats.org/markup-compatibility/2006" xmlns:a14="http://schemas.microsoft.com/office/drawing/2010/main">
-        <mc:Choice Requires="a14">
+      <mc:AlternateContent xmlns:mc="http://schemas.openxmlformats.org/markup-compatibility/2006">
+        <mc:Choice xmlns:a14="http://schemas.microsoft.com/office/drawing/2010/main" Requires="a14">
           <p:sp>
             <p:nvSpPr>
-              <p:cNvPr id="3" name="文本框 2">
-                <a:extLst>
-                  <a:ext uri="{FF2B5EF4-FFF2-40B4-BE49-F238E27FC236}">
-                    <a16:creationId xmlns:a16="http://schemas.microsoft.com/office/drawing/2014/main" id="{CC79E2A5-5E2F-4E91-8F8E-925C248F26A8}"/>
-                  </a:ext>
-                </a:extLst>
-              </p:cNvPr>
+              <p:cNvPr id="3" name="文本框 2"/>
               <p:cNvSpPr txBox="1"/>
               <p:nvPr/>
             </p:nvSpPr>
@@ -4834,20 +4560,19 @@
                   </a:rPr>
                   <a:t> time.</a:t>
                 </a:r>
+                <a:endParaRPr lang="en-US" sz="3200" b="1" dirty="0">
+                  <a:solidFill>
+                    <a:schemeClr val="tx1"/>
+                  </a:solidFill>
+                </a:endParaRPr>
               </a:p>
             </p:txBody>
           </p:sp>
         </mc:Choice>
-        <mc:Fallback xmlns="">
+        <mc:Fallback>
           <p:sp>
             <p:nvSpPr>
-              <p:cNvPr id="3" name="文本框 2">
-                <a:extLst>
-                  <a:ext uri="{FF2B5EF4-FFF2-40B4-BE49-F238E27FC236}">
-                    <a16:creationId xmlns:a16="http://schemas.microsoft.com/office/drawing/2014/main" id="{CC79E2A5-5E2F-4E91-8F8E-925C248F26A8}"/>
-                  </a:ext>
-                </a:extLst>
-              </p:cNvPr>
+              <p:cNvPr id="3" name="文本框 2"/>
               <p:cNvSpPr txBox="1">
                 <a:spLocks noRot="1" noChangeAspect="1" noMove="1" noResize="1" noEditPoints="1" noAdjustHandles="1" noChangeArrowheads="1" noChangeShapeType="1" noTextEdit="1"/>
               </p:cNvSpPr>
@@ -4861,10 +4586,10 @@
               <a:prstGeom prst="rect">
                 <a:avLst/>
               </a:prstGeom>
-              <a:blipFill>
-                <a:blip r:embed="rId3"/>
+              <a:blipFill rotWithShape="1">
+                <a:blip r:embed="rId2"/>
                 <a:stretch>
-                  <a:fillRect l="-3388" t="-12500" r="-2575" b="-34375"/>
+                  <a:fillRect l="-14" t="-80" r="-32227" b="70"/>
                 </a:stretch>
               </a:blipFill>
             </p:spPr>
@@ -4873,7 +4598,7 @@
               <a:lstStyle/>
               <a:p>
                 <a:r>
-                  <a:rPr lang="en-US">
+                  <a:rPr lang="zh-CN" altLang="en-US">
                     <a:noFill/>
                   </a:rPr>
                   <a:t> </a:t>
@@ -4885,13 +4610,7 @@
       </mc:AlternateContent>
       <p:sp>
         <p:nvSpPr>
-          <p:cNvPr id="2" name="文本框 1">
-            <a:extLst>
-              <a:ext uri="{FF2B5EF4-FFF2-40B4-BE49-F238E27FC236}">
-                <a16:creationId xmlns:a16="http://schemas.microsoft.com/office/drawing/2014/main" id="{C91B9BCC-BE12-4511-BB92-B935C87063D2}"/>
-              </a:ext>
-            </a:extLst>
-          </p:cNvPr>
+          <p:cNvPr id="2" name="文本框 1"/>
           <p:cNvSpPr txBox="1"/>
           <p:nvPr/>
         </p:nvSpPr>
@@ -4920,18 +4639,17 @@
               </a:rPr>
               <a:t>No, at least not for comparison-based sorting…</a:t>
             </a:r>
+            <a:endParaRPr lang="en-US" sz="2800" dirty="0">
+              <a:solidFill>
+                <a:srgbClr val="C00000"/>
+              </a:solidFill>
+            </a:endParaRPr>
           </a:p>
         </p:txBody>
       </p:sp>
       <p:sp>
         <p:nvSpPr>
-          <p:cNvPr id="5" name="文本框 4">
-            <a:extLst>
-              <a:ext uri="{FF2B5EF4-FFF2-40B4-BE49-F238E27FC236}">
-                <a16:creationId xmlns:a16="http://schemas.microsoft.com/office/drawing/2014/main" id="{9E9C4C6C-E480-494F-9843-B849CD0C82A0}"/>
-              </a:ext>
-            </a:extLst>
-          </p:cNvPr>
+          <p:cNvPr id="5" name="文本框 4"/>
           <p:cNvSpPr txBox="1"/>
           <p:nvPr/>
         </p:nvSpPr>
@@ -4962,15 +4680,17 @@
               </a:rPr>
               <a:t>Humm, maybe “non-comparison-based” sorting?</a:t>
             </a:r>
+            <a:endParaRPr lang="en-US" sz="2800" dirty="0">
+              <a:solidFill>
+                <a:schemeClr val="accent1">
+                  <a:lumMod val="75000"/>
+                </a:schemeClr>
+              </a:solidFill>
+            </a:endParaRPr>
           </a:p>
         </p:txBody>
       </p:sp>
     </p:spTree>
-    <p:extLst>
-      <p:ext uri="{BB962C8B-B14F-4D97-AF65-F5344CB8AC3E}">
-        <p14:creationId xmlns:p14="http://schemas.microsoft.com/office/powerpoint/2010/main" val="2798655545"/>
-      </p:ext>
-    </p:extLst>
   </p:cSld>
   <p:clrMapOvr>
     <a:masterClrMapping/>
@@ -5075,13 +4795,7 @@
       </p:grpSpPr>
       <p:sp>
         <p:nvSpPr>
-          <p:cNvPr id="2" name="标题 1">
-            <a:extLst>
-              <a:ext uri="{FF2B5EF4-FFF2-40B4-BE49-F238E27FC236}">
-                <a16:creationId xmlns:a16="http://schemas.microsoft.com/office/drawing/2014/main" id="{FF53B811-8B8C-4E58-81EF-7C330F098AC3}"/>
-              </a:ext>
-            </a:extLst>
-          </p:cNvPr>
+          <p:cNvPr id="2" name="标题 1"/>
           <p:cNvSpPr>
             <a:spLocks noGrp="1"/>
           </p:cNvSpPr>
@@ -5098,20 +4812,15 @@
               <a:rPr lang="en-US" dirty="0"/>
               <a:t>Bucket sort</a:t>
             </a:r>
+            <a:endParaRPr lang="en-US" dirty="0"/>
           </a:p>
         </p:txBody>
       </p:sp>
-      <mc:AlternateContent xmlns:mc="http://schemas.openxmlformats.org/markup-compatibility/2006" xmlns:a14="http://schemas.microsoft.com/office/drawing/2010/main">
-        <mc:Choice Requires="a14">
+      <mc:AlternateContent xmlns:mc="http://schemas.openxmlformats.org/markup-compatibility/2006">
+        <mc:Choice xmlns:a14="http://schemas.microsoft.com/office/drawing/2010/main" Requires="a14">
           <p:sp>
             <p:nvSpPr>
-              <p:cNvPr id="3" name="内容占位符 2">
-                <a:extLst>
-                  <a:ext uri="{FF2B5EF4-FFF2-40B4-BE49-F238E27FC236}">
-                    <a16:creationId xmlns:a16="http://schemas.microsoft.com/office/drawing/2014/main" id="{CE689D6F-F8E0-4131-80B2-CAD1CDCE88A1}"/>
-                  </a:ext>
-                </a:extLst>
-              </p:cNvPr>
+              <p:cNvPr id="3" name="内容占位符 2"/>
               <p:cNvSpPr>
                 <a:spLocks noGrp="1"/>
               </p:cNvSpPr>
@@ -5155,7 +4864,19 @@
                       <a:rPr lang="en-US" sz="2400" b="0" i="1" smtClean="0">
                         <a:latin typeface="Cambria Math" panose="02040503050406030204" pitchFamily="18" charset="0"/>
                       </a:rPr>
-                      <m:t>[10]</m:t>
+                      <m:t>[</m:t>
+                    </m:r>
+                    <m:r>
+                      <a:rPr lang="en-US" sz="2400" b="0" i="1" smtClean="0">
+                        <a:latin typeface="Cambria Math" panose="02040503050406030204" pitchFamily="18" charset="0"/>
+                      </a:rPr>
+                      <m:t>10</m:t>
+                    </m:r>
+                    <m:r>
+                      <a:rPr lang="en-US" sz="2400" b="0" i="1" smtClean="0">
+                        <a:latin typeface="Cambria Math" panose="02040503050406030204" pitchFamily="18" charset="0"/>
+                      </a:rPr>
+                      <m:t>]</m:t>
                     </m:r>
                   </m:oMath>
                 </a14:m>
@@ -5226,12 +4947,14 @@
                   <a:rPr lang="en-US" sz="2400" dirty="0"/>
                   <a:t>?</a:t>
                 </a:r>
+                <a:endParaRPr lang="en-US" sz="2400" dirty="0"/>
               </a:p>
               <a:p>
                 <a:r>
                   <a:rPr lang="en-US" sz="2400" dirty="0"/>
                   <a:t>Of course, very easy!</a:t>
                 </a:r>
+                <a:endParaRPr lang="en-US" sz="2400" dirty="0"/>
               </a:p>
               <a:p>
                 <a:pPr lvl="1"/>
@@ -5251,6 +4974,7 @@
                   <a:rPr lang="en-US" sz="2000" dirty="0"/>
                   <a:t>.)</a:t>
                 </a:r>
+                <a:endParaRPr lang="en-US" sz="2000" dirty="0"/>
               </a:p>
               <a:p>
                 <a:pPr lvl="1"/>
@@ -5258,6 +4982,7 @@
                   <a:rPr lang="en-US" sz="2000" dirty="0"/>
                   <a:t>Scan through input, for each item, append it to the end of the corresponding list.</a:t>
                 </a:r>
+                <a:endParaRPr lang="en-US" sz="2000" dirty="0"/>
               </a:p>
               <a:p>
                 <a:pPr lvl="1"/>
@@ -5265,6 +4990,7 @@
                   <a:rPr lang="en-US" sz="2000" dirty="0"/>
                   <a:t>Concatenate all lists.</a:t>
                 </a:r>
+                <a:endParaRPr lang="en-US" sz="2000" dirty="0"/>
               </a:p>
               <a:p>
                 <a:r>
@@ -5306,6 +5032,7 @@
                   <a:rPr lang="en-US" sz="2400" dirty="0"/>
                   <a:t> time.</a:t>
                 </a:r>
+                <a:endParaRPr lang="en-US" sz="2400" dirty="0"/>
               </a:p>
               <a:p>
                 <a:r>
@@ -5320,6 +5047,7 @@
                   <a:rPr lang="en-US" sz="2400" dirty="0"/>
                   <a:t> a comparison based algorithm.</a:t>
                 </a:r>
+                <a:endParaRPr lang="en-US" sz="2400" dirty="0"/>
               </a:p>
               <a:p>
                 <a:pPr lvl="1"/>
@@ -5327,6 +5055,7 @@
                   <a:rPr lang="en-US" sz="2000" dirty="0"/>
                   <a:t>No comparison between items are made.</a:t>
                 </a:r>
+                <a:endParaRPr lang="en-US" sz="2000" dirty="0"/>
               </a:p>
               <a:p>
                 <a:pPr lvl="1"/>
@@ -5334,22 +5063,17 @@
                   <a:rPr lang="en-US" sz="2000" dirty="0"/>
                   <a:t>Instead the algorithm uses actual values of the items.</a:t>
                 </a:r>
+                <a:endParaRPr lang="en-US" sz="2000" dirty="0"/>
               </a:p>
             </p:txBody>
           </p:sp>
         </mc:Choice>
-        <mc:Fallback xmlns="">
+        <mc:Fallback>
           <p:sp>
             <p:nvSpPr>
-              <p:cNvPr id="3" name="内容占位符 2">
-                <a:extLst>
-                  <a:ext uri="{FF2B5EF4-FFF2-40B4-BE49-F238E27FC236}">
-                    <a16:creationId xmlns:a16="http://schemas.microsoft.com/office/drawing/2014/main" id="{CE689D6F-F8E0-4131-80B2-CAD1CDCE88A1}"/>
-                  </a:ext>
-                </a:extLst>
-              </p:cNvPr>
+              <p:cNvPr id="3" name="内容占位符 2"/>
               <p:cNvSpPr>
-                <a:spLocks noGrp="1" noRot="1" noChangeAspect="1" noMove="1" noResize="1" noEditPoints="1" noAdjustHandles="1" noChangeArrowheads="1" noChangeShapeType="1" noTextEdit="1"/>
+                <a:spLocks noRot="1" noChangeAspect="1" noMove="1" noResize="1" noEditPoints="1" noAdjustHandles="1" noChangeArrowheads="1" noChangeShapeType="1" noTextEdit="1"/>
               </p:cNvSpPr>
               <p:nvPr>
                 <p:ph idx="1"/>
@@ -5360,10 +5084,10 @@
                 <a:off x="628650" y="1719044"/>
                 <a:ext cx="7886700" cy="4773829"/>
               </a:xfrm>
-              <a:blipFill>
-                <a:blip r:embed="rId2"/>
+              <a:blipFill rotWithShape="1">
+                <a:blip r:embed="rId1"/>
                 <a:stretch>
-                  <a:fillRect l="-1005" t="-1788" r="-696"/>
+                  <a:fillRect t="-2" b="13"/>
                 </a:stretch>
               </a:blipFill>
             </p:spPr>
@@ -5372,7 +5096,7 @@
               <a:lstStyle/>
               <a:p>
                 <a:r>
-                  <a:rPr lang="en-US">
+                  <a:rPr lang="zh-CN" altLang="en-US">
                     <a:noFill/>
                   </a:rPr>
                   <a:t> </a:t>
@@ -5383,11 +5107,6 @@
         </mc:Fallback>
       </mc:AlternateContent>
     </p:spTree>
-    <p:extLst>
-      <p:ext uri="{BB962C8B-B14F-4D97-AF65-F5344CB8AC3E}">
-        <p14:creationId xmlns:p14="http://schemas.microsoft.com/office/powerpoint/2010/main" val="3025515988"/>
-      </p:ext>
-    </p:extLst>
   </p:cSld>
   <p:clrMapOvr>
     <a:masterClrMapping/>
@@ -5746,13 +5465,7 @@
       </p:grpSpPr>
       <p:sp>
         <p:nvSpPr>
-          <p:cNvPr id="2" name="标题 1">
-            <a:extLst>
-              <a:ext uri="{FF2B5EF4-FFF2-40B4-BE49-F238E27FC236}">
-                <a16:creationId xmlns:a16="http://schemas.microsoft.com/office/drawing/2014/main" id="{31682501-6F7E-4528-97D8-B328F943E2C3}"/>
-              </a:ext>
-            </a:extLst>
-          </p:cNvPr>
+          <p:cNvPr id="2" name="标题 1"/>
           <p:cNvSpPr>
             <a:spLocks noGrp="1"/>
           </p:cNvSpPr>
@@ -5769,20 +5482,15 @@
               <a:rPr lang="en-US" dirty="0"/>
               <a:t>Bucket sort</a:t>
             </a:r>
+            <a:endParaRPr lang="en-US" dirty="0"/>
           </a:p>
         </p:txBody>
       </p:sp>
-      <mc:AlternateContent xmlns:mc="http://schemas.openxmlformats.org/markup-compatibility/2006" xmlns:a14="http://schemas.microsoft.com/office/drawing/2010/main">
-        <mc:Choice Requires="a14">
+      <mc:AlternateContent xmlns:mc="http://schemas.openxmlformats.org/markup-compatibility/2006">
+        <mc:Choice xmlns:a14="http://schemas.microsoft.com/office/drawing/2010/main" Requires="a14">
           <p:sp>
             <p:nvSpPr>
-              <p:cNvPr id="3" name="内容占位符 2">
-                <a:extLst>
-                  <a:ext uri="{FF2B5EF4-FFF2-40B4-BE49-F238E27FC236}">
-                    <a16:creationId xmlns:a16="http://schemas.microsoft.com/office/drawing/2014/main" id="{E5330B3A-D4D5-4A42-AF7D-8FF523A67A1B}"/>
-                  </a:ext>
-                </a:extLst>
-              </p:cNvPr>
+              <p:cNvPr id="3" name="内容占位符 2"/>
               <p:cNvSpPr>
                 <a:spLocks noGrp="1"/>
               </p:cNvSpPr>
@@ -5833,6 +5541,7 @@
                   <a:rPr lang="en-US" sz="2400" dirty="0"/>
                   <a:t>, then we can use the following algorithm to sort them.</a:t>
                 </a:r>
+                <a:endParaRPr lang="en-US" sz="2400" dirty="0"/>
               </a:p>
               <a:p>
                 <a:endParaRPr lang="en-US" sz="2400" dirty="0"/>
@@ -5897,6 +5606,7 @@
                   <a:rPr lang="en-US" sz="2400" dirty="0"/>
                   <a:t>.</a:t>
                 </a:r>
+                <a:endParaRPr lang="en-US" sz="2400" dirty="0"/>
               </a:p>
               <a:p>
                 <a:pPr lvl="1"/>
@@ -5935,6 +5645,7 @@
                   <a:rPr lang="en-US" sz="2000" dirty="0"/>
                   <a:t> time to create buckets.</a:t>
                 </a:r>
+                <a:endParaRPr lang="en-US" sz="2000" dirty="0"/>
               </a:p>
               <a:p>
                 <a:pPr lvl="1"/>
@@ -5973,6 +5684,7 @@
                   <a:rPr lang="en-US" sz="2000" dirty="0"/>
                   <a:t> time to assign items to buckets.</a:t>
                 </a:r>
+                <a:endParaRPr lang="en-US" sz="2000" dirty="0"/>
               </a:p>
               <a:p>
                 <a:pPr lvl="1"/>
@@ -6010,22 +5722,17 @@
                   <a:rPr lang="en-US" sz="2000" dirty="0"/>
                   <a:t> time to combine buckets.</a:t>
                 </a:r>
+                <a:endParaRPr lang="en-US" sz="2000" dirty="0"/>
               </a:p>
             </p:txBody>
           </p:sp>
         </mc:Choice>
-        <mc:Fallback xmlns="">
+        <mc:Fallback>
           <p:sp>
             <p:nvSpPr>
-              <p:cNvPr id="3" name="内容占位符 2">
-                <a:extLst>
-                  <a:ext uri="{FF2B5EF4-FFF2-40B4-BE49-F238E27FC236}">
-                    <a16:creationId xmlns:a16="http://schemas.microsoft.com/office/drawing/2014/main" id="{E5330B3A-D4D5-4A42-AF7D-8FF523A67A1B}"/>
-                  </a:ext>
-                </a:extLst>
-              </p:cNvPr>
+              <p:cNvPr id="3" name="内容占位符 2"/>
               <p:cNvSpPr>
-                <a:spLocks noGrp="1" noRot="1" noChangeAspect="1" noMove="1" noResize="1" noEditPoints="1" noAdjustHandles="1" noChangeArrowheads="1" noChangeShapeType="1" noTextEdit="1"/>
+                <a:spLocks noRot="1" noChangeAspect="1" noMove="1" noResize="1" noEditPoints="1" noAdjustHandles="1" noChangeArrowheads="1" noChangeShapeType="1" noTextEdit="1"/>
               </p:cNvSpPr>
               <p:nvPr>
                 <p:ph idx="1"/>
@@ -6036,10 +5743,10 @@
                 <a:off x="628650" y="1690688"/>
                 <a:ext cx="7886700" cy="4802185"/>
               </a:xfrm>
-              <a:blipFill>
-                <a:blip r:embed="rId2"/>
+              <a:blipFill rotWithShape="1">
+                <a:blip r:embed="rId1"/>
                 <a:stretch>
-                  <a:fillRect l="-1005" t="-1777"/>
+                  <a:fillRect t="-7" b="13"/>
                 </a:stretch>
               </a:blipFill>
             </p:spPr>
@@ -6048,7 +5755,7 @@
               <a:lstStyle/>
               <a:p>
                 <a:r>
-                  <a:rPr lang="en-US">
+                  <a:rPr lang="zh-CN" altLang="en-US">
                     <a:noFill/>
                   </a:rPr>
                   <a:t> </a:t>
@@ -6060,13 +5767,7 @@
       </mc:AlternateContent>
       <p:sp>
         <p:nvSpPr>
-          <p:cNvPr id="4" name="矩形 3">
-            <a:extLst>
-              <a:ext uri="{FF2B5EF4-FFF2-40B4-BE49-F238E27FC236}">
-                <a16:creationId xmlns:a16="http://schemas.microsoft.com/office/drawing/2014/main" id="{84401DB7-09CA-4E4C-9779-A7FDB6A7D301}"/>
-              </a:ext>
-            </a:extLst>
-          </p:cNvPr>
+          <p:cNvPr id="4" name="矩形 3"/>
           <p:cNvSpPr/>
           <p:nvPr/>
         </p:nvSpPr>
@@ -6130,6 +5831,11 @@
               </a:rPr>
               <a:t>(A, d):</a:t>
             </a:r>
+            <a:endParaRPr lang="en-GB" b="1" u="sng" dirty="0">
+              <a:solidFill>
+                <a:schemeClr val="tx1"/>
+              </a:solidFill>
+            </a:endParaRPr>
           </a:p>
           <a:p>
             <a:pPr>
@@ -6237,6 +5943,13 @@
               </a:rPr>
               <a:t>(d)</a:t>
             </a:r>
+            <a:endParaRPr lang="en-US" dirty="0">
+              <a:solidFill>
+                <a:schemeClr val="tx1"/>
+              </a:solidFill>
+              <a:latin typeface="Courier New" panose="02070309020205020404" pitchFamily="49" charset="0"/>
+              <a:cs typeface="Courier New" panose="02070309020205020404" pitchFamily="49" charset="0"/>
+            </a:endParaRPr>
           </a:p>
           <a:p>
             <a:pPr>
@@ -6294,6 +6007,13 @@
               </a:rPr>
               <a:t>)</a:t>
             </a:r>
+            <a:endParaRPr lang="en-US" dirty="0">
+              <a:solidFill>
+                <a:schemeClr val="tx1"/>
+              </a:solidFill>
+              <a:latin typeface="Courier New" panose="02070309020205020404" pitchFamily="49" charset="0"/>
+              <a:cs typeface="Courier New" panose="02070309020205020404" pitchFamily="49" charset="0"/>
+            </a:endParaRPr>
           </a:p>
           <a:p>
             <a:pPr>
@@ -6351,6 +6071,13 @@
               </a:rPr>
               <a:t>])</a:t>
             </a:r>
+            <a:endParaRPr lang="en-US" dirty="0">
+              <a:solidFill>
+                <a:schemeClr val="tx1"/>
+              </a:solidFill>
+              <a:latin typeface="Courier New" panose="02070309020205020404" pitchFamily="49" charset="0"/>
+              <a:cs typeface="Courier New" panose="02070309020205020404" pitchFamily="49" charset="0"/>
+            </a:endParaRPr>
           </a:p>
           <a:p>
             <a:pPr>
@@ -6448,20 +6175,21 @@
               </a:rPr>
               <a:t>)</a:t>
             </a:r>
+            <a:endParaRPr lang="en-US" dirty="0">
+              <a:solidFill>
+                <a:schemeClr val="tx1"/>
+              </a:solidFill>
+              <a:latin typeface="Courier New" panose="02070309020205020404" pitchFamily="49" charset="0"/>
+              <a:cs typeface="Courier New" panose="02070309020205020404" pitchFamily="49" charset="0"/>
+            </a:endParaRPr>
           </a:p>
         </p:txBody>
       </p:sp>
-      <mc:AlternateContent xmlns:mc="http://schemas.openxmlformats.org/markup-compatibility/2006" xmlns:a14="http://schemas.microsoft.com/office/drawing/2010/main">
-        <mc:Choice Requires="a14">
+      <mc:AlternateContent xmlns:mc="http://schemas.openxmlformats.org/markup-compatibility/2006">
+        <mc:Choice xmlns:a14="http://schemas.microsoft.com/office/drawing/2010/main" Requires="a14">
           <p:sp>
             <p:nvSpPr>
-              <p:cNvPr id="5" name="文本框 4">
-                <a:extLst>
-                  <a:ext uri="{FF2B5EF4-FFF2-40B4-BE49-F238E27FC236}">
-                    <a16:creationId xmlns:a16="http://schemas.microsoft.com/office/drawing/2014/main" id="{6B549DAB-4338-4819-A036-B8051904BB8A}"/>
-                  </a:ext>
-                </a:extLst>
-              </p:cNvPr>
+              <p:cNvPr id="5" name="文本框 4"/>
               <p:cNvSpPr txBox="1"/>
               <p:nvPr/>
             </p:nvSpPr>
@@ -6543,20 +6271,19 @@
                   </a:rPr>
                   <a:t>Say sort 1000 64-bit integers.</a:t>
                 </a:r>
+                <a:endParaRPr lang="en-US" sz="2000" dirty="0">
+                  <a:solidFill>
+                    <a:srgbClr val="C00000"/>
+                  </a:solidFill>
+                </a:endParaRPr>
               </a:p>
             </p:txBody>
           </p:sp>
         </mc:Choice>
-        <mc:Fallback xmlns="">
+        <mc:Fallback>
           <p:sp>
             <p:nvSpPr>
-              <p:cNvPr id="5" name="文本框 4">
-                <a:extLst>
-                  <a:ext uri="{FF2B5EF4-FFF2-40B4-BE49-F238E27FC236}">
-                    <a16:creationId xmlns:a16="http://schemas.microsoft.com/office/drawing/2014/main" id="{6B549DAB-4338-4819-A036-B8051904BB8A}"/>
-                  </a:ext>
-                </a:extLst>
-              </p:cNvPr>
+              <p:cNvPr id="5" name="文本框 4"/>
               <p:cNvSpPr txBox="1">
                 <a:spLocks noRot="1" noChangeAspect="1" noMove="1" noResize="1" noEditPoints="1" noAdjustHandles="1" noChangeArrowheads="1" noChangeShapeType="1" noTextEdit="1"/>
               </p:cNvSpPr>
@@ -6570,10 +6297,10 @@
               <a:prstGeom prst="rect">
                 <a:avLst/>
               </a:prstGeom>
-              <a:blipFill>
-                <a:blip r:embed="rId3"/>
+              <a:blipFill rotWithShape="1">
+                <a:blip r:embed="rId2"/>
                 <a:stretch>
-                  <a:fillRect l="-1890" t="-4310" r="-1512" b="-14655"/>
+                  <a:fillRect l="-1" t="-67" r="-10948" b="47"/>
                 </a:stretch>
               </a:blipFill>
             </p:spPr>
@@ -6582,7 +6309,7 @@
               <a:lstStyle/>
               <a:p>
                 <a:r>
-                  <a:rPr lang="en-US">
+                  <a:rPr lang="zh-CN" altLang="en-US">
                     <a:noFill/>
                   </a:rPr>
                   <a:t> </a:t>
@@ -6593,11 +6320,6 @@
         </mc:Fallback>
       </mc:AlternateContent>
     </p:spTree>
-    <p:extLst>
-      <p:ext uri="{BB962C8B-B14F-4D97-AF65-F5344CB8AC3E}">
-        <p14:creationId xmlns:p14="http://schemas.microsoft.com/office/powerpoint/2010/main" val="3384856278"/>
-      </p:ext>
-    </p:extLst>
   </p:cSld>
   <p:clrMapOvr>
     <a:masterClrMapping/>
@@ -6844,13 +6566,7 @@
       </p:grpSpPr>
       <p:sp>
         <p:nvSpPr>
-          <p:cNvPr id="2" name="标题 1">
-            <a:extLst>
-              <a:ext uri="{FF2B5EF4-FFF2-40B4-BE49-F238E27FC236}">
-                <a16:creationId xmlns:a16="http://schemas.microsoft.com/office/drawing/2014/main" id="{BB85C573-1D4A-4930-A7CF-C4535F3C42D8}"/>
-              </a:ext>
-            </a:extLst>
-          </p:cNvPr>
+          <p:cNvPr id="2" name="标题 1"/>
           <p:cNvSpPr>
             <a:spLocks noGrp="1"/>
           </p:cNvSpPr>
@@ -6867,20 +6583,15 @@
               <a:rPr lang="en-US" dirty="0"/>
               <a:t>Bucket sort</a:t>
             </a:r>
+            <a:endParaRPr lang="en-US" dirty="0"/>
           </a:p>
         </p:txBody>
       </p:sp>
-      <mc:AlternateContent xmlns:mc="http://schemas.openxmlformats.org/markup-compatibility/2006" xmlns:a14="http://schemas.microsoft.com/office/drawing/2010/main">
-        <mc:Choice Requires="a14">
+      <mc:AlternateContent xmlns:mc="http://schemas.openxmlformats.org/markup-compatibility/2006">
+        <mc:Choice xmlns:a14="http://schemas.microsoft.com/office/drawing/2010/main" Requires="a14">
           <p:sp>
             <p:nvSpPr>
-              <p:cNvPr id="3" name="内容占位符 2">
-                <a:extLst>
-                  <a:ext uri="{FF2B5EF4-FFF2-40B4-BE49-F238E27FC236}">
-                    <a16:creationId xmlns:a16="http://schemas.microsoft.com/office/drawing/2014/main" id="{44ED792E-AC6B-4FBB-A579-C03A10B2858A}"/>
-                  </a:ext>
-                </a:extLst>
-              </p:cNvPr>
+              <p:cNvPr id="3" name="内容占位符 2"/>
               <p:cNvSpPr>
                 <a:spLocks noGrp="1"/>
               </p:cNvSpPr>
@@ -6907,6 +6618,7 @@
                   <a:rPr lang="en-US" sz="2400" dirty="0"/>
                   <a:t>If the range of items’ values is too large, allow each bucket to hold multiple values.</a:t>
                 </a:r>
+                <a:endParaRPr lang="en-US" sz="2400" dirty="0"/>
               </a:p>
               <a:p>
                 <a:pPr>
@@ -6976,6 +6688,7 @@
                   <a:rPr lang="en-US" sz="2400" dirty="0"/>
                   <a:t>.</a:t>
                 </a:r>
+                <a:endParaRPr lang="en-US" sz="2400" dirty="0"/>
               </a:p>
               <a:p>
                 <a:pPr>
@@ -6997,32 +6710,27 @@
                   <a:rPr lang="en-US" sz="2400" dirty="0"/>
                   <a:t>before combining them.</a:t>
                 </a:r>
+                <a:endParaRPr lang="en-US" sz="2400" dirty="0"/>
               </a:p>
             </p:txBody>
           </p:sp>
         </mc:Choice>
-        <mc:Fallback xmlns="">
+        <mc:Fallback>
           <p:sp>
             <p:nvSpPr>
-              <p:cNvPr id="3" name="内容占位符 2">
-                <a:extLst>
-                  <a:ext uri="{FF2B5EF4-FFF2-40B4-BE49-F238E27FC236}">
-                    <a16:creationId xmlns:a16="http://schemas.microsoft.com/office/drawing/2014/main" id="{44ED792E-AC6B-4FBB-A579-C03A10B2858A}"/>
-                  </a:ext>
-                </a:extLst>
-              </p:cNvPr>
+              <p:cNvPr id="3" name="内容占位符 2"/>
               <p:cNvSpPr>
-                <a:spLocks noGrp="1" noRot="1" noChangeAspect="1" noMove="1" noResize="1" noEditPoints="1" noAdjustHandles="1" noChangeArrowheads="1" noChangeShapeType="1" noTextEdit="1"/>
+                <a:spLocks noRot="1" noChangeAspect="1" noMove="1" noResize="1" noEditPoints="1" noAdjustHandles="1" noChangeArrowheads="1" noChangeShapeType="1" noTextEdit="1"/>
               </p:cNvSpPr>
               <p:nvPr>
                 <p:ph idx="1"/>
               </p:nvPr>
             </p:nvSpPr>
             <p:spPr>
-              <a:blipFill>
-                <a:blip r:embed="rId2"/>
+              <a:blipFill rotWithShape="1">
+                <a:blip r:embed="rId1"/>
                 <a:stretch>
-                  <a:fillRect l="-1005" t="-1120"/>
+                  <a:fillRect b="7"/>
                 </a:stretch>
               </a:blipFill>
             </p:spPr>
@@ -7031,7 +6739,7 @@
               <a:lstStyle/>
               <a:p>
                 <a:r>
-                  <a:rPr lang="en-US">
+                  <a:rPr lang="zh-CN" altLang="en-US">
                     <a:noFill/>
                   </a:rPr>
                   <a:t> </a:t>
@@ -7043,20 +6751,14 @@
       </mc:AlternateContent>
       <p:pic>
         <p:nvPicPr>
-          <p:cNvPr id="3074" name="Picture 2">
-            <a:extLst>
-              <a:ext uri="{FF2B5EF4-FFF2-40B4-BE49-F238E27FC236}">
-                <a16:creationId xmlns:a16="http://schemas.microsoft.com/office/drawing/2014/main" id="{C4C5E6B1-F351-4569-8E84-378DE23EAD63}"/>
-              </a:ext>
-            </a:extLst>
-          </p:cNvPr>
+          <p:cNvPr id="3074" name="Picture 2"/>
           <p:cNvPicPr>
             <a:picLocks noChangeAspect="1" noChangeArrowheads="1"/>
           </p:cNvPicPr>
           <p:nvPr/>
         </p:nvPicPr>
         <p:blipFill>
-          <a:blip r:embed="rId3">
+          <a:blip r:embed="rId2">
             <a:extLst>
               <a:ext uri="{28A0092B-C50C-407E-A947-70E740481C1C}">
                 <a14:useLocalDpi xmlns:a14="http://schemas.microsoft.com/office/drawing/2010/main" val="0"/>
@@ -7082,6 +6784,8 @@
             </a:solidFill>
             <a:prstDash val="solid"/>
             <a:miter lim="800000"/>
+            <a:headEnd/>
+            <a:tailEnd/>
           </a:ln>
           <a:effectLst>
             <a:outerShdw blurRad="50800" dist="38100" dir="2700000" algn="tl" rotWithShape="0">
@@ -7101,17 +6805,11 @@
           </a:extLst>
         </p:spPr>
       </p:pic>
-      <mc:AlternateContent xmlns:mc="http://schemas.openxmlformats.org/markup-compatibility/2006" xmlns:a14="http://schemas.microsoft.com/office/drawing/2010/main">
-        <mc:Choice Requires="a14">
+      <mc:AlternateContent xmlns:mc="http://schemas.openxmlformats.org/markup-compatibility/2006">
+        <mc:Choice xmlns:a14="http://schemas.microsoft.com/office/drawing/2010/main" Requires="a14">
           <p:sp>
             <p:nvSpPr>
-              <p:cNvPr id="5" name="文本框 4">
-                <a:extLst>
-                  <a:ext uri="{FF2B5EF4-FFF2-40B4-BE49-F238E27FC236}">
-                    <a16:creationId xmlns:a16="http://schemas.microsoft.com/office/drawing/2014/main" id="{3C6CFFE3-E9CE-4B6E-9D6D-DFB80FF65791}"/>
-                  </a:ext>
-                </a:extLst>
-              </p:cNvPr>
+              <p:cNvPr id="5" name="文本框 4"/>
               <p:cNvSpPr txBox="1"/>
               <p:nvPr/>
             </p:nvSpPr>
@@ -7131,7 +6829,6 @@
               </a:bodyPr>
               <a:lstStyle/>
               <a:p>
-                <a:pPr/>
                 <a14:m>
                   <m:oMathPara xmlns:m="http://schemas.openxmlformats.org/officeDocument/2006/math">
                     <m:oMathParaPr>
@@ -7154,7 +6851,25 @@
                           </a:solidFill>
                           <a:latin typeface="Cambria Math" panose="02040503050406030204" pitchFamily="18" charset="0"/>
                         </a:rPr>
-                        <m:t>=8,</m:t>
+                        <m:t>=</m:t>
+                      </m:r>
+                      <m:r>
+                        <a:rPr lang="en-US" sz="2000" b="0" i="1" smtClean="0">
+                          <a:solidFill>
+                            <a:srgbClr val="C00000"/>
+                          </a:solidFill>
+                          <a:latin typeface="Cambria Math" panose="02040503050406030204" pitchFamily="18" charset="0"/>
+                        </a:rPr>
+                        <m:t>8</m:t>
+                      </m:r>
+                      <m:r>
+                        <a:rPr lang="en-US" sz="2000" b="0" i="1" smtClean="0">
+                          <a:solidFill>
+                            <a:srgbClr val="C00000"/>
+                          </a:solidFill>
+                          <a:latin typeface="Cambria Math" panose="02040503050406030204" pitchFamily="18" charset="0"/>
+                        </a:rPr>
+                        <m:t>,</m:t>
                       </m:r>
                       <m:r>
                         <a:rPr lang="en-US" sz="2000" b="0" i="1" smtClean="0">
@@ -7172,7 +6887,25 @@
                           </a:solidFill>
                           <a:latin typeface="Cambria Math" panose="02040503050406030204" pitchFamily="18" charset="0"/>
                         </a:rPr>
-                        <m:t>=50,</m:t>
+                        <m:t>=</m:t>
+                      </m:r>
+                      <m:r>
+                        <a:rPr lang="en-US" sz="2000" b="0" i="1" smtClean="0">
+                          <a:solidFill>
+                            <a:srgbClr val="C00000"/>
+                          </a:solidFill>
+                          <a:latin typeface="Cambria Math" panose="02040503050406030204" pitchFamily="18" charset="0"/>
+                        </a:rPr>
+                        <m:t>50</m:t>
+                      </m:r>
+                      <m:r>
+                        <a:rPr lang="en-US" sz="2000" b="0" i="1" smtClean="0">
+                          <a:solidFill>
+                            <a:srgbClr val="C00000"/>
+                          </a:solidFill>
+                          <a:latin typeface="Cambria Math" panose="02040503050406030204" pitchFamily="18" charset="0"/>
+                        </a:rPr>
+                        <m:t>,</m:t>
                       </m:r>
                       <m:r>
                         <a:rPr lang="en-US" sz="2000" b="0" i="1" smtClean="0">
@@ -7190,7 +6923,16 @@
                           </a:solidFill>
                           <a:latin typeface="Cambria Math" panose="02040503050406030204" pitchFamily="18" charset="0"/>
                         </a:rPr>
-                        <m:t>=5</m:t>
+                        <m:t>=</m:t>
+                      </m:r>
+                      <m:r>
+                        <a:rPr lang="en-US" sz="2000" b="0" i="1" smtClean="0">
+                          <a:solidFill>
+                            <a:srgbClr val="C00000"/>
+                          </a:solidFill>
+                          <a:latin typeface="Cambria Math" panose="02040503050406030204" pitchFamily="18" charset="0"/>
+                        </a:rPr>
+                        <m:t>5</m:t>
                       </m:r>
                     </m:oMath>
                   </m:oMathPara>
@@ -7204,16 +6946,10 @@
             </p:txBody>
           </p:sp>
         </mc:Choice>
-        <mc:Fallback xmlns="">
+        <mc:Fallback>
           <p:sp>
             <p:nvSpPr>
-              <p:cNvPr id="5" name="文本框 4">
-                <a:extLst>
-                  <a:ext uri="{FF2B5EF4-FFF2-40B4-BE49-F238E27FC236}">
-                    <a16:creationId xmlns:a16="http://schemas.microsoft.com/office/drawing/2014/main" id="{3C6CFFE3-E9CE-4B6E-9D6D-DFB80FF65791}"/>
-                  </a:ext>
-                </a:extLst>
-              </p:cNvPr>
+              <p:cNvPr id="5" name="文本框 4"/>
               <p:cNvSpPr txBox="1">
                 <a:spLocks noRot="1" noChangeAspect="1" noMove="1" noResize="1" noEditPoints="1" noAdjustHandles="1" noChangeArrowheads="1" noChangeShapeType="1" noTextEdit="1"/>
               </p:cNvSpPr>
@@ -7227,10 +6963,10 @@
               <a:prstGeom prst="rect">
                 <a:avLst/>
               </a:prstGeom>
-              <a:blipFill>
-                <a:blip r:embed="rId4"/>
+              <a:blipFill rotWithShape="1">
+                <a:blip r:embed="rId3"/>
                 <a:stretch>
-                  <a:fillRect/>
+                  <a:fillRect l="-4" t="-25" r="-2152" b="40"/>
                 </a:stretch>
               </a:blipFill>
             </p:spPr>
@@ -7239,7 +6975,7 @@
               <a:lstStyle/>
               <a:p>
                 <a:r>
-                  <a:rPr lang="en-US">
+                  <a:rPr lang="zh-CN" altLang="en-US">
                     <a:noFill/>
                   </a:rPr>
                   <a:t> </a:t>
@@ -7251,20 +6987,14 @@
       </mc:AlternateContent>
       <p:pic>
         <p:nvPicPr>
-          <p:cNvPr id="3076" name="Picture 4">
-            <a:extLst>
-              <a:ext uri="{FF2B5EF4-FFF2-40B4-BE49-F238E27FC236}">
-                <a16:creationId xmlns:a16="http://schemas.microsoft.com/office/drawing/2014/main" id="{A2139C76-7626-449E-87DB-E4426A16B83E}"/>
-              </a:ext>
-            </a:extLst>
-          </p:cNvPr>
+          <p:cNvPr id="3076" name="Picture 4"/>
           <p:cNvPicPr>
             <a:picLocks noChangeAspect="1" noChangeArrowheads="1"/>
           </p:cNvPicPr>
           <p:nvPr/>
         </p:nvPicPr>
         <p:blipFill>
-          <a:blip r:embed="rId5">
+          <a:blip r:embed="rId4">
             <a:extLst>
               <a:ext uri="{28A0092B-C50C-407E-A947-70E740481C1C}">
                 <a14:useLocalDpi xmlns:a14="http://schemas.microsoft.com/office/drawing/2010/main" val="0"/>
@@ -7290,6 +7020,8 @@
             </a:solidFill>
             <a:prstDash val="solid"/>
             <a:miter lim="800000"/>
+            <a:headEnd/>
+            <a:tailEnd/>
           </a:ln>
           <a:effectLst>
             <a:outerShdw blurRad="50800" dist="38100" dir="2700000" algn="tl" rotWithShape="0">
@@ -7311,13 +7043,7 @@
       </p:pic>
       <p:sp>
         <p:nvSpPr>
-          <p:cNvPr id="7" name="矩形 6">
-            <a:extLst>
-              <a:ext uri="{FF2B5EF4-FFF2-40B4-BE49-F238E27FC236}">
-                <a16:creationId xmlns:a16="http://schemas.microsoft.com/office/drawing/2014/main" id="{07B51A4F-490D-4FD4-9450-1910524EA447}"/>
-              </a:ext>
-            </a:extLst>
-          </p:cNvPr>
+          <p:cNvPr id="7" name="矩形 6"/>
           <p:cNvSpPr/>
           <p:nvPr/>
         </p:nvSpPr>
@@ -7381,6 +7107,11 @@
               </a:rPr>
               <a:t>(A, k):</a:t>
             </a:r>
+            <a:endParaRPr lang="en-GB" b="1" u="sng" dirty="0">
+              <a:solidFill>
+                <a:schemeClr val="tx1"/>
+              </a:solidFill>
+            </a:endParaRPr>
           </a:p>
           <a:p>
             <a:pPr>
@@ -7478,6 +7209,13 @@
               </a:rPr>
               <a:t>(k)</a:t>
             </a:r>
+            <a:endParaRPr lang="en-US" dirty="0">
+              <a:solidFill>
+                <a:schemeClr val="tx1"/>
+              </a:solidFill>
+              <a:latin typeface="Courier New" panose="02070309020205020404" pitchFamily="49" charset="0"/>
+              <a:cs typeface="Courier New" panose="02070309020205020404" pitchFamily="49" charset="0"/>
+            </a:endParaRPr>
           </a:p>
           <a:p>
             <a:pPr>
@@ -7535,6 +7273,13 @@
               </a:rPr>
               <a:t>)</a:t>
             </a:r>
+            <a:endParaRPr lang="en-US" dirty="0">
+              <a:solidFill>
+                <a:schemeClr val="tx1"/>
+              </a:solidFill>
+              <a:latin typeface="Courier New" panose="02070309020205020404" pitchFamily="49" charset="0"/>
+              <a:cs typeface="Courier New" panose="02070309020205020404" pitchFamily="49" charset="0"/>
+            </a:endParaRPr>
           </a:p>
           <a:p>
             <a:pPr>
@@ -7592,6 +7337,13 @@
               </a:rPr>
               <a:t>])</a:t>
             </a:r>
+            <a:endParaRPr lang="en-US" dirty="0">
+              <a:solidFill>
+                <a:schemeClr val="tx1"/>
+              </a:solidFill>
+              <a:latin typeface="Courier New" panose="02070309020205020404" pitchFamily="49" charset="0"/>
+              <a:cs typeface="Courier New" panose="02070309020205020404" pitchFamily="49" charset="0"/>
+            </a:endParaRPr>
           </a:p>
           <a:p>
             <a:pPr>
@@ -7609,6 +7361,13 @@
               </a:rPr>
               <a:t>for (j=1 to k)</a:t>
             </a:r>
+            <a:endParaRPr lang="en-US" dirty="0">
+              <a:solidFill>
+                <a:schemeClr val="tx1"/>
+              </a:solidFill>
+              <a:latin typeface="Courier New" panose="02070309020205020404" pitchFamily="49" charset="0"/>
+              <a:cs typeface="Courier New" panose="02070309020205020404" pitchFamily="49" charset="0"/>
+            </a:endParaRPr>
           </a:p>
           <a:p>
             <a:pPr>
@@ -7676,6 +7435,13 @@
               </a:rPr>
               <a:t>)</a:t>
             </a:r>
+            <a:endParaRPr lang="en-US" dirty="0">
+              <a:solidFill>
+                <a:schemeClr val="tx1"/>
+              </a:solidFill>
+              <a:latin typeface="Courier New" panose="02070309020205020404" pitchFamily="49" charset="0"/>
+              <a:cs typeface="Courier New" panose="02070309020205020404" pitchFamily="49" charset="0"/>
+            </a:endParaRPr>
           </a:p>
           <a:p>
             <a:pPr>
@@ -7763,15 +7529,17 @@
               </a:rPr>
               <a:t>)</a:t>
             </a:r>
+            <a:endParaRPr lang="en-US" dirty="0">
+              <a:solidFill>
+                <a:schemeClr val="tx1"/>
+              </a:solidFill>
+              <a:latin typeface="Courier New" panose="02070309020205020404" pitchFamily="49" charset="0"/>
+              <a:cs typeface="Courier New" panose="02070309020205020404" pitchFamily="49" charset="0"/>
+            </a:endParaRPr>
           </a:p>
         </p:txBody>
       </p:sp>
     </p:spTree>
-    <p:extLst>
-      <p:ext uri="{BB962C8B-B14F-4D97-AF65-F5344CB8AC3E}">
-        <p14:creationId xmlns:p14="http://schemas.microsoft.com/office/powerpoint/2010/main" val="1832528797"/>
-      </p:ext>
-    </p:extLst>
   </p:cSld>
   <p:clrMapOvr>
     <a:masterClrMapping/>
@@ -7952,13 +7720,7 @@
       </p:grpSpPr>
       <p:sp>
         <p:nvSpPr>
-          <p:cNvPr id="2" name="标题 1">
-            <a:extLst>
-              <a:ext uri="{FF2B5EF4-FFF2-40B4-BE49-F238E27FC236}">
-                <a16:creationId xmlns:a16="http://schemas.microsoft.com/office/drawing/2014/main" id="{BB85C573-1D4A-4930-A7CF-C4535F3C42D8}"/>
-              </a:ext>
-            </a:extLst>
-          </p:cNvPr>
+          <p:cNvPr id="2" name="标题 1"/>
           <p:cNvSpPr>
             <a:spLocks noGrp="1"/>
           </p:cNvSpPr>
@@ -7975,20 +7737,15 @@
               <a:rPr lang="en-US" dirty="0"/>
               <a:t>Bucket sort</a:t>
             </a:r>
+            <a:endParaRPr lang="en-US" dirty="0"/>
           </a:p>
         </p:txBody>
       </p:sp>
-      <mc:AlternateContent xmlns:mc="http://schemas.openxmlformats.org/markup-compatibility/2006" xmlns:a14="http://schemas.microsoft.com/office/drawing/2010/main">
-        <mc:Choice Requires="a14">
+      <mc:AlternateContent xmlns:mc="http://schemas.openxmlformats.org/markup-compatibility/2006">
+        <mc:Choice xmlns:a14="http://schemas.microsoft.com/office/drawing/2010/main" Requires="a14">
           <p:sp>
             <p:nvSpPr>
-              <p:cNvPr id="3" name="内容占位符 2">
-                <a:extLst>
-                  <a:ext uri="{FF2B5EF4-FFF2-40B4-BE49-F238E27FC236}">
-                    <a16:creationId xmlns:a16="http://schemas.microsoft.com/office/drawing/2014/main" id="{44ED792E-AC6B-4FBB-A579-C03A10B2858A}"/>
-                  </a:ext>
-                </a:extLst>
-              </p:cNvPr>
+              <p:cNvPr id="3" name="内容占位符 2"/>
               <p:cNvSpPr>
                 <a:spLocks noGrp="1"/>
               </p:cNvSpPr>
@@ -8061,6 +7818,7 @@
                   <a:rPr lang="en-US" sz="2400" dirty="0"/>
                   <a:t>, plus cost for sorting within buckets.</a:t>
                 </a:r>
+                <a:endParaRPr lang="en-US" sz="2400" dirty="0"/>
               </a:p>
               <a:p>
                 <a:pPr>
@@ -8243,6 +8001,7 @@
                   <a:rPr lang="en-US" sz="2400" dirty="0"/>
                   <a:t>.</a:t>
                 </a:r>
+                <a:endParaRPr lang="en-US" sz="2400" dirty="0"/>
               </a:p>
               <a:p>
                 <a:pPr>
@@ -8427,6 +8186,7 @@
                   <a:rPr lang="en-US" sz="2400" dirty="0"/>
                   <a:t> buckets.</a:t>
                 </a:r>
+                <a:endParaRPr lang="en-US" sz="2400" dirty="0"/>
               </a:p>
               <a:p>
                 <a:pPr>
@@ -8448,32 +8208,27 @@
                   <a:rPr lang="en-US" sz="2400" dirty="0"/>
                   <a:t> can be stable.</a:t>
                 </a:r>
+                <a:endParaRPr lang="en-US" sz="2400" dirty="0"/>
               </a:p>
             </p:txBody>
           </p:sp>
         </mc:Choice>
-        <mc:Fallback xmlns="">
+        <mc:Fallback>
           <p:sp>
             <p:nvSpPr>
-              <p:cNvPr id="3" name="内容占位符 2">
-                <a:extLst>
-                  <a:ext uri="{FF2B5EF4-FFF2-40B4-BE49-F238E27FC236}">
-                    <a16:creationId xmlns:a16="http://schemas.microsoft.com/office/drawing/2014/main" id="{44ED792E-AC6B-4FBB-A579-C03A10B2858A}"/>
-                  </a:ext>
-                </a:extLst>
-              </p:cNvPr>
+              <p:cNvPr id="3" name="内容占位符 2"/>
               <p:cNvSpPr>
-                <a:spLocks noGrp="1" noRot="1" noChangeAspect="1" noMove="1" noResize="1" noEditPoints="1" noAdjustHandles="1" noChangeArrowheads="1" noChangeShapeType="1" noTextEdit="1"/>
+                <a:spLocks noRot="1" noChangeAspect="1" noMove="1" noResize="1" noEditPoints="1" noAdjustHandles="1" noChangeArrowheads="1" noChangeShapeType="1" noTextEdit="1"/>
               </p:cNvSpPr>
               <p:nvPr>
                 <p:ph idx="1"/>
               </p:nvPr>
             </p:nvSpPr>
             <p:spPr>
-              <a:blipFill>
-                <a:blip r:embed="rId2"/>
+              <a:blipFill rotWithShape="1">
+                <a:blip r:embed="rId1"/>
                 <a:stretch>
-                  <a:fillRect l="-1005" t="-1120"/>
+                  <a:fillRect b="7"/>
                 </a:stretch>
               </a:blipFill>
             </p:spPr>
@@ -8482,7 +8237,7 @@
               <a:lstStyle/>
               <a:p>
                 <a:r>
-                  <a:rPr lang="en-US">
+                  <a:rPr lang="zh-CN" altLang="en-US">
                     <a:noFill/>
                   </a:rPr>
                   <a:t> </a:t>
@@ -8494,13 +8249,7 @@
       </mc:AlternateContent>
       <p:sp>
         <p:nvSpPr>
-          <p:cNvPr id="7" name="矩形 6">
-            <a:extLst>
-              <a:ext uri="{FF2B5EF4-FFF2-40B4-BE49-F238E27FC236}">
-                <a16:creationId xmlns:a16="http://schemas.microsoft.com/office/drawing/2014/main" id="{07B51A4F-490D-4FD4-9450-1910524EA447}"/>
-              </a:ext>
-            </a:extLst>
-          </p:cNvPr>
+          <p:cNvPr id="7" name="矩形 6"/>
           <p:cNvSpPr/>
           <p:nvPr/>
         </p:nvSpPr>
@@ -8564,6 +8313,11 @@
               </a:rPr>
               <a:t>(A, k):</a:t>
             </a:r>
+            <a:endParaRPr lang="en-GB" b="1" u="sng" dirty="0">
+              <a:solidFill>
+                <a:schemeClr val="tx1"/>
+              </a:solidFill>
+            </a:endParaRPr>
           </a:p>
           <a:p>
             <a:pPr>
@@ -8661,6 +8415,13 @@
               </a:rPr>
               <a:t>(k)</a:t>
             </a:r>
+            <a:endParaRPr lang="en-US" dirty="0">
+              <a:solidFill>
+                <a:schemeClr val="tx1"/>
+              </a:solidFill>
+              <a:latin typeface="Courier New" panose="02070309020205020404" pitchFamily="49" charset="0"/>
+              <a:cs typeface="Courier New" panose="02070309020205020404" pitchFamily="49" charset="0"/>
+            </a:endParaRPr>
           </a:p>
           <a:p>
             <a:pPr>
@@ -8718,6 +8479,13 @@
               </a:rPr>
               <a:t>)</a:t>
             </a:r>
+            <a:endParaRPr lang="en-US" dirty="0">
+              <a:solidFill>
+                <a:schemeClr val="tx1"/>
+              </a:solidFill>
+              <a:latin typeface="Courier New" panose="02070309020205020404" pitchFamily="49" charset="0"/>
+              <a:cs typeface="Courier New" panose="02070309020205020404" pitchFamily="49" charset="0"/>
+            </a:endParaRPr>
           </a:p>
           <a:p>
             <a:pPr>
@@ -8775,6 +8543,13 @@
               </a:rPr>
               <a:t>])</a:t>
             </a:r>
+            <a:endParaRPr lang="en-US" dirty="0">
+              <a:solidFill>
+                <a:schemeClr val="tx1"/>
+              </a:solidFill>
+              <a:latin typeface="Courier New" panose="02070309020205020404" pitchFamily="49" charset="0"/>
+              <a:cs typeface="Courier New" panose="02070309020205020404" pitchFamily="49" charset="0"/>
+            </a:endParaRPr>
           </a:p>
           <a:p>
             <a:pPr>
@@ -8792,6 +8567,13 @@
               </a:rPr>
               <a:t>for (j=1 to k)</a:t>
             </a:r>
+            <a:endParaRPr lang="en-US" dirty="0">
+              <a:solidFill>
+                <a:schemeClr val="tx1"/>
+              </a:solidFill>
+              <a:latin typeface="Courier New" panose="02070309020205020404" pitchFamily="49" charset="0"/>
+              <a:cs typeface="Courier New" panose="02070309020205020404" pitchFamily="49" charset="0"/>
+            </a:endParaRPr>
           </a:p>
           <a:p>
             <a:pPr>
@@ -8859,6 +8641,13 @@
               </a:rPr>
               <a:t>)</a:t>
             </a:r>
+            <a:endParaRPr lang="en-US" dirty="0">
+              <a:solidFill>
+                <a:schemeClr val="tx1"/>
+              </a:solidFill>
+              <a:latin typeface="Courier New" panose="02070309020205020404" pitchFamily="49" charset="0"/>
+              <a:cs typeface="Courier New" panose="02070309020205020404" pitchFamily="49" charset="0"/>
+            </a:endParaRPr>
           </a:p>
           <a:p>
             <a:pPr>
@@ -8946,15 +8735,17 @@
               </a:rPr>
               <a:t>)</a:t>
             </a:r>
+            <a:endParaRPr lang="en-US" dirty="0">
+              <a:solidFill>
+                <a:schemeClr val="tx1"/>
+              </a:solidFill>
+              <a:latin typeface="Courier New" panose="02070309020205020404" pitchFamily="49" charset="0"/>
+              <a:cs typeface="Courier New" panose="02070309020205020404" pitchFamily="49" charset="0"/>
+            </a:endParaRPr>
           </a:p>
         </p:txBody>
       </p:sp>
     </p:spTree>
-    <p:extLst>
-      <p:ext uri="{BB962C8B-B14F-4D97-AF65-F5344CB8AC3E}">
-        <p14:creationId xmlns:p14="http://schemas.microsoft.com/office/powerpoint/2010/main" val="3186806220"/>
-      </p:ext>
-    </p:extLst>
   </p:cSld>
   <p:clrMapOvr>
     <a:masterClrMapping/>
@@ -9158,13 +8949,7 @@
       </p:grpSpPr>
       <p:sp>
         <p:nvSpPr>
-          <p:cNvPr id="2" name="标题 1">
-            <a:extLst>
-              <a:ext uri="{FF2B5EF4-FFF2-40B4-BE49-F238E27FC236}">
-                <a16:creationId xmlns:a16="http://schemas.microsoft.com/office/drawing/2014/main" id="{5AEAC969-7069-4C4D-9D09-A45868BFB543}"/>
-              </a:ext>
-            </a:extLst>
-          </p:cNvPr>
+          <p:cNvPr id="2" name="标题 1"/>
           <p:cNvSpPr>
             <a:spLocks noGrp="1"/>
           </p:cNvSpPr>
@@ -9181,20 +8966,15 @@
               <a:rPr lang="en-US" dirty="0"/>
               <a:t>Radix sort</a:t>
             </a:r>
+            <a:endParaRPr lang="en-US" dirty="0"/>
           </a:p>
         </p:txBody>
       </p:sp>
-      <mc:AlternateContent xmlns:mc="http://schemas.openxmlformats.org/markup-compatibility/2006" xmlns:a14="http://schemas.microsoft.com/office/drawing/2010/main">
-        <mc:Choice Requires="a14">
+      <mc:AlternateContent xmlns:mc="http://schemas.openxmlformats.org/markup-compatibility/2006">
+        <mc:Choice xmlns:a14="http://schemas.microsoft.com/office/drawing/2010/main" Requires="a14">
           <p:sp>
             <p:nvSpPr>
-              <p:cNvPr id="3" name="内容占位符 2">
-                <a:extLst>
-                  <a:ext uri="{FF2B5EF4-FFF2-40B4-BE49-F238E27FC236}">
-                    <a16:creationId xmlns:a16="http://schemas.microsoft.com/office/drawing/2014/main" id="{1A63F6A0-CD9C-4E5C-A253-3BB62ADDB8F4}"/>
-                  </a:ext>
-                </a:extLst>
-              </p:cNvPr>
+              <p:cNvPr id="3" name="内容占位符 2"/>
               <p:cNvSpPr>
                 <a:spLocks noGrp="1"/>
               </p:cNvSpPr>
@@ -9246,12 +9026,14 @@
                   <a:rPr lang="en-US" sz="2400" dirty="0"/>
                   <a:t>-digits.</a:t>
                 </a:r>
+                <a:endParaRPr lang="en-US" sz="2400" dirty="0"/>
               </a:p>
               <a:p>
                 <a:r>
                   <a:rPr lang="en-US" sz="2400" dirty="0"/>
                   <a:t>How about recursive bucket sort?</a:t>
                 </a:r>
+                <a:endParaRPr lang="en-US" sz="2400" dirty="0"/>
               </a:p>
               <a:p>
                 <a:pPr lvl="1"/>
@@ -9259,6 +9041,7 @@
                   <a:rPr lang="en-US" sz="2000" dirty="0"/>
                   <a:t>Based on most significant bit, assign items to 10 buckets.</a:t>
                 </a:r>
+                <a:endParaRPr lang="en-US" sz="2000" dirty="0"/>
               </a:p>
               <a:p>
                 <a:pPr lvl="1"/>
@@ -9274,6 +9057,7 @@
                   <a:rPr lang="en-US" sz="2000" dirty="0"/>
                   <a:t> most significant bit).</a:t>
                 </a:r>
+                <a:endParaRPr lang="en-US" sz="2000" dirty="0"/>
               </a:p>
               <a:p>
                 <a:r>
@@ -9299,22 +9083,17 @@
                   <a:rPr lang="en-US" sz="2400" dirty="0"/>
                   <a:t> significant bit.</a:t>
                 </a:r>
+                <a:endParaRPr lang="en-US" sz="2400" dirty="0"/>
               </a:p>
             </p:txBody>
           </p:sp>
         </mc:Choice>
-        <mc:Fallback xmlns="">
+        <mc:Fallback>
           <p:sp>
             <p:nvSpPr>
-              <p:cNvPr id="3" name="内容占位符 2">
-                <a:extLst>
-                  <a:ext uri="{FF2B5EF4-FFF2-40B4-BE49-F238E27FC236}">
-                    <a16:creationId xmlns:a16="http://schemas.microsoft.com/office/drawing/2014/main" id="{1A63F6A0-CD9C-4E5C-A253-3BB62ADDB8F4}"/>
-                  </a:ext>
-                </a:extLst>
-              </p:cNvPr>
+              <p:cNvPr id="3" name="内容占位符 2"/>
               <p:cNvSpPr>
-                <a:spLocks noGrp="1" noRot="1" noChangeAspect="1" noMove="1" noResize="1" noEditPoints="1" noAdjustHandles="1" noChangeArrowheads="1" noChangeShapeType="1" noTextEdit="1"/>
+                <a:spLocks noRot="1" noChangeAspect="1" noMove="1" noResize="1" noEditPoints="1" noAdjustHandles="1" noChangeArrowheads="1" noChangeShapeType="1" noTextEdit="1"/>
               </p:cNvSpPr>
               <p:nvPr>
                 <p:ph idx="1"/>
@@ -9325,10 +9104,10 @@
                 <a:off x="628650" y="1690688"/>
                 <a:ext cx="7886700" cy="4802186"/>
               </a:xfrm>
-              <a:blipFill>
-                <a:blip r:embed="rId2"/>
+              <a:blipFill rotWithShape="1">
+                <a:blip r:embed="rId1"/>
                 <a:stretch>
-                  <a:fillRect l="-1005" t="-1777" r="-155"/>
+                  <a:fillRect t="-7" b="13"/>
                 </a:stretch>
               </a:blipFill>
             </p:spPr>
@@ -9337,7 +9116,7 @@
               <a:lstStyle/>
               <a:p>
                 <a:r>
-                  <a:rPr lang="en-US">
+                  <a:rPr lang="zh-CN" altLang="en-US">
                     <a:noFill/>
                   </a:rPr>
                   <a:t> </a:t>
@@ -9349,13 +9128,7 @@
       </mc:AlternateContent>
       <p:sp>
         <p:nvSpPr>
-          <p:cNvPr id="4" name="矩形 3">
-            <a:extLst>
-              <a:ext uri="{FF2B5EF4-FFF2-40B4-BE49-F238E27FC236}">
-                <a16:creationId xmlns:a16="http://schemas.microsoft.com/office/drawing/2014/main" id="{08400B63-71D2-44A5-8059-156506AE478A}"/>
-              </a:ext>
-            </a:extLst>
-          </p:cNvPr>
+          <p:cNvPr id="4" name="矩形 3"/>
           <p:cNvSpPr/>
           <p:nvPr/>
         </p:nvSpPr>
@@ -9419,6 +9192,11 @@
               </a:rPr>
               <a:t>(A, d):</a:t>
             </a:r>
+            <a:endParaRPr lang="en-GB" b="1" u="sng" dirty="0">
+              <a:solidFill>
+                <a:schemeClr val="tx1"/>
+              </a:solidFill>
+            </a:endParaRPr>
           </a:p>
           <a:p>
             <a:pPr>
@@ -9456,6 +9234,13 @@
               </a:rPr>
               <a:t>=1 to d)</a:t>
             </a:r>
+            <a:endParaRPr lang="en-US" dirty="0">
+              <a:solidFill>
+                <a:schemeClr val="tx1"/>
+              </a:solidFill>
+              <a:latin typeface="Courier New" panose="02070309020205020404" pitchFamily="49" charset="0"/>
+              <a:cs typeface="Courier New" panose="02070309020205020404" pitchFamily="49" charset="0"/>
+            </a:endParaRPr>
           </a:p>
           <a:p>
             <a:pPr>
@@ -9495,13 +9280,7 @@
       </p:sp>
       <p:sp>
         <p:nvSpPr>
-          <p:cNvPr id="5" name="矩形: 圆角 4">
-            <a:extLst>
-              <a:ext uri="{FF2B5EF4-FFF2-40B4-BE49-F238E27FC236}">
-                <a16:creationId xmlns:a16="http://schemas.microsoft.com/office/drawing/2014/main" id="{309BC248-4DA4-4CAC-BEA3-09C32F1DA3E7}"/>
-              </a:ext>
-            </a:extLst>
-          </p:cNvPr>
+          <p:cNvPr id="5" name="矩形: 圆角 4"/>
           <p:cNvSpPr/>
           <p:nvPr/>
         </p:nvSpPr>
@@ -9550,20 +9329,14 @@
       </p:sp>
       <p:pic>
         <p:nvPicPr>
-          <p:cNvPr id="6" name="图片 5">
-            <a:extLst>
-              <a:ext uri="{FF2B5EF4-FFF2-40B4-BE49-F238E27FC236}">
-                <a16:creationId xmlns:a16="http://schemas.microsoft.com/office/drawing/2014/main" id="{18BA9A77-094A-4659-9086-E2A6451FC154}"/>
-              </a:ext>
-            </a:extLst>
-          </p:cNvPr>
+          <p:cNvPr id="6" name="图片 5"/>
           <p:cNvPicPr>
             <a:picLocks noChangeAspect="1"/>
           </p:cNvPicPr>
           <p:nvPr/>
         </p:nvPicPr>
         <p:blipFill>
-          <a:blip r:embed="rId3"/>
+          <a:blip r:embed="rId2"/>
           <a:stretch>
             <a:fillRect/>
           </a:stretch>
@@ -9582,6 +9355,8 @@
             </a:solidFill>
             <a:prstDash val="solid"/>
             <a:miter lim="800000"/>
+            <a:headEnd/>
+            <a:tailEnd/>
           </a:ln>
           <a:effectLst>
             <a:outerShdw blurRad="50800" dist="38100" dir="2700000" algn="tl" rotWithShape="0">
@@ -9594,13 +9369,7 @@
       </p:pic>
       <p:sp>
         <p:nvSpPr>
-          <p:cNvPr id="7" name="文本框 6">
-            <a:extLst>
-              <a:ext uri="{FF2B5EF4-FFF2-40B4-BE49-F238E27FC236}">
-                <a16:creationId xmlns:a16="http://schemas.microsoft.com/office/drawing/2014/main" id="{8853D2EB-ED1D-4042-B0AA-F12726B0850A}"/>
-              </a:ext>
-            </a:extLst>
-          </p:cNvPr>
+          <p:cNvPr id="7" name="文本框 6"/>
           <p:cNvSpPr txBox="1"/>
           <p:nvPr/>
         </p:nvSpPr>
@@ -9624,15 +9393,11 @@
               <a:rPr lang="en-US" sz="2400" dirty="0"/>
               <a:t>Valid but not for now…</a:t>
             </a:r>
+            <a:endParaRPr lang="en-US" sz="2400" dirty="0"/>
           </a:p>
         </p:txBody>
       </p:sp>
     </p:spTree>
-    <p:extLst>
-      <p:ext uri="{BB962C8B-B14F-4D97-AF65-F5344CB8AC3E}">
-        <p14:creationId xmlns:p14="http://schemas.microsoft.com/office/powerpoint/2010/main" val="1049725830"/>
-      </p:ext>
-    </p:extLst>
   </p:cSld>
   <p:clrMapOvr>
     <a:masterClrMapping/>
@@ -10016,13 +9781,7 @@
       </p:grpSpPr>
       <p:sp>
         <p:nvSpPr>
-          <p:cNvPr id="2" name="标题 1">
-            <a:extLst>
-              <a:ext uri="{FF2B5EF4-FFF2-40B4-BE49-F238E27FC236}">
-                <a16:creationId xmlns:a16="http://schemas.microsoft.com/office/drawing/2014/main" id="{5AEAC969-7069-4C4D-9D09-A45868BFB543}"/>
-              </a:ext>
-            </a:extLst>
-          </p:cNvPr>
+          <p:cNvPr id="2" name="标题 1"/>
           <p:cNvSpPr>
             <a:spLocks noGrp="1"/>
           </p:cNvSpPr>
@@ -10039,18 +9798,13 @@
               <a:rPr lang="en-US" dirty="0"/>
               <a:t>Radix sort</a:t>
             </a:r>
+            <a:endParaRPr lang="en-US" dirty="0"/>
           </a:p>
         </p:txBody>
       </p:sp>
       <p:sp>
         <p:nvSpPr>
-          <p:cNvPr id="4" name="矩形 3">
-            <a:extLst>
-              <a:ext uri="{FF2B5EF4-FFF2-40B4-BE49-F238E27FC236}">
-                <a16:creationId xmlns:a16="http://schemas.microsoft.com/office/drawing/2014/main" id="{08400B63-71D2-44A5-8059-156506AE478A}"/>
-              </a:ext>
-            </a:extLst>
-          </p:cNvPr>
+          <p:cNvPr id="4" name="矩形 3"/>
           <p:cNvSpPr/>
           <p:nvPr/>
         </p:nvSpPr>
@@ -10114,6 +9868,11 @@
               </a:rPr>
               <a:t>(A, d):</a:t>
             </a:r>
+            <a:endParaRPr lang="en-GB" b="1" u="sng" dirty="0">
+              <a:solidFill>
+                <a:schemeClr val="tx1"/>
+              </a:solidFill>
+            </a:endParaRPr>
           </a:p>
           <a:p>
             <a:pPr>
@@ -10151,6 +9910,13 @@
               </a:rPr>
               <a:t>=1 to d)</a:t>
             </a:r>
+            <a:endParaRPr lang="en-US" dirty="0">
+              <a:solidFill>
+                <a:schemeClr val="tx1"/>
+              </a:solidFill>
+              <a:latin typeface="Courier New" panose="02070309020205020404" pitchFamily="49" charset="0"/>
+              <a:cs typeface="Courier New" panose="02070309020205020404" pitchFamily="49" charset="0"/>
+            </a:endParaRPr>
           </a:p>
           <a:p>
             <a:pPr>
@@ -10190,13 +9956,7 @@
       </p:sp>
       <p:sp>
         <p:nvSpPr>
-          <p:cNvPr id="8" name="文本框 7">
-            <a:extLst>
-              <a:ext uri="{FF2B5EF4-FFF2-40B4-BE49-F238E27FC236}">
-                <a16:creationId xmlns:a16="http://schemas.microsoft.com/office/drawing/2014/main" id="{FF4A4467-3444-4F5A-9455-A224E0F61F1F}"/>
-              </a:ext>
-            </a:extLst>
-          </p:cNvPr>
+          <p:cNvPr id="8" name="文本框 7"/>
           <p:cNvSpPr txBox="1"/>
           <p:nvPr/>
         </p:nvSpPr>
@@ -10224,20 +9984,19 @@
               </a:rPr>
               <a:t>Why it works?!</a:t>
             </a:r>
+            <a:endParaRPr lang="en-US" sz="2400" dirty="0">
+              <a:solidFill>
+                <a:srgbClr val="C00000"/>
+              </a:solidFill>
+            </a:endParaRPr>
           </a:p>
         </p:txBody>
       </p:sp>
-      <mc:AlternateContent xmlns:mc="http://schemas.openxmlformats.org/markup-compatibility/2006" xmlns:a14="http://schemas.microsoft.com/office/drawing/2010/main">
-        <mc:Choice Requires="a14">
+      <mc:AlternateContent xmlns:mc="http://schemas.openxmlformats.org/markup-compatibility/2006">
+        <mc:Choice xmlns:a14="http://schemas.microsoft.com/office/drawing/2010/main" Requires="a14">
           <p:sp>
             <p:nvSpPr>
-              <p:cNvPr id="9" name="文本框 8">
-                <a:extLst>
-                  <a:ext uri="{FF2B5EF4-FFF2-40B4-BE49-F238E27FC236}">
-                    <a16:creationId xmlns:a16="http://schemas.microsoft.com/office/drawing/2014/main" id="{A35E4FE7-EF23-4D34-917D-8EE9121873A6}"/>
-                  </a:ext>
-                </a:extLst>
-              </p:cNvPr>
+              <p:cNvPr id="9" name="文本框 8"/>
               <p:cNvSpPr txBox="1"/>
               <p:nvPr/>
             </p:nvSpPr>
@@ -10297,20 +10056,15 @@
                   <a:rPr lang="en-US" sz="2400" dirty="0"/>
                   <a:t> bits.</a:t>
                 </a:r>
+                <a:endParaRPr lang="en-US" sz="2400" dirty="0"/>
               </a:p>
             </p:txBody>
           </p:sp>
         </mc:Choice>
-        <mc:Fallback xmlns="">
+        <mc:Fallback>
           <p:sp>
             <p:nvSpPr>
-              <p:cNvPr id="9" name="文本框 8">
-                <a:extLst>
-                  <a:ext uri="{FF2B5EF4-FFF2-40B4-BE49-F238E27FC236}">
-                    <a16:creationId xmlns:a16="http://schemas.microsoft.com/office/drawing/2014/main" id="{A35E4FE7-EF23-4D34-917D-8EE9121873A6}"/>
-                  </a:ext>
-                </a:extLst>
-              </p:cNvPr>
+              <p:cNvPr id="9" name="文本框 8"/>
               <p:cNvSpPr txBox="1">
                 <a:spLocks noRot="1" noChangeAspect="1" noMove="1" noResize="1" noEditPoints="1" noAdjustHandles="1" noChangeArrowheads="1" noChangeShapeType="1" noTextEdit="1"/>
               </p:cNvSpPr>
@@ -10324,10 +10078,10 @@
               <a:prstGeom prst="rect">
                 <a:avLst/>
               </a:prstGeom>
-              <a:blipFill>
-                <a:blip r:embed="rId2"/>
+              <a:blipFill rotWithShape="1">
+                <a:blip r:embed="rId1"/>
                 <a:stretch>
-                  <a:fillRect l="-1086" t="-10526" r="-145" b="-28947"/>
+                  <a:fillRect t="-6532" r="-12620" b="71"/>
                 </a:stretch>
               </a:blipFill>
             </p:spPr>
@@ -10336,7 +10090,7 @@
               <a:lstStyle/>
               <a:p>
                 <a:r>
-                  <a:rPr lang="en-US">
+                  <a:rPr lang="zh-CN" altLang="en-US">
                     <a:noFill/>
                   </a:rPr>
                   <a:t> </a:t>
@@ -10350,13 +10104,7 @@
         <mc:Choice xmlns:a14="http://schemas.microsoft.com/office/drawing/2010/main" Requires="a14">
           <p:sp>
             <p:nvSpPr>
-              <p:cNvPr id="10" name="文本框 9">
-                <a:extLst>
-                  <a:ext uri="{FF2B5EF4-FFF2-40B4-BE49-F238E27FC236}">
-                    <a16:creationId xmlns:a16="http://schemas.microsoft.com/office/drawing/2014/main" id="{49865B3E-C600-470F-930B-F22FCFEA2CF1}"/>
-                  </a:ext>
-                </a:extLst>
-              </p:cNvPr>
+              <p:cNvPr id="10" name="文本框 9"/>
               <p:cNvSpPr txBox="1"/>
               <p:nvPr/>
             </p:nvSpPr>
@@ -10385,13 +10133,14 @@
                   <a:rPr lang="en-US" sz="2200" dirty="0"/>
                   <a:t>Use induction to prove the claim.</a:t>
                 </a:r>
+                <a:endParaRPr lang="en-US" sz="2200" dirty="0"/>
               </a:p>
               <a:p>
-                <a:pPr marL="216000" indent="-216000">
+                <a:pPr marL="215900" indent="-215900">
                   <a:spcAft>
                     <a:spcPts val="300"/>
                   </a:spcAft>
-                  <a:buFont typeface="Arial" panose="020B0604020202020204" pitchFamily="34" charset="0"/>
+                  <a:buFont typeface="Arial" panose="02080604020202020204" pitchFamily="34" charset="0"/>
                   <a:buChar char="•"/>
                 </a:pPr>
                 <a:r>
@@ -10406,13 +10155,14 @@
                   <a:rPr lang="en-US" sz="2200" dirty="0"/>
                   <a:t>] Claim holds after the first iteration.</a:t>
                 </a:r>
+                <a:endParaRPr lang="en-US" sz="2200" dirty="0"/>
               </a:p>
               <a:p>
-                <a:pPr marL="216000" indent="-216000">
+                <a:pPr marL="215900" indent="-215900">
                   <a:spcAft>
                     <a:spcPts val="300"/>
                   </a:spcAft>
-                  <a:buFont typeface="Arial" panose="020B0604020202020204" pitchFamily="34" charset="0"/>
+                  <a:buFont typeface="Arial" panose="02080604020202020204" pitchFamily="34" charset="0"/>
                   <a:buChar char="•"/>
                 </a:pPr>
                 <a:r>
@@ -10439,7 +10189,13 @@
                       <a:rPr lang="en-US" sz="2200" i="1" dirty="0" smtClean="0">
                         <a:latin typeface="Cambria Math" panose="02040503050406030204" pitchFamily="18" charset="0"/>
                       </a:rPr>
-                      <m:t>−1</m:t>
+                      <m:t>−</m:t>
+                    </m:r>
+                    <m:r>
+                      <a:rPr lang="en-US" sz="2200" i="1" dirty="0" smtClean="0">
+                        <a:latin typeface="Cambria Math" panose="02040503050406030204" pitchFamily="18" charset="0"/>
+                      </a:rPr>
+                      <m:t>1</m:t>
                     </m:r>
                   </m:oMath>
                 </a14:m>
@@ -10447,13 +10203,14 @@
                   <a:rPr lang="en-US" sz="2200" dirty="0"/>
                   <a:t> iterations.</a:t>
                 </a:r>
+                <a:endParaRPr lang="en-US" sz="2200" dirty="0"/>
               </a:p>
               <a:p>
-                <a:pPr marL="216000" indent="-216000">
+                <a:pPr marL="215900" indent="-215900">
                   <a:spcAft>
                     <a:spcPts val="300"/>
                   </a:spcAft>
-                  <a:buFont typeface="Arial" panose="020B0604020202020204" pitchFamily="34" charset="0"/>
+                  <a:buFont typeface="Arial" panose="02080604020202020204" pitchFamily="34" charset="0"/>
                   <a:buChar char="•"/>
                 </a:pPr>
                 <a:r>
@@ -10510,13 +10267,14 @@
                   <a:rPr lang="en-US" sz="2200" dirty="0"/>
                   <a:t> iterations.</a:t>
                 </a:r>
+                <a:endParaRPr lang="en-US" sz="2200" dirty="0"/>
               </a:p>
               <a:p>
-                <a:pPr marL="673200" lvl="1" indent="-216000">
+                <a:pPr marL="673100" lvl="1" indent="-215900">
                   <a:spcAft>
                     <a:spcPts val="300"/>
                   </a:spcAft>
-                  <a:buFont typeface="Arial" panose="020B0604020202020204" pitchFamily="34" charset="0"/>
+                  <a:buFont typeface="Arial" panose="02080604020202020204" pitchFamily="34" charset="0"/>
                   <a:buChar char="•"/>
                 </a:pPr>
                 <a:r>
@@ -10618,13 +10376,14 @@
                   <a:rPr lang="en-US" sz="2000" dirty="0"/>
                   <a:t>.</a:t>
                 </a:r>
+                <a:endParaRPr lang="en-US" sz="2000" dirty="0"/>
               </a:p>
               <a:p>
-                <a:pPr marL="673200" lvl="1" indent="-216000">
+                <a:pPr marL="673100" lvl="1" indent="-215900">
                   <a:spcAft>
                     <a:spcPts val="300"/>
                   </a:spcAft>
-                  <a:buFont typeface="Arial" panose="020B0604020202020204" pitchFamily="34" charset="0"/>
+                  <a:buFont typeface="Arial" panose="02080604020202020204" pitchFamily="34" charset="0"/>
                   <a:buChar char="•"/>
                 </a:pPr>
                 <a:r>
@@ -10781,13 +10540,14 @@
                   <a:rPr lang="en-US" sz="2000" dirty="0"/>
                   <a:t>.</a:t>
                 </a:r>
+                <a:endParaRPr lang="en-US" sz="2000" dirty="0"/>
               </a:p>
               <a:p>
-                <a:pPr marL="673200" lvl="1" indent="-216000">
+                <a:pPr marL="673100" lvl="1" indent="-215900">
                   <a:spcAft>
                     <a:spcPts val="300"/>
                   </a:spcAft>
-                  <a:buFont typeface="Arial" panose="020B0604020202020204" pitchFamily="34" charset="0"/>
+                  <a:buFont typeface="Arial" panose="02080604020202020204" pitchFamily="34" charset="0"/>
                   <a:buChar char="•"/>
                 </a:pPr>
                 <a:r>
@@ -10910,7 +10670,13 @@
                               <a:rPr lang="en-US" sz="2000" b="0" i="1" smtClean="0">
                                 <a:latin typeface="Cambria Math" panose="02040503050406030204" pitchFamily="18" charset="0"/>
                               </a:rPr>
-                              <m:t>−1</m:t>
+                              <m:t>−</m:t>
+                            </m:r>
+                            <m:r>
+                              <a:rPr lang="en-US" sz="2000" b="0" i="1" smtClean="0">
+                                <a:latin typeface="Cambria Math" panose="02040503050406030204" pitchFamily="18" charset="0"/>
+                              </a:rPr>
+                              <m:t>1</m:t>
                             </m:r>
                           </m:e>
                         </m:d>
@@ -10918,7 +10684,13 @@
                           <a:rPr lang="en-US" sz="2000" b="0" i="1" smtClean="0">
                             <a:latin typeface="Cambria Math" panose="02040503050406030204" pitchFamily="18" charset="0"/>
                           </a:rPr>
-                          <m:t>…1</m:t>
+                          <m:t>…</m:t>
+                        </m:r>
+                        <m:r>
+                          <a:rPr lang="en-US" sz="2000" b="0" i="1" smtClean="0">
+                            <a:latin typeface="Cambria Math" panose="02040503050406030204" pitchFamily="18" charset="0"/>
+                          </a:rPr>
+                          <m:t>1</m:t>
                         </m:r>
                       </m:e>
                     </m:d>
@@ -10959,7 +10731,13 @@
                           <a:rPr lang="en-US" sz="2000" b="0" i="1" smtClean="0">
                             <a:latin typeface="Cambria Math" panose="02040503050406030204" pitchFamily="18" charset="0"/>
                           </a:rPr>
-                          <m:t>−1</m:t>
+                          <m:t>−</m:t>
+                        </m:r>
+                        <m:r>
+                          <a:rPr lang="en-US" sz="2000" b="0" i="1" smtClean="0">
+                            <a:latin typeface="Cambria Math" panose="02040503050406030204" pitchFamily="18" charset="0"/>
+                          </a:rPr>
+                          <m:t>1</m:t>
                         </m:r>
                       </m:e>
                     </m:d>
@@ -10967,7 +10745,13 @@
                       <a:rPr lang="en-US" sz="2000" b="0" i="1" smtClean="0">
                         <a:latin typeface="Cambria Math" panose="02040503050406030204" pitchFamily="18" charset="0"/>
                       </a:rPr>
-                      <m:t>…1</m:t>
+                      <m:t>…</m:t>
+                    </m:r>
+                    <m:r>
+                      <a:rPr lang="en-US" sz="2000" b="0" i="1" smtClean="0">
+                        <a:latin typeface="Cambria Math" panose="02040503050406030204" pitchFamily="18" charset="0"/>
+                      </a:rPr>
+                      <m:t>1</m:t>
                     </m:r>
                     <m:r>
                       <a:rPr lang="en-US" sz="2000" b="0" i="1" smtClean="0">
@@ -11068,6 +10852,7 @@
                   <a:rPr lang="en-US" sz="2000" dirty="0"/>
                   <a:t>.</a:t>
                 </a:r>
+                <a:endParaRPr lang="en-US" sz="2000" dirty="0"/>
               </a:p>
             </p:txBody>
           </p:sp>
@@ -11075,13 +10860,7 @@
         <mc:Fallback>
           <p:sp>
             <p:nvSpPr>
-              <p:cNvPr id="10" name="文本框 9">
-                <a:extLst>
-                  <a:ext uri="{FF2B5EF4-FFF2-40B4-BE49-F238E27FC236}">
-                    <a16:creationId xmlns:a16="http://schemas.microsoft.com/office/drawing/2014/main" id="{49865B3E-C600-470F-930B-F22FCFEA2CF1}"/>
-                  </a:ext>
-                </a:extLst>
-              </p:cNvPr>
+              <p:cNvPr id="10" name="文本框 9"/>
               <p:cNvSpPr txBox="1">
                 <a:spLocks noRot="1" noChangeAspect="1" noMove="1" noResize="1" noEditPoints="1" noAdjustHandles="1" noChangeArrowheads="1" noChangeShapeType="1" noTextEdit="1"/>
               </p:cNvSpPr>
@@ -11095,10 +10874,10 @@
               <a:prstGeom prst="rect">
                 <a:avLst/>
               </a:prstGeom>
-              <a:blipFill>
-                <a:blip r:embed="rId3"/>
+              <a:blipFill rotWithShape="1">
+                <a:blip r:embed="rId2"/>
                 <a:stretch>
-                  <a:fillRect l="-1062" t="-1468" r="-327" b="-2935"/>
+                  <a:fillRect t="-11" r="-13621" b="18"/>
                 </a:stretch>
               </a:blipFill>
             </p:spPr>
@@ -11107,7 +10886,7 @@
               <a:lstStyle/>
               <a:p>
                 <a:r>
-                  <a:rPr lang="en-US">
+                  <a:rPr lang="zh-CN" altLang="en-US">
                     <a:noFill/>
                   </a:rPr>
                   <a:t> </a:t>
@@ -11119,20 +10898,14 @@
       </mc:AlternateContent>
       <p:pic>
         <p:nvPicPr>
-          <p:cNvPr id="11" name="图片 10">
-            <a:extLst>
-              <a:ext uri="{FF2B5EF4-FFF2-40B4-BE49-F238E27FC236}">
-                <a16:creationId xmlns:a16="http://schemas.microsoft.com/office/drawing/2014/main" id="{EAF10A63-344F-4056-AE9F-A91FE71A41A1}"/>
-              </a:ext>
-            </a:extLst>
-          </p:cNvPr>
+          <p:cNvPr id="11" name="图片 10"/>
           <p:cNvPicPr>
             <a:picLocks noChangeAspect="1"/>
           </p:cNvPicPr>
           <p:nvPr/>
         </p:nvPicPr>
         <p:blipFill>
-          <a:blip r:embed="rId4"/>
+          <a:blip r:embed="rId3"/>
           <a:stretch>
             <a:fillRect/>
           </a:stretch>
@@ -11151,6 +10924,8 @@
             </a:solidFill>
             <a:prstDash val="solid"/>
             <a:miter lim="800000"/>
+            <a:headEnd/>
+            <a:tailEnd/>
           </a:ln>
           <a:effectLst>
             <a:outerShdw blurRad="50800" dist="38100" dir="2700000" algn="tl" rotWithShape="0">
@@ -11162,11 +10937,6 @@
         </p:spPr>
       </p:pic>
     </p:spTree>
-    <p:extLst>
-      <p:ext uri="{BB962C8B-B14F-4D97-AF65-F5344CB8AC3E}">
-        <p14:creationId xmlns:p14="http://schemas.microsoft.com/office/powerpoint/2010/main" val="2878936365"/>
-      </p:ext>
-    </p:extLst>
   </p:cSld>
   <p:clrMapOvr>
     <a:masterClrMapping/>
@@ -11614,13 +11384,7 @@
       </p:grpSpPr>
       <p:sp>
         <p:nvSpPr>
-          <p:cNvPr id="2" name="标题 1">
-            <a:extLst>
-              <a:ext uri="{FF2B5EF4-FFF2-40B4-BE49-F238E27FC236}">
-                <a16:creationId xmlns:a16="http://schemas.microsoft.com/office/drawing/2014/main" id="{5AEAC969-7069-4C4D-9D09-A45868BFB543}"/>
-              </a:ext>
-            </a:extLst>
-          </p:cNvPr>
+          <p:cNvPr id="2" name="标题 1"/>
           <p:cNvSpPr>
             <a:spLocks noGrp="1"/>
           </p:cNvSpPr>
@@ -11637,18 +11401,13 @@
               <a:rPr lang="en-US" dirty="0"/>
               <a:t>Radix sort</a:t>
             </a:r>
+            <a:endParaRPr lang="en-US" dirty="0"/>
           </a:p>
         </p:txBody>
       </p:sp>
       <p:sp>
         <p:nvSpPr>
-          <p:cNvPr id="4" name="矩形 3">
-            <a:extLst>
-              <a:ext uri="{FF2B5EF4-FFF2-40B4-BE49-F238E27FC236}">
-                <a16:creationId xmlns:a16="http://schemas.microsoft.com/office/drawing/2014/main" id="{08400B63-71D2-44A5-8059-156506AE478A}"/>
-              </a:ext>
-            </a:extLst>
-          </p:cNvPr>
+          <p:cNvPr id="4" name="矩形 3"/>
           <p:cNvSpPr/>
           <p:nvPr/>
         </p:nvSpPr>
@@ -11712,6 +11471,11 @@
               </a:rPr>
               <a:t>(A, d):</a:t>
             </a:r>
+            <a:endParaRPr lang="en-GB" b="1" u="sng" dirty="0">
+              <a:solidFill>
+                <a:schemeClr val="tx1"/>
+              </a:solidFill>
+            </a:endParaRPr>
           </a:p>
           <a:p>
             <a:pPr>
@@ -11749,6 +11513,13 @@
               </a:rPr>
               <a:t>=1 to d)</a:t>
             </a:r>
+            <a:endParaRPr lang="en-US" dirty="0">
+              <a:solidFill>
+                <a:schemeClr val="tx1"/>
+              </a:solidFill>
+              <a:latin typeface="Courier New" panose="02070309020205020404" pitchFamily="49" charset="0"/>
+              <a:cs typeface="Courier New" panose="02070309020205020404" pitchFamily="49" charset="0"/>
+            </a:endParaRPr>
           </a:p>
           <a:p>
             <a:pPr>
@@ -11788,13 +11559,7 @@
       </p:sp>
       <p:sp>
         <p:nvSpPr>
-          <p:cNvPr id="8" name="文本框 7">
-            <a:extLst>
-              <a:ext uri="{FF2B5EF4-FFF2-40B4-BE49-F238E27FC236}">
-                <a16:creationId xmlns:a16="http://schemas.microsoft.com/office/drawing/2014/main" id="{FF4A4467-3444-4F5A-9455-A224E0F61F1F}"/>
-              </a:ext>
-            </a:extLst>
-          </p:cNvPr>
+          <p:cNvPr id="8" name="文本框 7"/>
           <p:cNvSpPr txBox="1"/>
           <p:nvPr/>
         </p:nvSpPr>
@@ -11822,25 +11587,24 @@
               </a:rPr>
               <a:t>How much time?</a:t>
             </a:r>
+            <a:endParaRPr lang="en-US" sz="2400" dirty="0">
+              <a:solidFill>
+                <a:srgbClr val="C00000"/>
+              </a:solidFill>
+            </a:endParaRPr>
           </a:p>
         </p:txBody>
       </p:sp>
       <p:pic>
         <p:nvPicPr>
-          <p:cNvPr id="11" name="图片 10">
-            <a:extLst>
-              <a:ext uri="{FF2B5EF4-FFF2-40B4-BE49-F238E27FC236}">
-                <a16:creationId xmlns:a16="http://schemas.microsoft.com/office/drawing/2014/main" id="{EAF10A63-344F-4056-AE9F-A91FE71A41A1}"/>
-              </a:ext>
-            </a:extLst>
-          </p:cNvPr>
+          <p:cNvPr id="11" name="图片 10"/>
           <p:cNvPicPr>
             <a:picLocks noChangeAspect="1"/>
           </p:cNvPicPr>
           <p:nvPr/>
         </p:nvPicPr>
         <p:blipFill>
-          <a:blip r:embed="rId2"/>
+          <a:blip r:embed="rId1"/>
           <a:stretch>
             <a:fillRect/>
           </a:stretch>
@@ -11859,6 +11623,8 @@
             </a:solidFill>
             <a:prstDash val="solid"/>
             <a:miter lim="800000"/>
+            <a:headEnd/>
+            <a:tailEnd/>
           </a:ln>
           <a:effectLst>
             <a:outerShdw blurRad="50800" dist="38100" dir="2700000" algn="tl" rotWithShape="0">
@@ -11871,13 +11637,7 @@
       </p:pic>
       <p:sp>
         <p:nvSpPr>
-          <p:cNvPr id="12" name="矩形 11">
-            <a:extLst>
-              <a:ext uri="{FF2B5EF4-FFF2-40B4-BE49-F238E27FC236}">
-                <a16:creationId xmlns:a16="http://schemas.microsoft.com/office/drawing/2014/main" id="{D38E5810-4D41-46C0-8D14-36C6D49A0F9A}"/>
-              </a:ext>
-            </a:extLst>
-          </p:cNvPr>
+          <p:cNvPr id="12" name="矩形 11"/>
           <p:cNvSpPr/>
           <p:nvPr/>
         </p:nvSpPr>
@@ -11941,6 +11701,11 @@
               </a:rPr>
               <a:t>(A, d):</a:t>
             </a:r>
+            <a:endParaRPr lang="en-GB" b="1" u="sng" dirty="0">
+              <a:solidFill>
+                <a:schemeClr val="tx1"/>
+              </a:solidFill>
+            </a:endParaRPr>
           </a:p>
           <a:p>
             <a:pPr>
@@ -11978,6 +11743,13 @@
               </a:rPr>
               <a:t>=1 to d)</a:t>
             </a:r>
+            <a:endParaRPr lang="en-US" dirty="0">
+              <a:solidFill>
+                <a:schemeClr val="tx1"/>
+              </a:solidFill>
+              <a:latin typeface="Courier New" panose="02070309020205020404" pitchFamily="49" charset="0"/>
+              <a:cs typeface="Courier New" panose="02070309020205020404" pitchFamily="49" charset="0"/>
+            </a:endParaRPr>
           </a:p>
           <a:p>
             <a:pPr>
@@ -12055,17 +11827,11 @@
           </a:p>
         </p:txBody>
       </p:sp>
-      <mc:AlternateContent xmlns:mc="http://schemas.openxmlformats.org/markup-compatibility/2006" xmlns:a14="http://schemas.microsoft.com/office/drawing/2010/main">
-        <mc:Choice Requires="a14">
+      <mc:AlternateContent xmlns:mc="http://schemas.openxmlformats.org/markup-compatibility/2006">
+        <mc:Choice xmlns:a14="http://schemas.microsoft.com/office/drawing/2010/main" Requires="a14">
           <p:sp>
             <p:nvSpPr>
-              <p:cNvPr id="3" name="文本框 2">
-                <a:extLst>
-                  <a:ext uri="{FF2B5EF4-FFF2-40B4-BE49-F238E27FC236}">
-                    <a16:creationId xmlns:a16="http://schemas.microsoft.com/office/drawing/2014/main" id="{8281B896-B0A4-461A-A43B-A3FF675E30B8}"/>
-                  </a:ext>
-                </a:extLst>
-              </p:cNvPr>
+              <p:cNvPr id="3" name="文本框 2"/>
               <p:cNvSpPr txBox="1"/>
               <p:nvPr/>
             </p:nvSpPr>
@@ -12135,20 +11901,15 @@
                   <a:rPr lang="en-US" sz="2000" dirty="0"/>
                   <a:t> buckets.</a:t>
                 </a:r>
+                <a:endParaRPr lang="en-US" sz="2000" dirty="0"/>
               </a:p>
             </p:txBody>
           </p:sp>
         </mc:Choice>
-        <mc:Fallback xmlns="">
+        <mc:Fallback>
           <p:sp>
             <p:nvSpPr>
-              <p:cNvPr id="3" name="文本框 2">
-                <a:extLst>
-                  <a:ext uri="{FF2B5EF4-FFF2-40B4-BE49-F238E27FC236}">
-                    <a16:creationId xmlns:a16="http://schemas.microsoft.com/office/drawing/2014/main" id="{8281B896-B0A4-461A-A43B-A3FF675E30B8}"/>
-                  </a:ext>
-                </a:extLst>
-              </p:cNvPr>
+              <p:cNvPr id="3" name="文本框 2"/>
               <p:cNvSpPr txBox="1">
                 <a:spLocks noRot="1" noChangeAspect="1" noMove="1" noResize="1" noEditPoints="1" noAdjustHandles="1" noChangeArrowheads="1" noChangeShapeType="1" noTextEdit="1"/>
               </p:cNvSpPr>
@@ -12162,10 +11923,10 @@
               <a:prstGeom prst="rect">
                 <a:avLst/>
               </a:prstGeom>
-              <a:blipFill>
-                <a:blip r:embed="rId3"/>
+              <a:blipFill rotWithShape="1">
+                <a:blip r:embed="rId2"/>
                 <a:stretch>
-                  <a:fillRect l="-762" t="-7576" b="-25758"/>
+                  <a:fillRect l="-8" t="-142" r="-10348" b="157"/>
                 </a:stretch>
               </a:blipFill>
             </p:spPr>
@@ -12174,7 +11935,7 @@
               <a:lstStyle/>
               <a:p>
                 <a:r>
-                  <a:rPr lang="en-US">
+                  <a:rPr lang="zh-CN" altLang="en-US">
                     <a:noFill/>
                   </a:rPr>
                   <a:t> </a:t>
@@ -12184,17 +11945,11 @@
           </p:sp>
         </mc:Fallback>
       </mc:AlternateContent>
-      <mc:AlternateContent xmlns:mc="http://schemas.openxmlformats.org/markup-compatibility/2006" xmlns:a14="http://schemas.microsoft.com/office/drawing/2010/main">
-        <mc:Choice Requires="a14">
+      <mc:AlternateContent xmlns:mc="http://schemas.openxmlformats.org/markup-compatibility/2006">
+        <mc:Choice xmlns:a14="http://schemas.microsoft.com/office/drawing/2010/main" Requires="a14">
           <p:sp>
             <p:nvSpPr>
-              <p:cNvPr id="13" name="文本框 12">
-                <a:extLst>
-                  <a:ext uri="{FF2B5EF4-FFF2-40B4-BE49-F238E27FC236}">
-                    <a16:creationId xmlns:a16="http://schemas.microsoft.com/office/drawing/2014/main" id="{216643C9-8128-4FBB-A63E-D0F667E9C579}"/>
-                  </a:ext>
-                </a:extLst>
-              </p:cNvPr>
+              <p:cNvPr id="13" name="文本框 12"/>
               <p:cNvSpPr txBox="1"/>
               <p:nvPr/>
             </p:nvSpPr>
@@ -12285,20 +12040,15 @@
                   <a:rPr lang="en-US" sz="2400" dirty="0"/>
                   <a:t> time.</a:t>
                 </a:r>
+                <a:endParaRPr lang="en-US" sz="2400" dirty="0"/>
               </a:p>
             </p:txBody>
           </p:sp>
         </mc:Choice>
-        <mc:Fallback xmlns="">
+        <mc:Fallback>
           <p:sp>
             <p:nvSpPr>
-              <p:cNvPr id="13" name="文本框 12">
-                <a:extLst>
-                  <a:ext uri="{FF2B5EF4-FFF2-40B4-BE49-F238E27FC236}">
-                    <a16:creationId xmlns:a16="http://schemas.microsoft.com/office/drawing/2014/main" id="{216643C9-8128-4FBB-A63E-D0F667E9C579}"/>
-                  </a:ext>
-                </a:extLst>
-              </p:cNvPr>
+              <p:cNvPr id="13" name="文本框 12"/>
               <p:cNvSpPr txBox="1">
                 <a:spLocks noRot="1" noChangeAspect="1" noMove="1" noResize="1" noEditPoints="1" noAdjustHandles="1" noChangeArrowheads="1" noChangeShapeType="1" noTextEdit="1"/>
               </p:cNvSpPr>
@@ -12312,10 +12062,10 @@
               <a:prstGeom prst="rect">
                 <a:avLst/>
               </a:prstGeom>
-              <a:blipFill>
-                <a:blip r:embed="rId4"/>
+              <a:blipFill rotWithShape="1">
+                <a:blip r:embed="rId3"/>
                 <a:stretch>
-                  <a:fillRect l="-1104" t="-13158" r="-736" b="-30263"/>
+                  <a:fillRect l="-8" t="-73" r="-6082" b="77"/>
                 </a:stretch>
               </a:blipFill>
             </p:spPr>
@@ -12324,7 +12074,7 @@
               <a:lstStyle/>
               <a:p>
                 <a:r>
-                  <a:rPr lang="en-US">
+                  <a:rPr lang="zh-CN" altLang="en-US">
                     <a:noFill/>
                   </a:rPr>
                   <a:t> </a:t>
@@ -12335,11 +12085,6 @@
         </mc:Fallback>
       </mc:AlternateContent>
     </p:spTree>
-    <p:extLst>
-      <p:ext uri="{BB962C8B-B14F-4D97-AF65-F5344CB8AC3E}">
-        <p14:creationId xmlns:p14="http://schemas.microsoft.com/office/powerpoint/2010/main" val="2780493850"/>
-      </p:ext>
-    </p:extLst>
   </p:cSld>
   <p:clrMapOvr>
     <a:masterClrMapping/>
@@ -12536,13 +12281,7 @@
       </p:grpSpPr>
       <p:sp>
         <p:nvSpPr>
-          <p:cNvPr id="2" name="标题 1">
-            <a:extLst>
-              <a:ext uri="{FF2B5EF4-FFF2-40B4-BE49-F238E27FC236}">
-                <a16:creationId xmlns:a16="http://schemas.microsoft.com/office/drawing/2014/main" id="{B0AE11FB-C88F-4512-9C07-C983917FEE40}"/>
-              </a:ext>
-            </a:extLst>
-          </p:cNvPr>
+          <p:cNvPr id="2" name="标题 1"/>
           <p:cNvSpPr>
             <a:spLocks noGrp="1"/>
           </p:cNvSpPr>
@@ -12559,20 +12298,15 @@
               <a:rPr lang="en-US" dirty="0"/>
               <a:t>Summary</a:t>
             </a:r>
+            <a:endParaRPr lang="en-US" dirty="0"/>
           </a:p>
         </p:txBody>
       </p:sp>
-      <mc:AlternateContent xmlns:mc="http://schemas.openxmlformats.org/markup-compatibility/2006" xmlns:a14="http://schemas.microsoft.com/office/drawing/2010/main">
-        <mc:Choice Requires="a14">
+      <mc:AlternateContent xmlns:mc="http://schemas.openxmlformats.org/markup-compatibility/2006">
+        <mc:Choice xmlns:a14="http://schemas.microsoft.com/office/drawing/2010/main" Requires="a14">
           <p:sp>
             <p:nvSpPr>
-              <p:cNvPr id="3" name="内容占位符 2">
-                <a:extLst>
-                  <a:ext uri="{FF2B5EF4-FFF2-40B4-BE49-F238E27FC236}">
-                    <a16:creationId xmlns:a16="http://schemas.microsoft.com/office/drawing/2014/main" id="{E9AAE508-813F-4678-850F-8F0E6A43383A}"/>
-                  </a:ext>
-                </a:extLst>
-              </p:cNvPr>
+              <p:cNvPr id="3" name="内容占位符 2"/>
               <p:cNvSpPr>
                 <a:spLocks noGrp="1"/>
               </p:cNvSpPr>
@@ -12603,6 +12337,13 @@
                   </a:rPr>
                   <a:t>Lower Bounds:</a:t>
                 </a:r>
+                <a:endParaRPr lang="en-US" sz="2600" b="1" dirty="0">
+                  <a:solidFill>
+                    <a:schemeClr val="accent1">
+                      <a:lumMod val="75000"/>
+                    </a:schemeClr>
+                  </a:solidFill>
+                </a:endParaRPr>
               </a:p>
               <a:p>
                 <a:r>
@@ -12652,6 +12393,11 @@
                   </a:rPr>
                   <a:t>(adversary argument)</a:t>
                 </a:r>
+                <a:endParaRPr lang="en-US" sz="2000" dirty="0">
+                  <a:solidFill>
+                    <a:srgbClr val="C00000"/>
+                  </a:solidFill>
+                </a:endParaRPr>
               </a:p>
               <a:p>
                 <a:r>
@@ -12729,6 +12475,11 @@
                   </a:rPr>
                   <a:t>(decision tree)</a:t>
                 </a:r>
+                <a:endParaRPr lang="en-US" sz="2000" dirty="0">
+                  <a:solidFill>
+                    <a:srgbClr val="C00000"/>
+                  </a:solidFill>
+                </a:endParaRPr>
               </a:p>
               <a:p>
                 <a:pPr marL="0" indent="0">
@@ -12747,6 +12498,13 @@
                   </a:rPr>
                   <a:t>Upper Bounds:</a:t>
                 </a:r>
+                <a:endParaRPr lang="en-US" sz="2600" b="1" dirty="0">
+                  <a:solidFill>
+                    <a:schemeClr val="accent1">
+                      <a:lumMod val="75000"/>
+                    </a:schemeClr>
+                  </a:solidFill>
+                </a:endParaRPr>
               </a:p>
               <a:p>
                 <a:r>
@@ -12813,6 +12571,7 @@
                   <a:rPr lang="en-US" sz="2600" dirty="0"/>
                   <a:t> comparison-based sorting algorithms.</a:t>
                 </a:r>
+                <a:endParaRPr lang="en-US" sz="2600" dirty="0"/>
               </a:p>
               <a:p>
                 <a:r>
@@ -12872,22 +12631,17 @@
                   <a:rPr lang="en-US" sz="2600" dirty="0"/>
                   <a:t> in many cases.</a:t>
                 </a:r>
+                <a:endParaRPr lang="en-US" sz="2600" dirty="0"/>
               </a:p>
             </p:txBody>
           </p:sp>
         </mc:Choice>
-        <mc:Fallback xmlns="">
+        <mc:Fallback>
           <p:sp>
             <p:nvSpPr>
-              <p:cNvPr id="3" name="内容占位符 2">
-                <a:extLst>
-                  <a:ext uri="{FF2B5EF4-FFF2-40B4-BE49-F238E27FC236}">
-                    <a16:creationId xmlns:a16="http://schemas.microsoft.com/office/drawing/2014/main" id="{E9AAE508-813F-4678-850F-8F0E6A43383A}"/>
-                  </a:ext>
-                </a:extLst>
-              </p:cNvPr>
+              <p:cNvPr id="3" name="内容占位符 2"/>
               <p:cNvSpPr>
-                <a:spLocks noGrp="1" noRot="1" noChangeAspect="1" noMove="1" noResize="1" noEditPoints="1" noAdjustHandles="1" noChangeArrowheads="1" noChangeShapeType="1" noTextEdit="1"/>
+                <a:spLocks noRot="1" noChangeAspect="1" noMove="1" noResize="1" noEditPoints="1" noAdjustHandles="1" noChangeArrowheads="1" noChangeShapeType="1" noTextEdit="1"/>
               </p:cNvSpPr>
               <p:nvPr>
                 <p:ph idx="1"/>
@@ -12898,10 +12652,10 @@
                 <a:off x="628650" y="1825625"/>
                 <a:ext cx="8515350" cy="4351338"/>
               </a:xfrm>
-              <a:blipFill>
-                <a:blip r:embed="rId2"/>
+              <a:blipFill rotWithShape="1">
+                <a:blip r:embed="rId1"/>
                 <a:stretch>
-                  <a:fillRect l="-1288" t="-2101"/>
+                  <a:fillRect b="7"/>
                 </a:stretch>
               </a:blipFill>
             </p:spPr>
@@ -12910,7 +12664,7 @@
               <a:lstStyle/>
               <a:p>
                 <a:r>
-                  <a:rPr lang="en-US">
+                  <a:rPr lang="zh-CN" altLang="en-US">
                     <a:noFill/>
                   </a:rPr>
                   <a:t> </a:t>
@@ -12921,11 +12675,6 @@
         </mc:Fallback>
       </mc:AlternateContent>
     </p:spTree>
-    <p:extLst>
-      <p:ext uri="{BB962C8B-B14F-4D97-AF65-F5344CB8AC3E}">
-        <p14:creationId xmlns:p14="http://schemas.microsoft.com/office/powerpoint/2010/main" val="234724513"/>
-      </p:ext>
-    </p:extLst>
   </p:cSld>
   <p:clrMapOvr>
     <a:masterClrMapping/>
@@ -12950,17 +12699,11 @@
           <a:chExt cx="0" cy="0"/>
         </a:xfrm>
       </p:grpSpPr>
-      <mc:AlternateContent xmlns:mc="http://schemas.openxmlformats.org/markup-compatibility/2006" xmlns:a14="http://schemas.microsoft.com/office/drawing/2010/main">
-        <mc:Choice Requires="a14">
+      <mc:AlternateContent xmlns:mc="http://schemas.openxmlformats.org/markup-compatibility/2006">
+        <mc:Choice xmlns:a14="http://schemas.microsoft.com/office/drawing/2010/main" Requires="a14">
           <p:sp>
             <p:nvSpPr>
-              <p:cNvPr id="4" name="文本框 3">
-                <a:extLst>
-                  <a:ext uri="{FF2B5EF4-FFF2-40B4-BE49-F238E27FC236}">
-                    <a16:creationId xmlns:a16="http://schemas.microsoft.com/office/drawing/2014/main" id="{B97F518F-3D1E-4E06-9487-7C89CF91E62C}"/>
-                  </a:ext>
-                </a:extLst>
-              </p:cNvPr>
+              <p:cNvPr id="4" name="文本框 3"/>
               <p:cNvSpPr txBox="1"/>
               <p:nvPr/>
             </p:nvSpPr>
@@ -13071,20 +12814,19 @@
                   </a:rPr>
                   <a:t>?</a:t>
                 </a:r>
+                <a:endParaRPr lang="en-US" sz="3200" b="1" dirty="0">
+                  <a:solidFill>
+                    <a:srgbClr val="C00000"/>
+                  </a:solidFill>
+                </a:endParaRPr>
               </a:p>
             </p:txBody>
           </p:sp>
         </mc:Choice>
-        <mc:Fallback xmlns="">
+        <mc:Fallback>
           <p:sp>
             <p:nvSpPr>
-              <p:cNvPr id="4" name="文本框 3">
-                <a:extLst>
-                  <a:ext uri="{FF2B5EF4-FFF2-40B4-BE49-F238E27FC236}">
-                    <a16:creationId xmlns:a16="http://schemas.microsoft.com/office/drawing/2014/main" id="{B97F518F-3D1E-4E06-9487-7C89CF91E62C}"/>
-                  </a:ext>
-                </a:extLst>
-              </p:cNvPr>
+              <p:cNvPr id="4" name="文本框 3"/>
               <p:cNvSpPr txBox="1">
                 <a:spLocks noRot="1" noChangeAspect="1" noMove="1" noResize="1" noEditPoints="1" noAdjustHandles="1" noChangeArrowheads="1" noChangeShapeType="1" noTextEdit="1"/>
               </p:cNvSpPr>
@@ -13098,10 +12840,10 @@
               <a:prstGeom prst="rect">
                 <a:avLst/>
               </a:prstGeom>
-              <a:blipFill>
-                <a:blip r:embed="rId2"/>
+              <a:blipFill rotWithShape="1">
+                <a:blip r:embed="rId1"/>
                 <a:stretch>
-                  <a:fillRect l="-2027" t="-12632" r="-1931" b="-35789"/>
+                  <a:fillRect l="-14035" t="-59" r="-16216" b="49"/>
                 </a:stretch>
               </a:blipFill>
             </p:spPr>
@@ -13110,7 +12852,7 @@
               <a:lstStyle/>
               <a:p>
                 <a:r>
-                  <a:rPr lang="en-US">
+                  <a:rPr lang="zh-CN" altLang="en-US">
                     <a:noFill/>
                   </a:rPr>
                   <a:t> </a:t>
@@ -13121,11 +12863,6 @@
         </mc:Fallback>
       </mc:AlternateContent>
     </p:spTree>
-    <p:extLst>
-      <p:ext uri="{BB962C8B-B14F-4D97-AF65-F5344CB8AC3E}">
-        <p14:creationId xmlns:p14="http://schemas.microsoft.com/office/powerpoint/2010/main" val="1229939607"/>
-      </p:ext>
-    </p:extLst>
   </p:cSld>
   <p:clrMapOvr>
     <a:masterClrMapping/>
@@ -13152,13 +12889,7 @@
       </p:grpSpPr>
       <p:sp>
         <p:nvSpPr>
-          <p:cNvPr id="2" name="标题 1">
-            <a:extLst>
-              <a:ext uri="{FF2B5EF4-FFF2-40B4-BE49-F238E27FC236}">
-                <a16:creationId xmlns:a16="http://schemas.microsoft.com/office/drawing/2014/main" id="{4B672A32-D3AF-46A0-B548-4CBBB23E5C32}"/>
-              </a:ext>
-            </a:extLst>
-          </p:cNvPr>
+          <p:cNvPr id="2" name="标题 1"/>
           <p:cNvSpPr>
             <a:spLocks noGrp="1"/>
           </p:cNvSpPr>
@@ -13181,13 +12912,7 @@
       </p:sp>
       <p:sp>
         <p:nvSpPr>
-          <p:cNvPr id="3" name="内容占位符 2">
-            <a:extLst>
-              <a:ext uri="{FF2B5EF4-FFF2-40B4-BE49-F238E27FC236}">
-                <a16:creationId xmlns:a16="http://schemas.microsoft.com/office/drawing/2014/main" id="{A61531AD-1593-46BE-9E30-047A1682D3F8}"/>
-              </a:ext>
-            </a:extLst>
-          </p:cNvPr>
+          <p:cNvPr id="3" name="内容占位符 2"/>
           <p:cNvSpPr>
             <a:spLocks noGrp="1"/>
           </p:cNvSpPr>
@@ -13211,11 +12936,6 @@
         </p:txBody>
       </p:sp>
     </p:spTree>
-    <p:extLst>
-      <p:ext uri="{BB962C8B-B14F-4D97-AF65-F5344CB8AC3E}">
-        <p14:creationId xmlns:p14="http://schemas.microsoft.com/office/powerpoint/2010/main" val="1125216489"/>
-      </p:ext>
-    </p:extLst>
   </p:cSld>
   <p:clrMapOvr>
     <a:masterClrMapping/>
@@ -13242,13 +12962,7 @@
       </p:grpSpPr>
       <p:sp>
         <p:nvSpPr>
-          <p:cNvPr id="2" name="标题 1">
-            <a:extLst>
-              <a:ext uri="{FF2B5EF4-FFF2-40B4-BE49-F238E27FC236}">
-                <a16:creationId xmlns:a16="http://schemas.microsoft.com/office/drawing/2014/main" id="{FE5C3122-534A-4E7D-BB90-01978F709883}"/>
-              </a:ext>
-            </a:extLst>
-          </p:cNvPr>
+          <p:cNvPr id="2" name="标题 1"/>
           <p:cNvSpPr>
             <a:spLocks noGrp="1"/>
           </p:cNvSpPr>
@@ -13272,20 +12986,15 @@
               <a:rPr lang="en-US" dirty="0"/>
               <a:t>Upper bound and Lower bound</a:t>
             </a:r>
+            <a:endParaRPr lang="en-US" dirty="0"/>
           </a:p>
         </p:txBody>
       </p:sp>
-      <mc:AlternateContent xmlns:mc="http://schemas.openxmlformats.org/markup-compatibility/2006" xmlns:a14="http://schemas.microsoft.com/office/drawing/2010/main">
-        <mc:Choice Requires="a14">
+      <mc:AlternateContent xmlns:mc="http://schemas.openxmlformats.org/markup-compatibility/2006">
+        <mc:Choice xmlns:a14="http://schemas.microsoft.com/office/drawing/2010/main" Requires="a14">
           <p:sp>
             <p:nvSpPr>
-              <p:cNvPr id="3" name="内容占位符 2">
-                <a:extLst>
-                  <a:ext uri="{FF2B5EF4-FFF2-40B4-BE49-F238E27FC236}">
-                    <a16:creationId xmlns:a16="http://schemas.microsoft.com/office/drawing/2014/main" id="{D3E9A3B6-A2B5-4711-8BDB-0E5A6F7EC6DA}"/>
-                  </a:ext>
-                </a:extLst>
-              </p:cNvPr>
+              <p:cNvPr id="3" name="内容占位符 2"/>
               <p:cNvSpPr>
                 <a:spLocks noGrp="1"/>
               </p:cNvSpPr>
@@ -13324,6 +13033,7 @@
                   <a:rPr lang="en-US" sz="2400" dirty="0"/>
                   <a:t>. (Such as the sorting problem.)</a:t>
                 </a:r>
+                <a:endParaRPr lang="en-US" sz="2400" dirty="0"/>
               </a:p>
               <a:p>
                 <a:r>
@@ -13334,6 +13044,7 @@
                   <a:rPr lang="en-US" sz="2400" dirty="0"/>
                   <a:t> how fast can we solve the problem?</a:t>
                 </a:r>
+                <a:endParaRPr lang="en-US" sz="2400" dirty="0"/>
               </a:p>
               <a:p>
                 <a:pPr lvl="1"/>
@@ -13551,6 +13262,7 @@
                   <a:rPr lang="en-US" sz="2000" dirty="0"/>
                   <a:t>.</a:t>
                 </a:r>
+                <a:endParaRPr lang="en-US" sz="2000" dirty="0"/>
               </a:p>
               <a:p>
                 <a:pPr lvl="1"/>
@@ -13633,6 +13345,7 @@
                   <a:rPr lang="en-US" sz="2000" dirty="0"/>
                   <a:t>.</a:t>
                 </a:r>
+                <a:endParaRPr lang="en-US" sz="2000" dirty="0"/>
               </a:p>
               <a:p>
                 <a:pPr lvl="1"/>
@@ -13655,6 +13368,7 @@
                   <a:rPr lang="en-US" sz="2000" dirty="0"/>
                   <a:t>.</a:t>
                 </a:r>
+                <a:endParaRPr lang="en-US" sz="2000" dirty="0"/>
               </a:p>
               <a:p>
                 <a:r>
@@ -13665,6 +13379,7 @@
                   <a:rPr lang="en-US" sz="2400" dirty="0"/>
                   <a:t> how slow solving the problem has to be?</a:t>
                 </a:r>
+                <a:endParaRPr lang="en-US" sz="2400" dirty="0"/>
               </a:p>
               <a:p>
                 <a:pPr lvl="1"/>
@@ -13985,6 +13700,7 @@
                   <a:rPr lang="en-US" sz="2000" dirty="0"/>
                   <a:t> </a:t>
                 </a:r>
+                <a:endParaRPr lang="en-US" sz="2000" dirty="0"/>
               </a:p>
               <a:p>
                 <a:pPr lvl="1"/>
@@ -14119,6 +13835,7 @@
                   <a:rPr lang="en-US" sz="2000" dirty="0"/>
                   <a:t>.</a:t>
                 </a:r>
+                <a:endParaRPr lang="en-US" sz="2000" dirty="0"/>
               </a:p>
               <a:p>
                 <a:pPr lvl="1"/>
@@ -14303,22 +14020,17 @@
                   <a:rPr lang="en-US" sz="2000" dirty="0"/>
                   <a:t>.</a:t>
                 </a:r>
+                <a:endParaRPr lang="en-US" sz="2000" dirty="0"/>
               </a:p>
             </p:txBody>
           </p:sp>
         </mc:Choice>
-        <mc:Fallback xmlns="">
+        <mc:Fallback>
           <p:sp>
             <p:nvSpPr>
-              <p:cNvPr id="3" name="内容占位符 2">
-                <a:extLst>
-                  <a:ext uri="{FF2B5EF4-FFF2-40B4-BE49-F238E27FC236}">
-                    <a16:creationId xmlns:a16="http://schemas.microsoft.com/office/drawing/2014/main" id="{D3E9A3B6-A2B5-4711-8BDB-0E5A6F7EC6DA}"/>
-                  </a:ext>
-                </a:extLst>
-              </p:cNvPr>
+              <p:cNvPr id="3" name="内容占位符 2"/>
               <p:cNvSpPr>
-                <a:spLocks noGrp="1" noRot="1" noChangeAspect="1" noMove="1" noResize="1" noEditPoints="1" noAdjustHandles="1" noChangeArrowheads="1" noChangeShapeType="1" noTextEdit="1"/>
+                <a:spLocks noRot="1" noChangeAspect="1" noMove="1" noResize="1" noEditPoints="1" noAdjustHandles="1" noChangeArrowheads="1" noChangeShapeType="1" noTextEdit="1"/>
               </p:cNvSpPr>
               <p:nvPr>
                 <p:ph idx="1"/>
@@ -14329,10 +14041,10 @@
                 <a:off x="628650" y="1690688"/>
                 <a:ext cx="7886700" cy="4802185"/>
               </a:xfrm>
-              <a:blipFill>
-                <a:blip r:embed="rId2"/>
+              <a:blipFill rotWithShape="1">
+                <a:blip r:embed="rId1"/>
                 <a:stretch>
-                  <a:fillRect l="-1005" t="-2411" r="-1236"/>
+                  <a:fillRect t="-192" b="-4099"/>
                 </a:stretch>
               </a:blipFill>
             </p:spPr>
@@ -14341,7 +14053,7 @@
               <a:lstStyle/>
               <a:p>
                 <a:r>
-                  <a:rPr lang="en-US">
+                  <a:rPr lang="zh-CN" altLang="en-US">
                     <a:noFill/>
                   </a:rPr>
                   <a:t> </a:t>
@@ -14352,11 +14064,6 @@
         </mc:Fallback>
       </mc:AlternateContent>
     </p:spTree>
-    <p:extLst>
-      <p:ext uri="{BB962C8B-B14F-4D97-AF65-F5344CB8AC3E}">
-        <p14:creationId xmlns:p14="http://schemas.microsoft.com/office/powerpoint/2010/main" val="3574014563"/>
-      </p:ext>
-    </p:extLst>
   </p:cSld>
   <p:clrMapOvr>
     <a:masterClrMapping/>
@@ -14787,13 +14494,7 @@
       </p:grpSpPr>
       <p:sp>
         <p:nvSpPr>
-          <p:cNvPr id="2" name="标题 1">
-            <a:extLst>
-              <a:ext uri="{FF2B5EF4-FFF2-40B4-BE49-F238E27FC236}">
-                <a16:creationId xmlns:a16="http://schemas.microsoft.com/office/drawing/2014/main" id="{8F23C85E-FBA6-4617-ABAE-E00D05D80679}"/>
-              </a:ext>
-            </a:extLst>
-          </p:cNvPr>
+          <p:cNvPr id="2" name="标题 1"/>
           <p:cNvSpPr>
             <a:spLocks noGrp="1"/>
           </p:cNvSpPr>
@@ -14810,20 +14511,15 @@
               <a:rPr lang="en-US" dirty="0"/>
               <a:t>Lower bound of a problem</a:t>
             </a:r>
+            <a:endParaRPr lang="en-US" dirty="0"/>
           </a:p>
         </p:txBody>
       </p:sp>
-      <mc:AlternateContent xmlns:mc="http://schemas.openxmlformats.org/markup-compatibility/2006" xmlns:a14="http://schemas.microsoft.com/office/drawing/2010/main">
-        <mc:Choice Requires="a14">
+      <mc:AlternateContent xmlns:mc="http://schemas.openxmlformats.org/markup-compatibility/2006">
+        <mc:Choice xmlns:a14="http://schemas.microsoft.com/office/drawing/2010/main" Requires="a14">
           <p:sp>
             <p:nvSpPr>
-              <p:cNvPr id="3" name="内容占位符 2">
-                <a:extLst>
-                  <a:ext uri="{FF2B5EF4-FFF2-40B4-BE49-F238E27FC236}">
-                    <a16:creationId xmlns:a16="http://schemas.microsoft.com/office/drawing/2014/main" id="{A7C23AA4-3BA5-467B-9DBF-B1E8EB74E43E}"/>
-                  </a:ext>
-                </a:extLst>
-              </p:cNvPr>
+              <p:cNvPr id="3" name="内容占位符 2"/>
               <p:cNvSpPr>
                 <a:spLocks noGrp="1"/>
               </p:cNvSpPr>
@@ -15021,6 +14717,7 @@
                   <a:rPr lang="en-US" sz="2400" dirty="0"/>
                   <a:t>.</a:t>
                 </a:r>
+                <a:endParaRPr lang="en-US" sz="2400" dirty="0"/>
               </a:p>
               <a:p>
                 <a:endParaRPr lang="en-US" sz="2400" dirty="0"/>
@@ -15049,6 +14746,7 @@
                   <a:rPr lang="en-US" sz="2400" dirty="0"/>
                   <a:t>(On the other hand, smaller upper bound is better.)</a:t>
                 </a:r>
+                <a:endParaRPr lang="en-US" sz="2400" dirty="0"/>
               </a:p>
               <a:p>
                 <a:endParaRPr lang="en-US" sz="2400" dirty="0"/>
@@ -15058,6 +14756,7 @@
                   <a:rPr lang="en-US" sz="2400" dirty="0"/>
                   <a:t>But how do we prove a lower bound?!</a:t>
                 </a:r>
+                <a:endParaRPr lang="en-US" sz="2400" dirty="0"/>
               </a:p>
               <a:p>
                 <a:pPr lvl="1"/>
@@ -15065,6 +14764,7 @@
                   <a:rPr lang="en-US" sz="2000" dirty="0"/>
                   <a:t>It is usually unpractical to examine all possible algorithms…</a:t>
                 </a:r>
+                <a:endParaRPr lang="en-US" sz="2000" dirty="0"/>
               </a:p>
               <a:p>
                 <a:pPr lvl="1"/>
@@ -15072,32 +14772,27 @@
                   <a:rPr lang="en-US" sz="2000" dirty="0"/>
                   <a:t>Instead, rely on structures/properties of the problem itself…</a:t>
                 </a:r>
+                <a:endParaRPr lang="en-US" sz="2000" dirty="0"/>
               </a:p>
             </p:txBody>
           </p:sp>
         </mc:Choice>
-        <mc:Fallback xmlns="">
+        <mc:Fallback>
           <p:sp>
             <p:nvSpPr>
-              <p:cNvPr id="3" name="内容占位符 2">
-                <a:extLst>
-                  <a:ext uri="{FF2B5EF4-FFF2-40B4-BE49-F238E27FC236}">
-                    <a16:creationId xmlns:a16="http://schemas.microsoft.com/office/drawing/2014/main" id="{A7C23AA4-3BA5-467B-9DBF-B1E8EB74E43E}"/>
-                  </a:ext>
-                </a:extLst>
-              </p:cNvPr>
+              <p:cNvPr id="3" name="内容占位符 2"/>
               <p:cNvSpPr>
-                <a:spLocks noGrp="1" noRot="1" noChangeAspect="1" noMove="1" noResize="1" noEditPoints="1" noAdjustHandles="1" noChangeArrowheads="1" noChangeShapeType="1" noTextEdit="1"/>
+                <a:spLocks noRot="1" noChangeAspect="1" noMove="1" noResize="1" noEditPoints="1" noAdjustHandles="1" noChangeArrowheads="1" noChangeShapeType="1" noTextEdit="1"/>
               </p:cNvSpPr>
               <p:nvPr>
                 <p:ph idx="1"/>
               </p:nvPr>
             </p:nvSpPr>
             <p:spPr>
-              <a:blipFill>
-                <a:blip r:embed="rId2"/>
+              <a:blipFill rotWithShape="1">
+                <a:blip r:embed="rId1"/>
                 <a:stretch>
-                  <a:fillRect l="-1005" t="-1961"/>
+                  <a:fillRect b="7"/>
                 </a:stretch>
               </a:blipFill>
             </p:spPr>
@@ -15106,7 +14801,7 @@
               <a:lstStyle/>
               <a:p>
                 <a:r>
-                  <a:rPr lang="en-US">
+                  <a:rPr lang="zh-CN" altLang="en-US">
                     <a:noFill/>
                   </a:rPr>
                   <a:t> </a:t>
@@ -15117,11 +14812,6 @@
         </mc:Fallback>
       </mc:AlternateContent>
     </p:spTree>
-    <p:extLst>
-      <p:ext uri="{BB962C8B-B14F-4D97-AF65-F5344CB8AC3E}">
-        <p14:creationId xmlns:p14="http://schemas.microsoft.com/office/powerpoint/2010/main" val="3837999218"/>
-      </p:ext>
-    </p:extLst>
   </p:cSld>
   <p:clrMapOvr>
     <a:masterClrMapping/>
@@ -15338,13 +15028,7 @@
       </p:grpSpPr>
       <p:sp>
         <p:nvSpPr>
-          <p:cNvPr id="2" name="标题 1">
-            <a:extLst>
-              <a:ext uri="{FF2B5EF4-FFF2-40B4-BE49-F238E27FC236}">
-                <a16:creationId xmlns:a16="http://schemas.microsoft.com/office/drawing/2014/main" id="{2E7881A5-6175-4E7E-BFBD-D3F88632BE68}"/>
-              </a:ext>
-            </a:extLst>
-          </p:cNvPr>
+          <p:cNvPr id="2" name="标题 1"/>
           <p:cNvSpPr>
             <a:spLocks noGrp="1"/>
           </p:cNvSpPr>
@@ -15368,20 +15052,15 @@
               <a:rPr lang="en-US" dirty="0"/>
               <a:t>The Adversary Argument</a:t>
             </a:r>
+            <a:endParaRPr lang="en-US" dirty="0"/>
           </a:p>
         </p:txBody>
       </p:sp>
-      <mc:AlternateContent xmlns:mc="http://schemas.openxmlformats.org/markup-compatibility/2006" xmlns:a14="http://schemas.microsoft.com/office/drawing/2010/main">
-        <mc:Choice Requires="a14">
+      <mc:AlternateContent xmlns:mc="http://schemas.openxmlformats.org/markup-compatibility/2006">
+        <mc:Choice xmlns:a14="http://schemas.microsoft.com/office/drawing/2010/main" Requires="a14">
           <p:sp>
             <p:nvSpPr>
-              <p:cNvPr id="3" name="内容占位符 2">
-                <a:extLst>
-                  <a:ext uri="{FF2B5EF4-FFF2-40B4-BE49-F238E27FC236}">
-                    <a16:creationId xmlns:a16="http://schemas.microsoft.com/office/drawing/2014/main" id="{71F51250-B514-4A86-B1D8-3227DA21DE53}"/>
-                  </a:ext>
-                </a:extLst>
-              </p:cNvPr>
+              <p:cNvPr id="3" name="内容占位符 2"/>
               <p:cNvSpPr>
                 <a:spLocks noGrp="1"/>
               </p:cNvSpPr>
@@ -15419,6 +15098,7 @@
                   <a:rPr lang="en-US" sz="2200" dirty="0"/>
                   <a:t>.</a:t>
                 </a:r>
+                <a:endParaRPr lang="en-US" sz="2200" dirty="0"/>
               </a:p>
               <a:p>
                 <a:r>
@@ -15440,6 +15120,7 @@
                   <a:rPr lang="en-US" sz="2200" dirty="0"/>
                   <a:t> asks about the input, Eve answers.</a:t>
                 </a:r>
+                <a:endParaRPr lang="en-US" sz="2200" dirty="0"/>
               </a:p>
               <a:p>
                 <a:r>
@@ -15551,6 +15232,7 @@
                   <a:rPr lang="en-US" sz="2200" dirty="0"/>
                   <a:t> are two such inputs.</a:t>
                 </a:r>
+                <a:endParaRPr lang="en-US" sz="2200" dirty="0"/>
               </a:p>
               <a:p>
                 <a:r>
@@ -15769,6 +15451,7 @@
                   <a:rPr lang="en-US" sz="2200" dirty="0"/>
                   <a:t>’s output invalid.</a:t>
                 </a:r>
+                <a:endParaRPr lang="en-US" sz="2200" dirty="0"/>
               </a:p>
               <a:p>
                 <a14:m>
@@ -15798,6 +15481,7 @@
                   <a:rPr lang="en-US" sz="2200" dirty="0"/>
                   <a:t> an algorithm which solves the considered problem!</a:t>
                 </a:r>
+                <a:endParaRPr lang="en-US" sz="2200" dirty="0"/>
               </a:p>
               <a:p>
                 <a14:m>
@@ -15827,28 +15511,24 @@
                   <a:rPr lang="en-US" sz="2200" dirty="0"/>
                   <a:t> algorithm: no restrictions posed on its behavior.</a:t>
                 </a:r>
+                <a:endParaRPr lang="en-US" sz="2200" dirty="0"/>
               </a:p>
               <a:p>
                 <a:r>
                   <a:rPr lang="en-US" sz="2200" dirty="0"/>
                   <a:t>Any algorithm that does solve the problem must ask enough questions (i.e., do enough work), and this is a lower bound!</a:t>
                 </a:r>
+                <a:endParaRPr lang="en-US" sz="2200" dirty="0"/>
               </a:p>
             </p:txBody>
           </p:sp>
         </mc:Choice>
-        <mc:Fallback xmlns="">
+        <mc:Fallback>
           <p:sp>
             <p:nvSpPr>
-              <p:cNvPr id="3" name="内容占位符 2">
-                <a:extLst>
-                  <a:ext uri="{FF2B5EF4-FFF2-40B4-BE49-F238E27FC236}">
-                    <a16:creationId xmlns:a16="http://schemas.microsoft.com/office/drawing/2014/main" id="{71F51250-B514-4A86-B1D8-3227DA21DE53}"/>
-                  </a:ext>
-                </a:extLst>
-              </p:cNvPr>
+              <p:cNvPr id="3" name="内容占位符 2"/>
               <p:cNvSpPr>
-                <a:spLocks noGrp="1" noRot="1" noChangeAspect="1" noMove="1" noResize="1" noEditPoints="1" noAdjustHandles="1" noChangeArrowheads="1" noChangeShapeType="1" noTextEdit="1"/>
+                <a:spLocks noRot="1" noChangeAspect="1" noMove="1" noResize="1" noEditPoints="1" noAdjustHandles="1" noChangeArrowheads="1" noChangeShapeType="1" noTextEdit="1"/>
               </p:cNvSpPr>
               <p:nvPr>
                 <p:ph idx="1"/>
@@ -15859,10 +15539,10 @@
                 <a:off x="628650" y="1690688"/>
                 <a:ext cx="7886700" cy="4802185"/>
               </a:xfrm>
-              <a:blipFill>
-                <a:blip r:embed="rId2"/>
+              <a:blipFill rotWithShape="1">
+                <a:blip r:embed="rId1"/>
                 <a:stretch>
-                  <a:fillRect l="-850" t="-1396" r="-927"/>
+                  <a:fillRect t="-7" b="-23630"/>
                 </a:stretch>
               </a:blipFill>
             </p:spPr>
@@ -15871,7 +15551,7 @@
               <a:lstStyle/>
               <a:p>
                 <a:r>
-                  <a:rPr lang="en-US">
+                  <a:rPr lang="zh-CN" altLang="en-US">
                     <a:noFill/>
                   </a:rPr>
                   <a:t> </a:t>
@@ -15883,20 +15563,14 @@
       </mc:AlternateContent>
       <p:pic>
         <p:nvPicPr>
-          <p:cNvPr id="1028" name="Picture 4" descr="Image result for adversary">
-            <a:extLst>
-              <a:ext uri="{FF2B5EF4-FFF2-40B4-BE49-F238E27FC236}">
-                <a16:creationId xmlns:a16="http://schemas.microsoft.com/office/drawing/2014/main" id="{B8F15048-583B-4F2A-ADE9-D2CE11260D81}"/>
-              </a:ext>
-            </a:extLst>
-          </p:cNvPr>
+          <p:cNvPr id="1028" name="Picture 4" descr="Image result for adversary"/>
           <p:cNvPicPr>
             <a:picLocks noChangeAspect="1" noChangeArrowheads="1"/>
           </p:cNvPicPr>
           <p:nvPr/>
         </p:nvPicPr>
         <p:blipFill>
-          <a:blip r:embed="rId3">
+          <a:blip r:embed="rId2">
             <a:extLst>
               <a:ext uri="{28A0092B-C50C-407E-A947-70E740481C1C}">
                 <a14:useLocalDpi xmlns:a14="http://schemas.microsoft.com/office/drawing/2010/main" val="0"/>
@@ -15929,11 +15603,6 @@
         </p:spPr>
       </p:pic>
     </p:spTree>
-    <p:extLst>
-      <p:ext uri="{BB962C8B-B14F-4D97-AF65-F5344CB8AC3E}">
-        <p14:creationId xmlns:p14="http://schemas.microsoft.com/office/powerpoint/2010/main" val="333819174"/>
-      </p:ext>
-    </p:extLst>
   </p:cSld>
   <p:clrMapOvr>
     <a:masterClrMapping/>
@@ -16333,13 +16002,7 @@
       </p:grpSpPr>
       <p:sp>
         <p:nvSpPr>
-          <p:cNvPr id="2048" name="矩形: 圆角 2047">
-            <a:extLst>
-              <a:ext uri="{FF2B5EF4-FFF2-40B4-BE49-F238E27FC236}">
-                <a16:creationId xmlns:a16="http://schemas.microsoft.com/office/drawing/2014/main" id="{A8E04E66-5A57-482A-A53A-E0C1DB69C284}"/>
-              </a:ext>
-            </a:extLst>
-          </p:cNvPr>
+          <p:cNvPr id="2048" name="矩形: 圆角 2047"/>
           <p:cNvSpPr/>
           <p:nvPr/>
         </p:nvSpPr>
@@ -16387,13 +16050,7 @@
       </p:sp>
       <p:sp>
         <p:nvSpPr>
-          <p:cNvPr id="2" name="标题 1">
-            <a:extLst>
-              <a:ext uri="{FF2B5EF4-FFF2-40B4-BE49-F238E27FC236}">
-                <a16:creationId xmlns:a16="http://schemas.microsoft.com/office/drawing/2014/main" id="{C4D18B70-7C4D-4A1B-8BE8-5AE43BD71C35}"/>
-              </a:ext>
-            </a:extLst>
-          </p:cNvPr>
+          <p:cNvPr id="2" name="标题 1"/>
           <p:cNvSpPr>
             <a:spLocks noGrp="1"/>
           </p:cNvSpPr>
@@ -16419,20 +16076,15 @@
               <a:rPr lang="en-US" dirty="0"/>
               <a:t>Lower bound for sorting </a:t>
             </a:r>
+            <a:endParaRPr lang="en-US" dirty="0"/>
           </a:p>
         </p:txBody>
       </p:sp>
-      <mc:AlternateContent xmlns:mc="http://schemas.openxmlformats.org/markup-compatibility/2006" xmlns:a14="http://schemas.microsoft.com/office/drawing/2010/main">
-        <mc:Choice Requires="a14">
+      <mc:AlternateContent xmlns:mc="http://schemas.openxmlformats.org/markup-compatibility/2006">
+        <mc:Choice xmlns:a14="http://schemas.microsoft.com/office/drawing/2010/main" Requires="a14">
           <p:sp>
             <p:nvSpPr>
-              <p:cNvPr id="5" name="文本框 4">
-                <a:extLst>
-                  <a:ext uri="{FF2B5EF4-FFF2-40B4-BE49-F238E27FC236}">
-                    <a16:creationId xmlns:a16="http://schemas.microsoft.com/office/drawing/2014/main" id="{855D8674-671B-4F5C-9655-2E6916A1A7DA}"/>
-                  </a:ext>
-                </a:extLst>
-              </p:cNvPr>
+              <p:cNvPr id="5" name="文本框 4"/>
               <p:cNvSpPr txBox="1"/>
               <p:nvPr/>
             </p:nvSpPr>
@@ -16470,20 +16122,15 @@
                   <a:rPr lang="en-US" sz="2000" dirty="0"/>
                   <a:t> integers.</a:t>
                 </a:r>
+                <a:endParaRPr lang="en-US" sz="2000" dirty="0"/>
               </a:p>
             </p:txBody>
           </p:sp>
         </mc:Choice>
-        <mc:Fallback xmlns="">
+        <mc:Fallback>
           <p:sp>
             <p:nvSpPr>
-              <p:cNvPr id="5" name="文本框 4">
-                <a:extLst>
-                  <a:ext uri="{FF2B5EF4-FFF2-40B4-BE49-F238E27FC236}">
-                    <a16:creationId xmlns:a16="http://schemas.microsoft.com/office/drawing/2014/main" id="{855D8674-671B-4F5C-9655-2E6916A1A7DA}"/>
-                  </a:ext>
-                </a:extLst>
-              </p:cNvPr>
+              <p:cNvPr id="5" name="文本框 4"/>
               <p:cNvSpPr txBox="1">
                 <a:spLocks noRot="1" noChangeAspect="1" noMove="1" noResize="1" noEditPoints="1" noAdjustHandles="1" noChangeArrowheads="1" noChangeShapeType="1" noTextEdit="1"/>
               </p:cNvSpPr>
@@ -16497,10 +16144,10 @@
               <a:prstGeom prst="rect">
                 <a:avLst/>
               </a:prstGeom>
-              <a:blipFill>
-                <a:blip r:embed="rId2"/>
+              <a:blipFill rotWithShape="1">
+                <a:blip r:embed="rId1"/>
                 <a:stretch>
-                  <a:fillRect l="-1577" t="-9231" r="-1262" b="-27692"/>
+                  <a:fillRect t="-110" r="-9500" b="125"/>
                 </a:stretch>
               </a:blipFill>
             </p:spPr>
@@ -16509,7 +16156,7 @@
               <a:lstStyle/>
               <a:p>
                 <a:r>
-                  <a:rPr lang="en-US">
+                  <a:rPr lang="zh-CN" altLang="en-US">
                     <a:noFill/>
                   </a:rPr>
                   <a:t> </a:t>
@@ -16521,13 +16168,7 @@
       </mc:AlternateContent>
       <p:grpSp>
         <p:nvGrpSpPr>
-          <p:cNvPr id="13" name="组合 12">
-            <a:extLst>
-              <a:ext uri="{FF2B5EF4-FFF2-40B4-BE49-F238E27FC236}">
-                <a16:creationId xmlns:a16="http://schemas.microsoft.com/office/drawing/2014/main" id="{A12F68FD-22E0-47DF-9529-D1C14033E2C8}"/>
-              </a:ext>
-            </a:extLst>
-          </p:cNvPr>
+          <p:cNvPr id="13" name="组合 12"/>
           <p:cNvGrpSpPr/>
           <p:nvPr/>
         </p:nvGrpSpPr>
@@ -16539,17 +16180,11 @@
             <a:chExt cx="3123511" cy="621363"/>
           </a:xfrm>
         </p:grpSpPr>
-        <mc:AlternateContent xmlns:mc="http://schemas.openxmlformats.org/markup-compatibility/2006" xmlns:a14="http://schemas.microsoft.com/office/drawing/2010/main">
-          <mc:Choice Requires="a14">
+        <mc:AlternateContent xmlns:mc="http://schemas.openxmlformats.org/markup-compatibility/2006">
+          <mc:Choice xmlns:a14="http://schemas.microsoft.com/office/drawing/2010/main" Requires="a14">
             <p:sp>
               <p:nvSpPr>
-                <p:cNvPr id="8" name="矩形 7">
-                  <a:extLst>
-                    <a:ext uri="{FF2B5EF4-FFF2-40B4-BE49-F238E27FC236}">
-                      <a16:creationId xmlns:a16="http://schemas.microsoft.com/office/drawing/2014/main" id="{FF0C76D3-DE47-49FE-B8E1-79C49FC18B40}"/>
-                    </a:ext>
-                  </a:extLst>
-                </p:cNvPr>
+                <p:cNvPr id="8" name="矩形 7"/>
                 <p:cNvSpPr/>
                 <p:nvPr/>
               </p:nvSpPr>
@@ -16651,16 +16286,10 @@
               </p:txBody>
             </p:sp>
           </mc:Choice>
-          <mc:Fallback xmlns="">
+          <mc:Fallback>
             <p:sp>
               <p:nvSpPr>
-                <p:cNvPr id="8" name="矩形 7">
-                  <a:extLst>
-                    <a:ext uri="{FF2B5EF4-FFF2-40B4-BE49-F238E27FC236}">
-                      <a16:creationId xmlns:a16="http://schemas.microsoft.com/office/drawing/2014/main" id="{FF0C76D3-DE47-49FE-B8E1-79C49FC18B40}"/>
-                    </a:ext>
-                  </a:extLst>
-                </p:cNvPr>
+                <p:cNvPr id="8" name="矩形 7"/>
                 <p:cNvSpPr>
                   <a:spLocks noRot="1" noChangeAspect="1" noMove="1" noResize="1" noEditPoints="1" noAdjustHandles="1" noChangeArrowheads="1" noChangeShapeType="1" noTextEdit="1"/>
                 </p:cNvSpPr>
@@ -16674,11 +16303,8 @@
                 <a:prstGeom prst="rect">
                   <a:avLst/>
                 </a:prstGeom>
-                <a:blipFill>
-                  <a:blip r:embed="rId3"/>
-                  <a:stretch>
-                    <a:fillRect/>
-                  </a:stretch>
+                <a:blipFill rotWithShape="1">
+                  <a:blip r:embed="rId2"/>
                 </a:blipFill>
                 <a:ln w="19050">
                   <a:solidFill>
@@ -16686,12 +16312,28 @@
                   </a:solidFill>
                 </a:ln>
               </p:spPr>
+              <p:style>
+                <a:lnRef idx="2">
+                  <a:schemeClr val="accent1">
+                    <a:shade val="50000"/>
+                  </a:schemeClr>
+                </a:lnRef>
+                <a:fillRef idx="1">
+                  <a:schemeClr val="accent1"/>
+                </a:fillRef>
+                <a:effectRef idx="0">
+                  <a:schemeClr val="accent1"/>
+                </a:effectRef>
+                <a:fontRef idx="minor">
+                  <a:schemeClr val="lt1"/>
+                </a:fontRef>
+              </p:style>
               <p:txBody>
                 <a:bodyPr/>
                 <a:lstStyle/>
                 <a:p>
                   <a:r>
-                    <a:rPr lang="en-US">
+                    <a:rPr lang="zh-CN" altLang="en-US">
                       <a:noFill/>
                     </a:rPr>
                     <a:t> </a:t>
@@ -16701,17 +16343,11 @@
             </p:sp>
           </mc:Fallback>
         </mc:AlternateContent>
-        <mc:AlternateContent xmlns:mc="http://schemas.openxmlformats.org/markup-compatibility/2006" xmlns:a14="http://schemas.microsoft.com/office/drawing/2010/main">
-          <mc:Choice Requires="a14">
+        <mc:AlternateContent xmlns:mc="http://schemas.openxmlformats.org/markup-compatibility/2006">
+          <mc:Choice xmlns:a14="http://schemas.microsoft.com/office/drawing/2010/main" Requires="a14">
             <p:sp>
               <p:nvSpPr>
-                <p:cNvPr id="9" name="矩形 8">
-                  <a:extLst>
-                    <a:ext uri="{FF2B5EF4-FFF2-40B4-BE49-F238E27FC236}">
-                      <a16:creationId xmlns:a16="http://schemas.microsoft.com/office/drawing/2014/main" id="{30C0E2D6-9DF2-4CBC-87FC-27DBEDBED38E}"/>
-                    </a:ext>
-                  </a:extLst>
-                </p:cNvPr>
+                <p:cNvPr id="9" name="矩形 8"/>
                 <p:cNvSpPr/>
                 <p:nvPr/>
               </p:nvSpPr>
@@ -16813,16 +16449,10 @@
               </p:txBody>
             </p:sp>
           </mc:Choice>
-          <mc:Fallback xmlns="">
+          <mc:Fallback>
             <p:sp>
               <p:nvSpPr>
-                <p:cNvPr id="9" name="矩形 8">
-                  <a:extLst>
-                    <a:ext uri="{FF2B5EF4-FFF2-40B4-BE49-F238E27FC236}">
-                      <a16:creationId xmlns:a16="http://schemas.microsoft.com/office/drawing/2014/main" id="{30C0E2D6-9DF2-4CBC-87FC-27DBEDBED38E}"/>
-                    </a:ext>
-                  </a:extLst>
-                </p:cNvPr>
+                <p:cNvPr id="9" name="矩形 8"/>
                 <p:cNvSpPr>
                   <a:spLocks noRot="1" noChangeAspect="1" noMove="1" noResize="1" noEditPoints="1" noAdjustHandles="1" noChangeArrowheads="1" noChangeShapeType="1" noTextEdit="1"/>
                 </p:cNvSpPr>
@@ -16836,11 +16466,8 @@
                 <a:prstGeom prst="rect">
                   <a:avLst/>
                 </a:prstGeom>
-                <a:blipFill>
-                  <a:blip r:embed="rId4"/>
-                  <a:stretch>
-                    <a:fillRect/>
-                  </a:stretch>
+                <a:blipFill rotWithShape="1">
+                  <a:blip r:embed="rId3"/>
                 </a:blipFill>
                 <a:ln w="19050">
                   <a:solidFill>
@@ -16848,12 +16475,28 @@
                   </a:solidFill>
                 </a:ln>
               </p:spPr>
+              <p:style>
+                <a:lnRef idx="2">
+                  <a:schemeClr val="accent1">
+                    <a:shade val="50000"/>
+                  </a:schemeClr>
+                </a:lnRef>
+                <a:fillRef idx="1">
+                  <a:schemeClr val="accent1"/>
+                </a:fillRef>
+                <a:effectRef idx="0">
+                  <a:schemeClr val="accent1"/>
+                </a:effectRef>
+                <a:fontRef idx="minor">
+                  <a:schemeClr val="lt1"/>
+                </a:fontRef>
+              </p:style>
               <p:txBody>
                 <a:bodyPr/>
                 <a:lstStyle/>
                 <a:p>
                   <a:r>
-                    <a:rPr lang="en-US">
+                    <a:rPr lang="zh-CN" altLang="en-US">
                       <a:noFill/>
                     </a:rPr>
                     <a:t> </a:t>
@@ -16865,13 +16508,7 @@
         </mc:AlternateContent>
         <p:sp>
           <p:nvSpPr>
-            <p:cNvPr id="10" name="矩形 9">
-              <a:extLst>
-                <a:ext uri="{FF2B5EF4-FFF2-40B4-BE49-F238E27FC236}">
-                  <a16:creationId xmlns:a16="http://schemas.microsoft.com/office/drawing/2014/main" id="{0E9A0CCF-F26C-437D-8422-F3629BA737C3}"/>
-                </a:ext>
-              </a:extLst>
-            </p:cNvPr>
+            <p:cNvPr id="10" name="矩形 9"/>
             <p:cNvSpPr/>
             <p:nvPr/>
           </p:nvSpPr>
@@ -16921,20 +16558,19 @@
                 </a:rPr>
                 <a:t>…</a:t>
               </a:r>
+              <a:endParaRPr lang="en-US" sz="2400" b="1" dirty="0">
+                <a:solidFill>
+                  <a:schemeClr val="tx1"/>
+                </a:solidFill>
+              </a:endParaRPr>
             </a:p>
           </p:txBody>
         </p:sp>
-        <mc:AlternateContent xmlns:mc="http://schemas.openxmlformats.org/markup-compatibility/2006" xmlns:a14="http://schemas.microsoft.com/office/drawing/2010/main">
-          <mc:Choice Requires="a14">
+        <mc:AlternateContent xmlns:mc="http://schemas.openxmlformats.org/markup-compatibility/2006">
+          <mc:Choice xmlns:a14="http://schemas.microsoft.com/office/drawing/2010/main" Requires="a14">
             <p:sp>
               <p:nvSpPr>
-                <p:cNvPr id="11" name="矩形 10">
-                  <a:extLst>
-                    <a:ext uri="{FF2B5EF4-FFF2-40B4-BE49-F238E27FC236}">
-                      <a16:creationId xmlns:a16="http://schemas.microsoft.com/office/drawing/2014/main" id="{5BD8E538-9A7B-4583-A584-7E85373EB444}"/>
-                    </a:ext>
-                  </a:extLst>
-                </p:cNvPr>
+                <p:cNvPr id="11" name="矩形 10"/>
                 <p:cNvSpPr/>
                 <p:nvPr/>
               </p:nvSpPr>
@@ -17021,7 +16657,16 @@
                                 </a:solidFill>
                                 <a:latin typeface="Cambria Math" panose="02040503050406030204" pitchFamily="18" charset="0"/>
                               </a:rPr>
-                              <m:t>−1</m:t>
+                              <m:t>−</m:t>
+                            </m:r>
+                            <m:r>
+                              <a:rPr lang="en-US" sz="1600" b="0" i="1" smtClean="0">
+                                <a:solidFill>
+                                  <a:schemeClr val="tx1"/>
+                                </a:solidFill>
+                                <a:latin typeface="Cambria Math" panose="02040503050406030204" pitchFamily="18" charset="0"/>
+                              </a:rPr>
+                              <m:t>1</m:t>
                             </m:r>
                           </m:sub>
                         </m:sSub>
@@ -17045,16 +16690,10 @@
               </p:txBody>
             </p:sp>
           </mc:Choice>
-          <mc:Fallback xmlns="">
+          <mc:Fallback>
             <p:sp>
               <p:nvSpPr>
-                <p:cNvPr id="11" name="矩形 10">
-                  <a:extLst>
-                    <a:ext uri="{FF2B5EF4-FFF2-40B4-BE49-F238E27FC236}">
-                      <a16:creationId xmlns:a16="http://schemas.microsoft.com/office/drawing/2014/main" id="{5BD8E538-9A7B-4583-A584-7E85373EB444}"/>
-                    </a:ext>
-                  </a:extLst>
-                </p:cNvPr>
+                <p:cNvPr id="11" name="矩形 10"/>
                 <p:cNvSpPr>
                   <a:spLocks noRot="1" noChangeAspect="1" noMove="1" noResize="1" noEditPoints="1" noAdjustHandles="1" noChangeArrowheads="1" noChangeShapeType="1" noTextEdit="1"/>
                 </p:cNvSpPr>
@@ -17068,11 +16707,8 @@
                 <a:prstGeom prst="rect">
                   <a:avLst/>
                 </a:prstGeom>
-                <a:blipFill>
-                  <a:blip r:embed="rId5"/>
-                  <a:stretch>
-                    <a:fillRect/>
-                  </a:stretch>
+                <a:blipFill rotWithShape="1">
+                  <a:blip r:embed="rId4"/>
                 </a:blipFill>
                 <a:ln w="19050">
                   <a:solidFill>
@@ -17080,12 +16716,28 @@
                   </a:solidFill>
                 </a:ln>
               </p:spPr>
+              <p:style>
+                <a:lnRef idx="2">
+                  <a:schemeClr val="accent1">
+                    <a:shade val="50000"/>
+                  </a:schemeClr>
+                </a:lnRef>
+                <a:fillRef idx="1">
+                  <a:schemeClr val="accent1"/>
+                </a:fillRef>
+                <a:effectRef idx="0">
+                  <a:schemeClr val="accent1"/>
+                </a:effectRef>
+                <a:fontRef idx="minor">
+                  <a:schemeClr val="lt1"/>
+                </a:fontRef>
+              </p:style>
               <p:txBody>
                 <a:bodyPr/>
                 <a:lstStyle/>
                 <a:p>
                   <a:r>
-                    <a:rPr lang="en-US">
+                    <a:rPr lang="zh-CN" altLang="en-US">
                       <a:noFill/>
                     </a:rPr>
                     <a:t> </a:t>
@@ -17095,17 +16747,11 @@
             </p:sp>
           </mc:Fallback>
         </mc:AlternateContent>
-        <mc:AlternateContent xmlns:mc="http://schemas.openxmlformats.org/markup-compatibility/2006" xmlns:a14="http://schemas.microsoft.com/office/drawing/2010/main">
-          <mc:Choice Requires="a14">
+        <mc:AlternateContent xmlns:mc="http://schemas.openxmlformats.org/markup-compatibility/2006">
+          <mc:Choice xmlns:a14="http://schemas.microsoft.com/office/drawing/2010/main" Requires="a14">
             <p:sp>
               <p:nvSpPr>
-                <p:cNvPr id="12" name="矩形 11">
-                  <a:extLst>
-                    <a:ext uri="{FF2B5EF4-FFF2-40B4-BE49-F238E27FC236}">
-                      <a16:creationId xmlns:a16="http://schemas.microsoft.com/office/drawing/2014/main" id="{6C149EEA-8858-49CC-8B46-DB36FDC8C5BD}"/>
-                    </a:ext>
-                  </a:extLst>
-                </p:cNvPr>
+                <p:cNvPr id="12" name="矩形 11"/>
                 <p:cNvSpPr/>
                 <p:nvPr/>
               </p:nvSpPr>
@@ -17207,16 +16853,10 @@
               </p:txBody>
             </p:sp>
           </mc:Choice>
-          <mc:Fallback xmlns="">
+          <mc:Fallback>
             <p:sp>
               <p:nvSpPr>
-                <p:cNvPr id="12" name="矩形 11">
-                  <a:extLst>
-                    <a:ext uri="{FF2B5EF4-FFF2-40B4-BE49-F238E27FC236}">
-                      <a16:creationId xmlns:a16="http://schemas.microsoft.com/office/drawing/2014/main" id="{6C149EEA-8858-49CC-8B46-DB36FDC8C5BD}"/>
-                    </a:ext>
-                  </a:extLst>
-                </p:cNvPr>
+                <p:cNvPr id="12" name="矩形 11"/>
                 <p:cNvSpPr>
                   <a:spLocks noRot="1" noChangeAspect="1" noMove="1" noResize="1" noEditPoints="1" noAdjustHandles="1" noChangeArrowheads="1" noChangeShapeType="1" noTextEdit="1"/>
                 </p:cNvSpPr>
@@ -17230,11 +16870,8 @@
                 <a:prstGeom prst="rect">
                   <a:avLst/>
                 </a:prstGeom>
-                <a:blipFill>
-                  <a:blip r:embed="rId6"/>
-                  <a:stretch>
-                    <a:fillRect/>
-                  </a:stretch>
+                <a:blipFill rotWithShape="1">
+                  <a:blip r:embed="rId5"/>
                 </a:blipFill>
                 <a:ln w="19050">
                   <a:solidFill>
@@ -17242,12 +16879,28 @@
                   </a:solidFill>
                 </a:ln>
               </p:spPr>
+              <p:style>
+                <a:lnRef idx="2">
+                  <a:schemeClr val="accent1">
+                    <a:shade val="50000"/>
+                  </a:schemeClr>
+                </a:lnRef>
+                <a:fillRef idx="1">
+                  <a:schemeClr val="accent1"/>
+                </a:fillRef>
+                <a:effectRef idx="0">
+                  <a:schemeClr val="accent1"/>
+                </a:effectRef>
+                <a:fontRef idx="minor">
+                  <a:schemeClr val="lt1"/>
+                </a:fontRef>
+              </p:style>
               <p:txBody>
                 <a:bodyPr/>
                 <a:lstStyle/>
                 <a:p>
                   <a:r>
-                    <a:rPr lang="en-US">
+                    <a:rPr lang="zh-CN" altLang="en-US">
                       <a:noFill/>
                     </a:rPr>
                     <a:t> </a:t>
@@ -17260,20 +16913,14 @@
       </p:grpSp>
       <p:pic>
         <p:nvPicPr>
-          <p:cNvPr id="14" name="Picture 4" descr="Image result for adversary">
-            <a:extLst>
-              <a:ext uri="{FF2B5EF4-FFF2-40B4-BE49-F238E27FC236}">
-                <a16:creationId xmlns:a16="http://schemas.microsoft.com/office/drawing/2014/main" id="{0D8B8708-B760-4ACE-B508-0358C1C08AB7}"/>
-              </a:ext>
-            </a:extLst>
-          </p:cNvPr>
+          <p:cNvPr id="14" name="Picture 4" descr="Image result for adversary"/>
           <p:cNvPicPr>
             <a:picLocks noChangeAspect="1" noChangeArrowheads="1"/>
           </p:cNvPicPr>
           <p:nvPr/>
         </p:nvPicPr>
         <p:blipFill>
-          <a:blip r:embed="rId7">
+          <a:blip r:embed="rId6">
             <a:extLst>
               <a:ext uri="{28A0092B-C50C-407E-A947-70E740481C1C}">
                 <a14:useLocalDpi xmlns:a14="http://schemas.microsoft.com/office/drawing/2010/main" val="0"/>
@@ -17307,20 +16954,14 @@
       </p:pic>
       <p:pic>
         <p:nvPicPr>
-          <p:cNvPr id="2050" name="Picture 2" descr="Related image">
-            <a:extLst>
-              <a:ext uri="{FF2B5EF4-FFF2-40B4-BE49-F238E27FC236}">
-                <a16:creationId xmlns:a16="http://schemas.microsoft.com/office/drawing/2014/main" id="{F92D78A9-5512-45AE-BE5B-EC027F22D992}"/>
-              </a:ext>
-            </a:extLst>
-          </p:cNvPr>
+          <p:cNvPr id="2050" name="Picture 2" descr="Related image"/>
           <p:cNvPicPr>
             <a:picLocks noChangeAspect="1" noChangeArrowheads="1"/>
           </p:cNvPicPr>
           <p:nvPr/>
         </p:nvPicPr>
         <p:blipFill>
-          <a:blip r:embed="rId8">
+          <a:blip r:embed="rId7">
             <a:extLst>
               <a:ext uri="{28A0092B-C50C-407E-A947-70E740481C1C}">
                 <a14:useLocalDpi xmlns:a14="http://schemas.microsoft.com/office/drawing/2010/main" val="0"/>
@@ -17352,17 +16993,11 @@
           </a:extLst>
         </p:spPr>
       </p:pic>
-      <mc:AlternateContent xmlns:mc="http://schemas.openxmlformats.org/markup-compatibility/2006" xmlns:a14="http://schemas.microsoft.com/office/drawing/2010/main">
-        <mc:Choice Requires="a14">
+      <mc:AlternateContent xmlns:mc="http://schemas.openxmlformats.org/markup-compatibility/2006">
+        <mc:Choice xmlns:a14="http://schemas.microsoft.com/office/drawing/2010/main" Requires="a14">
           <p:sp>
             <p:nvSpPr>
-              <p:cNvPr id="15" name="文本框 14">
-                <a:extLst>
-                  <a:ext uri="{FF2B5EF4-FFF2-40B4-BE49-F238E27FC236}">
-                    <a16:creationId xmlns:a16="http://schemas.microsoft.com/office/drawing/2014/main" id="{FAAC97AA-DE2B-4158-88E5-80102BA51F05}"/>
-                  </a:ext>
-                </a:extLst>
-              </p:cNvPr>
+              <p:cNvPr id="15" name="文本框 14"/>
               <p:cNvSpPr txBox="1"/>
               <p:nvPr/>
             </p:nvSpPr>
@@ -17416,7 +17051,13 @@
                           <a:rPr lang="en-US" i="1">
                             <a:latin typeface="Cambria Math" panose="02040503050406030204" pitchFamily="18" charset="0"/>
                           </a:rPr>
-                          <m:t>−1</m:t>
+                          <m:t>−</m:t>
+                        </m:r>
+                        <m:r>
+                          <a:rPr lang="en-US" i="1">
+                            <a:latin typeface="Cambria Math" panose="02040503050406030204" pitchFamily="18" charset="0"/>
+                          </a:rPr>
+                          <m:t>1</m:t>
                         </m:r>
                       </m:sub>
                     </m:sSub>
@@ -17426,20 +17067,15 @@
                   <a:rPr lang="en-US" dirty="0"/>
                   <a:t>?”</a:t>
                 </a:r>
+                <a:endParaRPr lang="en-US" dirty="0"/>
               </a:p>
             </p:txBody>
           </p:sp>
         </mc:Choice>
-        <mc:Fallback xmlns="">
+        <mc:Fallback>
           <p:sp>
             <p:nvSpPr>
-              <p:cNvPr id="15" name="文本框 14">
-                <a:extLst>
-                  <a:ext uri="{FF2B5EF4-FFF2-40B4-BE49-F238E27FC236}">
-                    <a16:creationId xmlns:a16="http://schemas.microsoft.com/office/drawing/2014/main" id="{FAAC97AA-DE2B-4158-88E5-80102BA51F05}"/>
-                  </a:ext>
-                </a:extLst>
-              </p:cNvPr>
+              <p:cNvPr id="15" name="文本框 14"/>
               <p:cNvSpPr txBox="1">
                 <a:spLocks noRot="1" noChangeAspect="1" noMove="1" noResize="1" noEditPoints="1" noAdjustHandles="1" noChangeArrowheads="1" noChangeShapeType="1" noTextEdit="1"/>
               </p:cNvSpPr>
@@ -17453,10 +17089,10 @@
               <a:prstGeom prst="rect">
                 <a:avLst/>
               </a:prstGeom>
-              <a:blipFill>
-                <a:blip r:embed="rId9"/>
+              <a:blipFill rotWithShape="1">
+                <a:blip r:embed="rId8"/>
                 <a:stretch>
-                  <a:fillRect l="-2128" t="-10000" r="-3191" b="-26667"/>
+                  <a:fillRect l="-19" t="-66" r="-6838" b="2"/>
                 </a:stretch>
               </a:blipFill>
             </p:spPr>
@@ -17465,7 +17101,7 @@
               <a:lstStyle/>
               <a:p>
                 <a:r>
-                  <a:rPr lang="en-US">
+                  <a:rPr lang="zh-CN" altLang="en-US">
                     <a:noFill/>
                   </a:rPr>
                   <a:t> </a:t>
@@ -17477,13 +17113,7 @@
       </mc:AlternateContent>
       <p:grpSp>
         <p:nvGrpSpPr>
-          <p:cNvPr id="17" name="组合 16">
-            <a:extLst>
-              <a:ext uri="{FF2B5EF4-FFF2-40B4-BE49-F238E27FC236}">
-                <a16:creationId xmlns:a16="http://schemas.microsoft.com/office/drawing/2014/main" id="{32F939C5-ECF7-4F92-B08A-F6B21BFB9C2C}"/>
-              </a:ext>
-            </a:extLst>
-          </p:cNvPr>
+          <p:cNvPr id="17" name="组合 16"/>
           <p:cNvGrpSpPr/>
           <p:nvPr/>
         </p:nvGrpSpPr>
@@ -17495,17 +17125,11 @@
             <a:chExt cx="3123511" cy="621363"/>
           </a:xfrm>
         </p:grpSpPr>
-        <mc:AlternateContent xmlns:mc="http://schemas.openxmlformats.org/markup-compatibility/2006" xmlns:a14="http://schemas.microsoft.com/office/drawing/2010/main">
-          <mc:Choice Requires="a14">
+        <mc:AlternateContent xmlns:mc="http://schemas.openxmlformats.org/markup-compatibility/2006">
+          <mc:Choice xmlns:a14="http://schemas.microsoft.com/office/drawing/2010/main" Requires="a14">
             <p:sp>
               <p:nvSpPr>
-                <p:cNvPr id="18" name="矩形 17">
-                  <a:extLst>
-                    <a:ext uri="{FF2B5EF4-FFF2-40B4-BE49-F238E27FC236}">
-                      <a16:creationId xmlns:a16="http://schemas.microsoft.com/office/drawing/2014/main" id="{1D6A2670-D4EF-415F-935B-B0E27EC9D5F5}"/>
-                    </a:ext>
-                  </a:extLst>
-                </p:cNvPr>
+                <p:cNvPr id="18" name="矩形 17"/>
                 <p:cNvSpPr/>
                 <p:nvPr/>
               </p:nvSpPr>
@@ -17607,16 +17231,10 @@
               </p:txBody>
             </p:sp>
           </mc:Choice>
-          <mc:Fallback xmlns="">
+          <mc:Fallback>
             <p:sp>
               <p:nvSpPr>
-                <p:cNvPr id="18" name="矩形 17">
-                  <a:extLst>
-                    <a:ext uri="{FF2B5EF4-FFF2-40B4-BE49-F238E27FC236}">
-                      <a16:creationId xmlns:a16="http://schemas.microsoft.com/office/drawing/2014/main" id="{1D6A2670-D4EF-415F-935B-B0E27EC9D5F5}"/>
-                    </a:ext>
-                  </a:extLst>
-                </p:cNvPr>
+                <p:cNvPr id="18" name="矩形 17"/>
                 <p:cNvSpPr>
                   <a:spLocks noRot="1" noChangeAspect="1" noMove="1" noResize="1" noEditPoints="1" noAdjustHandles="1" noChangeArrowheads="1" noChangeShapeType="1" noTextEdit="1"/>
                 </p:cNvSpPr>
@@ -17630,11 +17248,8 @@
                 <a:prstGeom prst="rect">
                   <a:avLst/>
                 </a:prstGeom>
-                <a:blipFill>
-                  <a:blip r:embed="rId10"/>
-                  <a:stretch>
-                    <a:fillRect/>
-                  </a:stretch>
+                <a:blipFill rotWithShape="1">
+                  <a:blip r:embed="rId2"/>
                 </a:blipFill>
                 <a:ln w="19050">
                   <a:solidFill>
@@ -17642,12 +17257,28 @@
                   </a:solidFill>
                 </a:ln>
               </p:spPr>
+              <p:style>
+                <a:lnRef idx="2">
+                  <a:schemeClr val="accent1">
+                    <a:shade val="50000"/>
+                  </a:schemeClr>
+                </a:lnRef>
+                <a:fillRef idx="1">
+                  <a:schemeClr val="accent1"/>
+                </a:fillRef>
+                <a:effectRef idx="0">
+                  <a:schemeClr val="accent1"/>
+                </a:effectRef>
+                <a:fontRef idx="minor">
+                  <a:schemeClr val="lt1"/>
+                </a:fontRef>
+              </p:style>
               <p:txBody>
                 <a:bodyPr/>
                 <a:lstStyle/>
                 <a:p>
                   <a:r>
-                    <a:rPr lang="en-US">
+                    <a:rPr lang="zh-CN" altLang="en-US">
                       <a:noFill/>
                     </a:rPr>
                     <a:t> </a:t>
@@ -17657,17 +17288,11 @@
             </p:sp>
           </mc:Fallback>
         </mc:AlternateContent>
-        <mc:AlternateContent xmlns:mc="http://schemas.openxmlformats.org/markup-compatibility/2006" xmlns:a14="http://schemas.microsoft.com/office/drawing/2010/main">
-          <mc:Choice Requires="a14">
+        <mc:AlternateContent xmlns:mc="http://schemas.openxmlformats.org/markup-compatibility/2006">
+          <mc:Choice xmlns:a14="http://schemas.microsoft.com/office/drawing/2010/main" Requires="a14">
             <p:sp>
               <p:nvSpPr>
-                <p:cNvPr id="19" name="矩形 18">
-                  <a:extLst>
-                    <a:ext uri="{FF2B5EF4-FFF2-40B4-BE49-F238E27FC236}">
-                      <a16:creationId xmlns:a16="http://schemas.microsoft.com/office/drawing/2014/main" id="{BE9467D8-A4C6-4B5E-B147-8B78624E419D}"/>
-                    </a:ext>
-                  </a:extLst>
-                </p:cNvPr>
+                <p:cNvPr id="19" name="矩形 18"/>
                 <p:cNvSpPr/>
                 <p:nvPr/>
               </p:nvSpPr>
@@ -17769,16 +17394,10 @@
               </p:txBody>
             </p:sp>
           </mc:Choice>
-          <mc:Fallback xmlns="">
+          <mc:Fallback>
             <p:sp>
               <p:nvSpPr>
-                <p:cNvPr id="19" name="矩形 18">
-                  <a:extLst>
-                    <a:ext uri="{FF2B5EF4-FFF2-40B4-BE49-F238E27FC236}">
-                      <a16:creationId xmlns:a16="http://schemas.microsoft.com/office/drawing/2014/main" id="{BE9467D8-A4C6-4B5E-B147-8B78624E419D}"/>
-                    </a:ext>
-                  </a:extLst>
-                </p:cNvPr>
+                <p:cNvPr id="19" name="矩形 18"/>
                 <p:cNvSpPr>
                   <a:spLocks noRot="1" noChangeAspect="1" noMove="1" noResize="1" noEditPoints="1" noAdjustHandles="1" noChangeArrowheads="1" noChangeShapeType="1" noTextEdit="1"/>
                 </p:cNvSpPr>
@@ -17792,11 +17411,8 @@
                 <a:prstGeom prst="rect">
                   <a:avLst/>
                 </a:prstGeom>
-                <a:blipFill>
-                  <a:blip r:embed="rId11"/>
-                  <a:stretch>
-                    <a:fillRect/>
-                  </a:stretch>
+                <a:blipFill rotWithShape="1">
+                  <a:blip r:embed="rId3"/>
                 </a:blipFill>
                 <a:ln w="19050">
                   <a:solidFill>
@@ -17804,12 +17420,28 @@
                   </a:solidFill>
                 </a:ln>
               </p:spPr>
+              <p:style>
+                <a:lnRef idx="2">
+                  <a:schemeClr val="accent1">
+                    <a:shade val="50000"/>
+                  </a:schemeClr>
+                </a:lnRef>
+                <a:fillRef idx="1">
+                  <a:schemeClr val="accent1"/>
+                </a:fillRef>
+                <a:effectRef idx="0">
+                  <a:schemeClr val="accent1"/>
+                </a:effectRef>
+                <a:fontRef idx="minor">
+                  <a:schemeClr val="lt1"/>
+                </a:fontRef>
+              </p:style>
               <p:txBody>
                 <a:bodyPr/>
                 <a:lstStyle/>
                 <a:p>
                   <a:r>
-                    <a:rPr lang="en-US">
+                    <a:rPr lang="zh-CN" altLang="en-US">
                       <a:noFill/>
                     </a:rPr>
                     <a:t> </a:t>
@@ -17821,13 +17453,7 @@
         </mc:AlternateContent>
         <p:sp>
           <p:nvSpPr>
-            <p:cNvPr id="20" name="矩形 19">
-              <a:extLst>
-                <a:ext uri="{FF2B5EF4-FFF2-40B4-BE49-F238E27FC236}">
-                  <a16:creationId xmlns:a16="http://schemas.microsoft.com/office/drawing/2014/main" id="{FCBFC858-9F27-4896-AA8B-5E940C346D08}"/>
-                </a:ext>
-              </a:extLst>
-            </p:cNvPr>
+            <p:cNvPr id="20" name="矩形 19"/>
             <p:cNvSpPr/>
             <p:nvPr/>
           </p:nvSpPr>
@@ -17877,20 +17503,19 @@
                 </a:rPr>
                 <a:t>…</a:t>
               </a:r>
+              <a:endParaRPr lang="en-US" sz="2400" b="1" dirty="0">
+                <a:solidFill>
+                  <a:schemeClr val="tx1"/>
+                </a:solidFill>
+              </a:endParaRPr>
             </a:p>
           </p:txBody>
         </p:sp>
-        <mc:AlternateContent xmlns:mc="http://schemas.openxmlformats.org/markup-compatibility/2006" xmlns:a14="http://schemas.microsoft.com/office/drawing/2010/main">
-          <mc:Choice Requires="a14">
+        <mc:AlternateContent xmlns:mc="http://schemas.openxmlformats.org/markup-compatibility/2006">
+          <mc:Choice xmlns:a14="http://schemas.microsoft.com/office/drawing/2010/main" Requires="a14">
             <p:sp>
               <p:nvSpPr>
-                <p:cNvPr id="21" name="矩形 20">
-                  <a:extLst>
-                    <a:ext uri="{FF2B5EF4-FFF2-40B4-BE49-F238E27FC236}">
-                      <a16:creationId xmlns:a16="http://schemas.microsoft.com/office/drawing/2014/main" id="{6A04496C-208A-4BF3-A4C2-0767667763BA}"/>
-                    </a:ext>
-                  </a:extLst>
-                </p:cNvPr>
+                <p:cNvPr id="21" name="矩形 20"/>
                 <p:cNvSpPr/>
                 <p:nvPr/>
               </p:nvSpPr>
@@ -17980,7 +17605,16 @@
                                 </a:solidFill>
                                 <a:latin typeface="Cambria Math" panose="02040503050406030204" pitchFamily="18" charset="0"/>
                               </a:rPr>
-                              <m:t>−1</m:t>
+                              <m:t>−</m:t>
+                            </m:r>
+                            <m:r>
+                              <a:rPr lang="en-US" sz="1600" b="0" i="1" smtClean="0">
+                                <a:solidFill>
+                                  <a:schemeClr val="tx1"/>
+                                </a:solidFill>
+                                <a:latin typeface="Cambria Math" panose="02040503050406030204" pitchFamily="18" charset="0"/>
+                              </a:rPr>
+                              <m:t>1</m:t>
                             </m:r>
                           </m:sub>
                         </m:sSub>
@@ -18003,20 +17637,19 @@
                     </a:rPr>
                     <a:t>=1</a:t>
                   </a:r>
+                  <a:endParaRPr lang="en-US" sz="1600" dirty="0">
+                    <a:solidFill>
+                      <a:schemeClr val="tx1"/>
+                    </a:solidFill>
+                  </a:endParaRPr>
                 </a:p>
               </p:txBody>
             </p:sp>
           </mc:Choice>
-          <mc:Fallback xmlns="">
+          <mc:Fallback>
             <p:sp>
               <p:nvSpPr>
-                <p:cNvPr id="21" name="矩形 20">
-                  <a:extLst>
-                    <a:ext uri="{FF2B5EF4-FFF2-40B4-BE49-F238E27FC236}">
-                      <a16:creationId xmlns:a16="http://schemas.microsoft.com/office/drawing/2014/main" id="{6A04496C-208A-4BF3-A4C2-0767667763BA}"/>
-                    </a:ext>
-                  </a:extLst>
-                </p:cNvPr>
+                <p:cNvPr id="21" name="矩形 20"/>
                 <p:cNvSpPr>
                   <a:spLocks noRot="1" noChangeAspect="1" noMove="1" noResize="1" noEditPoints="1" noAdjustHandles="1" noChangeArrowheads="1" noChangeShapeType="1" noTextEdit="1"/>
                 </p:cNvSpPr>
@@ -18030,11 +17663,8 @@
                 <a:prstGeom prst="rect">
                   <a:avLst/>
                 </a:prstGeom>
-                <a:blipFill>
-                  <a:blip r:embed="rId12"/>
-                  <a:stretch>
-                    <a:fillRect b="-7619"/>
-                  </a:stretch>
+                <a:blipFill rotWithShape="1">
+                  <a:blip r:embed="rId9"/>
                 </a:blipFill>
                 <a:ln w="19050">
                   <a:solidFill>
@@ -18042,12 +17672,28 @@
                   </a:solidFill>
                 </a:ln>
               </p:spPr>
+              <p:style>
+                <a:lnRef idx="2">
+                  <a:schemeClr val="accent1">
+                    <a:shade val="50000"/>
+                  </a:schemeClr>
+                </a:lnRef>
+                <a:fillRef idx="1">
+                  <a:schemeClr val="accent1"/>
+                </a:fillRef>
+                <a:effectRef idx="0">
+                  <a:schemeClr val="accent1"/>
+                </a:effectRef>
+                <a:fontRef idx="minor">
+                  <a:schemeClr val="lt1"/>
+                </a:fontRef>
+              </p:style>
               <p:txBody>
                 <a:bodyPr/>
                 <a:lstStyle/>
                 <a:p>
                   <a:r>
-                    <a:rPr lang="en-US">
+                    <a:rPr lang="zh-CN" altLang="en-US">
                       <a:noFill/>
                     </a:rPr>
                     <a:t> </a:t>
@@ -18057,17 +17703,11 @@
             </p:sp>
           </mc:Fallback>
         </mc:AlternateContent>
-        <mc:AlternateContent xmlns:mc="http://schemas.openxmlformats.org/markup-compatibility/2006" xmlns:a14="http://schemas.microsoft.com/office/drawing/2010/main">
-          <mc:Choice Requires="a14">
+        <mc:AlternateContent xmlns:mc="http://schemas.openxmlformats.org/markup-compatibility/2006">
+          <mc:Choice xmlns:a14="http://schemas.microsoft.com/office/drawing/2010/main" Requires="a14">
             <p:sp>
               <p:nvSpPr>
-                <p:cNvPr id="22" name="矩形 21">
-                  <a:extLst>
-                    <a:ext uri="{FF2B5EF4-FFF2-40B4-BE49-F238E27FC236}">
-                      <a16:creationId xmlns:a16="http://schemas.microsoft.com/office/drawing/2014/main" id="{24815248-F76D-4EB1-9153-B4957BE48FCB}"/>
-                    </a:ext>
-                  </a:extLst>
-                </p:cNvPr>
+                <p:cNvPr id="22" name="矩形 21"/>
                 <p:cNvSpPr/>
                 <p:nvPr/>
               </p:nvSpPr>
@@ -18169,16 +17809,10 @@
               </p:txBody>
             </p:sp>
           </mc:Choice>
-          <mc:Fallback xmlns="">
+          <mc:Fallback>
             <p:sp>
               <p:nvSpPr>
-                <p:cNvPr id="22" name="矩形 21">
-                  <a:extLst>
-                    <a:ext uri="{FF2B5EF4-FFF2-40B4-BE49-F238E27FC236}">
-                      <a16:creationId xmlns:a16="http://schemas.microsoft.com/office/drawing/2014/main" id="{24815248-F76D-4EB1-9153-B4957BE48FCB}"/>
-                    </a:ext>
-                  </a:extLst>
-                </p:cNvPr>
+                <p:cNvPr id="22" name="矩形 21"/>
                 <p:cNvSpPr>
                   <a:spLocks noRot="1" noChangeAspect="1" noMove="1" noResize="1" noEditPoints="1" noAdjustHandles="1" noChangeArrowheads="1" noChangeShapeType="1" noTextEdit="1"/>
                 </p:cNvSpPr>
@@ -18192,11 +17826,8 @@
                 <a:prstGeom prst="rect">
                   <a:avLst/>
                 </a:prstGeom>
-                <a:blipFill>
-                  <a:blip r:embed="rId13"/>
-                  <a:stretch>
-                    <a:fillRect/>
-                  </a:stretch>
+                <a:blipFill rotWithShape="1">
+                  <a:blip r:embed="rId5"/>
                 </a:blipFill>
                 <a:ln w="19050">
                   <a:solidFill>
@@ -18204,12 +17835,28 @@
                   </a:solidFill>
                 </a:ln>
               </p:spPr>
+              <p:style>
+                <a:lnRef idx="2">
+                  <a:schemeClr val="accent1">
+                    <a:shade val="50000"/>
+                  </a:schemeClr>
+                </a:lnRef>
+                <a:fillRef idx="1">
+                  <a:schemeClr val="accent1"/>
+                </a:fillRef>
+                <a:effectRef idx="0">
+                  <a:schemeClr val="accent1"/>
+                </a:effectRef>
+                <a:fontRef idx="minor">
+                  <a:schemeClr val="lt1"/>
+                </a:fontRef>
+              </p:style>
               <p:txBody>
                 <a:bodyPr/>
                 <a:lstStyle/>
                 <a:p>
                   <a:r>
-                    <a:rPr lang="en-US">
+                    <a:rPr lang="zh-CN" altLang="en-US">
                       <a:noFill/>
                     </a:rPr>
                     <a:t> </a:t>
@@ -18220,17 +17867,11 @@
           </mc:Fallback>
         </mc:AlternateContent>
       </p:grpSp>
-      <mc:AlternateContent xmlns:mc="http://schemas.openxmlformats.org/markup-compatibility/2006" xmlns:a14="http://schemas.microsoft.com/office/drawing/2010/main">
-        <mc:Choice Requires="a14">
+      <mc:AlternateContent xmlns:mc="http://schemas.openxmlformats.org/markup-compatibility/2006">
+        <mc:Choice xmlns:a14="http://schemas.microsoft.com/office/drawing/2010/main" Requires="a14">
           <p:sp>
             <p:nvSpPr>
-              <p:cNvPr id="23" name="文本框 22">
-                <a:extLst>
-                  <a:ext uri="{FF2B5EF4-FFF2-40B4-BE49-F238E27FC236}">
-                    <a16:creationId xmlns:a16="http://schemas.microsoft.com/office/drawing/2014/main" id="{9157167E-7E30-43F5-90B9-0431D3501E1A}"/>
-                  </a:ext>
-                </a:extLst>
-              </p:cNvPr>
+              <p:cNvPr id="23" name="文本框 22"/>
               <p:cNvSpPr txBox="1"/>
               <p:nvPr/>
             </p:nvSpPr>
@@ -18283,7 +17924,13 @@
                           <a:rPr lang="en-US" i="1">
                             <a:latin typeface="Cambria Math" panose="02040503050406030204" pitchFamily="18" charset="0"/>
                           </a:rPr>
-                          <m:t>−1</m:t>
+                          <m:t>−</m:t>
+                        </m:r>
+                        <m:r>
+                          <a:rPr lang="en-US" i="1">
+                            <a:latin typeface="Cambria Math" panose="02040503050406030204" pitchFamily="18" charset="0"/>
+                          </a:rPr>
+                          <m:t>1</m:t>
                         </m:r>
                       </m:sub>
                     </m:sSub>
@@ -18291,7 +17938,13 @@
                       <a:rPr lang="en-US" b="0" i="0" smtClean="0">
                         <a:latin typeface="Cambria Math" panose="02040503050406030204" pitchFamily="18" charset="0"/>
                       </a:rPr>
-                      <m:t>=1</m:t>
+                      <m:t>=</m:t>
+                    </m:r>
+                    <m:r>
+                      <a:rPr lang="en-US" b="0" i="0" smtClean="0">
+                        <a:latin typeface="Cambria Math" panose="02040503050406030204" pitchFamily="18" charset="0"/>
+                      </a:rPr>
+                      <m:t>1</m:t>
                     </m:r>
                   </m:oMath>
                 </a14:m>
@@ -18299,20 +17952,15 @@
                   <a:rPr lang="en-US" dirty="0"/>
                   <a:t>”</a:t>
                 </a:r>
+                <a:endParaRPr lang="en-US" dirty="0"/>
               </a:p>
             </p:txBody>
           </p:sp>
         </mc:Choice>
-        <mc:Fallback xmlns="">
+        <mc:Fallback>
           <p:sp>
             <p:nvSpPr>
-              <p:cNvPr id="23" name="文本框 22">
-                <a:extLst>
-                  <a:ext uri="{FF2B5EF4-FFF2-40B4-BE49-F238E27FC236}">
-                    <a16:creationId xmlns:a16="http://schemas.microsoft.com/office/drawing/2014/main" id="{9157167E-7E30-43F5-90B9-0431D3501E1A}"/>
-                  </a:ext>
-                </a:extLst>
-              </p:cNvPr>
+              <p:cNvPr id="23" name="文本框 22"/>
               <p:cNvSpPr txBox="1">
                 <a:spLocks noRot="1" noChangeAspect="1" noMove="1" noResize="1" noEditPoints="1" noAdjustHandles="1" noChangeArrowheads="1" noChangeShapeType="1" noTextEdit="1"/>
               </p:cNvSpPr>
@@ -18326,10 +17974,10 @@
               <a:prstGeom prst="rect">
                 <a:avLst/>
               </a:prstGeom>
-              <a:blipFill>
-                <a:blip r:embed="rId14"/>
+              <a:blipFill rotWithShape="1">
+                <a:blip r:embed="rId10"/>
                 <a:stretch>
-                  <a:fillRect l="-4306" t="-10000" r="-3349" b="-26667"/>
+                  <a:fillRect l="-19" t="-66" r="-5489" b="2"/>
                 </a:stretch>
               </a:blipFill>
             </p:spPr>
@@ -18338,7 +17986,7 @@
               <a:lstStyle/>
               <a:p>
                 <a:r>
-                  <a:rPr lang="en-US">
+                  <a:rPr lang="zh-CN" altLang="en-US">
                     <a:noFill/>
                   </a:rPr>
                   <a:t> </a:t>
@@ -18350,13 +17998,7 @@
       </mc:AlternateContent>
       <p:sp>
         <p:nvSpPr>
-          <p:cNvPr id="24" name="文本框 23">
-            <a:extLst>
-              <a:ext uri="{FF2B5EF4-FFF2-40B4-BE49-F238E27FC236}">
-                <a16:creationId xmlns:a16="http://schemas.microsoft.com/office/drawing/2014/main" id="{D73AC990-4A25-4FD1-9D44-E0D5923CB120}"/>
-              </a:ext>
-            </a:extLst>
-          </p:cNvPr>
+          <p:cNvPr id="24" name="文本框 23"/>
           <p:cNvSpPr txBox="1"/>
           <p:nvPr/>
         </p:nvSpPr>
@@ -18381,20 +18023,15 @@
               <a:rPr lang="en-US" dirty="0"/>
               <a:t>Busy…busy…busy…</a:t>
             </a:r>
+            <a:endParaRPr lang="en-US" dirty="0"/>
           </a:p>
         </p:txBody>
       </p:sp>
-      <mc:AlternateContent xmlns:mc="http://schemas.openxmlformats.org/markup-compatibility/2006" xmlns:a14="http://schemas.microsoft.com/office/drawing/2010/main">
-        <mc:Choice Requires="a14">
+      <mc:AlternateContent xmlns:mc="http://schemas.openxmlformats.org/markup-compatibility/2006">
+        <mc:Choice xmlns:a14="http://schemas.microsoft.com/office/drawing/2010/main" Requires="a14">
           <p:sp>
             <p:nvSpPr>
-              <p:cNvPr id="25" name="文本框 24">
-                <a:extLst>
-                  <a:ext uri="{FF2B5EF4-FFF2-40B4-BE49-F238E27FC236}">
-                    <a16:creationId xmlns:a16="http://schemas.microsoft.com/office/drawing/2014/main" id="{4171650D-B079-47B2-BEFD-7AF2822D3337}"/>
-                  </a:ext>
-                </a:extLst>
-              </p:cNvPr>
+              <p:cNvPr id="25" name="文本框 24"/>
               <p:cNvSpPr txBox="1"/>
               <p:nvPr/>
             </p:nvSpPr>
@@ -18452,20 +18089,15 @@
                   <a:rPr lang="en-US" dirty="0"/>
                   <a:t>?”</a:t>
                 </a:r>
+                <a:endParaRPr lang="en-US" dirty="0"/>
               </a:p>
             </p:txBody>
           </p:sp>
         </mc:Choice>
-        <mc:Fallback xmlns="">
+        <mc:Fallback>
           <p:sp>
             <p:nvSpPr>
-              <p:cNvPr id="25" name="文本框 24">
-                <a:extLst>
-                  <a:ext uri="{FF2B5EF4-FFF2-40B4-BE49-F238E27FC236}">
-                    <a16:creationId xmlns:a16="http://schemas.microsoft.com/office/drawing/2014/main" id="{4171650D-B079-47B2-BEFD-7AF2822D3337}"/>
-                  </a:ext>
-                </a:extLst>
-              </p:cNvPr>
+              <p:cNvPr id="25" name="文本框 24"/>
               <p:cNvSpPr txBox="1">
                 <a:spLocks noRot="1" noChangeAspect="1" noMove="1" noResize="1" noEditPoints="1" noAdjustHandles="1" noChangeArrowheads="1" noChangeShapeType="1" noTextEdit="1"/>
               </p:cNvSpPr>
@@ -18479,10 +18111,10 @@
               <a:prstGeom prst="rect">
                 <a:avLst/>
               </a:prstGeom>
-              <a:blipFill>
-                <a:blip r:embed="rId15"/>
+              <a:blipFill rotWithShape="1">
+                <a:blip r:embed="rId11"/>
                 <a:stretch>
-                  <a:fillRect l="-2469" t="-8197" r="-3704" b="-24590"/>
+                  <a:fillRect l="-41" t="-112" r="-6912" b="47"/>
                 </a:stretch>
               </a:blipFill>
             </p:spPr>
@@ -18491,7 +18123,7 @@
               <a:lstStyle/>
               <a:p>
                 <a:r>
-                  <a:rPr lang="en-US">
+                  <a:rPr lang="zh-CN" altLang="en-US">
                     <a:noFill/>
                   </a:rPr>
                   <a:t> </a:t>
@@ -18501,17 +18133,11 @@
           </p:sp>
         </mc:Fallback>
       </mc:AlternateContent>
-      <mc:AlternateContent xmlns:mc="http://schemas.openxmlformats.org/markup-compatibility/2006" xmlns:a14="http://schemas.microsoft.com/office/drawing/2010/main">
-        <mc:Choice Requires="a14">
+      <mc:AlternateContent xmlns:mc="http://schemas.openxmlformats.org/markup-compatibility/2006">
+        <mc:Choice xmlns:a14="http://schemas.microsoft.com/office/drawing/2010/main" Requires="a14">
           <p:sp>
             <p:nvSpPr>
-              <p:cNvPr id="26" name="文本框 25">
-                <a:extLst>
-                  <a:ext uri="{FF2B5EF4-FFF2-40B4-BE49-F238E27FC236}">
-                    <a16:creationId xmlns:a16="http://schemas.microsoft.com/office/drawing/2014/main" id="{71EFECDB-A183-48D8-8D64-D4DE15CA50F8}"/>
-                  </a:ext>
-                </a:extLst>
-              </p:cNvPr>
+              <p:cNvPr id="26" name="文本框 25"/>
               <p:cNvSpPr txBox="1"/>
               <p:nvPr/>
             </p:nvSpPr>
@@ -18566,7 +18192,13 @@
                       <a:rPr lang="en-US" b="0" i="0" smtClean="0">
                         <a:latin typeface="Cambria Math" panose="02040503050406030204" pitchFamily="18" charset="0"/>
                       </a:rPr>
-                      <m:t>=1</m:t>
+                      <m:t>=</m:t>
+                    </m:r>
+                    <m:r>
+                      <a:rPr lang="en-US" b="0" i="0" smtClean="0">
+                        <a:latin typeface="Cambria Math" panose="02040503050406030204" pitchFamily="18" charset="0"/>
+                      </a:rPr>
+                      <m:t>1</m:t>
                     </m:r>
                   </m:oMath>
                 </a14:m>
@@ -18574,20 +18206,15 @@
                   <a:rPr lang="en-US" dirty="0"/>
                   <a:t>”</a:t>
                 </a:r>
+                <a:endParaRPr lang="en-US" dirty="0"/>
               </a:p>
             </p:txBody>
           </p:sp>
         </mc:Choice>
-        <mc:Fallback xmlns="">
+        <mc:Fallback>
           <p:sp>
             <p:nvSpPr>
-              <p:cNvPr id="26" name="文本框 25">
-                <a:extLst>
-                  <a:ext uri="{FF2B5EF4-FFF2-40B4-BE49-F238E27FC236}">
-                    <a16:creationId xmlns:a16="http://schemas.microsoft.com/office/drawing/2014/main" id="{71EFECDB-A183-48D8-8D64-D4DE15CA50F8}"/>
-                  </a:ext>
-                </a:extLst>
-              </p:cNvPr>
+              <p:cNvPr id="26" name="文本框 25"/>
               <p:cNvSpPr txBox="1">
                 <a:spLocks noRot="1" noChangeAspect="1" noMove="1" noResize="1" noEditPoints="1" noAdjustHandles="1" noChangeArrowheads="1" noChangeShapeType="1" noTextEdit="1"/>
               </p:cNvSpPr>
@@ -18601,10 +18228,10 @@
               <a:prstGeom prst="rect">
                 <a:avLst/>
               </a:prstGeom>
-              <a:blipFill>
-                <a:blip r:embed="rId16"/>
+              <a:blipFill rotWithShape="1">
+                <a:blip r:embed="rId12"/>
                 <a:stretch>
-                  <a:fillRect l="-5294" t="-8197" r="-4118" b="-24590"/>
+                  <a:fillRect l="-23" t="-112" r="-5311" b="47"/>
                 </a:stretch>
               </a:blipFill>
             </p:spPr>
@@ -18613,7 +18240,7 @@
               <a:lstStyle/>
               <a:p>
                 <a:r>
-                  <a:rPr lang="en-US">
+                  <a:rPr lang="zh-CN" altLang="en-US">
                     <a:noFill/>
                   </a:rPr>
                   <a:t> </a:t>
@@ -18625,13 +18252,7 @@
       </mc:AlternateContent>
       <p:grpSp>
         <p:nvGrpSpPr>
-          <p:cNvPr id="27" name="组合 26">
-            <a:extLst>
-              <a:ext uri="{FF2B5EF4-FFF2-40B4-BE49-F238E27FC236}">
-                <a16:creationId xmlns:a16="http://schemas.microsoft.com/office/drawing/2014/main" id="{B132206D-5209-4005-A10E-773726492940}"/>
-              </a:ext>
-            </a:extLst>
-          </p:cNvPr>
+          <p:cNvPr id="27" name="组合 26"/>
           <p:cNvGrpSpPr/>
           <p:nvPr/>
         </p:nvGrpSpPr>
@@ -18643,17 +18264,11 @@
             <a:chExt cx="3123511" cy="621363"/>
           </a:xfrm>
         </p:grpSpPr>
-        <mc:AlternateContent xmlns:mc="http://schemas.openxmlformats.org/markup-compatibility/2006" xmlns:a14="http://schemas.microsoft.com/office/drawing/2010/main">
-          <mc:Choice Requires="a14">
+        <mc:AlternateContent xmlns:mc="http://schemas.openxmlformats.org/markup-compatibility/2006">
+          <mc:Choice xmlns:a14="http://schemas.microsoft.com/office/drawing/2010/main" Requires="a14">
             <p:sp>
               <p:nvSpPr>
-                <p:cNvPr id="28" name="矩形 27">
-                  <a:extLst>
-                    <a:ext uri="{FF2B5EF4-FFF2-40B4-BE49-F238E27FC236}">
-                      <a16:creationId xmlns:a16="http://schemas.microsoft.com/office/drawing/2014/main" id="{F16B5112-2C27-48D7-B901-56862904F31C}"/>
-                    </a:ext>
-                  </a:extLst>
-                </p:cNvPr>
+                <p:cNvPr id="28" name="矩形 27"/>
                 <p:cNvSpPr/>
                 <p:nvPr/>
               </p:nvSpPr>
@@ -18757,20 +18372,19 @@
                     </a:rPr>
                     <a:t>=1</a:t>
                   </a:r>
+                  <a:endParaRPr lang="en-US" sz="1600" dirty="0">
+                    <a:solidFill>
+                      <a:schemeClr val="tx1"/>
+                    </a:solidFill>
+                  </a:endParaRPr>
                 </a:p>
               </p:txBody>
             </p:sp>
           </mc:Choice>
-          <mc:Fallback xmlns="">
+          <mc:Fallback>
             <p:sp>
               <p:nvSpPr>
-                <p:cNvPr id="28" name="矩形 27">
-                  <a:extLst>
-                    <a:ext uri="{FF2B5EF4-FFF2-40B4-BE49-F238E27FC236}">
-                      <a16:creationId xmlns:a16="http://schemas.microsoft.com/office/drawing/2014/main" id="{F16B5112-2C27-48D7-B901-56862904F31C}"/>
-                    </a:ext>
-                  </a:extLst>
-                </p:cNvPr>
+                <p:cNvPr id="28" name="矩形 27"/>
                 <p:cNvSpPr>
                   <a:spLocks noRot="1" noChangeAspect="1" noMove="1" noResize="1" noEditPoints="1" noAdjustHandles="1" noChangeArrowheads="1" noChangeShapeType="1" noTextEdit="1"/>
                 </p:cNvSpPr>
@@ -18784,11 +18398,8 @@
                 <a:prstGeom prst="rect">
                   <a:avLst/>
                 </a:prstGeom>
-                <a:blipFill>
-                  <a:blip r:embed="rId17"/>
-                  <a:stretch>
-                    <a:fillRect b="-6667"/>
-                  </a:stretch>
+                <a:blipFill rotWithShape="1">
+                  <a:blip r:embed="rId13"/>
                 </a:blipFill>
                 <a:ln w="19050">
                   <a:solidFill>
@@ -18796,12 +18407,28 @@
                   </a:solidFill>
                 </a:ln>
               </p:spPr>
+              <p:style>
+                <a:lnRef idx="2">
+                  <a:schemeClr val="accent1">
+                    <a:shade val="50000"/>
+                  </a:schemeClr>
+                </a:lnRef>
+                <a:fillRef idx="1">
+                  <a:schemeClr val="accent1"/>
+                </a:fillRef>
+                <a:effectRef idx="0">
+                  <a:schemeClr val="accent1"/>
+                </a:effectRef>
+                <a:fontRef idx="minor">
+                  <a:schemeClr val="lt1"/>
+                </a:fontRef>
+              </p:style>
               <p:txBody>
                 <a:bodyPr/>
                 <a:lstStyle/>
                 <a:p>
                   <a:r>
-                    <a:rPr lang="en-US">
+                    <a:rPr lang="zh-CN" altLang="en-US">
                       <a:noFill/>
                     </a:rPr>
                     <a:t> </a:t>
@@ -18811,17 +18438,11 @@
             </p:sp>
           </mc:Fallback>
         </mc:AlternateContent>
-        <mc:AlternateContent xmlns:mc="http://schemas.openxmlformats.org/markup-compatibility/2006" xmlns:a14="http://schemas.microsoft.com/office/drawing/2010/main">
-          <mc:Choice Requires="a14">
+        <mc:AlternateContent xmlns:mc="http://schemas.openxmlformats.org/markup-compatibility/2006">
+          <mc:Choice xmlns:a14="http://schemas.microsoft.com/office/drawing/2010/main" Requires="a14">
             <p:sp>
               <p:nvSpPr>
-                <p:cNvPr id="29" name="矩形 28">
-                  <a:extLst>
-                    <a:ext uri="{FF2B5EF4-FFF2-40B4-BE49-F238E27FC236}">
-                      <a16:creationId xmlns:a16="http://schemas.microsoft.com/office/drawing/2014/main" id="{DA459673-2DB0-446B-A058-1378CC215C54}"/>
-                    </a:ext>
-                  </a:extLst>
-                </p:cNvPr>
+                <p:cNvPr id="29" name="矩形 28"/>
                 <p:cNvSpPr/>
                 <p:nvPr/>
               </p:nvSpPr>
@@ -18923,16 +18544,10 @@
               </p:txBody>
             </p:sp>
           </mc:Choice>
-          <mc:Fallback xmlns="">
+          <mc:Fallback>
             <p:sp>
               <p:nvSpPr>
-                <p:cNvPr id="29" name="矩形 28">
-                  <a:extLst>
-                    <a:ext uri="{FF2B5EF4-FFF2-40B4-BE49-F238E27FC236}">
-                      <a16:creationId xmlns:a16="http://schemas.microsoft.com/office/drawing/2014/main" id="{DA459673-2DB0-446B-A058-1378CC215C54}"/>
-                    </a:ext>
-                  </a:extLst>
-                </p:cNvPr>
+                <p:cNvPr id="29" name="矩形 28"/>
                 <p:cNvSpPr>
                   <a:spLocks noRot="1" noChangeAspect="1" noMove="1" noResize="1" noEditPoints="1" noAdjustHandles="1" noChangeArrowheads="1" noChangeShapeType="1" noTextEdit="1"/>
                 </p:cNvSpPr>
@@ -18946,11 +18561,8 @@
                 <a:prstGeom prst="rect">
                   <a:avLst/>
                 </a:prstGeom>
-                <a:blipFill>
-                  <a:blip r:embed="rId18"/>
-                  <a:stretch>
-                    <a:fillRect/>
-                  </a:stretch>
+                <a:blipFill rotWithShape="1">
+                  <a:blip r:embed="rId3"/>
                 </a:blipFill>
                 <a:ln w="19050">
                   <a:solidFill>
@@ -18958,12 +18570,28 @@
                   </a:solidFill>
                 </a:ln>
               </p:spPr>
+              <p:style>
+                <a:lnRef idx="2">
+                  <a:schemeClr val="accent1">
+                    <a:shade val="50000"/>
+                  </a:schemeClr>
+                </a:lnRef>
+                <a:fillRef idx="1">
+                  <a:schemeClr val="accent1"/>
+                </a:fillRef>
+                <a:effectRef idx="0">
+                  <a:schemeClr val="accent1"/>
+                </a:effectRef>
+                <a:fontRef idx="minor">
+                  <a:schemeClr val="lt1"/>
+                </a:fontRef>
+              </p:style>
               <p:txBody>
                 <a:bodyPr/>
                 <a:lstStyle/>
                 <a:p>
                   <a:r>
-                    <a:rPr lang="en-US">
+                    <a:rPr lang="zh-CN" altLang="en-US">
                       <a:noFill/>
                     </a:rPr>
                     <a:t> </a:t>
@@ -18975,13 +18603,7 @@
         </mc:AlternateContent>
         <p:sp>
           <p:nvSpPr>
-            <p:cNvPr id="30" name="矩形 29">
-              <a:extLst>
-                <a:ext uri="{FF2B5EF4-FFF2-40B4-BE49-F238E27FC236}">
-                  <a16:creationId xmlns:a16="http://schemas.microsoft.com/office/drawing/2014/main" id="{A26E7FFF-1FF0-4386-9F50-D01E64BDFECB}"/>
-                </a:ext>
-              </a:extLst>
-            </p:cNvPr>
+            <p:cNvPr id="30" name="矩形 29"/>
             <p:cNvSpPr/>
             <p:nvPr/>
           </p:nvSpPr>
@@ -19031,20 +18653,19 @@
                 </a:rPr>
                 <a:t>…</a:t>
               </a:r>
+              <a:endParaRPr lang="en-US" sz="2400" b="1" dirty="0">
+                <a:solidFill>
+                  <a:schemeClr val="tx1"/>
+                </a:solidFill>
+              </a:endParaRPr>
             </a:p>
           </p:txBody>
         </p:sp>
-        <mc:AlternateContent xmlns:mc="http://schemas.openxmlformats.org/markup-compatibility/2006" xmlns:a14="http://schemas.microsoft.com/office/drawing/2010/main">
-          <mc:Choice Requires="a14">
+        <mc:AlternateContent xmlns:mc="http://schemas.openxmlformats.org/markup-compatibility/2006">
+          <mc:Choice xmlns:a14="http://schemas.microsoft.com/office/drawing/2010/main" Requires="a14">
             <p:sp>
               <p:nvSpPr>
-                <p:cNvPr id="31" name="矩形 30">
-                  <a:extLst>
-                    <a:ext uri="{FF2B5EF4-FFF2-40B4-BE49-F238E27FC236}">
-                      <a16:creationId xmlns:a16="http://schemas.microsoft.com/office/drawing/2014/main" id="{5DD2A9C8-54F5-4AAF-AB55-7755F738419A}"/>
-                    </a:ext>
-                  </a:extLst>
-                </p:cNvPr>
+                <p:cNvPr id="31" name="矩形 30"/>
                 <p:cNvSpPr/>
                 <p:nvPr/>
               </p:nvSpPr>
@@ -19134,7 +18755,16 @@
                                 </a:solidFill>
                                 <a:latin typeface="Cambria Math" panose="02040503050406030204" pitchFamily="18" charset="0"/>
                               </a:rPr>
-                              <m:t>−1</m:t>
+                              <m:t>−</m:t>
+                            </m:r>
+                            <m:r>
+                              <a:rPr lang="en-US" sz="1600" b="0" i="1" smtClean="0">
+                                <a:solidFill>
+                                  <a:schemeClr val="tx1"/>
+                                </a:solidFill>
+                                <a:latin typeface="Cambria Math" panose="02040503050406030204" pitchFamily="18" charset="0"/>
+                              </a:rPr>
+                              <m:t>1</m:t>
                             </m:r>
                           </m:sub>
                         </m:sSub>
@@ -19157,20 +18787,19 @@
                     </a:rPr>
                     <a:t>=1</a:t>
                   </a:r>
+                  <a:endParaRPr lang="en-US" sz="1600" dirty="0">
+                    <a:solidFill>
+                      <a:schemeClr val="tx1"/>
+                    </a:solidFill>
+                  </a:endParaRPr>
                 </a:p>
               </p:txBody>
             </p:sp>
           </mc:Choice>
-          <mc:Fallback xmlns="">
+          <mc:Fallback>
             <p:sp>
               <p:nvSpPr>
-                <p:cNvPr id="31" name="矩形 30">
-                  <a:extLst>
-                    <a:ext uri="{FF2B5EF4-FFF2-40B4-BE49-F238E27FC236}">
-                      <a16:creationId xmlns:a16="http://schemas.microsoft.com/office/drawing/2014/main" id="{5DD2A9C8-54F5-4AAF-AB55-7755F738419A}"/>
-                    </a:ext>
-                  </a:extLst>
-                </p:cNvPr>
+                <p:cNvPr id="31" name="矩形 30"/>
                 <p:cNvSpPr>
                   <a:spLocks noRot="1" noChangeAspect="1" noMove="1" noResize="1" noEditPoints="1" noAdjustHandles="1" noChangeArrowheads="1" noChangeShapeType="1" noTextEdit="1"/>
                 </p:cNvSpPr>
@@ -19184,11 +18813,8 @@
                 <a:prstGeom prst="rect">
                   <a:avLst/>
                 </a:prstGeom>
-                <a:blipFill>
-                  <a:blip r:embed="rId19"/>
-                  <a:stretch>
-                    <a:fillRect b="-6667"/>
-                  </a:stretch>
+                <a:blipFill rotWithShape="1">
+                  <a:blip r:embed="rId9"/>
                 </a:blipFill>
                 <a:ln w="19050">
                   <a:solidFill>
@@ -19196,12 +18822,28 @@
                   </a:solidFill>
                 </a:ln>
               </p:spPr>
+              <p:style>
+                <a:lnRef idx="2">
+                  <a:schemeClr val="accent1">
+                    <a:shade val="50000"/>
+                  </a:schemeClr>
+                </a:lnRef>
+                <a:fillRef idx="1">
+                  <a:schemeClr val="accent1"/>
+                </a:fillRef>
+                <a:effectRef idx="0">
+                  <a:schemeClr val="accent1"/>
+                </a:effectRef>
+                <a:fontRef idx="minor">
+                  <a:schemeClr val="lt1"/>
+                </a:fontRef>
+              </p:style>
               <p:txBody>
                 <a:bodyPr/>
                 <a:lstStyle/>
                 <a:p>
                   <a:r>
-                    <a:rPr lang="en-US">
+                    <a:rPr lang="zh-CN" altLang="en-US">
                       <a:noFill/>
                     </a:rPr>
                     <a:t> </a:t>
@@ -19211,17 +18853,11 @@
             </p:sp>
           </mc:Fallback>
         </mc:AlternateContent>
-        <mc:AlternateContent xmlns:mc="http://schemas.openxmlformats.org/markup-compatibility/2006" xmlns:a14="http://schemas.microsoft.com/office/drawing/2010/main">
-          <mc:Choice Requires="a14">
+        <mc:AlternateContent xmlns:mc="http://schemas.openxmlformats.org/markup-compatibility/2006">
+          <mc:Choice xmlns:a14="http://schemas.microsoft.com/office/drawing/2010/main" Requires="a14">
             <p:sp>
               <p:nvSpPr>
-                <p:cNvPr id="32" name="矩形 31">
-                  <a:extLst>
-                    <a:ext uri="{FF2B5EF4-FFF2-40B4-BE49-F238E27FC236}">
-                      <a16:creationId xmlns:a16="http://schemas.microsoft.com/office/drawing/2014/main" id="{2B1D68D5-76B5-45FC-BF16-7895F1DBE6C8}"/>
-                    </a:ext>
-                  </a:extLst>
-                </p:cNvPr>
+                <p:cNvPr id="32" name="矩形 31"/>
                 <p:cNvSpPr/>
                 <p:nvPr/>
               </p:nvSpPr>
@@ -19323,16 +18959,10 @@
               </p:txBody>
             </p:sp>
           </mc:Choice>
-          <mc:Fallback xmlns="">
+          <mc:Fallback>
             <p:sp>
               <p:nvSpPr>
-                <p:cNvPr id="32" name="矩形 31">
-                  <a:extLst>
-                    <a:ext uri="{FF2B5EF4-FFF2-40B4-BE49-F238E27FC236}">
-                      <a16:creationId xmlns:a16="http://schemas.microsoft.com/office/drawing/2014/main" id="{2B1D68D5-76B5-45FC-BF16-7895F1DBE6C8}"/>
-                    </a:ext>
-                  </a:extLst>
-                </p:cNvPr>
+                <p:cNvPr id="32" name="矩形 31"/>
                 <p:cNvSpPr>
                   <a:spLocks noRot="1" noChangeAspect="1" noMove="1" noResize="1" noEditPoints="1" noAdjustHandles="1" noChangeArrowheads="1" noChangeShapeType="1" noTextEdit="1"/>
                 </p:cNvSpPr>
@@ -19346,11 +18976,8 @@
                 <a:prstGeom prst="rect">
                   <a:avLst/>
                 </a:prstGeom>
-                <a:blipFill>
-                  <a:blip r:embed="rId20"/>
-                  <a:stretch>
-                    <a:fillRect/>
-                  </a:stretch>
+                <a:blipFill rotWithShape="1">
+                  <a:blip r:embed="rId5"/>
                 </a:blipFill>
                 <a:ln w="19050">
                   <a:solidFill>
@@ -19358,12 +18985,28 @@
                   </a:solidFill>
                 </a:ln>
               </p:spPr>
+              <p:style>
+                <a:lnRef idx="2">
+                  <a:schemeClr val="accent1">
+                    <a:shade val="50000"/>
+                  </a:schemeClr>
+                </a:lnRef>
+                <a:fillRef idx="1">
+                  <a:schemeClr val="accent1"/>
+                </a:fillRef>
+                <a:effectRef idx="0">
+                  <a:schemeClr val="accent1"/>
+                </a:effectRef>
+                <a:fontRef idx="minor">
+                  <a:schemeClr val="lt1"/>
+                </a:fontRef>
+              </p:style>
               <p:txBody>
                 <a:bodyPr/>
                 <a:lstStyle/>
                 <a:p>
                   <a:r>
-                    <a:rPr lang="en-US">
+                    <a:rPr lang="zh-CN" altLang="en-US">
                       <a:noFill/>
                     </a:rPr>
                     <a:t> </a:t>
@@ -19376,13 +19019,7 @@
       </p:grpSp>
       <p:sp>
         <p:nvSpPr>
-          <p:cNvPr id="33" name="矩形 32">
-            <a:extLst>
-              <a:ext uri="{FF2B5EF4-FFF2-40B4-BE49-F238E27FC236}">
-                <a16:creationId xmlns:a16="http://schemas.microsoft.com/office/drawing/2014/main" id="{3D4877FA-43D0-4B15-83AB-0930CC3D411B}"/>
-              </a:ext>
-            </a:extLst>
-          </p:cNvPr>
+          <p:cNvPr id="33" name="矩形 32"/>
           <p:cNvSpPr/>
           <p:nvPr/>
         </p:nvSpPr>
@@ -19428,18 +19065,17 @@
               </a:rPr>
               <a:t>…</a:t>
             </a:r>
+            <a:endParaRPr lang="en-US" sz="2400" b="1" dirty="0">
+              <a:solidFill>
+                <a:schemeClr val="tx1"/>
+              </a:solidFill>
+            </a:endParaRPr>
           </a:p>
         </p:txBody>
       </p:sp>
       <p:sp>
         <p:nvSpPr>
-          <p:cNvPr id="34" name="矩形 33">
-            <a:extLst>
-              <a:ext uri="{FF2B5EF4-FFF2-40B4-BE49-F238E27FC236}">
-                <a16:creationId xmlns:a16="http://schemas.microsoft.com/office/drawing/2014/main" id="{4CD996F6-87ED-4BBE-9C60-D0F26EE2C8A4}"/>
-              </a:ext>
-            </a:extLst>
-          </p:cNvPr>
+          <p:cNvPr id="34" name="矩形 33"/>
           <p:cNvSpPr/>
           <p:nvPr/>
         </p:nvSpPr>
@@ -19500,17 +19136,11 @@
           </a:p>
         </p:txBody>
       </p:sp>
-      <mc:AlternateContent xmlns:mc="http://schemas.openxmlformats.org/markup-compatibility/2006" xmlns:a14="http://schemas.microsoft.com/office/drawing/2010/main">
-        <mc:Choice Requires="a14">
+      <mc:AlternateContent xmlns:mc="http://schemas.openxmlformats.org/markup-compatibility/2006">
+        <mc:Choice xmlns:a14="http://schemas.microsoft.com/office/drawing/2010/main" Requires="a14">
           <p:sp>
             <p:nvSpPr>
-              <p:cNvPr id="2051" name="文本框 2050">
-                <a:extLst>
-                  <a:ext uri="{FF2B5EF4-FFF2-40B4-BE49-F238E27FC236}">
-                    <a16:creationId xmlns:a16="http://schemas.microsoft.com/office/drawing/2014/main" id="{B6BFED3F-B6C2-463A-B474-24C37DA6E032}"/>
-                  </a:ext>
-                </a:extLst>
-              </p:cNvPr>
+              <p:cNvPr id="2051" name="文本框 2050"/>
               <p:cNvSpPr txBox="1"/>
               <p:nvPr/>
             </p:nvSpPr>
@@ -19549,7 +19179,16 @@
                         </a:solidFill>
                         <a:latin typeface="Cambria Math" panose="02040503050406030204" pitchFamily="18" charset="0"/>
                       </a:rPr>
-                      <m:t>−1</m:t>
+                      <m:t>−</m:t>
+                    </m:r>
+                    <m:r>
+                      <a:rPr lang="en-US" sz="2000" b="0" i="1" smtClean="0">
+                        <a:solidFill>
+                          <a:srgbClr val="C00000"/>
+                        </a:solidFill>
+                        <a:latin typeface="Cambria Math" panose="02040503050406030204" pitchFamily="18" charset="0"/>
+                      </a:rPr>
+                      <m:t>1</m:t>
                     </m:r>
                   </m:oMath>
                 </a14:m>
@@ -19619,20 +19258,19 @@
                   </a:rPr>
                   <a:t> work</a:t>
                 </a:r>
+                <a:endParaRPr lang="en-US" sz="2000" dirty="0">
+                  <a:solidFill>
+                    <a:srgbClr val="C00000"/>
+                  </a:solidFill>
+                </a:endParaRPr>
               </a:p>
             </p:txBody>
           </p:sp>
         </mc:Choice>
-        <mc:Fallback xmlns="">
+        <mc:Fallback>
           <p:sp>
             <p:nvSpPr>
-              <p:cNvPr id="2051" name="文本框 2050">
-                <a:extLst>
-                  <a:ext uri="{FF2B5EF4-FFF2-40B4-BE49-F238E27FC236}">
-                    <a16:creationId xmlns:a16="http://schemas.microsoft.com/office/drawing/2014/main" id="{B6BFED3F-B6C2-463A-B474-24C37DA6E032}"/>
-                  </a:ext>
-                </a:extLst>
-              </p:cNvPr>
+              <p:cNvPr id="2051" name="文本框 2050"/>
               <p:cNvSpPr txBox="1">
                 <a:spLocks noRot="1" noChangeAspect="1" noMove="1" noResize="1" noEditPoints="1" noAdjustHandles="1" noChangeArrowheads="1" noChangeShapeType="1" noTextEdit="1"/>
               </p:cNvSpPr>
@@ -19646,10 +19284,10 @@
               <a:prstGeom prst="rect">
                 <a:avLst/>
               </a:prstGeom>
-              <a:blipFill>
-                <a:blip r:embed="rId21"/>
+              <a:blipFill rotWithShape="1">
+                <a:blip r:embed="rId14"/>
                 <a:stretch>
-                  <a:fillRect l="-3659" t="-12871" r="-10163" b="-23762"/>
+                  <a:fillRect l="-4691" r="-8787" b="39"/>
                 </a:stretch>
               </a:blipFill>
             </p:spPr>
@@ -19658,7 +19296,7 @@
               <a:lstStyle/>
               <a:p>
                 <a:r>
-                  <a:rPr lang="en-US">
+                  <a:rPr lang="zh-CN" altLang="en-US">
                     <a:noFill/>
                   </a:rPr>
                   <a:t> </a:t>
@@ -19670,13 +19308,7 @@
       </mc:AlternateContent>
       <p:grpSp>
         <p:nvGrpSpPr>
-          <p:cNvPr id="39" name="组合 38">
-            <a:extLst>
-              <a:ext uri="{FF2B5EF4-FFF2-40B4-BE49-F238E27FC236}">
-                <a16:creationId xmlns:a16="http://schemas.microsoft.com/office/drawing/2014/main" id="{68575ED9-7ED1-4486-AE9A-80F39233D2A8}"/>
-              </a:ext>
-            </a:extLst>
-          </p:cNvPr>
+          <p:cNvPr id="39" name="组合 38"/>
           <p:cNvGrpSpPr/>
           <p:nvPr/>
         </p:nvGrpSpPr>
@@ -19688,17 +19320,11 @@
             <a:chExt cx="3123511" cy="621363"/>
           </a:xfrm>
         </p:grpSpPr>
-        <mc:AlternateContent xmlns:mc="http://schemas.openxmlformats.org/markup-compatibility/2006" xmlns:a14="http://schemas.microsoft.com/office/drawing/2010/main">
-          <mc:Choice Requires="a14">
+        <mc:AlternateContent xmlns:mc="http://schemas.openxmlformats.org/markup-compatibility/2006">
+          <mc:Choice xmlns:a14="http://schemas.microsoft.com/office/drawing/2010/main" Requires="a14">
             <p:sp>
               <p:nvSpPr>
-                <p:cNvPr id="40" name="矩形 39">
-                  <a:extLst>
-                    <a:ext uri="{FF2B5EF4-FFF2-40B4-BE49-F238E27FC236}">
-                      <a16:creationId xmlns:a16="http://schemas.microsoft.com/office/drawing/2014/main" id="{B2E2133B-598A-4132-A577-3A3C81659199}"/>
-                    </a:ext>
-                  </a:extLst>
-                </p:cNvPr>
+                <p:cNvPr id="40" name="矩形 39"/>
                 <p:cNvSpPr/>
                 <p:nvPr/>
               </p:nvSpPr>
@@ -19802,20 +19428,19 @@
                     </a:rPr>
                     <a:t>=1</a:t>
                   </a:r>
+                  <a:endParaRPr lang="en-US" sz="1600" dirty="0">
+                    <a:solidFill>
+                      <a:schemeClr val="tx1"/>
+                    </a:solidFill>
+                  </a:endParaRPr>
                 </a:p>
               </p:txBody>
             </p:sp>
           </mc:Choice>
-          <mc:Fallback xmlns="">
+          <mc:Fallback>
             <p:sp>
               <p:nvSpPr>
-                <p:cNvPr id="40" name="矩形 39">
-                  <a:extLst>
-                    <a:ext uri="{FF2B5EF4-FFF2-40B4-BE49-F238E27FC236}">
-                      <a16:creationId xmlns:a16="http://schemas.microsoft.com/office/drawing/2014/main" id="{B2E2133B-598A-4132-A577-3A3C81659199}"/>
-                    </a:ext>
-                  </a:extLst>
-                </p:cNvPr>
+                <p:cNvPr id="40" name="矩形 39"/>
                 <p:cNvSpPr>
                   <a:spLocks noRot="1" noChangeAspect="1" noMove="1" noResize="1" noEditPoints="1" noAdjustHandles="1" noChangeArrowheads="1" noChangeShapeType="1" noTextEdit="1"/>
                 </p:cNvSpPr>
@@ -19829,11 +19454,8 @@
                 <a:prstGeom prst="rect">
                   <a:avLst/>
                 </a:prstGeom>
-                <a:blipFill>
-                  <a:blip r:embed="rId17"/>
-                  <a:stretch>
-                    <a:fillRect b="-6667"/>
-                  </a:stretch>
+                <a:blipFill rotWithShape="1">
+                  <a:blip r:embed="rId13"/>
                 </a:blipFill>
                 <a:ln w="19050">
                   <a:solidFill>
@@ -19841,12 +19463,28 @@
                   </a:solidFill>
                 </a:ln>
               </p:spPr>
+              <p:style>
+                <a:lnRef idx="2">
+                  <a:schemeClr val="accent1">
+                    <a:shade val="50000"/>
+                  </a:schemeClr>
+                </a:lnRef>
+                <a:fillRef idx="1">
+                  <a:schemeClr val="accent1"/>
+                </a:fillRef>
+                <a:effectRef idx="0">
+                  <a:schemeClr val="accent1"/>
+                </a:effectRef>
+                <a:fontRef idx="minor">
+                  <a:schemeClr val="lt1"/>
+                </a:fontRef>
+              </p:style>
               <p:txBody>
                 <a:bodyPr/>
                 <a:lstStyle/>
                 <a:p>
                   <a:r>
-                    <a:rPr lang="en-US">
+                    <a:rPr lang="zh-CN" altLang="en-US">
                       <a:noFill/>
                     </a:rPr>
                     <a:t> </a:t>
@@ -19856,17 +19494,11 @@
             </p:sp>
           </mc:Fallback>
         </mc:AlternateContent>
-        <mc:AlternateContent xmlns:mc="http://schemas.openxmlformats.org/markup-compatibility/2006" xmlns:a14="http://schemas.microsoft.com/office/drawing/2010/main">
-          <mc:Choice Requires="a14">
+        <mc:AlternateContent xmlns:mc="http://schemas.openxmlformats.org/markup-compatibility/2006">
+          <mc:Choice xmlns:a14="http://schemas.microsoft.com/office/drawing/2010/main" Requires="a14">
             <p:sp>
               <p:nvSpPr>
-                <p:cNvPr id="41" name="矩形 40">
-                  <a:extLst>
-                    <a:ext uri="{FF2B5EF4-FFF2-40B4-BE49-F238E27FC236}">
-                      <a16:creationId xmlns:a16="http://schemas.microsoft.com/office/drawing/2014/main" id="{D1EE6196-7AE7-459D-B6D4-81E3DB012C02}"/>
-                    </a:ext>
-                  </a:extLst>
-                </p:cNvPr>
+                <p:cNvPr id="41" name="矩形 40"/>
                 <p:cNvSpPr/>
                 <p:nvPr/>
               </p:nvSpPr>
@@ -19970,20 +19602,19 @@
                     </a:rPr>
                     <a:t>=?</a:t>
                   </a:r>
+                  <a:endParaRPr lang="en-US" sz="1600" b="1" dirty="0">
+                    <a:solidFill>
+                      <a:srgbClr val="C00000"/>
+                    </a:solidFill>
+                  </a:endParaRPr>
                 </a:p>
               </p:txBody>
             </p:sp>
           </mc:Choice>
-          <mc:Fallback xmlns="">
+          <mc:Fallback>
             <p:sp>
               <p:nvSpPr>
-                <p:cNvPr id="41" name="矩形 40">
-                  <a:extLst>
-                    <a:ext uri="{FF2B5EF4-FFF2-40B4-BE49-F238E27FC236}">
-                      <a16:creationId xmlns:a16="http://schemas.microsoft.com/office/drawing/2014/main" id="{D1EE6196-7AE7-459D-B6D4-81E3DB012C02}"/>
-                    </a:ext>
-                  </a:extLst>
-                </p:cNvPr>
+                <p:cNvPr id="41" name="矩形 40"/>
                 <p:cNvSpPr>
                   <a:spLocks noRot="1" noChangeAspect="1" noMove="1" noResize="1" noEditPoints="1" noAdjustHandles="1" noChangeArrowheads="1" noChangeShapeType="1" noTextEdit="1"/>
                 </p:cNvSpPr>
@@ -19997,11 +19628,8 @@
                 <a:prstGeom prst="rect">
                   <a:avLst/>
                 </a:prstGeom>
-                <a:blipFill>
-                  <a:blip r:embed="rId22"/>
-                  <a:stretch>
-                    <a:fillRect b="-6667"/>
-                  </a:stretch>
+                <a:blipFill rotWithShape="1">
+                  <a:blip r:embed="rId15"/>
                 </a:blipFill>
                 <a:ln w="19050">
                   <a:solidFill>
@@ -20009,12 +19637,28 @@
                   </a:solidFill>
                 </a:ln>
               </p:spPr>
+              <p:style>
+                <a:lnRef idx="2">
+                  <a:schemeClr val="accent1">
+                    <a:shade val="50000"/>
+                  </a:schemeClr>
+                </a:lnRef>
+                <a:fillRef idx="1">
+                  <a:schemeClr val="accent1"/>
+                </a:fillRef>
+                <a:effectRef idx="0">
+                  <a:schemeClr val="accent1"/>
+                </a:effectRef>
+                <a:fontRef idx="minor">
+                  <a:schemeClr val="lt1"/>
+                </a:fontRef>
+              </p:style>
               <p:txBody>
                 <a:bodyPr/>
                 <a:lstStyle/>
                 <a:p>
                   <a:r>
-                    <a:rPr lang="en-US">
+                    <a:rPr lang="zh-CN" altLang="en-US">
                       <a:noFill/>
                     </a:rPr>
                     <a:t> </a:t>
@@ -20026,13 +19670,7 @@
         </mc:AlternateContent>
         <p:sp>
           <p:nvSpPr>
-            <p:cNvPr id="42" name="矩形 41">
-              <a:extLst>
-                <a:ext uri="{FF2B5EF4-FFF2-40B4-BE49-F238E27FC236}">
-                  <a16:creationId xmlns:a16="http://schemas.microsoft.com/office/drawing/2014/main" id="{88D8FD52-FE89-4C84-B843-9A0A5A41D313}"/>
-                </a:ext>
-              </a:extLst>
-            </p:cNvPr>
+            <p:cNvPr id="42" name="矩形 41"/>
             <p:cNvSpPr/>
             <p:nvPr/>
           </p:nvSpPr>
@@ -20085,20 +19723,19 @@
                 </a:rPr>
                 <a:t>…</a:t>
               </a:r>
+              <a:endParaRPr lang="en-US" sz="2400" b="1" dirty="0">
+                <a:solidFill>
+                  <a:schemeClr val="tx1"/>
+                </a:solidFill>
+              </a:endParaRPr>
             </a:p>
           </p:txBody>
         </p:sp>
-        <mc:AlternateContent xmlns:mc="http://schemas.openxmlformats.org/markup-compatibility/2006" xmlns:a14="http://schemas.microsoft.com/office/drawing/2010/main">
-          <mc:Choice Requires="a14">
+        <mc:AlternateContent xmlns:mc="http://schemas.openxmlformats.org/markup-compatibility/2006">
+          <mc:Choice xmlns:a14="http://schemas.microsoft.com/office/drawing/2010/main" Requires="a14">
             <p:sp>
               <p:nvSpPr>
-                <p:cNvPr id="43" name="矩形 42">
-                  <a:extLst>
-                    <a:ext uri="{FF2B5EF4-FFF2-40B4-BE49-F238E27FC236}">
-                      <a16:creationId xmlns:a16="http://schemas.microsoft.com/office/drawing/2014/main" id="{A9E057B2-F837-4135-AFDC-58576BFE9145}"/>
-                    </a:ext>
-                  </a:extLst>
-                </p:cNvPr>
+                <p:cNvPr id="43" name="矩形 42"/>
                 <p:cNvSpPr/>
                 <p:nvPr/>
               </p:nvSpPr>
@@ -20188,7 +19825,16 @@
                                 </a:solidFill>
                                 <a:latin typeface="Cambria Math" panose="02040503050406030204" pitchFamily="18" charset="0"/>
                               </a:rPr>
-                              <m:t>−1</m:t>
+                              <m:t>−</m:t>
+                            </m:r>
+                            <m:r>
+                              <a:rPr lang="en-US" sz="1600" b="0" i="1" smtClean="0">
+                                <a:solidFill>
+                                  <a:schemeClr val="tx1"/>
+                                </a:solidFill>
+                                <a:latin typeface="Cambria Math" panose="02040503050406030204" pitchFamily="18" charset="0"/>
+                              </a:rPr>
+                              <m:t>1</m:t>
                             </m:r>
                           </m:sub>
                         </m:sSub>
@@ -20211,20 +19857,19 @@
                     </a:rPr>
                     <a:t>=1</a:t>
                   </a:r>
+                  <a:endParaRPr lang="en-US" sz="1600" dirty="0">
+                    <a:solidFill>
+                      <a:schemeClr val="tx1"/>
+                    </a:solidFill>
+                  </a:endParaRPr>
                 </a:p>
               </p:txBody>
             </p:sp>
           </mc:Choice>
-          <mc:Fallback xmlns="">
+          <mc:Fallback>
             <p:sp>
               <p:nvSpPr>
-                <p:cNvPr id="43" name="矩形 42">
-                  <a:extLst>
-                    <a:ext uri="{FF2B5EF4-FFF2-40B4-BE49-F238E27FC236}">
-                      <a16:creationId xmlns:a16="http://schemas.microsoft.com/office/drawing/2014/main" id="{A9E057B2-F837-4135-AFDC-58576BFE9145}"/>
-                    </a:ext>
-                  </a:extLst>
-                </p:cNvPr>
+                <p:cNvPr id="43" name="矩形 42"/>
                 <p:cNvSpPr>
                   <a:spLocks noRot="1" noChangeAspect="1" noMove="1" noResize="1" noEditPoints="1" noAdjustHandles="1" noChangeArrowheads="1" noChangeShapeType="1" noTextEdit="1"/>
                 </p:cNvSpPr>
@@ -20238,11 +19883,8 @@
                 <a:prstGeom prst="rect">
                   <a:avLst/>
                 </a:prstGeom>
-                <a:blipFill>
-                  <a:blip r:embed="rId19"/>
-                  <a:stretch>
-                    <a:fillRect b="-6667"/>
-                  </a:stretch>
+                <a:blipFill rotWithShape="1">
+                  <a:blip r:embed="rId9"/>
                 </a:blipFill>
                 <a:ln w="19050">
                   <a:solidFill>
@@ -20250,12 +19892,28 @@
                   </a:solidFill>
                 </a:ln>
               </p:spPr>
+              <p:style>
+                <a:lnRef idx="2">
+                  <a:schemeClr val="accent1">
+                    <a:shade val="50000"/>
+                  </a:schemeClr>
+                </a:lnRef>
+                <a:fillRef idx="1">
+                  <a:schemeClr val="accent1"/>
+                </a:fillRef>
+                <a:effectRef idx="0">
+                  <a:schemeClr val="accent1"/>
+                </a:effectRef>
+                <a:fontRef idx="minor">
+                  <a:schemeClr val="lt1"/>
+                </a:fontRef>
+              </p:style>
               <p:txBody>
                 <a:bodyPr/>
                 <a:lstStyle/>
                 <a:p>
                   <a:r>
-                    <a:rPr lang="en-US">
+                    <a:rPr lang="zh-CN" altLang="en-US">
                       <a:noFill/>
                     </a:rPr>
                     <a:t> </a:t>
@@ -20265,17 +19923,11 @@
             </p:sp>
           </mc:Fallback>
         </mc:AlternateContent>
-        <mc:AlternateContent xmlns:mc="http://schemas.openxmlformats.org/markup-compatibility/2006" xmlns:a14="http://schemas.microsoft.com/office/drawing/2010/main">
-          <mc:Choice Requires="a14">
+        <mc:AlternateContent xmlns:mc="http://schemas.openxmlformats.org/markup-compatibility/2006">
+          <mc:Choice xmlns:a14="http://schemas.microsoft.com/office/drawing/2010/main" Requires="a14">
             <p:sp>
               <p:nvSpPr>
-                <p:cNvPr id="44" name="矩形 43">
-                  <a:extLst>
-                    <a:ext uri="{FF2B5EF4-FFF2-40B4-BE49-F238E27FC236}">
-                      <a16:creationId xmlns:a16="http://schemas.microsoft.com/office/drawing/2014/main" id="{BB1584CF-B564-4253-859E-533CD80A39E9}"/>
-                    </a:ext>
-                  </a:extLst>
-                </p:cNvPr>
+                <p:cNvPr id="44" name="矩形 43"/>
                 <p:cNvSpPr/>
                 <p:nvPr/>
               </p:nvSpPr>
@@ -20379,20 +20031,19 @@
                     </a:rPr>
                     <a:t>=1</a:t>
                   </a:r>
+                  <a:endParaRPr lang="en-US" sz="1600" dirty="0">
+                    <a:solidFill>
+                      <a:schemeClr val="tx1"/>
+                    </a:solidFill>
+                  </a:endParaRPr>
                 </a:p>
               </p:txBody>
             </p:sp>
           </mc:Choice>
-          <mc:Fallback xmlns="">
+          <mc:Fallback>
             <p:sp>
               <p:nvSpPr>
-                <p:cNvPr id="44" name="矩形 43">
-                  <a:extLst>
-                    <a:ext uri="{FF2B5EF4-FFF2-40B4-BE49-F238E27FC236}">
-                      <a16:creationId xmlns:a16="http://schemas.microsoft.com/office/drawing/2014/main" id="{BB1584CF-B564-4253-859E-533CD80A39E9}"/>
-                    </a:ext>
-                  </a:extLst>
-                </p:cNvPr>
+                <p:cNvPr id="44" name="矩形 43"/>
                 <p:cNvSpPr>
                   <a:spLocks noRot="1" noChangeAspect="1" noMove="1" noResize="1" noEditPoints="1" noAdjustHandles="1" noChangeArrowheads="1" noChangeShapeType="1" noTextEdit="1"/>
                 </p:cNvSpPr>
@@ -20406,11 +20057,8 @@
                 <a:prstGeom prst="rect">
                   <a:avLst/>
                 </a:prstGeom>
-                <a:blipFill>
-                  <a:blip r:embed="rId23"/>
-                  <a:stretch>
-                    <a:fillRect b="-6667"/>
-                  </a:stretch>
+                <a:blipFill rotWithShape="1">
+                  <a:blip r:embed="rId16"/>
                 </a:blipFill>
                 <a:ln w="19050">
                   <a:solidFill>
@@ -20418,12 +20066,28 @@
                   </a:solidFill>
                 </a:ln>
               </p:spPr>
+              <p:style>
+                <a:lnRef idx="2">
+                  <a:schemeClr val="accent1">
+                    <a:shade val="50000"/>
+                  </a:schemeClr>
+                </a:lnRef>
+                <a:fillRef idx="1">
+                  <a:schemeClr val="accent1"/>
+                </a:fillRef>
+                <a:effectRef idx="0">
+                  <a:schemeClr val="accent1"/>
+                </a:effectRef>
+                <a:fontRef idx="minor">
+                  <a:schemeClr val="lt1"/>
+                </a:fontRef>
+              </p:style>
               <p:txBody>
                 <a:bodyPr/>
                 <a:lstStyle/>
                 <a:p>
                   <a:r>
-                    <a:rPr lang="en-US">
+                    <a:rPr lang="zh-CN" altLang="en-US">
                       <a:noFill/>
                     </a:rPr>
                     <a:t> </a:t>
@@ -20434,17 +20098,11 @@
           </mc:Fallback>
         </mc:AlternateContent>
       </p:grpSp>
-      <mc:AlternateContent xmlns:mc="http://schemas.openxmlformats.org/markup-compatibility/2006" xmlns:a14="http://schemas.microsoft.com/office/drawing/2010/main">
-        <mc:Choice Requires="a14">
+      <mc:AlternateContent xmlns:mc="http://schemas.openxmlformats.org/markup-compatibility/2006">
+        <mc:Choice xmlns:a14="http://schemas.microsoft.com/office/drawing/2010/main" Requires="a14">
           <p:sp>
             <p:nvSpPr>
-              <p:cNvPr id="2052" name="文本框 2051">
-                <a:extLst>
-                  <a:ext uri="{FF2B5EF4-FFF2-40B4-BE49-F238E27FC236}">
-                    <a16:creationId xmlns:a16="http://schemas.microsoft.com/office/drawing/2014/main" id="{72A46F14-20C5-4A77-BFA8-A478E193A056}"/>
-                  </a:ext>
-                </a:extLst>
-              </p:cNvPr>
+              <p:cNvPr id="2052" name="文本框 2051"/>
               <p:cNvSpPr txBox="1"/>
               <p:nvPr/>
             </p:nvSpPr>
@@ -20523,20 +20181,19 @@
                   </a:rPr>
                   <a:t> at beginning or end?</a:t>
                 </a:r>
+                <a:endParaRPr lang="en-US" sz="2400" dirty="0">
+                  <a:solidFill>
+                    <a:srgbClr val="C00000"/>
+                  </a:solidFill>
+                </a:endParaRPr>
               </a:p>
             </p:txBody>
           </p:sp>
         </mc:Choice>
-        <mc:Fallback xmlns="">
+        <mc:Fallback>
           <p:sp>
             <p:nvSpPr>
-              <p:cNvPr id="2052" name="文本框 2051">
-                <a:extLst>
-                  <a:ext uri="{FF2B5EF4-FFF2-40B4-BE49-F238E27FC236}">
-                    <a16:creationId xmlns:a16="http://schemas.microsoft.com/office/drawing/2014/main" id="{72A46F14-20C5-4A77-BFA8-A478E193A056}"/>
-                  </a:ext>
-                </a:extLst>
-              </p:cNvPr>
+              <p:cNvPr id="2052" name="文本框 2051"/>
               <p:cNvSpPr txBox="1">
                 <a:spLocks noRot="1" noChangeAspect="1" noMove="1" noResize="1" noEditPoints="1" noAdjustHandles="1" noChangeArrowheads="1" noChangeShapeType="1" noTextEdit="1"/>
               </p:cNvSpPr>
@@ -20550,10 +20207,10 @@
               <a:prstGeom prst="roundRect">
                 <a:avLst/>
               </a:prstGeom>
-              <a:blipFill>
-                <a:blip r:embed="rId24"/>
+              <a:blipFill rotWithShape="1">
+                <a:blip r:embed="rId17"/>
                 <a:stretch>
-                  <a:fillRect l="-3168" t="-2605" r="-4356" b="-5411"/>
+                  <a:fillRect l="10740" t="-300167" r="3884" b="-247665"/>
                 </a:stretch>
               </a:blipFill>
             </p:spPr>
@@ -20562,7 +20219,7 @@
               <a:lstStyle/>
               <a:p>
                 <a:r>
-                  <a:rPr lang="en-US">
+                  <a:rPr lang="zh-CN" altLang="en-US">
                     <a:noFill/>
                   </a:rPr>
                   <a:t> </a:t>
@@ -20574,13 +20231,7 @@
       </mc:AlternateContent>
       <p:grpSp>
         <p:nvGrpSpPr>
-          <p:cNvPr id="46" name="组合 45">
-            <a:extLst>
-              <a:ext uri="{FF2B5EF4-FFF2-40B4-BE49-F238E27FC236}">
-                <a16:creationId xmlns:a16="http://schemas.microsoft.com/office/drawing/2014/main" id="{17057372-6B18-4F73-A4E1-FA1796D2A116}"/>
-              </a:ext>
-            </a:extLst>
-          </p:cNvPr>
+          <p:cNvPr id="46" name="组合 45"/>
           <p:cNvGrpSpPr/>
           <p:nvPr/>
         </p:nvGrpSpPr>
@@ -20592,17 +20243,11 @@
             <a:chExt cx="3123511" cy="621363"/>
           </a:xfrm>
         </p:grpSpPr>
-        <mc:AlternateContent xmlns:mc="http://schemas.openxmlformats.org/markup-compatibility/2006" xmlns:a14="http://schemas.microsoft.com/office/drawing/2010/main">
-          <mc:Choice Requires="a14">
+        <mc:AlternateContent xmlns:mc="http://schemas.openxmlformats.org/markup-compatibility/2006">
+          <mc:Choice xmlns:a14="http://schemas.microsoft.com/office/drawing/2010/main" Requires="a14">
             <p:sp>
               <p:nvSpPr>
-                <p:cNvPr id="47" name="矩形 46">
-                  <a:extLst>
-                    <a:ext uri="{FF2B5EF4-FFF2-40B4-BE49-F238E27FC236}">
-                      <a16:creationId xmlns:a16="http://schemas.microsoft.com/office/drawing/2014/main" id="{B2046FCC-2497-43F2-908A-2612177B237B}"/>
-                    </a:ext>
-                  </a:extLst>
-                </p:cNvPr>
+                <p:cNvPr id="47" name="矩形 46"/>
                 <p:cNvSpPr/>
                 <p:nvPr/>
               </p:nvSpPr>
@@ -20706,20 +20351,19 @@
                     </a:rPr>
                     <a:t>&lt;1</a:t>
                   </a:r>
+                  <a:endParaRPr lang="en-US" sz="1600" dirty="0">
+                    <a:solidFill>
+                      <a:schemeClr val="tx1"/>
+                    </a:solidFill>
+                  </a:endParaRPr>
                 </a:p>
               </p:txBody>
             </p:sp>
           </mc:Choice>
-          <mc:Fallback xmlns="">
+          <mc:Fallback>
             <p:sp>
               <p:nvSpPr>
-                <p:cNvPr id="47" name="矩形 46">
-                  <a:extLst>
-                    <a:ext uri="{FF2B5EF4-FFF2-40B4-BE49-F238E27FC236}">
-                      <a16:creationId xmlns:a16="http://schemas.microsoft.com/office/drawing/2014/main" id="{B2046FCC-2497-43F2-908A-2612177B237B}"/>
-                    </a:ext>
-                  </a:extLst>
-                </p:cNvPr>
+                <p:cNvPr id="47" name="矩形 46"/>
                 <p:cNvSpPr>
                   <a:spLocks noRot="1" noChangeAspect="1" noMove="1" noResize="1" noEditPoints="1" noAdjustHandles="1" noChangeArrowheads="1" noChangeShapeType="1" noTextEdit="1"/>
                 </p:cNvSpPr>
@@ -20733,11 +20377,8 @@
                 <a:prstGeom prst="rect">
                   <a:avLst/>
                 </a:prstGeom>
-                <a:blipFill>
-                  <a:blip r:embed="rId25"/>
-                  <a:stretch>
-                    <a:fillRect b="-6667"/>
-                  </a:stretch>
+                <a:blipFill rotWithShape="1">
+                  <a:blip r:embed="rId18"/>
                 </a:blipFill>
                 <a:ln w="19050">
                   <a:solidFill>
@@ -20745,12 +20386,28 @@
                   </a:solidFill>
                 </a:ln>
               </p:spPr>
+              <p:style>
+                <a:lnRef idx="2">
+                  <a:schemeClr val="accent1">
+                    <a:shade val="50000"/>
+                  </a:schemeClr>
+                </a:lnRef>
+                <a:fillRef idx="1">
+                  <a:schemeClr val="accent1"/>
+                </a:fillRef>
+                <a:effectRef idx="0">
+                  <a:schemeClr val="accent1"/>
+                </a:effectRef>
+                <a:fontRef idx="minor">
+                  <a:schemeClr val="lt1"/>
+                </a:fontRef>
+              </p:style>
               <p:txBody>
                 <a:bodyPr/>
                 <a:lstStyle/>
                 <a:p>
                   <a:r>
-                    <a:rPr lang="en-US">
+                    <a:rPr lang="zh-CN" altLang="en-US">
                       <a:noFill/>
                     </a:rPr>
                     <a:t> </a:t>
@@ -20760,17 +20417,11 @@
             </p:sp>
           </mc:Fallback>
         </mc:AlternateContent>
-        <mc:AlternateContent xmlns:mc="http://schemas.openxmlformats.org/markup-compatibility/2006" xmlns:a14="http://schemas.microsoft.com/office/drawing/2010/main">
-          <mc:Choice Requires="a14">
+        <mc:AlternateContent xmlns:mc="http://schemas.openxmlformats.org/markup-compatibility/2006">
+          <mc:Choice xmlns:a14="http://schemas.microsoft.com/office/drawing/2010/main" Requires="a14">
             <p:sp>
               <p:nvSpPr>
-                <p:cNvPr id="48" name="矩形 47">
-                  <a:extLst>
-                    <a:ext uri="{FF2B5EF4-FFF2-40B4-BE49-F238E27FC236}">
-                      <a16:creationId xmlns:a16="http://schemas.microsoft.com/office/drawing/2014/main" id="{89C07890-DEE3-412C-BA1B-E7FF4410707C}"/>
-                    </a:ext>
-                  </a:extLst>
-                </p:cNvPr>
+                <p:cNvPr id="48" name="矩形 47"/>
                 <p:cNvSpPr/>
                 <p:nvPr/>
               </p:nvSpPr>
@@ -20874,20 +20525,19 @@
                     </a:rPr>
                     <a:t>=1</a:t>
                   </a:r>
+                  <a:endParaRPr lang="en-US" sz="1600" dirty="0">
+                    <a:solidFill>
+                      <a:schemeClr val="tx1"/>
+                    </a:solidFill>
+                  </a:endParaRPr>
                 </a:p>
               </p:txBody>
             </p:sp>
           </mc:Choice>
-          <mc:Fallback xmlns="">
+          <mc:Fallback>
             <p:sp>
               <p:nvSpPr>
-                <p:cNvPr id="48" name="矩形 47">
-                  <a:extLst>
-                    <a:ext uri="{FF2B5EF4-FFF2-40B4-BE49-F238E27FC236}">
-                      <a16:creationId xmlns:a16="http://schemas.microsoft.com/office/drawing/2014/main" id="{89C07890-DEE3-412C-BA1B-E7FF4410707C}"/>
-                    </a:ext>
-                  </a:extLst>
-                </p:cNvPr>
+                <p:cNvPr id="48" name="矩形 47"/>
                 <p:cNvSpPr>
                   <a:spLocks noRot="1" noChangeAspect="1" noMove="1" noResize="1" noEditPoints="1" noAdjustHandles="1" noChangeArrowheads="1" noChangeShapeType="1" noTextEdit="1"/>
                 </p:cNvSpPr>
@@ -20901,11 +20551,8 @@
                 <a:prstGeom prst="rect">
                   <a:avLst/>
                 </a:prstGeom>
-                <a:blipFill>
-                  <a:blip r:embed="rId26"/>
-                  <a:stretch>
-                    <a:fillRect b="-6667"/>
-                  </a:stretch>
+                <a:blipFill rotWithShape="1">
+                  <a:blip r:embed="rId13"/>
                 </a:blipFill>
                 <a:ln w="19050">
                   <a:solidFill>
@@ -20913,12 +20560,28 @@
                   </a:solidFill>
                 </a:ln>
               </p:spPr>
+              <p:style>
+                <a:lnRef idx="2">
+                  <a:schemeClr val="accent1">
+                    <a:shade val="50000"/>
+                  </a:schemeClr>
+                </a:lnRef>
+                <a:fillRef idx="1">
+                  <a:schemeClr val="accent1"/>
+                </a:fillRef>
+                <a:effectRef idx="0">
+                  <a:schemeClr val="accent1"/>
+                </a:effectRef>
+                <a:fontRef idx="minor">
+                  <a:schemeClr val="lt1"/>
+                </a:fontRef>
+              </p:style>
               <p:txBody>
                 <a:bodyPr/>
                 <a:lstStyle/>
                 <a:p>
                   <a:r>
-                    <a:rPr lang="en-US">
+                    <a:rPr lang="zh-CN" altLang="en-US">
                       <a:noFill/>
                     </a:rPr>
                     <a:t> </a:t>
@@ -20930,13 +20593,7 @@
         </mc:AlternateContent>
         <p:sp>
           <p:nvSpPr>
-            <p:cNvPr id="49" name="矩形 48">
-              <a:extLst>
-                <a:ext uri="{FF2B5EF4-FFF2-40B4-BE49-F238E27FC236}">
-                  <a16:creationId xmlns:a16="http://schemas.microsoft.com/office/drawing/2014/main" id="{26FE123F-09F5-4F37-8A55-DECC401D05E4}"/>
-                </a:ext>
-              </a:extLst>
-            </p:cNvPr>
+            <p:cNvPr id="49" name="矩形 48"/>
             <p:cNvSpPr/>
             <p:nvPr/>
           </p:nvSpPr>
@@ -20989,20 +20646,19 @@
                 </a:rPr>
                 <a:t>…</a:t>
               </a:r>
+              <a:endParaRPr lang="en-US" sz="2400" b="1" dirty="0">
+                <a:solidFill>
+                  <a:schemeClr val="tx1"/>
+                </a:solidFill>
+              </a:endParaRPr>
             </a:p>
           </p:txBody>
         </p:sp>
-        <mc:AlternateContent xmlns:mc="http://schemas.openxmlformats.org/markup-compatibility/2006" xmlns:a14="http://schemas.microsoft.com/office/drawing/2010/main">
-          <mc:Choice Requires="a14">
+        <mc:AlternateContent xmlns:mc="http://schemas.openxmlformats.org/markup-compatibility/2006">
+          <mc:Choice xmlns:a14="http://schemas.microsoft.com/office/drawing/2010/main" Requires="a14">
             <p:sp>
               <p:nvSpPr>
-                <p:cNvPr id="50" name="矩形 49">
-                  <a:extLst>
-                    <a:ext uri="{FF2B5EF4-FFF2-40B4-BE49-F238E27FC236}">
-                      <a16:creationId xmlns:a16="http://schemas.microsoft.com/office/drawing/2014/main" id="{C1D54DD8-426B-4DA8-AD8B-0DFD07BD83C1}"/>
-                    </a:ext>
-                  </a:extLst>
-                </p:cNvPr>
+                <p:cNvPr id="50" name="矩形 49"/>
                 <p:cNvSpPr/>
                 <p:nvPr/>
               </p:nvSpPr>
@@ -21092,7 +20748,16 @@
                                 </a:solidFill>
                                 <a:latin typeface="Cambria Math" panose="02040503050406030204" pitchFamily="18" charset="0"/>
                               </a:rPr>
-                              <m:t>−1</m:t>
+                              <m:t>−</m:t>
+                            </m:r>
+                            <m:r>
+                              <a:rPr lang="en-US" sz="1600" b="0" i="1" smtClean="0">
+                                <a:solidFill>
+                                  <a:schemeClr val="tx1"/>
+                                </a:solidFill>
+                                <a:latin typeface="Cambria Math" panose="02040503050406030204" pitchFamily="18" charset="0"/>
+                              </a:rPr>
+                              <m:t>1</m:t>
                             </m:r>
                           </m:sub>
                         </m:sSub>
@@ -21115,20 +20780,19 @@
                     </a:rPr>
                     <a:t>=1</a:t>
                   </a:r>
+                  <a:endParaRPr lang="en-US" sz="1600" dirty="0">
+                    <a:solidFill>
+                      <a:schemeClr val="tx1"/>
+                    </a:solidFill>
+                  </a:endParaRPr>
                 </a:p>
               </p:txBody>
             </p:sp>
           </mc:Choice>
-          <mc:Fallback xmlns="">
+          <mc:Fallback>
             <p:sp>
               <p:nvSpPr>
-                <p:cNvPr id="50" name="矩形 49">
-                  <a:extLst>
-                    <a:ext uri="{FF2B5EF4-FFF2-40B4-BE49-F238E27FC236}">
-                      <a16:creationId xmlns:a16="http://schemas.microsoft.com/office/drawing/2014/main" id="{C1D54DD8-426B-4DA8-AD8B-0DFD07BD83C1}"/>
-                    </a:ext>
-                  </a:extLst>
-                </p:cNvPr>
+                <p:cNvPr id="50" name="矩形 49"/>
                 <p:cNvSpPr>
                   <a:spLocks noRot="1" noChangeAspect="1" noMove="1" noResize="1" noEditPoints="1" noAdjustHandles="1" noChangeArrowheads="1" noChangeShapeType="1" noTextEdit="1"/>
                 </p:cNvSpPr>
@@ -21142,11 +20806,8 @@
                 <a:prstGeom prst="rect">
                   <a:avLst/>
                 </a:prstGeom>
-                <a:blipFill>
-                  <a:blip r:embed="rId27"/>
-                  <a:stretch>
-                    <a:fillRect b="-6667"/>
-                  </a:stretch>
+                <a:blipFill rotWithShape="1">
+                  <a:blip r:embed="rId9"/>
                 </a:blipFill>
                 <a:ln w="19050">
                   <a:solidFill>
@@ -21154,12 +20815,28 @@
                   </a:solidFill>
                 </a:ln>
               </p:spPr>
+              <p:style>
+                <a:lnRef idx="2">
+                  <a:schemeClr val="accent1">
+                    <a:shade val="50000"/>
+                  </a:schemeClr>
+                </a:lnRef>
+                <a:fillRef idx="1">
+                  <a:schemeClr val="accent1"/>
+                </a:fillRef>
+                <a:effectRef idx="0">
+                  <a:schemeClr val="accent1"/>
+                </a:effectRef>
+                <a:fontRef idx="minor">
+                  <a:schemeClr val="lt1"/>
+                </a:fontRef>
+              </p:style>
               <p:txBody>
                 <a:bodyPr/>
                 <a:lstStyle/>
                 <a:p>
                   <a:r>
-                    <a:rPr lang="en-US">
+                    <a:rPr lang="zh-CN" altLang="en-US">
                       <a:noFill/>
                     </a:rPr>
                     <a:t> </a:t>
@@ -21169,17 +20846,11 @@
             </p:sp>
           </mc:Fallback>
         </mc:AlternateContent>
-        <mc:AlternateContent xmlns:mc="http://schemas.openxmlformats.org/markup-compatibility/2006" xmlns:a14="http://schemas.microsoft.com/office/drawing/2010/main">
-          <mc:Choice Requires="a14">
+        <mc:AlternateContent xmlns:mc="http://schemas.openxmlformats.org/markup-compatibility/2006">
+          <mc:Choice xmlns:a14="http://schemas.microsoft.com/office/drawing/2010/main" Requires="a14">
             <p:sp>
               <p:nvSpPr>
-                <p:cNvPr id="51" name="矩形 50">
-                  <a:extLst>
-                    <a:ext uri="{FF2B5EF4-FFF2-40B4-BE49-F238E27FC236}">
-                      <a16:creationId xmlns:a16="http://schemas.microsoft.com/office/drawing/2014/main" id="{2E5ED6C9-A5B6-4FF0-A470-482D8FCE4373}"/>
-                    </a:ext>
-                  </a:extLst>
-                </p:cNvPr>
+                <p:cNvPr id="51" name="矩形 50"/>
                 <p:cNvSpPr/>
                 <p:nvPr/>
               </p:nvSpPr>
@@ -21283,20 +20954,19 @@
                     </a:rPr>
                     <a:t>=1</a:t>
                   </a:r>
+                  <a:endParaRPr lang="en-US" sz="1600" dirty="0">
+                    <a:solidFill>
+                      <a:schemeClr val="tx1"/>
+                    </a:solidFill>
+                  </a:endParaRPr>
                 </a:p>
               </p:txBody>
             </p:sp>
           </mc:Choice>
-          <mc:Fallback xmlns="">
+          <mc:Fallback>
             <p:sp>
               <p:nvSpPr>
-                <p:cNvPr id="51" name="矩形 50">
-                  <a:extLst>
-                    <a:ext uri="{FF2B5EF4-FFF2-40B4-BE49-F238E27FC236}">
-                      <a16:creationId xmlns:a16="http://schemas.microsoft.com/office/drawing/2014/main" id="{2E5ED6C9-A5B6-4FF0-A470-482D8FCE4373}"/>
-                    </a:ext>
-                  </a:extLst>
-                </p:cNvPr>
+                <p:cNvPr id="51" name="矩形 50"/>
                 <p:cNvSpPr>
                   <a:spLocks noRot="1" noChangeAspect="1" noMove="1" noResize="1" noEditPoints="1" noAdjustHandles="1" noChangeArrowheads="1" noChangeShapeType="1" noTextEdit="1"/>
                 </p:cNvSpPr>
@@ -21310,11 +20980,8 @@
                 <a:prstGeom prst="rect">
                   <a:avLst/>
                 </a:prstGeom>
-                <a:blipFill>
-                  <a:blip r:embed="rId28"/>
-                  <a:stretch>
-                    <a:fillRect b="-6667"/>
-                  </a:stretch>
+                <a:blipFill rotWithShape="1">
+                  <a:blip r:embed="rId16"/>
                 </a:blipFill>
                 <a:ln w="19050">
                   <a:solidFill>
@@ -21322,12 +20989,28 @@
                   </a:solidFill>
                 </a:ln>
               </p:spPr>
+              <p:style>
+                <a:lnRef idx="2">
+                  <a:schemeClr val="accent1">
+                    <a:shade val="50000"/>
+                  </a:schemeClr>
+                </a:lnRef>
+                <a:fillRef idx="1">
+                  <a:schemeClr val="accent1"/>
+                </a:fillRef>
+                <a:effectRef idx="0">
+                  <a:schemeClr val="accent1"/>
+                </a:effectRef>
+                <a:fontRef idx="minor">
+                  <a:schemeClr val="lt1"/>
+                </a:fontRef>
+              </p:style>
               <p:txBody>
                 <a:bodyPr/>
                 <a:lstStyle/>
                 <a:p>
                   <a:r>
-                    <a:rPr lang="en-US">
+                    <a:rPr lang="zh-CN" altLang="en-US">
                       <a:noFill/>
                     </a:rPr>
                     <a:t> </a:t>
@@ -21340,13 +21023,7 @@
       </p:grpSp>
       <p:grpSp>
         <p:nvGrpSpPr>
-          <p:cNvPr id="52" name="组合 51">
-            <a:extLst>
-              <a:ext uri="{FF2B5EF4-FFF2-40B4-BE49-F238E27FC236}">
-                <a16:creationId xmlns:a16="http://schemas.microsoft.com/office/drawing/2014/main" id="{5A0E5752-A063-4CF4-98D5-EE8109732683}"/>
-              </a:ext>
-            </a:extLst>
-          </p:cNvPr>
+          <p:cNvPr id="52" name="组合 51"/>
           <p:cNvGrpSpPr/>
           <p:nvPr/>
         </p:nvGrpSpPr>
@@ -21358,17 +21035,11 @@
             <a:chExt cx="3123511" cy="621363"/>
           </a:xfrm>
         </p:grpSpPr>
-        <mc:AlternateContent xmlns:mc="http://schemas.openxmlformats.org/markup-compatibility/2006" xmlns:a14="http://schemas.microsoft.com/office/drawing/2010/main">
-          <mc:Choice Requires="a14">
+        <mc:AlternateContent xmlns:mc="http://schemas.openxmlformats.org/markup-compatibility/2006">
+          <mc:Choice xmlns:a14="http://schemas.microsoft.com/office/drawing/2010/main" Requires="a14">
             <p:sp>
               <p:nvSpPr>
-                <p:cNvPr id="53" name="矩形 52">
-                  <a:extLst>
-                    <a:ext uri="{FF2B5EF4-FFF2-40B4-BE49-F238E27FC236}">
-                      <a16:creationId xmlns:a16="http://schemas.microsoft.com/office/drawing/2014/main" id="{EAF57B1A-77C9-47A0-99BA-7617DEBC8E9A}"/>
-                    </a:ext>
-                  </a:extLst>
-                </p:cNvPr>
+                <p:cNvPr id="53" name="矩形 52"/>
                 <p:cNvSpPr/>
                 <p:nvPr/>
               </p:nvSpPr>
@@ -21472,20 +21143,19 @@
                     </a:rPr>
                     <a:t>=1</a:t>
                   </a:r>
+                  <a:endParaRPr lang="en-US" sz="1600" dirty="0">
+                    <a:solidFill>
+                      <a:schemeClr val="tx1"/>
+                    </a:solidFill>
+                  </a:endParaRPr>
                 </a:p>
               </p:txBody>
             </p:sp>
           </mc:Choice>
-          <mc:Fallback xmlns="">
+          <mc:Fallback>
             <p:sp>
               <p:nvSpPr>
-                <p:cNvPr id="53" name="矩形 52">
-                  <a:extLst>
-                    <a:ext uri="{FF2B5EF4-FFF2-40B4-BE49-F238E27FC236}">
-                      <a16:creationId xmlns:a16="http://schemas.microsoft.com/office/drawing/2014/main" id="{EAF57B1A-77C9-47A0-99BA-7617DEBC8E9A}"/>
-                    </a:ext>
-                  </a:extLst>
-                </p:cNvPr>
+                <p:cNvPr id="53" name="矩形 52"/>
                 <p:cNvSpPr>
                   <a:spLocks noRot="1" noChangeAspect="1" noMove="1" noResize="1" noEditPoints="1" noAdjustHandles="1" noChangeArrowheads="1" noChangeShapeType="1" noTextEdit="1"/>
                 </p:cNvSpPr>
@@ -21499,11 +21169,8 @@
                 <a:prstGeom prst="rect">
                   <a:avLst/>
                 </a:prstGeom>
-                <a:blipFill>
-                  <a:blip r:embed="rId29"/>
-                  <a:stretch>
-                    <a:fillRect b="-6667"/>
-                  </a:stretch>
+                <a:blipFill rotWithShape="1">
+                  <a:blip r:embed="rId13"/>
                 </a:blipFill>
                 <a:ln w="19050">
                   <a:solidFill>
@@ -21511,12 +21178,28 @@
                   </a:solidFill>
                 </a:ln>
               </p:spPr>
+              <p:style>
+                <a:lnRef idx="2">
+                  <a:schemeClr val="accent1">
+                    <a:shade val="50000"/>
+                  </a:schemeClr>
+                </a:lnRef>
+                <a:fillRef idx="1">
+                  <a:schemeClr val="accent1"/>
+                </a:fillRef>
+                <a:effectRef idx="0">
+                  <a:schemeClr val="accent1"/>
+                </a:effectRef>
+                <a:fontRef idx="minor">
+                  <a:schemeClr val="lt1"/>
+                </a:fontRef>
+              </p:style>
               <p:txBody>
                 <a:bodyPr/>
                 <a:lstStyle/>
                 <a:p>
                   <a:r>
-                    <a:rPr lang="en-US">
+                    <a:rPr lang="zh-CN" altLang="en-US">
                       <a:noFill/>
                     </a:rPr>
                     <a:t> </a:t>
@@ -21526,17 +21209,11 @@
             </p:sp>
           </mc:Fallback>
         </mc:AlternateContent>
-        <mc:AlternateContent xmlns:mc="http://schemas.openxmlformats.org/markup-compatibility/2006" xmlns:a14="http://schemas.microsoft.com/office/drawing/2010/main">
-          <mc:Choice Requires="a14">
+        <mc:AlternateContent xmlns:mc="http://schemas.openxmlformats.org/markup-compatibility/2006">
+          <mc:Choice xmlns:a14="http://schemas.microsoft.com/office/drawing/2010/main" Requires="a14">
             <p:sp>
               <p:nvSpPr>
-                <p:cNvPr id="54" name="矩形 53">
-                  <a:extLst>
-                    <a:ext uri="{FF2B5EF4-FFF2-40B4-BE49-F238E27FC236}">
-                      <a16:creationId xmlns:a16="http://schemas.microsoft.com/office/drawing/2014/main" id="{540BC63E-8365-4F01-8C2F-F51DC0E50118}"/>
-                    </a:ext>
-                  </a:extLst>
-                </p:cNvPr>
+                <p:cNvPr id="54" name="矩形 53"/>
                 <p:cNvSpPr/>
                 <p:nvPr/>
               </p:nvSpPr>
@@ -21640,20 +21317,19 @@
                     </a:rPr>
                     <a:t>=1</a:t>
                   </a:r>
+                  <a:endParaRPr lang="en-US" sz="1600" dirty="0">
+                    <a:solidFill>
+                      <a:schemeClr val="tx1"/>
+                    </a:solidFill>
+                  </a:endParaRPr>
                 </a:p>
               </p:txBody>
             </p:sp>
           </mc:Choice>
-          <mc:Fallback xmlns="">
+          <mc:Fallback>
             <p:sp>
               <p:nvSpPr>
-                <p:cNvPr id="54" name="矩形 53">
-                  <a:extLst>
-                    <a:ext uri="{FF2B5EF4-FFF2-40B4-BE49-F238E27FC236}">
-                      <a16:creationId xmlns:a16="http://schemas.microsoft.com/office/drawing/2014/main" id="{540BC63E-8365-4F01-8C2F-F51DC0E50118}"/>
-                    </a:ext>
-                  </a:extLst>
-                </p:cNvPr>
+                <p:cNvPr id="54" name="矩形 53"/>
                 <p:cNvSpPr>
                   <a:spLocks noRot="1" noChangeAspect="1" noMove="1" noResize="1" noEditPoints="1" noAdjustHandles="1" noChangeArrowheads="1" noChangeShapeType="1" noTextEdit="1"/>
                 </p:cNvSpPr>
@@ -21667,11 +21343,8 @@
                 <a:prstGeom prst="rect">
                   <a:avLst/>
                 </a:prstGeom>
-                <a:blipFill>
-                  <a:blip r:embed="rId30"/>
-                  <a:stretch>
-                    <a:fillRect b="-6667"/>
-                  </a:stretch>
+                <a:blipFill rotWithShape="1">
+                  <a:blip r:embed="rId19"/>
                 </a:blipFill>
                 <a:ln w="19050">
                   <a:solidFill>
@@ -21679,12 +21352,28 @@
                   </a:solidFill>
                 </a:ln>
               </p:spPr>
+              <p:style>
+                <a:lnRef idx="2">
+                  <a:schemeClr val="accent1">
+                    <a:shade val="50000"/>
+                  </a:schemeClr>
+                </a:lnRef>
+                <a:fillRef idx="1">
+                  <a:schemeClr val="accent1"/>
+                </a:fillRef>
+                <a:effectRef idx="0">
+                  <a:schemeClr val="accent1"/>
+                </a:effectRef>
+                <a:fontRef idx="minor">
+                  <a:schemeClr val="lt1"/>
+                </a:fontRef>
+              </p:style>
               <p:txBody>
                 <a:bodyPr/>
                 <a:lstStyle/>
                 <a:p>
                   <a:r>
-                    <a:rPr lang="en-US">
+                    <a:rPr lang="zh-CN" altLang="en-US">
                       <a:noFill/>
                     </a:rPr>
                     <a:t> </a:t>
@@ -21696,13 +21385,7 @@
         </mc:AlternateContent>
         <p:sp>
           <p:nvSpPr>
-            <p:cNvPr id="55" name="矩形 54">
-              <a:extLst>
-                <a:ext uri="{FF2B5EF4-FFF2-40B4-BE49-F238E27FC236}">
-                  <a16:creationId xmlns:a16="http://schemas.microsoft.com/office/drawing/2014/main" id="{FA08D73A-D4D2-4A04-A72D-9117ECF69952}"/>
-                </a:ext>
-              </a:extLst>
-            </p:cNvPr>
+            <p:cNvPr id="55" name="矩形 54"/>
             <p:cNvSpPr/>
             <p:nvPr/>
           </p:nvSpPr>
@@ -21755,20 +21438,19 @@
                 </a:rPr>
                 <a:t>…</a:t>
               </a:r>
+              <a:endParaRPr lang="en-US" sz="2400" b="1" dirty="0">
+                <a:solidFill>
+                  <a:schemeClr val="tx1"/>
+                </a:solidFill>
+              </a:endParaRPr>
             </a:p>
           </p:txBody>
         </p:sp>
-        <mc:AlternateContent xmlns:mc="http://schemas.openxmlformats.org/markup-compatibility/2006" xmlns:a14="http://schemas.microsoft.com/office/drawing/2010/main">
-          <mc:Choice Requires="a14">
+        <mc:AlternateContent xmlns:mc="http://schemas.openxmlformats.org/markup-compatibility/2006">
+          <mc:Choice xmlns:a14="http://schemas.microsoft.com/office/drawing/2010/main" Requires="a14">
             <p:sp>
               <p:nvSpPr>
-                <p:cNvPr id="56" name="矩形 55">
-                  <a:extLst>
-                    <a:ext uri="{FF2B5EF4-FFF2-40B4-BE49-F238E27FC236}">
-                      <a16:creationId xmlns:a16="http://schemas.microsoft.com/office/drawing/2014/main" id="{B50F9922-D29F-4963-A83B-81826C2FD9C4}"/>
-                    </a:ext>
-                  </a:extLst>
-                </p:cNvPr>
+                <p:cNvPr id="56" name="矩形 55"/>
                 <p:cNvSpPr/>
                 <p:nvPr/>
               </p:nvSpPr>
@@ -21872,20 +21554,19 @@
                     </a:rPr>
                     <a:t>=1</a:t>
                   </a:r>
+                  <a:endParaRPr lang="en-US" sz="1600" dirty="0">
+                    <a:solidFill>
+                      <a:schemeClr val="tx1"/>
+                    </a:solidFill>
+                  </a:endParaRPr>
                 </a:p>
               </p:txBody>
             </p:sp>
           </mc:Choice>
-          <mc:Fallback xmlns="">
+          <mc:Fallback>
             <p:sp>
               <p:nvSpPr>
-                <p:cNvPr id="56" name="矩形 55">
-                  <a:extLst>
-                    <a:ext uri="{FF2B5EF4-FFF2-40B4-BE49-F238E27FC236}">
-                      <a16:creationId xmlns:a16="http://schemas.microsoft.com/office/drawing/2014/main" id="{B50F9922-D29F-4963-A83B-81826C2FD9C4}"/>
-                    </a:ext>
-                  </a:extLst>
-                </p:cNvPr>
+                <p:cNvPr id="56" name="矩形 55"/>
                 <p:cNvSpPr>
                   <a:spLocks noRot="1" noChangeAspect="1" noMove="1" noResize="1" noEditPoints="1" noAdjustHandles="1" noChangeArrowheads="1" noChangeShapeType="1" noTextEdit="1"/>
                 </p:cNvSpPr>
@@ -21899,11 +21580,8 @@
                 <a:prstGeom prst="rect">
                   <a:avLst/>
                 </a:prstGeom>
-                <a:blipFill>
-                  <a:blip r:embed="rId31"/>
-                  <a:stretch>
-                    <a:fillRect b="-6667"/>
-                  </a:stretch>
+                <a:blipFill rotWithShape="1">
+                  <a:blip r:embed="rId16"/>
                 </a:blipFill>
                 <a:ln w="19050">
                   <a:solidFill>
@@ -21911,12 +21589,28 @@
                   </a:solidFill>
                 </a:ln>
               </p:spPr>
+              <p:style>
+                <a:lnRef idx="2">
+                  <a:schemeClr val="accent1">
+                    <a:shade val="50000"/>
+                  </a:schemeClr>
+                </a:lnRef>
+                <a:fillRef idx="1">
+                  <a:schemeClr val="accent1"/>
+                </a:fillRef>
+                <a:effectRef idx="0">
+                  <a:schemeClr val="accent1"/>
+                </a:effectRef>
+                <a:fontRef idx="minor">
+                  <a:schemeClr val="lt1"/>
+                </a:fontRef>
+              </p:style>
               <p:txBody>
                 <a:bodyPr/>
                 <a:lstStyle/>
                 <a:p>
                   <a:r>
-                    <a:rPr lang="en-US">
+                    <a:rPr lang="zh-CN" altLang="en-US">
                       <a:noFill/>
                     </a:rPr>
                     <a:t> </a:t>
@@ -21926,17 +21620,11 @@
             </p:sp>
           </mc:Fallback>
         </mc:AlternateContent>
-        <mc:AlternateContent xmlns:mc="http://schemas.openxmlformats.org/markup-compatibility/2006" xmlns:a14="http://schemas.microsoft.com/office/drawing/2010/main">
-          <mc:Choice Requires="a14">
+        <mc:AlternateContent xmlns:mc="http://schemas.openxmlformats.org/markup-compatibility/2006">
+          <mc:Choice xmlns:a14="http://schemas.microsoft.com/office/drawing/2010/main" Requires="a14">
             <p:sp>
               <p:nvSpPr>
-                <p:cNvPr id="57" name="矩形 56">
-                  <a:extLst>
-                    <a:ext uri="{FF2B5EF4-FFF2-40B4-BE49-F238E27FC236}">
-                      <a16:creationId xmlns:a16="http://schemas.microsoft.com/office/drawing/2014/main" id="{B4296949-D9EA-4E0F-AF5A-75756738B364}"/>
-                    </a:ext>
-                  </a:extLst>
-                </p:cNvPr>
+                <p:cNvPr id="57" name="矩形 56"/>
                 <p:cNvSpPr/>
                 <p:nvPr/>
               </p:nvSpPr>
@@ -22040,20 +21728,19 @@
                     </a:rPr>
                     <a:t>&gt;1</a:t>
                   </a:r>
+                  <a:endParaRPr lang="en-US" sz="1600" dirty="0">
+                    <a:solidFill>
+                      <a:schemeClr val="tx1"/>
+                    </a:solidFill>
+                  </a:endParaRPr>
                 </a:p>
               </p:txBody>
             </p:sp>
           </mc:Choice>
-          <mc:Fallback xmlns="">
+          <mc:Fallback>
             <p:sp>
               <p:nvSpPr>
-                <p:cNvPr id="57" name="矩形 56">
-                  <a:extLst>
-                    <a:ext uri="{FF2B5EF4-FFF2-40B4-BE49-F238E27FC236}">
-                      <a16:creationId xmlns:a16="http://schemas.microsoft.com/office/drawing/2014/main" id="{B4296949-D9EA-4E0F-AF5A-75756738B364}"/>
-                    </a:ext>
-                  </a:extLst>
-                </p:cNvPr>
+                <p:cNvPr id="57" name="矩形 56"/>
                 <p:cNvSpPr>
                   <a:spLocks noRot="1" noChangeAspect="1" noMove="1" noResize="1" noEditPoints="1" noAdjustHandles="1" noChangeArrowheads="1" noChangeShapeType="1" noTextEdit="1"/>
                 </p:cNvSpPr>
@@ -22067,11 +21754,8 @@
                 <a:prstGeom prst="rect">
                   <a:avLst/>
                 </a:prstGeom>
-                <a:blipFill>
-                  <a:blip r:embed="rId32"/>
-                  <a:stretch>
-                    <a:fillRect b="-6667"/>
-                  </a:stretch>
+                <a:blipFill rotWithShape="1">
+                  <a:blip r:embed="rId20"/>
                 </a:blipFill>
                 <a:ln w="19050">
                   <a:solidFill>
@@ -22079,12 +21763,28 @@
                   </a:solidFill>
                 </a:ln>
               </p:spPr>
+              <p:style>
+                <a:lnRef idx="2">
+                  <a:schemeClr val="accent1">
+                    <a:shade val="50000"/>
+                  </a:schemeClr>
+                </a:lnRef>
+                <a:fillRef idx="1">
+                  <a:schemeClr val="accent1"/>
+                </a:fillRef>
+                <a:effectRef idx="0">
+                  <a:schemeClr val="accent1"/>
+                </a:effectRef>
+                <a:fontRef idx="minor">
+                  <a:schemeClr val="lt1"/>
+                </a:fontRef>
+              </p:style>
               <p:txBody>
                 <a:bodyPr/>
                 <a:lstStyle/>
                 <a:p>
                   <a:r>
-                    <a:rPr lang="en-US">
+                    <a:rPr lang="zh-CN" altLang="en-US">
                       <a:noFill/>
                     </a:rPr>
                     <a:t> </a:t>
@@ -22095,17 +21795,11 @@
           </mc:Fallback>
         </mc:AlternateContent>
       </p:grpSp>
-      <mc:AlternateContent xmlns:mc="http://schemas.openxmlformats.org/markup-compatibility/2006" xmlns:a14="http://schemas.microsoft.com/office/drawing/2010/main">
-        <mc:Choice Requires="a14">
+      <mc:AlternateContent xmlns:mc="http://schemas.openxmlformats.org/markup-compatibility/2006">
+        <mc:Choice xmlns:a14="http://schemas.microsoft.com/office/drawing/2010/main" Requires="a14">
           <p:sp>
             <p:nvSpPr>
-              <p:cNvPr id="58" name="文本框 57">
-                <a:extLst>
-                  <a:ext uri="{FF2B5EF4-FFF2-40B4-BE49-F238E27FC236}">
-                    <a16:creationId xmlns:a16="http://schemas.microsoft.com/office/drawing/2014/main" id="{B0F71BA7-A4D7-4FED-B618-6C6C58AD8C40}"/>
-                  </a:ext>
-                </a:extLst>
-              </p:cNvPr>
+              <p:cNvPr id="58" name="文本框 57"/>
               <p:cNvSpPr txBox="1"/>
               <p:nvPr/>
             </p:nvSpPr>
@@ -22177,7 +21871,16 @@
                         </a:solidFill>
                         <a:latin typeface="Cambria Math" panose="02040503050406030204" pitchFamily="18" charset="0"/>
                       </a:rPr>
-                      <m:t>&gt;1</m:t>
+                      <m:t>&gt;</m:t>
+                    </m:r>
+                    <m:r>
+                      <a:rPr lang="en-US" sz="2000" b="0" i="1" smtClean="0">
+                        <a:solidFill>
+                          <a:srgbClr val="C00000"/>
+                        </a:solidFill>
+                        <a:latin typeface="Cambria Math" panose="02040503050406030204" pitchFamily="18" charset="0"/>
+                      </a:rPr>
+                      <m:t>1</m:t>
                     </m:r>
                   </m:oMath>
                 </a14:m>
@@ -22190,16 +21893,10 @@
             </p:txBody>
           </p:sp>
         </mc:Choice>
-        <mc:Fallback xmlns="">
+        <mc:Fallback>
           <p:sp>
             <p:nvSpPr>
-              <p:cNvPr id="58" name="文本框 57">
-                <a:extLst>
-                  <a:ext uri="{FF2B5EF4-FFF2-40B4-BE49-F238E27FC236}">
-                    <a16:creationId xmlns:a16="http://schemas.microsoft.com/office/drawing/2014/main" id="{B0F71BA7-A4D7-4FED-B618-6C6C58AD8C40}"/>
-                  </a:ext>
-                </a:extLst>
-              </p:cNvPr>
+              <p:cNvPr id="58" name="文本框 57"/>
               <p:cNvSpPr txBox="1">
                 <a:spLocks noRot="1" noChangeAspect="1" noMove="1" noResize="1" noEditPoints="1" noAdjustHandles="1" noChangeArrowheads="1" noChangeShapeType="1" noTextEdit="1"/>
               </p:cNvSpPr>
@@ -22213,10 +21910,10 @@
               <a:prstGeom prst="rect">
                 <a:avLst/>
               </a:prstGeom>
-              <a:blipFill>
-                <a:blip r:embed="rId33"/>
+              <a:blipFill rotWithShape="1">
+                <a:blip r:embed="rId21"/>
                 <a:stretch>
-                  <a:fillRect l="-8392" t="-25490" r="-4545" b="-49020"/>
+                  <a:fillRect l="-5014" t="-66" r="-8581" b="1"/>
                 </a:stretch>
               </a:blipFill>
             </p:spPr>
@@ -22225,7 +21922,7 @@
               <a:lstStyle/>
               <a:p>
                 <a:r>
-                  <a:rPr lang="en-US">
+                  <a:rPr lang="zh-CN" altLang="en-US">
                     <a:noFill/>
                   </a:rPr>
                   <a:t> </a:t>
@@ -22235,17 +21932,11 @@
           </p:sp>
         </mc:Fallback>
       </mc:AlternateContent>
-      <mc:AlternateContent xmlns:mc="http://schemas.openxmlformats.org/markup-compatibility/2006" xmlns:a14="http://schemas.microsoft.com/office/drawing/2010/main">
-        <mc:Choice Requires="a14">
+      <mc:AlternateContent xmlns:mc="http://schemas.openxmlformats.org/markup-compatibility/2006">
+        <mc:Choice xmlns:a14="http://schemas.microsoft.com/office/drawing/2010/main" Requires="a14">
           <p:sp>
             <p:nvSpPr>
-              <p:cNvPr id="2053" name="文本框 2052">
-                <a:extLst>
-                  <a:ext uri="{FF2B5EF4-FFF2-40B4-BE49-F238E27FC236}">
-                    <a16:creationId xmlns:a16="http://schemas.microsoft.com/office/drawing/2014/main" id="{F2959590-9AAD-4870-B45F-8632625B0F09}"/>
-                  </a:ext>
-                </a:extLst>
-              </p:cNvPr>
+              <p:cNvPr id="2053" name="文本框 2052"/>
               <p:cNvSpPr txBox="1"/>
               <p:nvPr/>
             </p:nvSpPr>
@@ -22298,7 +21989,13 @@
                       <a:rPr lang="en-US" sz="2000" b="0" i="1" smtClean="0">
                         <a:latin typeface="Cambria Math" panose="02040503050406030204" pitchFamily="18" charset="0"/>
                       </a:rPr>
-                      <m:t>−1</m:t>
+                      <m:t>−</m:t>
+                    </m:r>
+                    <m:r>
+                      <a:rPr lang="en-US" sz="2000" b="0" i="1" smtClean="0">
+                        <a:latin typeface="Cambria Math" panose="02040503050406030204" pitchFamily="18" charset="0"/>
+                      </a:rPr>
+                      <m:t>1</m:t>
                     </m:r>
                   </m:oMath>
                 </a14:m>
@@ -22306,20 +22003,15 @@
                   <a:rPr lang="en-US" sz="2000" dirty="0"/>
                   <a:t> times, does not solve the problem.</a:t>
                 </a:r>
+                <a:endParaRPr lang="en-US" sz="2000" dirty="0"/>
               </a:p>
             </p:txBody>
           </p:sp>
         </mc:Choice>
-        <mc:Fallback xmlns="">
+        <mc:Fallback>
           <p:sp>
             <p:nvSpPr>
-              <p:cNvPr id="2053" name="文本框 2052">
-                <a:extLst>
-                  <a:ext uri="{FF2B5EF4-FFF2-40B4-BE49-F238E27FC236}">
-                    <a16:creationId xmlns:a16="http://schemas.microsoft.com/office/drawing/2014/main" id="{F2959590-9AAD-4870-B45F-8632625B0F09}"/>
-                  </a:ext>
-                </a:extLst>
-              </p:cNvPr>
+              <p:cNvPr id="2053" name="文本框 2052"/>
               <p:cNvSpPr txBox="1">
                 <a:spLocks noRot="1" noChangeAspect="1" noMove="1" noResize="1" noEditPoints="1" noAdjustHandles="1" noChangeArrowheads="1" noChangeShapeType="1" noTextEdit="1"/>
               </p:cNvSpPr>
@@ -22333,19 +22025,33 @@
               <a:prstGeom prst="rect">
                 <a:avLst/>
               </a:prstGeom>
-              <a:blipFill>
-                <a:blip r:embed="rId34"/>
+              <a:blipFill rotWithShape="1">
+                <a:blip r:embed="rId22"/>
                 <a:stretch>
-                  <a:fillRect/>
+                  <a:fillRect l="-855" t="-4173" r="-840" b="-9482"/>
                 </a:stretch>
               </a:blipFill>
             </p:spPr>
+            <p:style>
+              <a:lnRef idx="0">
+                <a:schemeClr val="accent1"/>
+              </a:lnRef>
+              <a:fillRef idx="3">
+                <a:schemeClr val="accent1"/>
+              </a:fillRef>
+              <a:effectRef idx="3">
+                <a:schemeClr val="accent1"/>
+              </a:effectRef>
+              <a:fontRef idx="minor">
+                <a:schemeClr val="lt1"/>
+              </a:fontRef>
+            </p:style>
             <p:txBody>
               <a:bodyPr/>
               <a:lstStyle/>
               <a:p>
                 <a:r>
-                  <a:rPr lang="en-US">
+                  <a:rPr lang="zh-CN" altLang="en-US">
                     <a:noFill/>
                   </a:rPr>
                   <a:t> </a:t>
@@ -22355,17 +22061,11 @@
           </p:sp>
         </mc:Fallback>
       </mc:AlternateContent>
-      <mc:AlternateContent xmlns:mc="http://schemas.openxmlformats.org/markup-compatibility/2006" xmlns:a14="http://schemas.microsoft.com/office/drawing/2010/main">
-        <mc:Choice Requires="a14">
+      <mc:AlternateContent xmlns:mc="http://schemas.openxmlformats.org/markup-compatibility/2006">
+        <mc:Choice xmlns:a14="http://schemas.microsoft.com/office/drawing/2010/main" Requires="a14">
           <p:sp>
             <p:nvSpPr>
-              <p:cNvPr id="60" name="文本框 59">
-                <a:extLst>
-                  <a:ext uri="{FF2B5EF4-FFF2-40B4-BE49-F238E27FC236}">
-                    <a16:creationId xmlns:a16="http://schemas.microsoft.com/office/drawing/2014/main" id="{49D4710D-572E-4268-808D-8439ADE3D172}"/>
-                  </a:ext>
-                </a:extLst>
-              </p:cNvPr>
+              <p:cNvPr id="60" name="文本框 59"/>
               <p:cNvSpPr txBox="1"/>
               <p:nvPr/>
             </p:nvSpPr>
@@ -22418,7 +22118,13 @@
                       <a:rPr lang="en-US" sz="2000" b="0" i="1" smtClean="0">
                         <a:latin typeface="Cambria Math" panose="02040503050406030204" pitchFamily="18" charset="0"/>
                       </a:rPr>
-                      <m:t>−1</m:t>
+                      <m:t>−</m:t>
+                    </m:r>
+                    <m:r>
+                      <a:rPr lang="en-US" sz="2000" b="0" i="1" smtClean="0">
+                        <a:latin typeface="Cambria Math" panose="02040503050406030204" pitchFamily="18" charset="0"/>
+                      </a:rPr>
+                      <m:t>1</m:t>
                     </m:r>
                   </m:oMath>
                 </a14:m>
@@ -22426,20 +22132,15 @@
                   <a:rPr lang="en-US" sz="2000" dirty="0"/>
                   <a:t> times does not solve the problem.</a:t>
                 </a:r>
+                <a:endParaRPr lang="en-US" sz="2000" dirty="0"/>
               </a:p>
             </p:txBody>
           </p:sp>
         </mc:Choice>
-        <mc:Fallback xmlns="">
+        <mc:Fallback>
           <p:sp>
             <p:nvSpPr>
-              <p:cNvPr id="60" name="文本框 59">
-                <a:extLst>
-                  <a:ext uri="{FF2B5EF4-FFF2-40B4-BE49-F238E27FC236}">
-                    <a16:creationId xmlns:a16="http://schemas.microsoft.com/office/drawing/2014/main" id="{49D4710D-572E-4268-808D-8439ADE3D172}"/>
-                  </a:ext>
-                </a:extLst>
-              </p:cNvPr>
+              <p:cNvPr id="60" name="文本框 59"/>
               <p:cNvSpPr txBox="1">
                 <a:spLocks noRot="1" noChangeAspect="1" noMove="1" noResize="1" noEditPoints="1" noAdjustHandles="1" noChangeArrowheads="1" noChangeShapeType="1" noTextEdit="1"/>
               </p:cNvSpPr>
@@ -22453,19 +22154,33 @@
               <a:prstGeom prst="rect">
                 <a:avLst/>
               </a:prstGeom>
-              <a:blipFill>
-                <a:blip r:embed="rId35"/>
+              <a:blipFill rotWithShape="1">
+                <a:blip r:embed="rId23"/>
                 <a:stretch>
-                  <a:fillRect/>
+                  <a:fillRect l="-856" t="-4147" r="-838" b="-9418"/>
                 </a:stretch>
               </a:blipFill>
             </p:spPr>
+            <p:style>
+              <a:lnRef idx="0">
+                <a:schemeClr val="accent1"/>
+              </a:lnRef>
+              <a:fillRef idx="3">
+                <a:schemeClr val="accent1"/>
+              </a:fillRef>
+              <a:effectRef idx="3">
+                <a:schemeClr val="accent1"/>
+              </a:effectRef>
+              <a:fontRef idx="minor">
+                <a:schemeClr val="lt1"/>
+              </a:fontRef>
+            </p:style>
             <p:txBody>
               <a:bodyPr/>
               <a:lstStyle/>
               <a:p>
                 <a:r>
-                  <a:rPr lang="en-US">
+                  <a:rPr lang="zh-CN" altLang="en-US">
                     <a:noFill/>
                   </a:rPr>
                   <a:t> </a:t>
@@ -22475,17 +22190,11 @@
           </p:sp>
         </mc:Fallback>
       </mc:AlternateContent>
-      <mc:AlternateContent xmlns:mc="http://schemas.openxmlformats.org/markup-compatibility/2006" xmlns:a14="http://schemas.microsoft.com/office/drawing/2010/main">
-        <mc:Choice Requires="a14">
+      <mc:AlternateContent xmlns:mc="http://schemas.openxmlformats.org/markup-compatibility/2006">
+        <mc:Choice xmlns:a14="http://schemas.microsoft.com/office/drawing/2010/main" Requires="a14">
           <p:sp>
             <p:nvSpPr>
-              <p:cNvPr id="61" name="文本框 60">
-                <a:extLst>
-                  <a:ext uri="{FF2B5EF4-FFF2-40B4-BE49-F238E27FC236}">
-                    <a16:creationId xmlns:a16="http://schemas.microsoft.com/office/drawing/2014/main" id="{0B465EC2-0047-48B1-A2C3-F6BD1368ECE5}"/>
-                  </a:ext>
-                </a:extLst>
-              </p:cNvPr>
+              <p:cNvPr id="61" name="文本框 60"/>
               <p:cNvSpPr txBox="1"/>
               <p:nvPr/>
             </p:nvSpPr>
@@ -22571,20 +22280,15 @@
                   <a:rPr lang="en-US" sz="2000" dirty="0"/>
                   <a:t>.</a:t>
                 </a:r>
+                <a:endParaRPr lang="en-US" sz="2000" dirty="0"/>
               </a:p>
             </p:txBody>
           </p:sp>
         </mc:Choice>
-        <mc:Fallback xmlns="">
+        <mc:Fallback>
           <p:sp>
             <p:nvSpPr>
-              <p:cNvPr id="61" name="文本框 60">
-                <a:extLst>
-                  <a:ext uri="{FF2B5EF4-FFF2-40B4-BE49-F238E27FC236}">
-                    <a16:creationId xmlns:a16="http://schemas.microsoft.com/office/drawing/2014/main" id="{0B465EC2-0047-48B1-A2C3-F6BD1368ECE5}"/>
-                  </a:ext>
-                </a:extLst>
-              </p:cNvPr>
+              <p:cNvPr id="61" name="文本框 60"/>
               <p:cNvSpPr txBox="1">
                 <a:spLocks noRot="1" noChangeAspect="1" noMove="1" noResize="1" noEditPoints="1" noAdjustHandles="1" noChangeArrowheads="1" noChangeShapeType="1" noTextEdit="1"/>
               </p:cNvSpPr>
@@ -22598,19 +22302,33 @@
               <a:prstGeom prst="rect">
                 <a:avLst/>
               </a:prstGeom>
-              <a:blipFill>
-                <a:blip r:embed="rId36"/>
+              <a:blipFill rotWithShape="1">
+                <a:blip r:embed="rId24"/>
                 <a:stretch>
-                  <a:fillRect/>
+                  <a:fillRect l="-856" t="-4181" r="-838" b="-9473"/>
                 </a:stretch>
               </a:blipFill>
             </p:spPr>
+            <p:style>
+              <a:lnRef idx="0">
+                <a:schemeClr val="accent1"/>
+              </a:lnRef>
+              <a:fillRef idx="3">
+                <a:schemeClr val="accent1"/>
+              </a:fillRef>
+              <a:effectRef idx="3">
+                <a:schemeClr val="accent1"/>
+              </a:effectRef>
+              <a:fontRef idx="minor">
+                <a:schemeClr val="lt1"/>
+              </a:fontRef>
+            </p:style>
             <p:txBody>
               <a:bodyPr/>
               <a:lstStyle/>
               <a:p>
                 <a:r>
-                  <a:rPr lang="en-US">
+                  <a:rPr lang="zh-CN" altLang="en-US">
                     <a:noFill/>
                   </a:rPr>
                   <a:t> </a:t>
@@ -22621,11 +22339,6 @@
         </mc:Fallback>
       </mc:AlternateContent>
     </p:spTree>
-    <p:extLst>
-      <p:ext uri="{BB962C8B-B14F-4D97-AF65-F5344CB8AC3E}">
-        <p14:creationId xmlns:p14="http://schemas.microsoft.com/office/powerpoint/2010/main" val="4067632222"/>
-      </p:ext>
-    </p:extLst>
   </p:cSld>
   <p:clrMapOvr>
     <a:masterClrMapping/>
@@ -23461,17 +23174,11 @@
           <a:chExt cx="0" cy="0"/>
         </a:xfrm>
       </p:grpSpPr>
-      <mc:AlternateContent xmlns:mc="http://schemas.openxmlformats.org/markup-compatibility/2006" xmlns:a14="http://schemas.microsoft.com/office/drawing/2010/main">
-        <mc:Choice Requires="a14">
+      <mc:AlternateContent xmlns:mc="http://schemas.openxmlformats.org/markup-compatibility/2006">
+        <mc:Choice xmlns:a14="http://schemas.microsoft.com/office/drawing/2010/main" Requires="a14">
           <p:sp>
             <p:nvSpPr>
-              <p:cNvPr id="4" name="文本框 3">
-                <a:extLst>
-                  <a:ext uri="{FF2B5EF4-FFF2-40B4-BE49-F238E27FC236}">
-                    <a16:creationId xmlns:a16="http://schemas.microsoft.com/office/drawing/2014/main" id="{B97F518F-3D1E-4E06-9487-7C89CF91E62C}"/>
-                  </a:ext>
-                </a:extLst>
-              </p:cNvPr>
+              <p:cNvPr id="4" name="文本框 3"/>
               <p:cNvSpPr txBox="1"/>
               <p:nvPr/>
             </p:nvSpPr>
@@ -23582,20 +23289,19 @@
                   </a:rPr>
                   <a:t>?</a:t>
                 </a:r>
+                <a:endParaRPr lang="en-US" sz="3200" b="1" dirty="0">
+                  <a:solidFill>
+                    <a:srgbClr val="C00000"/>
+                  </a:solidFill>
+                </a:endParaRPr>
               </a:p>
             </p:txBody>
           </p:sp>
         </mc:Choice>
-        <mc:Fallback xmlns="">
+        <mc:Fallback>
           <p:sp>
             <p:nvSpPr>
-              <p:cNvPr id="4" name="文本框 3">
-                <a:extLst>
-                  <a:ext uri="{FF2B5EF4-FFF2-40B4-BE49-F238E27FC236}">
-                    <a16:creationId xmlns:a16="http://schemas.microsoft.com/office/drawing/2014/main" id="{B97F518F-3D1E-4E06-9487-7C89CF91E62C}"/>
-                  </a:ext>
-                </a:extLst>
-              </p:cNvPr>
+              <p:cNvPr id="4" name="文本框 3"/>
               <p:cNvSpPr txBox="1">
                 <a:spLocks noRot="1" noChangeAspect="1" noMove="1" noResize="1" noEditPoints="1" noAdjustHandles="1" noChangeArrowheads="1" noChangeShapeType="1" noTextEdit="1"/>
               </p:cNvSpPr>
@@ -23609,10 +23315,10 @@
               <a:prstGeom prst="rect">
                 <a:avLst/>
               </a:prstGeom>
-              <a:blipFill>
-                <a:blip r:embed="rId2"/>
+              <a:blipFill rotWithShape="1">
+                <a:blip r:embed="rId1"/>
                 <a:stretch>
-                  <a:fillRect l="-2027" t="-12632" r="-1931" b="-35789"/>
+                  <a:fillRect l="-14035" t="-59" r="-16216" b="49"/>
                 </a:stretch>
               </a:blipFill>
             </p:spPr>
@@ -23621,7 +23327,7 @@
               <a:lstStyle/>
               <a:p>
                 <a:r>
-                  <a:rPr lang="en-US">
+                  <a:rPr lang="zh-CN" altLang="en-US">
                     <a:noFill/>
                   </a:rPr>
                   <a:t> </a:t>
@@ -23631,17 +23337,11 @@
           </p:sp>
         </mc:Fallback>
       </mc:AlternateContent>
-      <mc:AlternateContent xmlns:mc="http://schemas.openxmlformats.org/markup-compatibility/2006" xmlns:a14="http://schemas.microsoft.com/office/drawing/2010/main">
-        <mc:Choice Requires="a14">
+      <mc:AlternateContent xmlns:mc="http://schemas.openxmlformats.org/markup-compatibility/2006">
+        <mc:Choice xmlns:a14="http://schemas.microsoft.com/office/drawing/2010/main" Requires="a14">
           <p:sp>
             <p:nvSpPr>
-              <p:cNvPr id="3" name="文本框 2">
-                <a:extLst>
-                  <a:ext uri="{FF2B5EF4-FFF2-40B4-BE49-F238E27FC236}">
-                    <a16:creationId xmlns:a16="http://schemas.microsoft.com/office/drawing/2014/main" id="{CC79E2A5-5E2F-4E91-8F8E-925C248F26A8}"/>
-                  </a:ext>
-                </a:extLst>
-              </p:cNvPr>
+              <p:cNvPr id="3" name="文本框 2"/>
               <p:cNvSpPr txBox="1"/>
               <p:nvPr/>
             </p:nvSpPr>
@@ -23717,20 +23417,19 @@
                   </a:rPr>
                   <a:t> time.</a:t>
                 </a:r>
+                <a:endParaRPr lang="en-US" sz="3200" b="1" dirty="0">
+                  <a:solidFill>
+                    <a:schemeClr val="tx1"/>
+                  </a:solidFill>
+                </a:endParaRPr>
               </a:p>
             </p:txBody>
           </p:sp>
         </mc:Choice>
-        <mc:Fallback xmlns="">
+        <mc:Fallback>
           <p:sp>
             <p:nvSpPr>
-              <p:cNvPr id="3" name="文本框 2">
-                <a:extLst>
-                  <a:ext uri="{FF2B5EF4-FFF2-40B4-BE49-F238E27FC236}">
-                    <a16:creationId xmlns:a16="http://schemas.microsoft.com/office/drawing/2014/main" id="{CC79E2A5-5E2F-4E91-8F8E-925C248F26A8}"/>
-                  </a:ext>
-                </a:extLst>
-              </p:cNvPr>
+              <p:cNvPr id="3" name="文本框 2"/>
               <p:cNvSpPr txBox="1">
                 <a:spLocks noRot="1" noChangeAspect="1" noMove="1" noResize="1" noEditPoints="1" noAdjustHandles="1" noChangeArrowheads="1" noChangeShapeType="1" noTextEdit="1"/>
               </p:cNvSpPr>
@@ -23744,10 +23443,10 @@
               <a:prstGeom prst="rect">
                 <a:avLst/>
               </a:prstGeom>
-              <a:blipFill>
-                <a:blip r:embed="rId3"/>
+              <a:blipFill rotWithShape="1">
+                <a:blip r:embed="rId2"/>
                 <a:stretch>
-                  <a:fillRect l="-3388" t="-12500" r="-2575" b="-34375"/>
+                  <a:fillRect l="-14" t="-20" r="-32227" b="10"/>
                 </a:stretch>
               </a:blipFill>
             </p:spPr>
@@ -23756,7 +23455,7 @@
               <a:lstStyle/>
               <a:p>
                 <a:r>
-                  <a:rPr lang="en-US">
+                  <a:rPr lang="zh-CN" altLang="en-US">
                     <a:noFill/>
                   </a:rPr>
                   <a:t> </a:t>
@@ -23768,13 +23467,7 @@
       </mc:AlternateContent>
       <p:sp>
         <p:nvSpPr>
-          <p:cNvPr id="2" name="文本框 1">
-            <a:extLst>
-              <a:ext uri="{FF2B5EF4-FFF2-40B4-BE49-F238E27FC236}">
-                <a16:creationId xmlns:a16="http://schemas.microsoft.com/office/drawing/2014/main" id="{C91B9BCC-BE12-4511-BB92-B935C87063D2}"/>
-              </a:ext>
-            </a:extLst>
-          </p:cNvPr>
+          <p:cNvPr id="2" name="文本框 1"/>
           <p:cNvSpPr txBox="1"/>
           <p:nvPr/>
         </p:nvSpPr>
@@ -23803,15 +23496,15 @@
               </a:rPr>
               <a:t>No, at least not for a large class of algorithms…</a:t>
             </a:r>
+            <a:endParaRPr lang="en-US" sz="2800" dirty="0">
+              <a:solidFill>
+                <a:srgbClr val="C00000"/>
+              </a:solidFill>
+            </a:endParaRPr>
           </a:p>
         </p:txBody>
       </p:sp>
     </p:spTree>
-    <p:extLst>
-      <p:ext uri="{BB962C8B-B14F-4D97-AF65-F5344CB8AC3E}">
-        <p14:creationId xmlns:p14="http://schemas.microsoft.com/office/powerpoint/2010/main" val="2990470041"/>
-      </p:ext>
-    </p:extLst>
   </p:cSld>
   <p:clrMapOvr>
     <a:masterClrMapping/>
@@ -23962,13 +23655,7 @@
       </p:grpSpPr>
       <p:sp>
         <p:nvSpPr>
-          <p:cNvPr id="2" name="标题 1">
-            <a:extLst>
-              <a:ext uri="{FF2B5EF4-FFF2-40B4-BE49-F238E27FC236}">
-                <a16:creationId xmlns:a16="http://schemas.microsoft.com/office/drawing/2014/main" id="{CF4D7271-EA2D-4920-9A52-D0205BAA3C9A}"/>
-              </a:ext>
-            </a:extLst>
-          </p:cNvPr>
+          <p:cNvPr id="2" name="标题 1"/>
           <p:cNvSpPr>
             <a:spLocks noGrp="1"/>
           </p:cNvSpPr>
@@ -23987,20 +23674,15 @@
               <a:rPr lang="en-US" sz="3800" dirty="0"/>
               <a:t>Comparison-based sorting lower bound</a:t>
             </a:r>
+            <a:endParaRPr lang="en-US" sz="3800" dirty="0"/>
           </a:p>
         </p:txBody>
       </p:sp>
-      <mc:AlternateContent xmlns:mc="http://schemas.openxmlformats.org/markup-compatibility/2006" xmlns:a14="http://schemas.microsoft.com/office/drawing/2010/main">
-        <mc:Choice Requires="a14">
+      <mc:AlternateContent xmlns:mc="http://schemas.openxmlformats.org/markup-compatibility/2006">
+        <mc:Choice xmlns:a14="http://schemas.microsoft.com/office/drawing/2010/main" Requires="a14">
           <p:sp>
             <p:nvSpPr>
-              <p:cNvPr id="3" name="内容占位符 2">
-                <a:extLst>
-                  <a:ext uri="{FF2B5EF4-FFF2-40B4-BE49-F238E27FC236}">
-                    <a16:creationId xmlns:a16="http://schemas.microsoft.com/office/drawing/2014/main" id="{4D68DD61-2E0C-4206-A4F3-EFC177835890}"/>
-                  </a:ext>
-                </a:extLst>
-              </p:cNvPr>
+              <p:cNvPr id="3" name="内容占位符 2"/>
               <p:cNvSpPr>
                 <a:spLocks noGrp="1"/>
               </p:cNvSpPr>
@@ -24053,6 +23735,7 @@
                   <a:rPr lang="en-US" sz="2200" dirty="0"/>
                   <a:t> between the input items.</a:t>
                 </a:r>
+                <a:endParaRPr lang="en-US" sz="2200" dirty="0"/>
               </a:p>
               <a:p>
                 <a:pPr>
@@ -24068,6 +23751,7 @@
                   <a:rPr lang="en-US" sz="1800" dirty="0"/>
                   <a:t>.</a:t>
                 </a:r>
+                <a:endParaRPr lang="en-US" sz="1800" dirty="0"/>
               </a:p>
               <a:p>
                 <a:pPr lvl="1">
@@ -24215,6 +23899,7 @@
                   <a:rPr lang="en-US" sz="1800" dirty="0"/>
                   <a:t>” to gain order info.</a:t>
                 </a:r>
+                <a:endParaRPr lang="en-US" sz="1800" dirty="0"/>
               </a:p>
               <a:p>
                 <a:pPr lvl="1">
@@ -24234,22 +23919,17 @@
                   <a:rPr lang="en-US" sz="1800" dirty="0"/>
                   <a:t> inspect the values of input items.</a:t>
                 </a:r>
+                <a:endParaRPr lang="en-US" sz="1800" dirty="0"/>
               </a:p>
             </p:txBody>
           </p:sp>
         </mc:Choice>
-        <mc:Fallback xmlns="">
+        <mc:Fallback>
           <p:sp>
             <p:nvSpPr>
-              <p:cNvPr id="3" name="内容占位符 2">
-                <a:extLst>
-                  <a:ext uri="{FF2B5EF4-FFF2-40B4-BE49-F238E27FC236}">
-                    <a16:creationId xmlns:a16="http://schemas.microsoft.com/office/drawing/2014/main" id="{4D68DD61-2E0C-4206-A4F3-EFC177835890}"/>
-                  </a:ext>
-                </a:extLst>
-              </p:cNvPr>
+              <p:cNvPr id="3" name="内容占位符 2"/>
               <p:cNvSpPr>
-                <a:spLocks noGrp="1" noRot="1" noChangeAspect="1" noMove="1" noResize="1" noEditPoints="1" noAdjustHandles="1" noChangeArrowheads="1" noChangeShapeType="1" noTextEdit="1"/>
+                <a:spLocks noRot="1" noChangeAspect="1" noMove="1" noResize="1" noEditPoints="1" noAdjustHandles="1" noChangeArrowheads="1" noChangeShapeType="1" noTextEdit="1"/>
               </p:cNvSpPr>
               <p:nvPr>
                 <p:ph idx="1"/>
@@ -24260,10 +23940,10 @@
                 <a:off x="628650" y="1690688"/>
                 <a:ext cx="7886700" cy="4802185"/>
               </a:xfrm>
-              <a:blipFill>
-                <a:blip r:embed="rId2"/>
+              <a:blipFill rotWithShape="1">
+                <a:blip r:embed="rId1"/>
                 <a:stretch>
-                  <a:fillRect l="-850" t="-761"/>
+                  <a:fillRect t="-7" b="13"/>
                 </a:stretch>
               </a:blipFill>
             </p:spPr>
@@ -24272,7 +23952,7 @@
               <a:lstStyle/>
               <a:p>
                 <a:r>
-                  <a:rPr lang="en-US">
+                  <a:rPr lang="zh-CN" altLang="en-US">
                     <a:noFill/>
                   </a:rPr>
                   <a:t> </a:t>
@@ -24282,24 +23962,18 @@
           </p:sp>
         </mc:Fallback>
       </mc:AlternateContent>
-      <mc:AlternateContent xmlns:mc="http://schemas.openxmlformats.org/markup-compatibility/2006" xmlns:a14="http://schemas.microsoft.com/office/drawing/2010/main">
-        <mc:Choice Requires="a14">
+      <mc:AlternateContent xmlns:mc="http://schemas.openxmlformats.org/markup-compatibility/2006">
+        <mc:Choice xmlns:a14="http://schemas.microsoft.com/office/drawing/2010/main" Requires="a14">
           <p:sp>
             <p:nvSpPr>
-              <p:cNvPr id="4" name="文本框 3">
-                <a:extLst>
-                  <a:ext uri="{FF2B5EF4-FFF2-40B4-BE49-F238E27FC236}">
-                    <a16:creationId xmlns:a16="http://schemas.microsoft.com/office/drawing/2014/main" id="{D42B8FFD-3203-4CF2-8E9C-F920E36ECB1D}"/>
-                  </a:ext>
-                </a:extLst>
-              </p:cNvPr>
+              <p:cNvPr id="4" name="文本框 3"/>
               <p:cNvSpPr txBox="1"/>
               <p:nvPr/>
             </p:nvSpPr>
             <p:spPr>
               <a:xfrm>
-                <a:off x="1496739" y="4336315"/>
-                <a:ext cx="6150522" cy="830997"/>
+                <a:off x="1202055" y="5368290"/>
+                <a:ext cx="7018655" cy="834390"/>
               </a:xfrm>
               <a:prstGeom prst="rect">
                 <a:avLst/>
@@ -24393,20 +24067,15 @@
                   <a:rPr lang="en-US" sz="2400" dirty="0"/>
                   <a:t>, in the worst case.</a:t>
                 </a:r>
+                <a:endParaRPr lang="en-US" sz="2400" dirty="0"/>
               </a:p>
             </p:txBody>
           </p:sp>
         </mc:Choice>
-        <mc:Fallback xmlns="">
+        <mc:Fallback>
           <p:sp>
             <p:nvSpPr>
-              <p:cNvPr id="4" name="文本框 3">
-                <a:extLst>
-                  <a:ext uri="{FF2B5EF4-FFF2-40B4-BE49-F238E27FC236}">
-                    <a16:creationId xmlns:a16="http://schemas.microsoft.com/office/drawing/2014/main" id="{D42B8FFD-3203-4CF2-8E9C-F920E36ECB1D}"/>
-                  </a:ext>
-                </a:extLst>
-              </p:cNvPr>
+              <p:cNvPr id="4" name="文本框 3"/>
               <p:cNvSpPr txBox="1">
                 <a:spLocks noRot="1" noChangeAspect="1" noMove="1" noResize="1" noEditPoints="1" noAdjustHandles="1" noChangeArrowheads="1" noChangeShapeType="1" noTextEdit="1"/>
               </p:cNvSpPr>
@@ -24414,25 +24083,39 @@
             </p:nvSpPr>
             <p:spPr>
               <a:xfrm>
-                <a:off x="1496739" y="4336315"/>
-                <a:ext cx="6150522" cy="830997"/>
+                <a:off x="1202055" y="5368290"/>
+                <a:ext cx="7018655" cy="834390"/>
               </a:xfrm>
               <a:prstGeom prst="rect">
                 <a:avLst/>
               </a:prstGeom>
-              <a:blipFill>
-                <a:blip r:embed="rId3"/>
+              <a:blipFill rotWithShape="1">
+                <a:blip r:embed="rId2"/>
                 <a:stretch>
-                  <a:fillRect/>
+                  <a:fillRect l="-688" t="-3501" r="-679" b="-7991"/>
                 </a:stretch>
               </a:blipFill>
             </p:spPr>
+            <p:style>
+              <a:lnRef idx="0">
+                <a:schemeClr val="accent1"/>
+              </a:lnRef>
+              <a:fillRef idx="3">
+                <a:schemeClr val="accent1"/>
+              </a:fillRef>
+              <a:effectRef idx="3">
+                <a:schemeClr val="accent1"/>
+              </a:effectRef>
+              <a:fontRef idx="minor">
+                <a:schemeClr val="lt1"/>
+              </a:fontRef>
+            </p:style>
             <p:txBody>
               <a:bodyPr/>
               <a:lstStyle/>
               <a:p>
                 <a:r>
-                  <a:rPr lang="en-US">
+                  <a:rPr lang="zh-CN" altLang="en-US">
                     <a:noFill/>
                   </a:rPr>
                   <a:t> </a:t>
@@ -24443,11 +24126,6 @@
         </mc:Fallback>
       </mc:AlternateContent>
     </p:spTree>
-    <p:extLst>
-      <p:ext uri="{BB962C8B-B14F-4D97-AF65-F5344CB8AC3E}">
-        <p14:creationId xmlns:p14="http://schemas.microsoft.com/office/powerpoint/2010/main" val="1804674010"/>
-      </p:ext>
-    </p:extLst>
   </p:cSld>
   <p:clrMapOvr>
     <a:masterClrMapping/>
@@ -24638,7 +24316,7 @@
       </p:par>
     </p:tnLst>
     <p:bldLst>
-      <p:bldP spid="4" grpId="0" animBg="1"/>
+      <p:bldP spid="4" grpId="0" bldLvl="0" animBg="1"/>
     </p:bldLst>
   </p:timing>
 </p:sld>
@@ -24663,13 +24341,7 @@
       </p:grpSpPr>
       <p:sp>
         <p:nvSpPr>
-          <p:cNvPr id="2" name="标题 1">
-            <a:extLst>
-              <a:ext uri="{FF2B5EF4-FFF2-40B4-BE49-F238E27FC236}">
-                <a16:creationId xmlns:a16="http://schemas.microsoft.com/office/drawing/2014/main" id="{D00D7BD9-945F-43DD-AF84-D203B9F174B9}"/>
-              </a:ext>
-            </a:extLst>
-          </p:cNvPr>
+          <p:cNvPr id="2" name="标题 1"/>
           <p:cNvSpPr>
             <a:spLocks noGrp="1"/>
           </p:cNvSpPr>
@@ -24686,18 +24358,13 @@
               <a:rPr lang="en-US" dirty="0"/>
               <a:t>Decision Tree</a:t>
             </a:r>
+            <a:endParaRPr lang="en-US" dirty="0"/>
           </a:p>
         </p:txBody>
       </p:sp>
       <p:sp>
         <p:nvSpPr>
-          <p:cNvPr id="3" name="内容占位符 2">
-            <a:extLst>
-              <a:ext uri="{FF2B5EF4-FFF2-40B4-BE49-F238E27FC236}">
-                <a16:creationId xmlns:a16="http://schemas.microsoft.com/office/drawing/2014/main" id="{152858EA-B417-47B1-9C08-16221974B8F3}"/>
-              </a:ext>
-            </a:extLst>
-          </p:cNvPr>
+          <p:cNvPr id="3" name="内容占位符 2"/>
           <p:cNvSpPr>
             <a:spLocks noGrp="1"/>
           </p:cNvSpPr>
@@ -24721,6 +24388,7 @@
               <a:rPr lang="en-US" sz="2400" dirty="0"/>
               <a:t>Decisions trees can be used to describe algorithms.</a:t>
             </a:r>
+            <a:endParaRPr lang="en-US" sz="2400" dirty="0"/>
           </a:p>
           <a:p>
             <a:pPr lvl="1"/>
@@ -24728,6 +24396,7 @@
               <a:rPr lang="en-US" sz="2000" dirty="0"/>
               <a:t>A decision tree is a tree.</a:t>
             </a:r>
+            <a:endParaRPr lang="en-US" sz="2000" dirty="0"/>
           </a:p>
           <a:p>
             <a:pPr lvl="1"/>
@@ -24735,6 +24404,7 @@
               <a:rPr lang="en-US" sz="2000" dirty="0"/>
               <a:t>Each internal node denotes a query the algorithm makes on input.</a:t>
             </a:r>
+            <a:endParaRPr lang="en-US" sz="2000" dirty="0"/>
           </a:p>
           <a:p>
             <a:pPr lvl="1"/>
@@ -24742,6 +24412,7 @@
               <a:rPr lang="en-US" sz="2000" dirty="0"/>
               <a:t>Outgoing edges denote the possible answers to that query.</a:t>
             </a:r>
+            <a:endParaRPr lang="en-US" sz="2000" dirty="0"/>
           </a:p>
           <a:p>
             <a:pPr lvl="1"/>
@@ -24749,12 +24420,14 @@
               <a:rPr lang="en-US" sz="2000" dirty="0"/>
               <a:t>Each leaf denotes an output.</a:t>
             </a:r>
+            <a:endParaRPr lang="en-US" sz="2000" dirty="0"/>
           </a:p>
           <a:p>
             <a:r>
               <a:rPr lang="en-US" sz="2400" dirty="0"/>
               <a:t>One execution of the algorithm is a path from root to a leaf.</a:t>
             </a:r>
+            <a:endParaRPr lang="en-US" sz="2400" dirty="0"/>
           </a:p>
           <a:p>
             <a:pPr lvl="1"/>
@@ -24762,6 +24435,7 @@
               <a:rPr lang="en-US" sz="2000" dirty="0"/>
               <a:t>At each internal node, answer to query tells us where to go next.</a:t>
             </a:r>
+            <a:endParaRPr lang="en-US" sz="2000" dirty="0"/>
           </a:p>
           <a:p>
             <a:r>
@@ -24772,18 +24446,17 @@
               </a:rPr>
               <a:t>The worst-case time complexity is at least the length of the longest path from root to some leaf. I.e., height of the tree!</a:t>
             </a:r>
+            <a:endParaRPr lang="en-US" sz="2400" dirty="0">
+              <a:solidFill>
+                <a:srgbClr val="C00000"/>
+              </a:solidFill>
+            </a:endParaRPr>
           </a:p>
         </p:txBody>
       </p:sp>
       <p:grpSp>
         <p:nvGrpSpPr>
-          <p:cNvPr id="8" name="组合 7">
-            <a:extLst>
-              <a:ext uri="{FF2B5EF4-FFF2-40B4-BE49-F238E27FC236}">
-                <a16:creationId xmlns:a16="http://schemas.microsoft.com/office/drawing/2014/main" id="{F7A87EA6-7716-4AF2-8800-3EB83D9AEFEA}"/>
-              </a:ext>
-            </a:extLst>
-          </p:cNvPr>
+          <p:cNvPr id="8" name="组合 7"/>
           <p:cNvGrpSpPr/>
           <p:nvPr/>
         </p:nvGrpSpPr>
@@ -24797,20 +24470,14 @@
         </p:grpSpPr>
         <p:pic>
           <p:nvPicPr>
-            <p:cNvPr id="4" name="图片 3">
-              <a:extLst>
-                <a:ext uri="{FF2B5EF4-FFF2-40B4-BE49-F238E27FC236}">
-                  <a16:creationId xmlns:a16="http://schemas.microsoft.com/office/drawing/2014/main" id="{12182BDC-118B-4E13-8880-18C13417A5F8}"/>
-                </a:ext>
-              </a:extLst>
-            </p:cNvPr>
+            <p:cNvPr id="4" name="图片 3"/>
             <p:cNvPicPr>
               <a:picLocks noChangeAspect="1"/>
             </p:cNvPicPr>
             <p:nvPr/>
           </p:nvPicPr>
           <p:blipFill>
-            <a:blip r:embed="rId2"/>
+            <a:blip r:embed="rId1"/>
             <a:stretch>
               <a:fillRect/>
             </a:stretch>
@@ -24829,6 +24496,8 @@
               </a:solidFill>
               <a:prstDash val="solid"/>
               <a:miter lim="800000"/>
+              <a:headEnd/>
+              <a:tailEnd/>
             </a:ln>
             <a:effectLst>
               <a:outerShdw blurRad="50800" dist="38100" dir="2700000" algn="tl" rotWithShape="0">
@@ -24839,17 +24508,11 @@
             </a:effectLst>
           </p:spPr>
         </p:pic>
-        <mc:AlternateContent xmlns:mc="http://schemas.openxmlformats.org/markup-compatibility/2006" xmlns:a14="http://schemas.microsoft.com/office/drawing/2010/main">
-          <mc:Choice Requires="a14">
+        <mc:AlternateContent xmlns:mc="http://schemas.openxmlformats.org/markup-compatibility/2006">
+          <mc:Choice xmlns:a14="http://schemas.microsoft.com/office/drawing/2010/main" Requires="a14">
             <p:sp>
               <p:nvSpPr>
-                <p:cNvPr id="7" name="文本框 6">
-                  <a:extLst>
-                    <a:ext uri="{FF2B5EF4-FFF2-40B4-BE49-F238E27FC236}">
-                      <a16:creationId xmlns:a16="http://schemas.microsoft.com/office/drawing/2014/main" id="{15EF117F-D320-4209-B7AE-4F3DEB196417}"/>
-                    </a:ext>
-                  </a:extLst>
-                </p:cNvPr>
+                <p:cNvPr id="7" name="文本框 6"/>
                 <p:cNvSpPr txBox="1"/>
                 <p:nvPr/>
               </p:nvSpPr>
@@ -24981,20 +24644,15 @@
                     <a:rPr lang="en-US" dirty="0"/>
                     <a:t>.</a:t>
                   </a:r>
+                  <a:endParaRPr lang="en-US" dirty="0"/>
                 </a:p>
               </p:txBody>
             </p:sp>
           </mc:Choice>
-          <mc:Fallback xmlns="">
+          <mc:Fallback>
             <p:sp>
               <p:nvSpPr>
-                <p:cNvPr id="7" name="文本框 6">
-                  <a:extLst>
-                    <a:ext uri="{FF2B5EF4-FFF2-40B4-BE49-F238E27FC236}">
-                      <a16:creationId xmlns:a16="http://schemas.microsoft.com/office/drawing/2014/main" id="{15EF117F-D320-4209-B7AE-4F3DEB196417}"/>
-                    </a:ext>
-                  </a:extLst>
-                </p:cNvPr>
+                <p:cNvPr id="7" name="文本框 6"/>
                 <p:cNvSpPr txBox="1">
                   <a:spLocks noRot="1" noChangeAspect="1" noMove="1" noResize="1" noEditPoints="1" noAdjustHandles="1" noChangeArrowheads="1" noChangeShapeType="1" noTextEdit="1"/>
                 </p:cNvSpPr>
@@ -25008,11 +24666,8 @@
                 <a:prstGeom prst="rect">
                   <a:avLst/>
                 </a:prstGeom>
-                <a:blipFill>
-                  <a:blip r:embed="rId3"/>
-                  <a:stretch>
-                    <a:fillRect l="-9524" t="-28889" r="-8333" b="-51111"/>
-                  </a:stretch>
+                <a:blipFill rotWithShape="1">
+                  <a:blip r:embed="rId2"/>
                 </a:blipFill>
               </p:spPr>
               <p:txBody>
@@ -25020,7 +24675,7 @@
                 <a:lstStyle/>
                 <a:p>
                   <a:r>
-                    <a:rPr lang="en-US">
+                    <a:rPr lang="zh-CN" altLang="en-US">
                       <a:noFill/>
                     </a:rPr>
                     <a:t> </a:t>
@@ -25031,17 +24686,11 @@
           </mc:Fallback>
         </mc:AlternateContent>
       </p:grpSp>
-      <mc:AlternateContent xmlns:mc="http://schemas.openxmlformats.org/markup-compatibility/2006" xmlns:a14="http://schemas.microsoft.com/office/drawing/2010/main">
-        <mc:Choice Requires="a14">
+      <mc:AlternateContent xmlns:mc="http://schemas.openxmlformats.org/markup-compatibility/2006">
+        <mc:Choice xmlns:a14="http://schemas.microsoft.com/office/drawing/2010/main" Requires="a14">
           <p:sp>
             <p:nvSpPr>
-              <p:cNvPr id="5" name="文本框 4">
-                <a:extLst>
-                  <a:ext uri="{FF2B5EF4-FFF2-40B4-BE49-F238E27FC236}">
-                    <a16:creationId xmlns:a16="http://schemas.microsoft.com/office/drawing/2014/main" id="{95DB0410-BC52-4FB9-AAF2-36AAA008C334}"/>
-                  </a:ext>
-                </a:extLst>
-              </p:cNvPr>
+              <p:cNvPr id="5" name="文本框 4"/>
               <p:cNvSpPr txBox="1"/>
               <p:nvPr/>
             </p:nvSpPr>
@@ -25061,7 +24710,6 @@
               </a:bodyPr>
               <a:lstStyle/>
               <a:p>
-                <a:pPr/>
                 <a14:m>
                   <m:oMathPara xmlns:m="http://schemas.openxmlformats.org/officeDocument/2006/math">
                     <m:oMathParaPr>
@@ -25108,7 +24756,19 @@
                             <a:rPr lang="en-US" b="0" i="1" smtClean="0">
                               <a:latin typeface="Cambria Math" panose="02040503050406030204" pitchFamily="18" charset="0"/>
                             </a:rPr>
-                            <m:t>=6,</m:t>
+                            <m:t>=</m:t>
+                          </m:r>
+                          <m:r>
+                            <a:rPr lang="en-US" b="0" i="1" smtClean="0">
+                              <a:latin typeface="Cambria Math" panose="02040503050406030204" pitchFamily="18" charset="0"/>
+                            </a:rPr>
+                            <m:t>6</m:t>
+                          </m:r>
+                          <m:r>
+                            <a:rPr lang="en-US" b="0" i="1" smtClean="0">
+                              <a:latin typeface="Cambria Math" panose="02040503050406030204" pitchFamily="18" charset="0"/>
+                            </a:rPr>
+                            <m:t>,</m:t>
                           </m:r>
                           <m:sSub>
                             <m:sSubPr>
@@ -25139,7 +24799,19 @@
                             <a:rPr lang="en-US" b="0" i="1" smtClean="0">
                               <a:latin typeface="Cambria Math" panose="02040503050406030204" pitchFamily="18" charset="0"/>
                             </a:rPr>
-                            <m:t>=8,</m:t>
+                            <m:t>=</m:t>
+                          </m:r>
+                          <m:r>
+                            <a:rPr lang="en-US" b="0" i="1" smtClean="0">
+                              <a:latin typeface="Cambria Math" panose="02040503050406030204" pitchFamily="18" charset="0"/>
+                            </a:rPr>
+                            <m:t>8</m:t>
+                          </m:r>
+                          <m:r>
+                            <a:rPr lang="en-US" b="0" i="1" smtClean="0">
+                              <a:latin typeface="Cambria Math" panose="02040503050406030204" pitchFamily="18" charset="0"/>
+                            </a:rPr>
+                            <m:t>,</m:t>
                           </m:r>
                           <m:sSub>
                             <m:sSubPr>
@@ -25170,7 +24842,13 @@
                             <a:rPr lang="en-US" b="0" i="1" smtClean="0">
                               <a:latin typeface="Cambria Math" panose="02040503050406030204" pitchFamily="18" charset="0"/>
                             </a:rPr>
-                            <m:t>=5</m:t>
+                            <m:t>=</m:t>
+                          </m:r>
+                          <m:r>
+                            <a:rPr lang="en-US" b="0" i="1" smtClean="0">
+                              <a:latin typeface="Cambria Math" panose="02040503050406030204" pitchFamily="18" charset="0"/>
+                            </a:rPr>
+                            <m:t>5</m:t>
                           </m:r>
                         </m:e>
                       </m:d>
@@ -25182,16 +24860,10 @@
             </p:txBody>
           </p:sp>
         </mc:Choice>
-        <mc:Fallback xmlns="">
+        <mc:Fallback>
           <p:sp>
             <p:nvSpPr>
-              <p:cNvPr id="5" name="文本框 4">
-                <a:extLst>
-                  <a:ext uri="{FF2B5EF4-FFF2-40B4-BE49-F238E27FC236}">
-                    <a16:creationId xmlns:a16="http://schemas.microsoft.com/office/drawing/2014/main" id="{95DB0410-BC52-4FB9-AAF2-36AAA008C334}"/>
-                  </a:ext>
-                </a:extLst>
-              </p:cNvPr>
+              <p:cNvPr id="5" name="文本框 4"/>
               <p:cNvSpPr txBox="1">
                 <a:spLocks noRot="1" noChangeAspect="1" noMove="1" noResize="1" noEditPoints="1" noAdjustHandles="1" noChangeArrowheads="1" noChangeShapeType="1" noTextEdit="1"/>
               </p:cNvSpPr>
@@ -25205,10 +24877,10 @@
               <a:prstGeom prst="rect">
                 <a:avLst/>
               </a:prstGeom>
-              <a:blipFill>
-                <a:blip r:embed="rId4"/>
+              <a:blipFill rotWithShape="1">
+                <a:blip r:embed="rId3"/>
                 <a:stretch>
-                  <a:fillRect b="-15556"/>
+                  <a:fillRect l="-14" t="-128" r="-11675" b="178"/>
                 </a:stretch>
               </a:blipFill>
             </p:spPr>
@@ -25217,7 +24889,7 @@
               <a:lstStyle/>
               <a:p>
                 <a:r>
-                  <a:rPr lang="en-US">
+                  <a:rPr lang="zh-CN" altLang="en-US">
                     <a:noFill/>
                   </a:rPr>
                   <a:t> </a:t>
@@ -25228,11 +24900,6 @@
         </mc:Fallback>
       </mc:AlternateContent>
     </p:spTree>
-    <p:extLst>
-      <p:ext uri="{BB962C8B-B14F-4D97-AF65-F5344CB8AC3E}">
-        <p14:creationId xmlns:p14="http://schemas.microsoft.com/office/powerpoint/2010/main" val="2134535847"/>
-      </p:ext>
-    </p:extLst>
   </p:cSld>
   <p:clrMapOvr>
     <a:masterClrMapping/>
@@ -25522,7 +25189,7 @@
     </a:clrScheme>
     <a:fontScheme name="Office">
       <a:majorFont>
-        <a:latin typeface="Calibri Light" panose="020F0302020204030204"/>
+        <a:latin typeface="Calibri Light"/>
         <a:ea typeface=""/>
         <a:cs typeface=""/>
         <a:font script="Jpan" typeface="游ゴシック Light"/>
@@ -25555,26 +25222,9 @@
         <a:font script="Viet" typeface="Times New Roman"/>
         <a:font script="Uigh" typeface="Microsoft Uighur"/>
         <a:font script="Geor" typeface="Sylfaen"/>
-        <a:font script="Armn" typeface="Arial"/>
-        <a:font script="Bugi" typeface="Leelawadee UI"/>
-        <a:font script="Bopo" typeface="Microsoft JhengHei"/>
-        <a:font script="Java" typeface="Javanese Text"/>
-        <a:font script="Lisu" typeface="Segoe UI"/>
-        <a:font script="Mymr" typeface="Myanmar Text"/>
-        <a:font script="Nkoo" typeface="Ebrima"/>
-        <a:font script="Olck" typeface="Nirmala UI"/>
-        <a:font script="Osma" typeface="Ebrima"/>
-        <a:font script="Phag" typeface="Phagspa"/>
-        <a:font script="Syrn" typeface="Estrangelo Edessa"/>
-        <a:font script="Syrj" typeface="Estrangelo Edessa"/>
-        <a:font script="Syre" typeface="Estrangelo Edessa"/>
-        <a:font script="Sora" typeface="Nirmala UI"/>
-        <a:font script="Tale" typeface="Microsoft Tai Le"/>
-        <a:font script="Talu" typeface="Microsoft New Tai Lue"/>
-        <a:font script="Tfng" typeface="Ebrima"/>
       </a:majorFont>
       <a:minorFont>
-        <a:latin typeface="Calibri" panose="020F0502020204030204"/>
+        <a:latin typeface="Calibri"/>
         <a:ea typeface=""/>
         <a:cs typeface=""/>
         <a:font script="Jpan" typeface="游ゴシック"/>
@@ -25607,23 +25257,6 @@
         <a:font script="Viet" typeface="Arial"/>
         <a:font script="Uigh" typeface="Microsoft Uighur"/>
         <a:font script="Geor" typeface="Sylfaen"/>
-        <a:font script="Armn" typeface="Arial"/>
-        <a:font script="Bugi" typeface="Leelawadee UI"/>
-        <a:font script="Bopo" typeface="Microsoft JhengHei"/>
-        <a:font script="Java" typeface="Javanese Text"/>
-        <a:font script="Lisu" typeface="Segoe UI"/>
-        <a:font script="Mymr" typeface="Myanmar Text"/>
-        <a:font script="Nkoo" typeface="Ebrima"/>
-        <a:font script="Olck" typeface="Nirmala UI"/>
-        <a:font script="Osma" typeface="Ebrima"/>
-        <a:font script="Phag" typeface="Phagspa"/>
-        <a:font script="Syrn" typeface="Estrangelo Edessa"/>
-        <a:font script="Syrj" typeface="Estrangelo Edessa"/>
-        <a:font script="Syre" typeface="Estrangelo Edessa"/>
-        <a:font script="Sora" typeface="Nirmala UI"/>
-        <a:font script="Tale" typeface="Microsoft Tai Le"/>
-        <a:font script="Talu" typeface="Microsoft New Tai Lue"/>
-        <a:font script="Tfng" typeface="Ebrima"/>
       </a:minorFont>
     </a:fontScheme>
     <a:fmtScheme name="Office">
@@ -25764,8 +25397,6 @@
       </a:bgFillStyleLst>
     </a:fmtScheme>
   </a:themeElements>
-  <a:objectDefaults/>
-  <a:extraClrSchemeLst/>
   <a:extLst>
     <a:ext uri="{05A4C25C-085E-4340-85A3-A5531E510DB2}">
       <thm15:themeFamily xmlns:thm15="http://schemas.microsoft.com/office/thememl/2012/main" name="Office Theme" id="{62F939B6-93AF-4DB8-9C6B-D6C7DFDC589F}" vid="{4A3C46E8-61CC-4603-A589-7422A47A8E4A}"/>

--- a/数据结构/PPT/05-sorting-part2-fall21.pptx
+++ b/数据结构/PPT/05-sorting-part2-fall21.pptx
@@ -5,15 +5,16 @@
     <p:sldMasterId id="2147483648" r:id="rId1"/>
   </p:sldMasterIdLst>
   <p:sldIdLst>
-    <p:sldId id="257" r:id="rId3"/>
-    <p:sldId id="312" r:id="rId4"/>
-    <p:sldId id="313" r:id="rId5"/>
-    <p:sldId id="314" r:id="rId6"/>
-    <p:sldId id="315" r:id="rId7"/>
-    <p:sldId id="316" r:id="rId8"/>
-    <p:sldId id="317" r:id="rId9"/>
-    <p:sldId id="318" r:id="rId10"/>
-    <p:sldId id="319" r:id="rId11"/>
+    <p:sldId id="257" r:id="rId2"/>
+    <p:sldId id="312" r:id="rId3"/>
+    <p:sldId id="313" r:id="rId4"/>
+    <p:sldId id="314" r:id="rId5"/>
+    <p:sldId id="315" r:id="rId6"/>
+    <p:sldId id="316" r:id="rId7"/>
+    <p:sldId id="317" r:id="rId8"/>
+    <p:sldId id="318" r:id="rId9"/>
+    <p:sldId id="319" r:id="rId10"/>
+    <p:sldId id="330" r:id="rId11"/>
     <p:sldId id="320" r:id="rId12"/>
     <p:sldId id="321" r:id="rId13"/>
     <p:sldId id="322" r:id="rId14"/>
@@ -31,19 +32,19 @@
   <p:embeddedFontLst>
     <p:embeddedFont>
       <p:font typeface="Calibri" panose="020F0502020204030204" pitchFamily="34" charset="0"/>
-      <p:regular r:id="rId26"/>
-      <p:bold r:id="rId27"/>
-      <p:italic r:id="rId28"/>
-      <p:boldItalic r:id="rId29"/>
+      <p:regular r:id="rId23"/>
+      <p:bold r:id="rId24"/>
+      <p:italic r:id="rId25"/>
+      <p:boldItalic r:id="rId26"/>
     </p:embeddedFont>
     <p:embeddedFont>
       <p:font typeface="Calibri Light" panose="020F0302020204030204" pitchFamily="34" charset="0"/>
-      <p:regular r:id="rId30"/>
-      <p:italic r:id="rId31"/>
+      <p:regular r:id="rId27"/>
+      <p:italic r:id="rId28"/>
     </p:embeddedFont>
     <p:embeddedFont>
       <p:font typeface="Cambria Math" panose="02040503050406030204" pitchFamily="18" charset="0"/>
-      <p:regular r:id="rId32"/>
+      <p:regular r:id="rId29"/>
     </p:embeddedFont>
   </p:embeddedFontLst>
   <p:defaultTextStyle>
@@ -141,6 +142,11 @@
       </a:defRPr>
     </a:lvl9pPr>
   </p:defaultTextStyle>
+  <p:extLst>
+    <p:ext uri="{EFAFB233-063F-42B5-8137-9DF3F51BA10A}">
+      <p15:sldGuideLst xmlns:p15="http://schemas.microsoft.com/office/powerpoint/2012/main"/>
+    </p:ext>
+  </p:extLst>
 </p:presentation>
 </file>
 
@@ -275,6 +281,7 @@
           <a:p>
             <a:fld id="{C020B53D-227B-4039-9FB3-FDFB3C37236B}" type="datetimeFigureOut">
               <a:rPr lang="en-US" smtClean="0"/>
+              <a:t>6/3/2023</a:t>
             </a:fld>
             <a:endParaRPr lang="en-US"/>
           </a:p>
@@ -316,6 +323,7 @@
           <a:p>
             <a:fld id="{7F34339B-1C62-4A78-8F04-8594B379508C}" type="slidenum">
               <a:rPr lang="en-US" smtClean="0"/>
+              <a:t>‹#›</a:t>
             </a:fld>
             <a:endParaRPr lang="en-US"/>
           </a:p>
@@ -389,7 +397,6 @@
               <a:rPr lang="zh-CN" altLang="en-US"/>
               <a:t>单击此处编辑母版文本样式</a:t>
             </a:r>
-            <a:endParaRPr lang="zh-CN" altLang="en-US"/>
           </a:p>
           <a:p>
             <a:pPr lvl="1"/>
@@ -397,7 +404,6 @@
               <a:rPr lang="zh-CN" altLang="en-US"/>
               <a:t>二级</a:t>
             </a:r>
-            <a:endParaRPr lang="zh-CN" altLang="en-US"/>
           </a:p>
           <a:p>
             <a:pPr lvl="2"/>
@@ -405,7 +411,6 @@
               <a:rPr lang="zh-CN" altLang="en-US"/>
               <a:t>三级</a:t>
             </a:r>
-            <a:endParaRPr lang="zh-CN" altLang="en-US"/>
           </a:p>
           <a:p>
             <a:pPr lvl="3"/>
@@ -413,7 +418,6 @@
               <a:rPr lang="zh-CN" altLang="en-US"/>
               <a:t>四级</a:t>
             </a:r>
-            <a:endParaRPr lang="zh-CN" altLang="en-US"/>
           </a:p>
           <a:p>
             <a:pPr lvl="4"/>
@@ -442,6 +446,7 @@
           <a:p>
             <a:fld id="{C020B53D-227B-4039-9FB3-FDFB3C37236B}" type="datetimeFigureOut">
               <a:rPr lang="en-US" smtClean="0"/>
+              <a:t>6/3/2023</a:t>
             </a:fld>
             <a:endParaRPr lang="en-US"/>
           </a:p>
@@ -483,6 +488,7 @@
           <a:p>
             <a:fld id="{7F34339B-1C62-4A78-8F04-8594B379508C}" type="slidenum">
               <a:rPr lang="en-US" smtClean="0"/>
+              <a:t>‹#›</a:t>
             </a:fld>
             <a:endParaRPr lang="en-US"/>
           </a:p>
@@ -566,7 +572,6 @@
               <a:rPr lang="zh-CN" altLang="en-US"/>
               <a:t>单击此处编辑母版文本样式</a:t>
             </a:r>
-            <a:endParaRPr lang="zh-CN" altLang="en-US"/>
           </a:p>
           <a:p>
             <a:pPr lvl="1"/>
@@ -574,7 +579,6 @@
               <a:rPr lang="zh-CN" altLang="en-US"/>
               <a:t>二级</a:t>
             </a:r>
-            <a:endParaRPr lang="zh-CN" altLang="en-US"/>
           </a:p>
           <a:p>
             <a:pPr lvl="2"/>
@@ -582,7 +586,6 @@
               <a:rPr lang="zh-CN" altLang="en-US"/>
               <a:t>三级</a:t>
             </a:r>
-            <a:endParaRPr lang="zh-CN" altLang="en-US"/>
           </a:p>
           <a:p>
             <a:pPr lvl="3"/>
@@ -590,7 +593,6 @@
               <a:rPr lang="zh-CN" altLang="en-US"/>
               <a:t>四级</a:t>
             </a:r>
-            <a:endParaRPr lang="zh-CN" altLang="en-US"/>
           </a:p>
           <a:p>
             <a:pPr lvl="4"/>
@@ -619,6 +621,7 @@
           <a:p>
             <a:fld id="{C020B53D-227B-4039-9FB3-FDFB3C37236B}" type="datetimeFigureOut">
               <a:rPr lang="en-US" smtClean="0"/>
+              <a:t>6/3/2023</a:t>
             </a:fld>
             <a:endParaRPr lang="en-US"/>
           </a:p>
@@ -660,6 +663,7 @@
           <a:p>
             <a:fld id="{7F34339B-1C62-4A78-8F04-8594B379508C}" type="slidenum">
               <a:rPr lang="en-US" smtClean="0"/>
+              <a:t>‹#›</a:t>
             </a:fld>
             <a:endParaRPr lang="en-US"/>
           </a:p>
@@ -733,7 +737,6 @@
               <a:rPr lang="zh-CN" altLang="en-US"/>
               <a:t>单击此处编辑母版文本样式</a:t>
             </a:r>
-            <a:endParaRPr lang="zh-CN" altLang="en-US"/>
           </a:p>
           <a:p>
             <a:pPr lvl="1"/>
@@ -741,7 +744,6 @@
               <a:rPr lang="zh-CN" altLang="en-US"/>
               <a:t>二级</a:t>
             </a:r>
-            <a:endParaRPr lang="zh-CN" altLang="en-US"/>
           </a:p>
           <a:p>
             <a:pPr lvl="2"/>
@@ -749,7 +751,6 @@
               <a:rPr lang="zh-CN" altLang="en-US"/>
               <a:t>三级</a:t>
             </a:r>
-            <a:endParaRPr lang="zh-CN" altLang="en-US"/>
           </a:p>
           <a:p>
             <a:pPr lvl="3"/>
@@ -757,7 +758,6 @@
               <a:rPr lang="zh-CN" altLang="en-US"/>
               <a:t>四级</a:t>
             </a:r>
-            <a:endParaRPr lang="zh-CN" altLang="en-US"/>
           </a:p>
           <a:p>
             <a:pPr lvl="4"/>
@@ -786,6 +786,7 @@
           <a:p>
             <a:fld id="{C020B53D-227B-4039-9FB3-FDFB3C37236B}" type="datetimeFigureOut">
               <a:rPr lang="en-US" smtClean="0"/>
+              <a:t>6/3/2023</a:t>
             </a:fld>
             <a:endParaRPr lang="en-US"/>
           </a:p>
@@ -827,6 +828,7 @@
           <a:p>
             <a:fld id="{7F34339B-1C62-4A78-8F04-8594B379508C}" type="slidenum">
               <a:rPr lang="en-US" smtClean="0"/>
+              <a:t>‹#›</a:t>
             </a:fld>
             <a:endParaRPr lang="en-US"/>
           </a:p>
@@ -1005,7 +1007,6 @@
               <a:rPr lang="zh-CN" altLang="en-US"/>
               <a:t>单击此处编辑母版文本样式</a:t>
             </a:r>
-            <a:endParaRPr lang="zh-CN" altLang="en-US"/>
           </a:p>
         </p:txBody>
       </p:sp>
@@ -1026,6 +1027,7 @@
           <a:p>
             <a:fld id="{C020B53D-227B-4039-9FB3-FDFB3C37236B}" type="datetimeFigureOut">
               <a:rPr lang="en-US" smtClean="0"/>
+              <a:t>6/3/2023</a:t>
             </a:fld>
             <a:endParaRPr lang="en-US"/>
           </a:p>
@@ -1067,6 +1069,7 @@
           <a:p>
             <a:fld id="{7F34339B-1C62-4A78-8F04-8594B379508C}" type="slidenum">
               <a:rPr lang="en-US" smtClean="0"/>
+              <a:t>‹#›</a:t>
             </a:fld>
             <a:endParaRPr lang="en-US"/>
           </a:p>
@@ -1145,7 +1148,6 @@
               <a:rPr lang="zh-CN" altLang="en-US"/>
               <a:t>单击此处编辑母版文本样式</a:t>
             </a:r>
-            <a:endParaRPr lang="zh-CN" altLang="en-US"/>
           </a:p>
           <a:p>
             <a:pPr lvl="1"/>
@@ -1153,7 +1155,6 @@
               <a:rPr lang="zh-CN" altLang="en-US"/>
               <a:t>二级</a:t>
             </a:r>
-            <a:endParaRPr lang="zh-CN" altLang="en-US"/>
           </a:p>
           <a:p>
             <a:pPr lvl="2"/>
@@ -1161,7 +1162,6 @@
               <a:rPr lang="zh-CN" altLang="en-US"/>
               <a:t>三级</a:t>
             </a:r>
-            <a:endParaRPr lang="zh-CN" altLang="en-US"/>
           </a:p>
           <a:p>
             <a:pPr lvl="3"/>
@@ -1169,7 +1169,6 @@
               <a:rPr lang="zh-CN" altLang="en-US"/>
               <a:t>四级</a:t>
             </a:r>
-            <a:endParaRPr lang="zh-CN" altLang="en-US"/>
           </a:p>
           <a:p>
             <a:pPr lvl="4"/>
@@ -1206,7 +1205,6 @@
               <a:rPr lang="zh-CN" altLang="en-US"/>
               <a:t>单击此处编辑母版文本样式</a:t>
             </a:r>
-            <a:endParaRPr lang="zh-CN" altLang="en-US"/>
           </a:p>
           <a:p>
             <a:pPr lvl="1"/>
@@ -1214,7 +1212,6 @@
               <a:rPr lang="zh-CN" altLang="en-US"/>
               <a:t>二级</a:t>
             </a:r>
-            <a:endParaRPr lang="zh-CN" altLang="en-US"/>
           </a:p>
           <a:p>
             <a:pPr lvl="2"/>
@@ -1222,7 +1219,6 @@
               <a:rPr lang="zh-CN" altLang="en-US"/>
               <a:t>三级</a:t>
             </a:r>
-            <a:endParaRPr lang="zh-CN" altLang="en-US"/>
           </a:p>
           <a:p>
             <a:pPr lvl="3"/>
@@ -1230,7 +1226,6 @@
               <a:rPr lang="zh-CN" altLang="en-US"/>
               <a:t>四级</a:t>
             </a:r>
-            <a:endParaRPr lang="zh-CN" altLang="en-US"/>
           </a:p>
           <a:p>
             <a:pPr lvl="4"/>
@@ -1259,6 +1254,7 @@
           <a:p>
             <a:fld id="{C020B53D-227B-4039-9FB3-FDFB3C37236B}" type="datetimeFigureOut">
               <a:rPr lang="en-US" smtClean="0"/>
+              <a:t>6/3/2023</a:t>
             </a:fld>
             <a:endParaRPr lang="en-US"/>
           </a:p>
@@ -1300,6 +1296,7 @@
           <a:p>
             <a:fld id="{7F34339B-1C62-4A78-8F04-8594B379508C}" type="slidenum">
               <a:rPr lang="en-US" smtClean="0"/>
+              <a:t>‹#›</a:t>
             </a:fld>
             <a:endParaRPr lang="en-US"/>
           </a:p>
@@ -1420,7 +1417,6 @@
               <a:rPr lang="zh-CN" altLang="en-US"/>
               <a:t>单击此处编辑母版文本样式</a:t>
             </a:r>
-            <a:endParaRPr lang="zh-CN" altLang="en-US"/>
           </a:p>
         </p:txBody>
       </p:sp>
@@ -1449,7 +1445,6 @@
               <a:rPr lang="zh-CN" altLang="en-US"/>
               <a:t>单击此处编辑母版文本样式</a:t>
             </a:r>
-            <a:endParaRPr lang="zh-CN" altLang="en-US"/>
           </a:p>
           <a:p>
             <a:pPr lvl="1"/>
@@ -1457,7 +1452,6 @@
               <a:rPr lang="zh-CN" altLang="en-US"/>
               <a:t>二级</a:t>
             </a:r>
-            <a:endParaRPr lang="zh-CN" altLang="en-US"/>
           </a:p>
           <a:p>
             <a:pPr lvl="2"/>
@@ -1465,7 +1459,6 @@
               <a:rPr lang="zh-CN" altLang="en-US"/>
               <a:t>三级</a:t>
             </a:r>
-            <a:endParaRPr lang="zh-CN" altLang="en-US"/>
           </a:p>
           <a:p>
             <a:pPr lvl="3"/>
@@ -1473,7 +1466,6 @@
               <a:rPr lang="zh-CN" altLang="en-US"/>
               <a:t>四级</a:t>
             </a:r>
-            <a:endParaRPr lang="zh-CN" altLang="en-US"/>
           </a:p>
           <a:p>
             <a:pPr lvl="4"/>
@@ -1547,7 +1539,6 @@
               <a:rPr lang="zh-CN" altLang="en-US"/>
               <a:t>单击此处编辑母版文本样式</a:t>
             </a:r>
-            <a:endParaRPr lang="zh-CN" altLang="en-US"/>
           </a:p>
         </p:txBody>
       </p:sp>
@@ -1576,7 +1567,6 @@
               <a:rPr lang="zh-CN" altLang="en-US"/>
               <a:t>单击此处编辑母版文本样式</a:t>
             </a:r>
-            <a:endParaRPr lang="zh-CN" altLang="en-US"/>
           </a:p>
           <a:p>
             <a:pPr lvl="1"/>
@@ -1584,7 +1574,6 @@
               <a:rPr lang="zh-CN" altLang="en-US"/>
               <a:t>二级</a:t>
             </a:r>
-            <a:endParaRPr lang="zh-CN" altLang="en-US"/>
           </a:p>
           <a:p>
             <a:pPr lvl="2"/>
@@ -1592,7 +1581,6 @@
               <a:rPr lang="zh-CN" altLang="en-US"/>
               <a:t>三级</a:t>
             </a:r>
-            <a:endParaRPr lang="zh-CN" altLang="en-US"/>
           </a:p>
           <a:p>
             <a:pPr lvl="3"/>
@@ -1600,7 +1588,6 @@
               <a:rPr lang="zh-CN" altLang="en-US"/>
               <a:t>四级</a:t>
             </a:r>
-            <a:endParaRPr lang="zh-CN" altLang="en-US"/>
           </a:p>
           <a:p>
             <a:pPr lvl="4"/>
@@ -1629,6 +1616,7 @@
           <a:p>
             <a:fld id="{C020B53D-227B-4039-9FB3-FDFB3C37236B}" type="datetimeFigureOut">
               <a:rPr lang="en-US" smtClean="0"/>
+              <a:t>6/3/2023</a:t>
             </a:fld>
             <a:endParaRPr lang="en-US"/>
           </a:p>
@@ -1670,6 +1658,7 @@
           <a:p>
             <a:fld id="{7F34339B-1C62-4A78-8F04-8594B379508C}" type="slidenum">
               <a:rPr lang="en-US" smtClean="0"/>
+              <a:t>‹#›</a:t>
             </a:fld>
             <a:endParaRPr lang="en-US"/>
           </a:p>
@@ -1740,6 +1729,7 @@
           <a:p>
             <a:fld id="{C020B53D-227B-4039-9FB3-FDFB3C37236B}" type="datetimeFigureOut">
               <a:rPr lang="en-US" smtClean="0"/>
+              <a:t>6/3/2023</a:t>
             </a:fld>
             <a:endParaRPr lang="en-US"/>
           </a:p>
@@ -1781,6 +1771,7 @@
           <a:p>
             <a:fld id="{7F34339B-1C62-4A78-8F04-8594B379508C}" type="slidenum">
               <a:rPr lang="en-US" smtClean="0"/>
+              <a:t>‹#›</a:t>
             </a:fld>
             <a:endParaRPr lang="en-US"/>
           </a:p>
@@ -1828,6 +1819,7 @@
           <a:p>
             <a:fld id="{C020B53D-227B-4039-9FB3-FDFB3C37236B}" type="datetimeFigureOut">
               <a:rPr lang="en-US" smtClean="0"/>
+              <a:t>6/3/2023</a:t>
             </a:fld>
             <a:endParaRPr lang="en-US"/>
           </a:p>
@@ -1869,6 +1861,7 @@
           <a:p>
             <a:fld id="{7F34339B-1C62-4A78-8F04-8594B379508C}" type="slidenum">
               <a:rPr lang="en-US" smtClean="0"/>
+              <a:t>‹#›</a:t>
             </a:fld>
             <a:endParaRPr lang="en-US"/>
           </a:p>
@@ -1984,7 +1977,6 @@
               <a:rPr lang="zh-CN" altLang="en-US"/>
               <a:t>单击此处编辑母版文本样式</a:t>
             </a:r>
-            <a:endParaRPr lang="zh-CN" altLang="en-US"/>
           </a:p>
           <a:p>
             <a:pPr lvl="1"/>
@@ -1992,7 +1984,6 @@
               <a:rPr lang="zh-CN" altLang="en-US"/>
               <a:t>二级</a:t>
             </a:r>
-            <a:endParaRPr lang="zh-CN" altLang="en-US"/>
           </a:p>
           <a:p>
             <a:pPr lvl="2"/>
@@ -2000,7 +1991,6 @@
               <a:rPr lang="zh-CN" altLang="en-US"/>
               <a:t>三级</a:t>
             </a:r>
-            <a:endParaRPr lang="zh-CN" altLang="en-US"/>
           </a:p>
           <a:p>
             <a:pPr lvl="3"/>
@@ -2008,7 +1998,6 @@
               <a:rPr lang="zh-CN" altLang="en-US"/>
               <a:t>四级</a:t>
             </a:r>
-            <a:endParaRPr lang="zh-CN" altLang="en-US"/>
           </a:p>
           <a:p>
             <a:pPr lvl="4"/>
@@ -2082,7 +2071,6 @@
               <a:rPr lang="zh-CN" altLang="en-US"/>
               <a:t>单击此处编辑母版文本样式</a:t>
             </a:r>
-            <a:endParaRPr lang="zh-CN" altLang="en-US"/>
           </a:p>
         </p:txBody>
       </p:sp>
@@ -2103,6 +2091,7 @@
           <a:p>
             <a:fld id="{C020B53D-227B-4039-9FB3-FDFB3C37236B}" type="datetimeFigureOut">
               <a:rPr lang="en-US" smtClean="0"/>
+              <a:t>6/3/2023</a:t>
             </a:fld>
             <a:endParaRPr lang="en-US"/>
           </a:p>
@@ -2144,6 +2133,7 @@
           <a:p>
             <a:fld id="{7F34339B-1C62-4A78-8F04-8594B379508C}" type="slidenum">
               <a:rPr lang="en-US" smtClean="0"/>
+              <a:t>‹#›</a:t>
             </a:fld>
             <a:endParaRPr lang="en-US"/>
           </a:p>
@@ -2329,7 +2319,6 @@
               <a:rPr lang="zh-CN" altLang="en-US"/>
               <a:t>单击此处编辑母版文本样式</a:t>
             </a:r>
-            <a:endParaRPr lang="zh-CN" altLang="en-US"/>
           </a:p>
         </p:txBody>
       </p:sp>
@@ -2350,6 +2339,7 @@
           <a:p>
             <a:fld id="{C020B53D-227B-4039-9FB3-FDFB3C37236B}" type="datetimeFigureOut">
               <a:rPr lang="en-US" smtClean="0"/>
+              <a:t>6/3/2023</a:t>
             </a:fld>
             <a:endParaRPr lang="en-US"/>
           </a:p>
@@ -2391,6 +2381,7 @@
           <a:p>
             <a:fld id="{7F34339B-1C62-4A78-8F04-8594B379508C}" type="slidenum">
               <a:rPr lang="en-US" smtClean="0"/>
+              <a:t>‹#›</a:t>
             </a:fld>
             <a:endParaRPr lang="en-US"/>
           </a:p>
@@ -2489,7 +2480,6 @@
               <a:rPr lang="zh-CN" altLang="en-US"/>
               <a:t>单击此处编辑母版文本样式</a:t>
             </a:r>
-            <a:endParaRPr lang="zh-CN" altLang="en-US"/>
           </a:p>
           <a:p>
             <a:pPr lvl="1"/>
@@ -2497,7 +2487,6 @@
               <a:rPr lang="zh-CN" altLang="en-US"/>
               <a:t>二级</a:t>
             </a:r>
-            <a:endParaRPr lang="zh-CN" altLang="en-US"/>
           </a:p>
           <a:p>
             <a:pPr lvl="2"/>
@@ -2505,7 +2494,6 @@
               <a:rPr lang="zh-CN" altLang="en-US"/>
               <a:t>三级</a:t>
             </a:r>
-            <a:endParaRPr lang="zh-CN" altLang="en-US"/>
           </a:p>
           <a:p>
             <a:pPr lvl="3"/>
@@ -2513,7 +2501,6 @@
               <a:rPr lang="zh-CN" altLang="en-US"/>
               <a:t>四级</a:t>
             </a:r>
-            <a:endParaRPr lang="zh-CN" altLang="en-US"/>
           </a:p>
           <a:p>
             <a:pPr lvl="4"/>
@@ -2560,6 +2547,7 @@
           <a:p>
             <a:fld id="{C020B53D-227B-4039-9FB3-FDFB3C37236B}" type="datetimeFigureOut">
               <a:rPr lang="en-US" smtClean="0"/>
+              <a:t>6/3/2023</a:t>
             </a:fld>
             <a:endParaRPr lang="en-US"/>
           </a:p>
@@ -2637,6 +2625,7 @@
           <a:p>
             <a:fld id="{7F34339B-1C62-4A78-8F04-8594B379508C}" type="slidenum">
               <a:rPr lang="en-US" smtClean="0"/>
+              <a:t>‹#›</a:t>
             </a:fld>
             <a:endParaRPr lang="en-US"/>
           </a:p>
@@ -3020,7 +3009,6 @@
               <a:rPr lang="en-GB" dirty="0"/>
               <a:t>Data Structures and Algorithms</a:t>
             </a:r>
-            <a:endParaRPr lang="en-GB" dirty="0"/>
           </a:p>
           <a:p>
             <a:pPr>
@@ -3041,13 +3029,6 @@
               </a:rPr>
               <a:t>Nanjing University, Fall 2021</a:t>
             </a:r>
-            <a:endParaRPr lang="en-GB" sz="2000" dirty="0">
-              <a:solidFill>
-                <a:schemeClr val="bg2">
-                  <a:lumMod val="50000"/>
-                </a:schemeClr>
-              </a:solidFill>
-            </a:endParaRPr>
           </a:p>
           <a:p>
             <a:pPr>
@@ -3115,6 +3096,792 @@
         </p:nvSpPr>
         <p:spPr/>
         <p:txBody>
+          <a:bodyPr/>
+          <a:lstStyle/>
+          <a:p>
+            <a:r>
+              <a:rPr lang="en-US" dirty="0"/>
+              <a:t>Decision Tree</a:t>
+            </a:r>
+          </a:p>
+        </p:txBody>
+      </p:sp>
+      <p:sp>
+        <p:nvSpPr>
+          <p:cNvPr id="3" name="内容占位符 2"/>
+          <p:cNvSpPr>
+            <a:spLocks noGrp="1"/>
+          </p:cNvSpPr>
+          <p:nvPr>
+            <p:ph idx="1"/>
+          </p:nvPr>
+        </p:nvSpPr>
+        <p:spPr>
+          <a:xfrm>
+            <a:off x="628650" y="1690688"/>
+            <a:ext cx="7886700" cy="4802185"/>
+          </a:xfrm>
+        </p:spPr>
+        <p:txBody>
+          <a:bodyPr>
+            <a:normAutofit/>
+          </a:bodyPr>
+          <a:lstStyle/>
+          <a:p>
+            <a:r>
+              <a:rPr lang="en-US" sz="2400" dirty="0"/>
+              <a:t>Decisions trees can be used to describe algorithms.</a:t>
+            </a:r>
+          </a:p>
+          <a:p>
+            <a:pPr lvl="1"/>
+            <a:r>
+              <a:rPr lang="en-US" sz="2000" dirty="0"/>
+              <a:t>A decision tree is a tree.</a:t>
+            </a:r>
+          </a:p>
+          <a:p>
+            <a:pPr lvl="1"/>
+            <a:r>
+              <a:rPr lang="en-US" sz="2000" dirty="0"/>
+              <a:t>Each internal node denotes a query the algorithm makes on input.</a:t>
+            </a:r>
+          </a:p>
+          <a:p>
+            <a:pPr lvl="1"/>
+            <a:r>
+              <a:rPr lang="en-US" sz="2000" dirty="0"/>
+              <a:t>Outgoing edges denote the possible answers to that query.</a:t>
+            </a:r>
+          </a:p>
+          <a:p>
+            <a:pPr lvl="1"/>
+            <a:r>
+              <a:rPr lang="en-US" sz="2000" dirty="0"/>
+              <a:t>Each leaf denotes an output.</a:t>
+            </a:r>
+          </a:p>
+          <a:p>
+            <a:r>
+              <a:rPr lang="en-US" sz="2400" dirty="0"/>
+              <a:t>One execution of the algorithm is a path from root to a leaf.</a:t>
+            </a:r>
+          </a:p>
+          <a:p>
+            <a:pPr lvl="1"/>
+            <a:r>
+              <a:rPr lang="en-US" sz="2000" dirty="0"/>
+              <a:t>At each internal node, answer to query tells us where to go next.</a:t>
+            </a:r>
+          </a:p>
+          <a:p>
+            <a:r>
+              <a:rPr lang="en-US" sz="2400" dirty="0">
+                <a:solidFill>
+                  <a:srgbClr val="C00000"/>
+                </a:solidFill>
+              </a:rPr>
+              <a:t>The worst-case time complexity is at least the length of the longest path from root to some leaf. I.e., height of the tree!</a:t>
+            </a:r>
+          </a:p>
+        </p:txBody>
+      </p:sp>
+      <p:grpSp>
+        <p:nvGrpSpPr>
+          <p:cNvPr id="8" name="组合 7"/>
+          <p:cNvGrpSpPr/>
+          <p:nvPr/>
+        </p:nvGrpSpPr>
+        <p:grpSpPr>
+          <a:xfrm>
+            <a:off x="3741683" y="4363439"/>
+            <a:ext cx="4773667" cy="2129642"/>
+            <a:chOff x="3741683" y="4363439"/>
+            <a:chExt cx="4773667" cy="2129642"/>
+          </a:xfrm>
+        </p:grpSpPr>
+        <p:pic>
+          <p:nvPicPr>
+            <p:cNvPr id="4" name="图片 3"/>
+            <p:cNvPicPr>
+              <a:picLocks noChangeAspect="1"/>
+            </p:cNvPicPr>
+            <p:nvPr/>
+          </p:nvPicPr>
+          <p:blipFill>
+            <a:blip r:embed="rId2"/>
+            <a:stretch>
+              <a:fillRect/>
+            </a:stretch>
+          </p:blipFill>
+          <p:spPr>
+            <a:xfrm>
+              <a:off x="3741683" y="4363439"/>
+              <a:ext cx="4773667" cy="2129642"/>
+            </a:xfrm>
+            <a:prstGeom prst="rect">
+              <a:avLst/>
+            </a:prstGeom>
+            <a:ln w="38100" cap="sq">
+              <a:solidFill>
+                <a:srgbClr val="000000"/>
+              </a:solidFill>
+              <a:prstDash val="solid"/>
+              <a:miter lim="800000"/>
+              <a:headEnd/>
+              <a:tailEnd/>
+            </a:ln>
+            <a:effectLst>
+              <a:outerShdw blurRad="50800" dist="38100" dir="2700000" algn="tl" rotWithShape="0">
+                <a:srgbClr val="000000">
+                  <a:alpha val="43000"/>
+                </a:srgbClr>
+              </a:outerShdw>
+            </a:effectLst>
+          </p:spPr>
+        </p:pic>
+        <mc:AlternateContent xmlns:mc="http://schemas.openxmlformats.org/markup-compatibility/2006" xmlns:a14="http://schemas.microsoft.com/office/drawing/2010/main">
+          <mc:Choice Requires="a14">
+            <p:sp>
+              <p:nvSpPr>
+                <p:cNvPr id="7" name="文本框 6"/>
+                <p:cNvSpPr txBox="1"/>
+                <p:nvPr/>
+              </p:nvSpPr>
+              <p:spPr>
+                <a:xfrm>
+                  <a:off x="3808740" y="4363439"/>
+                  <a:ext cx="1535805" cy="276999"/>
+                </a:xfrm>
+                <a:prstGeom prst="rect">
+                  <a:avLst/>
+                </a:prstGeom>
+                <a:noFill/>
+              </p:spPr>
+              <p:txBody>
+                <a:bodyPr wrap="none" lIns="0" tIns="0" rIns="0" bIns="0" rtlCol="0">
+                  <a:spAutoFit/>
+                </a:bodyPr>
+                <a:lstStyle/>
+                <a:p>
+                  <a:r>
+                    <a:rPr lang="en-US" dirty="0"/>
+                    <a:t>Sort </a:t>
+                  </a:r>
+                  <a14:m>
+                    <m:oMath xmlns:m="http://schemas.openxmlformats.org/officeDocument/2006/math">
+                      <m:d>
+                        <m:dPr>
+                          <m:begChr m:val="⟨"/>
+                          <m:endChr m:val="⟩"/>
+                          <m:ctrlPr>
+                            <a:rPr lang="en-US" i="1" smtClean="0">
+                              <a:latin typeface="Cambria Math" panose="02040503050406030204" pitchFamily="18" charset="0"/>
+                            </a:rPr>
+                          </m:ctrlPr>
+                        </m:dPr>
+                        <m:e>
+                          <m:sSub>
+                            <m:sSubPr>
+                              <m:ctrlPr>
+                                <a:rPr lang="en-US" b="0" i="1" smtClean="0">
+                                  <a:latin typeface="Cambria Math" panose="02040503050406030204" pitchFamily="18" charset="0"/>
+                                </a:rPr>
+                              </m:ctrlPr>
+                            </m:sSubPr>
+                            <m:e>
+                              <m:r>
+                                <a:rPr lang="en-US" b="0" i="1" smtClean="0">
+                                  <a:latin typeface="Cambria Math" panose="02040503050406030204" pitchFamily="18" charset="0"/>
+                                </a:rPr>
+                                <m:t>𝑎</m:t>
+                              </m:r>
+                            </m:e>
+                            <m:sub>
+                              <m:r>
+                                <a:rPr lang="en-US" b="0" i="1" smtClean="0">
+                                  <a:latin typeface="Cambria Math" panose="02040503050406030204" pitchFamily="18" charset="0"/>
+                                </a:rPr>
+                                <m:t>1</m:t>
+                              </m:r>
+                            </m:sub>
+                          </m:sSub>
+                          <m:r>
+                            <a:rPr lang="en-US" b="0" i="1" smtClean="0">
+                              <a:latin typeface="Cambria Math" panose="02040503050406030204" pitchFamily="18" charset="0"/>
+                            </a:rPr>
+                            <m:t>,</m:t>
+                          </m:r>
+                          <m:sSub>
+                            <m:sSubPr>
+                              <m:ctrlPr>
+                                <a:rPr lang="en-US" b="0" i="1" smtClean="0">
+                                  <a:latin typeface="Cambria Math" panose="02040503050406030204" pitchFamily="18" charset="0"/>
+                                </a:rPr>
+                              </m:ctrlPr>
+                            </m:sSubPr>
+                            <m:e>
+                              <m:r>
+                                <a:rPr lang="en-US" b="0" i="1" smtClean="0">
+                                  <a:latin typeface="Cambria Math" panose="02040503050406030204" pitchFamily="18" charset="0"/>
+                                </a:rPr>
+                                <m:t>𝑎</m:t>
+                              </m:r>
+                            </m:e>
+                            <m:sub>
+                              <m:r>
+                                <a:rPr lang="en-US" b="0" i="1" smtClean="0">
+                                  <a:latin typeface="Cambria Math" panose="02040503050406030204" pitchFamily="18" charset="0"/>
+                                </a:rPr>
+                                <m:t>2</m:t>
+                              </m:r>
+                            </m:sub>
+                          </m:sSub>
+                          <m:r>
+                            <a:rPr lang="en-US" b="0" i="1" smtClean="0">
+                              <a:latin typeface="Cambria Math" panose="02040503050406030204" pitchFamily="18" charset="0"/>
+                            </a:rPr>
+                            <m:t>,</m:t>
+                          </m:r>
+                          <m:sSub>
+                            <m:sSubPr>
+                              <m:ctrlPr>
+                                <a:rPr lang="en-US" b="0" i="1" smtClean="0">
+                                  <a:latin typeface="Cambria Math" panose="02040503050406030204" pitchFamily="18" charset="0"/>
+                                </a:rPr>
+                              </m:ctrlPr>
+                            </m:sSubPr>
+                            <m:e>
+                              <m:r>
+                                <a:rPr lang="en-US" b="0" i="1" smtClean="0">
+                                  <a:latin typeface="Cambria Math" panose="02040503050406030204" pitchFamily="18" charset="0"/>
+                                </a:rPr>
+                                <m:t>𝑎</m:t>
+                              </m:r>
+                            </m:e>
+                            <m:sub>
+                              <m:r>
+                                <a:rPr lang="en-US" b="0" i="1" smtClean="0">
+                                  <a:latin typeface="Cambria Math" panose="02040503050406030204" pitchFamily="18" charset="0"/>
+                                </a:rPr>
+                                <m:t>3</m:t>
+                              </m:r>
+                            </m:sub>
+                          </m:sSub>
+                        </m:e>
+                      </m:d>
+                    </m:oMath>
+                  </a14:m>
+                  <a:r>
+                    <a:rPr lang="en-US" dirty="0"/>
+                    <a:t>.</a:t>
+                  </a:r>
+                </a:p>
+              </p:txBody>
+            </p:sp>
+          </mc:Choice>
+          <mc:Fallback xmlns="">
+            <p:sp>
+              <p:nvSpPr>
+                <p:cNvPr id="7" name="文本框 6"/>
+                <p:cNvSpPr txBox="1">
+                  <a:spLocks noRot="1" noChangeAspect="1" noMove="1" noResize="1" noEditPoints="1" noAdjustHandles="1" noChangeArrowheads="1" noChangeShapeType="1" noTextEdit="1"/>
+                </p:cNvSpPr>
+                <p:nvPr/>
+              </p:nvSpPr>
+              <p:spPr>
+                <a:xfrm>
+                  <a:off x="3808740" y="4363439"/>
+                  <a:ext cx="1535805" cy="276999"/>
+                </a:xfrm>
+                <a:prstGeom prst="rect">
+                  <a:avLst/>
+                </a:prstGeom>
+                <a:blipFill rotWithShape="1">
+                  <a:blip r:embed="rId3"/>
+                </a:blipFill>
+              </p:spPr>
+              <p:txBody>
+                <a:bodyPr/>
+                <a:lstStyle/>
+                <a:p>
+                  <a:r>
+                    <a:rPr lang="zh-CN" altLang="en-US">
+                      <a:noFill/>
+                    </a:rPr>
+                    <a:t> </a:t>
+                  </a:r>
+                </a:p>
+              </p:txBody>
+            </p:sp>
+          </mc:Fallback>
+        </mc:AlternateContent>
+      </p:grpSp>
+      <mc:AlternateContent xmlns:mc="http://schemas.openxmlformats.org/markup-compatibility/2006" xmlns:a14="http://schemas.microsoft.com/office/drawing/2010/main">
+        <mc:Choice Requires="a14">
+          <p:sp>
+            <p:nvSpPr>
+              <p:cNvPr id="5" name="文本框 4"/>
+              <p:cNvSpPr txBox="1"/>
+              <p:nvPr/>
+            </p:nvSpPr>
+            <p:spPr>
+              <a:xfrm>
+                <a:off x="6133159" y="4363439"/>
+                <a:ext cx="2382191" cy="276999"/>
+              </a:xfrm>
+              <a:prstGeom prst="rect">
+                <a:avLst/>
+              </a:prstGeom>
+              <a:noFill/>
+            </p:spPr>
+            <p:txBody>
+              <a:bodyPr wrap="none" lIns="0" tIns="0" rIns="0" bIns="0" rtlCol="0">
+                <a:spAutoFit/>
+              </a:bodyPr>
+              <a:lstStyle/>
+              <a:p>
+                <a:pPr/>
+                <a14:m>
+                  <m:oMathPara xmlns:m="http://schemas.openxmlformats.org/officeDocument/2006/math">
+                    <m:oMathParaPr>
+                      <m:jc m:val="centerGroup"/>
+                    </m:oMathParaPr>
+                    <m:oMath xmlns:m="http://schemas.openxmlformats.org/officeDocument/2006/math">
+                      <m:d>
+                        <m:dPr>
+                          <m:begChr m:val="⟨"/>
+                          <m:endChr m:val="⟩"/>
+                          <m:ctrlPr>
+                            <a:rPr lang="en-US" i="1" smtClean="0">
+                              <a:latin typeface="Cambria Math" panose="02040503050406030204" pitchFamily="18" charset="0"/>
+                            </a:rPr>
+                          </m:ctrlPr>
+                        </m:dPr>
+                        <m:e>
+                          <m:sSub>
+                            <m:sSubPr>
+                              <m:ctrlPr>
+                                <a:rPr lang="en-US" b="0" i="1" smtClean="0">
+                                  <a:latin typeface="Cambria Math" panose="02040503050406030204" pitchFamily="18" charset="0"/>
+                                </a:rPr>
+                              </m:ctrlPr>
+                            </m:sSubPr>
+                            <m:e>
+                              <m:r>
+                                <a:rPr lang="en-US" b="0" i="1" smtClean="0">
+                                  <a:latin typeface="Cambria Math" panose="02040503050406030204" pitchFamily="18" charset="0"/>
+                                </a:rPr>
+                                <m:t>𝑎</m:t>
+                              </m:r>
+                            </m:e>
+                            <m:sub>
+                              <m:r>
+                                <a:rPr lang="en-US" b="0" i="1" smtClean="0">
+                                  <a:latin typeface="Cambria Math" panose="02040503050406030204" pitchFamily="18" charset="0"/>
+                                </a:rPr>
+                                <m:t>1</m:t>
+                              </m:r>
+                            </m:sub>
+                          </m:sSub>
+                          <m:r>
+                            <a:rPr lang="en-US" b="0" i="1" smtClean="0">
+                              <a:latin typeface="Cambria Math" panose="02040503050406030204" pitchFamily="18" charset="0"/>
+                            </a:rPr>
+                            <m:t>=6,</m:t>
+                          </m:r>
+                          <m:sSub>
+                            <m:sSubPr>
+                              <m:ctrlPr>
+                                <a:rPr lang="en-US" b="0" i="1" smtClean="0">
+                                  <a:latin typeface="Cambria Math" panose="02040503050406030204" pitchFamily="18" charset="0"/>
+                                </a:rPr>
+                              </m:ctrlPr>
+                            </m:sSubPr>
+                            <m:e>
+                              <m:r>
+                                <a:rPr lang="en-US" b="0" i="1" smtClean="0">
+                                  <a:latin typeface="Cambria Math" panose="02040503050406030204" pitchFamily="18" charset="0"/>
+                                </a:rPr>
+                                <m:t>𝑎</m:t>
+                              </m:r>
+                            </m:e>
+                            <m:sub>
+                              <m:r>
+                                <a:rPr lang="en-US" b="0" i="1" smtClean="0">
+                                  <a:latin typeface="Cambria Math" panose="02040503050406030204" pitchFamily="18" charset="0"/>
+                                </a:rPr>
+                                <m:t>2</m:t>
+                              </m:r>
+                            </m:sub>
+                          </m:sSub>
+                          <m:r>
+                            <a:rPr lang="en-US" b="0" i="1" smtClean="0">
+                              <a:latin typeface="Cambria Math" panose="02040503050406030204" pitchFamily="18" charset="0"/>
+                            </a:rPr>
+                            <m:t>=8,</m:t>
+                          </m:r>
+                          <m:sSub>
+                            <m:sSubPr>
+                              <m:ctrlPr>
+                                <a:rPr lang="en-US" b="0" i="1" smtClean="0">
+                                  <a:latin typeface="Cambria Math" panose="02040503050406030204" pitchFamily="18" charset="0"/>
+                                </a:rPr>
+                              </m:ctrlPr>
+                            </m:sSubPr>
+                            <m:e>
+                              <m:r>
+                                <a:rPr lang="en-US" b="0" i="1" smtClean="0">
+                                  <a:latin typeface="Cambria Math" panose="02040503050406030204" pitchFamily="18" charset="0"/>
+                                </a:rPr>
+                                <m:t>𝑎</m:t>
+                              </m:r>
+                            </m:e>
+                            <m:sub>
+                              <m:r>
+                                <a:rPr lang="en-US" b="0" i="1" smtClean="0">
+                                  <a:latin typeface="Cambria Math" panose="02040503050406030204" pitchFamily="18" charset="0"/>
+                                </a:rPr>
+                                <m:t>3</m:t>
+                              </m:r>
+                            </m:sub>
+                          </m:sSub>
+                          <m:r>
+                            <a:rPr lang="en-US" b="0" i="1" smtClean="0">
+                              <a:latin typeface="Cambria Math" panose="02040503050406030204" pitchFamily="18" charset="0"/>
+                            </a:rPr>
+                            <m:t>=5</m:t>
+                          </m:r>
+                        </m:e>
+                      </m:d>
+                    </m:oMath>
+                  </m:oMathPara>
+                </a14:m>
+                <a:endParaRPr lang="en-US" dirty="0"/>
+              </a:p>
+            </p:txBody>
+          </p:sp>
+        </mc:Choice>
+        <mc:Fallback xmlns="">
+          <p:sp>
+            <p:nvSpPr>
+              <p:cNvPr id="5" name="文本框 4"/>
+              <p:cNvSpPr txBox="1">
+                <a:spLocks noRot="1" noChangeAspect="1" noMove="1" noResize="1" noEditPoints="1" noAdjustHandles="1" noChangeArrowheads="1" noChangeShapeType="1" noTextEdit="1"/>
+              </p:cNvSpPr>
+              <p:nvPr/>
+            </p:nvSpPr>
+            <p:spPr>
+              <a:xfrm>
+                <a:off x="6133159" y="4363439"/>
+                <a:ext cx="2382191" cy="276999"/>
+              </a:xfrm>
+              <a:prstGeom prst="rect">
+                <a:avLst/>
+              </a:prstGeom>
+              <a:blipFill rotWithShape="1">
+                <a:blip r:embed="rId4"/>
+                <a:stretch>
+                  <a:fillRect l="-14" t="-128" r="-11675" b="178"/>
+                </a:stretch>
+              </a:blipFill>
+            </p:spPr>
+            <p:txBody>
+              <a:bodyPr/>
+              <a:lstStyle/>
+              <a:p>
+                <a:r>
+                  <a:rPr lang="zh-CN" altLang="en-US">
+                    <a:noFill/>
+                  </a:rPr>
+                  <a:t> </a:t>
+                </a:r>
+              </a:p>
+            </p:txBody>
+          </p:sp>
+        </mc:Fallback>
+      </mc:AlternateContent>
+    </p:spTree>
+    <p:extLst>
+      <p:ext uri="{BB962C8B-B14F-4D97-AF65-F5344CB8AC3E}">
+        <p14:creationId xmlns:p14="http://schemas.microsoft.com/office/powerpoint/2010/main" val="1290740449"/>
+      </p:ext>
+    </p:extLst>
+  </p:cSld>
+  <p:clrMapOvr>
+    <a:masterClrMapping/>
+  </p:clrMapOvr>
+  <p:timing>
+    <p:tnLst>
+      <p:par>
+        <p:cTn id="1" dur="indefinite" restart="never" nodeType="tmRoot">
+          <p:childTnLst>
+            <p:seq concurrent="1" nextAc="seek">
+              <p:cTn id="2" dur="indefinite" nodeType="mainSeq">
+                <p:childTnLst>
+                  <p:par>
+                    <p:cTn id="3" fill="hold">
+                      <p:stCondLst>
+                        <p:cond delay="indefinite"/>
+                      </p:stCondLst>
+                      <p:childTnLst>
+                        <p:par>
+                          <p:cTn id="4" fill="hold">
+                            <p:stCondLst>
+                              <p:cond delay="0"/>
+                            </p:stCondLst>
+                            <p:childTnLst>
+                              <p:par>
+                                <p:cTn id="5" presetID="1" presetClass="entr" presetSubtype="0" fill="hold" nodeType="clickEffect">
+                                  <p:stCondLst>
+                                    <p:cond delay="0"/>
+                                  </p:stCondLst>
+                                  <p:childTnLst>
+                                    <p:set>
+                                      <p:cBhvr>
+                                        <p:cTn id="6" dur="1" fill="hold">
+                                          <p:stCondLst>
+                                            <p:cond delay="0"/>
+                                          </p:stCondLst>
+                                        </p:cTn>
+                                        <p:tgtEl>
+                                          <p:spTgt spid="3">
+                                            <p:txEl>
+                                              <p:pRg st="5" end="5"/>
+                                            </p:txEl>
+                                          </p:spTgt>
+                                        </p:tgtEl>
+                                        <p:attrNameLst>
+                                          <p:attrName>style.visibility</p:attrName>
+                                        </p:attrNameLst>
+                                      </p:cBhvr>
+                                      <p:to>
+                                        <p:strVal val="visible"/>
+                                      </p:to>
+                                    </p:set>
+                                  </p:childTnLst>
+                                </p:cTn>
+                              </p:par>
+                              <p:par>
+                                <p:cTn id="7" presetID="1" presetClass="entr" presetSubtype="0" fill="hold" nodeType="withEffect">
+                                  <p:stCondLst>
+                                    <p:cond delay="0"/>
+                                  </p:stCondLst>
+                                  <p:childTnLst>
+                                    <p:set>
+                                      <p:cBhvr>
+                                        <p:cTn id="8" dur="1" fill="hold">
+                                          <p:stCondLst>
+                                            <p:cond delay="0"/>
+                                          </p:stCondLst>
+                                        </p:cTn>
+                                        <p:tgtEl>
+                                          <p:spTgt spid="3">
+                                            <p:txEl>
+                                              <p:pRg st="6" end="6"/>
+                                            </p:txEl>
+                                          </p:spTgt>
+                                        </p:tgtEl>
+                                        <p:attrNameLst>
+                                          <p:attrName>style.visibility</p:attrName>
+                                        </p:attrNameLst>
+                                      </p:cBhvr>
+                                      <p:to>
+                                        <p:strVal val="visible"/>
+                                      </p:to>
+                                    </p:set>
+                                  </p:childTnLst>
+                                </p:cTn>
+                              </p:par>
+                              <p:par>
+                                <p:cTn id="9" presetID="1" presetClass="entr" presetSubtype="0" fill="hold" grpId="0" nodeType="withEffect">
+                                  <p:stCondLst>
+                                    <p:cond delay="0"/>
+                                  </p:stCondLst>
+                                  <p:childTnLst>
+                                    <p:set>
+                                      <p:cBhvr>
+                                        <p:cTn id="10" dur="1" fill="hold">
+                                          <p:stCondLst>
+                                            <p:cond delay="0"/>
+                                          </p:stCondLst>
+                                        </p:cTn>
+                                        <p:tgtEl>
+                                          <p:spTgt spid="5"/>
+                                        </p:tgtEl>
+                                        <p:attrNameLst>
+                                          <p:attrName>style.visibility</p:attrName>
+                                        </p:attrNameLst>
+                                      </p:cBhvr>
+                                      <p:to>
+                                        <p:strVal val="visible"/>
+                                      </p:to>
+                                    </p:set>
+                                  </p:childTnLst>
+                                </p:cTn>
+                              </p:par>
+                            </p:childTnLst>
+                          </p:cTn>
+                        </p:par>
+                      </p:childTnLst>
+                    </p:cTn>
+                  </p:par>
+                  <p:par>
+                    <p:cTn id="11" fill="hold">
+                      <p:stCondLst>
+                        <p:cond delay="indefinite"/>
+                      </p:stCondLst>
+                      <p:childTnLst>
+                        <p:par>
+                          <p:cTn id="12" fill="hold">
+                            <p:stCondLst>
+                              <p:cond delay="0"/>
+                            </p:stCondLst>
+                            <p:childTnLst>
+                              <p:par>
+                                <p:cTn id="13" presetID="1" presetClass="entr" presetSubtype="0" fill="hold" nodeType="clickEffect">
+                                  <p:stCondLst>
+                                    <p:cond delay="0"/>
+                                  </p:stCondLst>
+                                  <p:childTnLst>
+                                    <p:set>
+                                      <p:cBhvr>
+                                        <p:cTn id="14" dur="1" fill="hold">
+                                          <p:stCondLst>
+                                            <p:cond delay="0"/>
+                                          </p:stCondLst>
+                                        </p:cTn>
+                                        <p:tgtEl>
+                                          <p:spTgt spid="3">
+                                            <p:txEl>
+                                              <p:pRg st="7" end="7"/>
+                                            </p:txEl>
+                                          </p:spTgt>
+                                        </p:tgtEl>
+                                        <p:attrNameLst>
+                                          <p:attrName>style.visibility</p:attrName>
+                                        </p:attrNameLst>
+                                      </p:cBhvr>
+                                      <p:to>
+                                        <p:strVal val="visible"/>
+                                      </p:to>
+                                    </p:set>
+                                  </p:childTnLst>
+                                </p:cTn>
+                              </p:par>
+                              <p:par>
+                                <p:cTn id="15" presetID="1" presetClass="exit" presetSubtype="0" fill="hold" grpId="1" nodeType="withEffect">
+                                  <p:stCondLst>
+                                    <p:cond delay="0"/>
+                                  </p:stCondLst>
+                                  <p:childTnLst>
+                                    <p:set>
+                                      <p:cBhvr>
+                                        <p:cTn id="16" dur="1" fill="hold">
+                                          <p:stCondLst>
+                                            <p:cond delay="0"/>
+                                          </p:stCondLst>
+                                        </p:cTn>
+                                        <p:tgtEl>
+                                          <p:spTgt spid="5"/>
+                                        </p:tgtEl>
+                                        <p:attrNameLst>
+                                          <p:attrName>style.visibility</p:attrName>
+                                        </p:attrNameLst>
+                                      </p:cBhvr>
+                                      <p:to>
+                                        <p:strVal val="hidden"/>
+                                      </p:to>
+                                    </p:set>
+                                  </p:childTnLst>
+                                </p:cTn>
+                              </p:par>
+                              <p:par>
+                                <p:cTn id="17" presetID="42" presetClass="path" presetSubtype="0" accel="50000" decel="50000" fill="hold" nodeType="withEffect">
+                                  <p:stCondLst>
+                                    <p:cond delay="0"/>
+                                  </p:stCondLst>
+                                  <p:childTnLst>
+                                    <p:animMotion origin="layout" path="M 1.11111E-6 4.81481E-6 L 1.11111E-6 -0.32709 " pathEditMode="relative" rAng="0" ptsTypes="AA">
+                                      <p:cBhvr>
+                                        <p:cTn id="18" dur="500" fill="hold"/>
+                                        <p:tgtEl>
+                                          <p:spTgt spid="8"/>
+                                        </p:tgtEl>
+                                        <p:attrNameLst>
+                                          <p:attrName>ppt_x</p:attrName>
+                                          <p:attrName>ppt_y</p:attrName>
+                                        </p:attrNameLst>
+                                      </p:cBhvr>
+                                      <p:rCtr x="0" y="-16366"/>
+                                    </p:animMotion>
+                                  </p:childTnLst>
+                                </p:cTn>
+                              </p:par>
+                            </p:childTnLst>
+                          </p:cTn>
+                        </p:par>
+                      </p:childTnLst>
+                    </p:cTn>
+                  </p:par>
+                </p:childTnLst>
+              </p:cTn>
+              <p:prevCondLst>
+                <p:cond evt="onPrev" delay="0">
+                  <p:tgtEl>
+                    <p:sldTgt/>
+                  </p:tgtEl>
+                </p:cond>
+              </p:prevCondLst>
+              <p:nextCondLst>
+                <p:cond evt="onNext" delay="0">
+                  <p:tgtEl>
+                    <p:sldTgt/>
+                  </p:tgtEl>
+                </p:cond>
+              </p:nextCondLst>
+            </p:seq>
+          </p:childTnLst>
+        </p:cTn>
+      </p:par>
+    </p:tnLst>
+    <p:bldLst>
+      <p:bldP spid="5" grpId="0"/>
+      <p:bldP spid="5" grpId="1"/>
+    </p:bldLst>
+  </p:timing>
+</p:sld>
+</file>
+
+<file path=ppt/slides/slide11.xml><?xml version="1.0" encoding="utf-8"?>
+<p:sld xmlns:a="http://schemas.openxmlformats.org/drawingml/2006/main" xmlns:r="http://schemas.openxmlformats.org/officeDocument/2006/relationships" xmlns:p="http://schemas.openxmlformats.org/presentationml/2006/main">
+  <p:cSld>
+    <p:spTree>
+      <p:nvGrpSpPr>
+        <p:cNvPr id="1" name=""/>
+        <p:cNvGrpSpPr/>
+        <p:nvPr/>
+      </p:nvGrpSpPr>
+      <p:grpSpPr>
+        <a:xfrm>
+          <a:off x="0" y="0"/>
+          <a:ext cx="0" cy="0"/>
+          <a:chOff x="0" y="0"/>
+          <a:chExt cx="0" cy="0"/>
+        </a:xfrm>
+      </p:grpSpPr>
+      <p:sp>
+        <p:nvSpPr>
+          <p:cNvPr id="2" name="标题 1"/>
+          <p:cNvSpPr>
+            <a:spLocks noGrp="1"/>
+          </p:cNvSpPr>
+          <p:nvPr>
+            <p:ph type="title"/>
+          </p:nvPr>
+        </p:nvSpPr>
+        <p:spPr/>
+        <p:txBody>
           <a:bodyPr>
             <a:normAutofit/>
           </a:bodyPr>
@@ -3131,12 +3898,11 @@
               <a:rPr lang="en-US" sz="3800" dirty="0"/>
               <a:t>Comparison-based sorting lower bound</a:t>
             </a:r>
-            <a:endParaRPr lang="en-US" sz="3800" dirty="0"/>
           </a:p>
         </p:txBody>
       </p:sp>
-      <mc:AlternateContent xmlns:mc="http://schemas.openxmlformats.org/markup-compatibility/2006">
-        <mc:Choice xmlns:a14="http://schemas.microsoft.com/office/drawing/2010/main" Requires="a14">
+      <mc:AlternateContent xmlns:mc="http://schemas.openxmlformats.org/markup-compatibility/2006" xmlns:a14="http://schemas.microsoft.com/office/drawing/2010/main">
+        <mc:Choice Requires="a14">
           <p:sp>
             <p:nvSpPr>
               <p:cNvPr id="3" name="内容占位符 2"/>
@@ -3163,7 +3929,6 @@
                   <a:rPr lang="en-US" sz="2400" dirty="0"/>
                   <a:t>Assume input items are distinct.</a:t>
                 </a:r>
-                <a:endParaRPr lang="en-US" sz="2400" dirty="0"/>
               </a:p>
               <a:p>
                 <a:r>
@@ -3184,7 +3949,6 @@
                   <a:rPr lang="en-US" sz="2400" dirty="0"/>
                   <a:t>” to do comparison.</a:t>
                 </a:r>
-                <a:endParaRPr lang="en-US" sz="2400" dirty="0"/>
               </a:p>
               <a:p>
                 <a:r>
@@ -3203,7 +3967,6 @@
                   <a:rPr lang="en-US" sz="2400" dirty="0"/>
                   <a:t> to describe the alg.</a:t>
                 </a:r>
-                <a:endParaRPr lang="en-US" sz="2400" dirty="0"/>
               </a:p>
               <a:p>
                 <a:pPr lvl="1"/>
@@ -3211,7 +3974,6 @@
                   <a:rPr lang="en-US" sz="2000" dirty="0"/>
                   <a:t>Each internal node has two outgoing edges.</a:t>
                 </a:r>
-                <a:endParaRPr lang="en-US" sz="2000" dirty="0"/>
               </a:p>
               <a:p>
                 <a:pPr lvl="1"/>
@@ -3283,7 +4045,6 @@
                   <a:rPr lang="en-US" sz="2000" dirty="0"/>
                   <a:t>”.</a:t>
                 </a:r>
-                <a:endParaRPr lang="en-US" sz="2000" dirty="0"/>
               </a:p>
               <a:p>
                 <a:r>
@@ -3333,11 +4094,6 @@
                   </a:rPr>
                   <a:t> leaves.</a:t>
                 </a:r>
-                <a:endParaRPr lang="en-US" sz="2400" b="1" dirty="0">
-                  <a:solidFill>
-                    <a:srgbClr val="C00000"/>
-                  </a:solidFill>
-                </a:endParaRPr>
               </a:p>
               <a:p>
                 <a:r>
@@ -3547,16 +4303,11 @@
                   </a:rPr>
                   <a:t>.</a:t>
                 </a:r>
-                <a:endParaRPr lang="en-US" sz="2400" dirty="0">
-                  <a:solidFill>
-                    <a:srgbClr val="C00000"/>
-                  </a:solidFill>
-                </a:endParaRPr>
               </a:p>
             </p:txBody>
           </p:sp>
         </mc:Choice>
-        <mc:Fallback>
+        <mc:Fallback xmlns="">
           <p:sp>
             <p:nvSpPr>
               <p:cNvPr id="3" name="内容占位符 2"/>
@@ -3573,7 +4324,7 @@
                 <a:ext cx="7886700" cy="4802186"/>
               </a:xfrm>
               <a:blipFill rotWithShape="1">
-                <a:blip r:embed="rId1"/>
+                <a:blip r:embed="rId2"/>
                 <a:stretch>
                   <a:fillRect t="-7"/>
                 </a:stretch>
@@ -3603,7 +4354,7 @@
           <p:nvPr/>
         </p:nvPicPr>
         <p:blipFill rotWithShape="1">
-          <a:blip r:embed="rId2"/>
+          <a:blip r:embed="rId3"/>
           <a:srcRect l="2862" t="2894" r="4446"/>
           <a:stretch>
             <a:fillRect/>
@@ -3635,8 +4386,8 @@
           </a:effectLst>
         </p:spPr>
       </p:pic>
-      <mc:AlternateContent xmlns:mc="http://schemas.openxmlformats.org/markup-compatibility/2006">
-        <mc:Choice xmlns:a14="http://schemas.microsoft.com/office/drawing/2010/main" Requires="a14">
+      <mc:AlternateContent xmlns:mc="http://schemas.openxmlformats.org/markup-compatibility/2006" xmlns:a14="http://schemas.microsoft.com/office/drawing/2010/main">
+        <mc:Choice Requires="a14">
           <p:sp>
             <p:nvSpPr>
               <p:cNvPr id="7" name="文本框 6"/>
@@ -3740,12 +4491,11 @@
                   <a:rPr lang="en-US" sz="1400" dirty="0"/>
                   <a:t>, in the worst case.</a:t>
                 </a:r>
-                <a:endParaRPr lang="en-US" sz="1400" dirty="0"/>
               </a:p>
             </p:txBody>
           </p:sp>
         </mc:Choice>
-        <mc:Fallback>
+        <mc:Fallback xmlns="">
           <p:sp>
             <p:nvSpPr>
               <p:cNvPr id="7" name="文本框 6"/>
@@ -3763,7 +4513,7 @@
                 <a:avLst/>
               </a:prstGeom>
               <a:blipFill rotWithShape="1">
-                <a:blip r:embed="rId3"/>
+                <a:blip r:embed="rId4"/>
                 <a:stretch>
                   <a:fillRect l="-1683" t="-3948" r="-1660" b="-9013"/>
                 </a:stretch>
@@ -3818,6 +4568,7 @@
           <a:bodyPr wrap="none" rtlCol="0">
             <a:spAutoFit/>
           </a:bodyPr>
+          <a:lstStyle/>
           <a:p>
             <a:r>
               <a:rPr lang="en-US" altLang="zh-CN">
@@ -3853,25 +4604,11 @@
               </a:rPr>
               <a:t>基于信息论的下界证明</a:t>
             </a:r>
-            <a:endParaRPr lang="zh-CN" altLang="en-US">
-              <a:ln/>
-              <a:solidFill>
-                <a:schemeClr val="accent1"/>
-              </a:solidFill>
-              <a:effectLst>
-                <a:outerShdw blurRad="38100" dist="25400" dir="5400000" algn="ctr" rotWithShape="0">
-                  <a:srgbClr val="6E747A">
-                    <a:alpha val="43000"/>
-                  </a:srgbClr>
-                </a:outerShdw>
-              </a:effectLst>
-              <a:ea typeface="宋体" charset="0"/>
-            </a:endParaRPr>
           </a:p>
         </p:txBody>
       </p:sp>
-      <mc:AlternateContent xmlns:mc="http://schemas.openxmlformats.org/markup-compatibility/2006">
-        <mc:Choice xmlns:a14="http://schemas.microsoft.com/office/drawing/2010/main" Requires="a14">
+      <mc:AlternateContent xmlns:mc="http://schemas.openxmlformats.org/markup-compatibility/2006" xmlns:a14="http://schemas.microsoft.com/office/drawing/2010/main">
+        <mc:Choice Requires="a14">
           <p:sp>
             <p:nvSpPr>
               <p:cNvPr id="8" name="文本框 7"/>
@@ -3892,6 +4629,7 @@
               <a:bodyPr wrap="none" rtlCol="0" anchor="t">
                 <a:spAutoFit/>
               </a:bodyPr>
+              <a:lstStyle/>
               <a:p>
                 <a:pPr algn="l"/>
                 <a14:m>
@@ -3900,7 +4638,7 @@
                       <m:sSupPr>
                         <m:ctrlPr>
                           <a:rPr lang="en-US" altLang="zh-CN" i="1">
-                            <a:latin typeface="DejaVu Math TeX Gyre" panose="02000503000000000000" charset="0"/>
+                            <a:latin typeface="Cambria Math" panose="02040503050406030204" pitchFamily="18" charset="0"/>
                             <a:cs typeface="DejaVu Math TeX Gyre" panose="02000503000000000000" charset="0"/>
                           </a:rPr>
                         </m:ctrlPr>
@@ -3908,7 +4646,7 @@
                       <m:e>
                         <m:r>
                           <a:rPr lang="en-US" altLang="zh-CN" i="1">
-                            <a:latin typeface="DejaVu Math TeX Gyre" panose="02000503000000000000" charset="0"/>
+                            <a:latin typeface="Cambria Math" panose="02040503050406030204" pitchFamily="18" charset="0"/>
                             <a:cs typeface="DejaVu Math TeX Gyre" panose="02000503000000000000" charset="0"/>
                           </a:rPr>
                           <m:t>2</m:t>
@@ -3917,7 +4655,7 @@
                       <m:sup>
                         <m:r>
                           <a:rPr lang="en-US" altLang="zh-CN" i="1">
-                            <a:latin typeface="DejaVu Math TeX Gyre" panose="02000503000000000000" charset="0"/>
+                            <a:latin typeface="Cambria Math" panose="02040503050406030204" pitchFamily="18" charset="0"/>
                             <a:cs typeface="DejaVu Math TeX Gyre" panose="02000503000000000000" charset="0"/>
                           </a:rPr>
                           <m:t>𝑥</m:t>
@@ -3928,18 +4666,13 @@
                 </a14:m>
                 <a:r>
                   <a:rPr lang="en-US" altLang="zh-CN"/>
-                  <a:t> </a:t>
-                </a:r>
-                <a:r>
-                  <a:rPr lang="en-US" altLang="zh-CN"/>
-                  <a:t>&gt;= n!</a:t>
-                </a:r>
-                <a:endParaRPr lang="en-US" altLang="zh-CN"/>
+                  <a:t> &gt;= n!</a:t>
+                </a:r>
               </a:p>
             </p:txBody>
           </p:sp>
         </mc:Choice>
-        <mc:Fallback>
+        <mc:Fallback xmlns="">
           <p:sp>
             <p:nvSpPr>
               <p:cNvPr id="8" name="文本框 7"/>
@@ -3957,7 +4690,7 @@
                 <a:avLst/>
               </a:prstGeom>
               <a:blipFill rotWithShape="1">
-                <a:blip r:embed="rId4"/>
+                <a:blip r:embed="rId5"/>
                 <a:stretch>
                   <a:fillRect l="-49" t="-69" r="49" b="69"/>
                 </a:stretch>
@@ -4300,7 +5033,7 @@
 </p:sld>
 </file>
 
-<file path=ppt/slides/slide11.xml><?xml version="1.0" encoding="utf-8"?>
+<file path=ppt/slides/slide12.xml><?xml version="1.0" encoding="utf-8"?>
 <p:sld xmlns:a="http://schemas.openxmlformats.org/drawingml/2006/main" xmlns:r="http://schemas.openxmlformats.org/officeDocument/2006/relationships" xmlns:p="http://schemas.openxmlformats.org/presentationml/2006/main">
   <p:cSld>
     <p:spTree>
@@ -4317,8 +5050,8 @@
           <a:chExt cx="0" cy="0"/>
         </a:xfrm>
       </p:grpSpPr>
-      <mc:AlternateContent xmlns:mc="http://schemas.openxmlformats.org/markup-compatibility/2006">
-        <mc:Choice xmlns:a14="http://schemas.microsoft.com/office/drawing/2010/main" Requires="a14">
+      <mc:AlternateContent xmlns:mc="http://schemas.openxmlformats.org/markup-compatibility/2006" xmlns:a14="http://schemas.microsoft.com/office/drawing/2010/main">
+        <mc:Choice Requires="a14">
           <p:sp>
             <p:nvSpPr>
               <p:cNvPr id="4" name="文本框 3"/>
@@ -4432,16 +5165,11 @@
                   </a:rPr>
                   <a:t>?</a:t>
                 </a:r>
-                <a:endParaRPr lang="en-US" sz="3200" b="1" dirty="0">
-                  <a:solidFill>
-                    <a:srgbClr val="C00000"/>
-                  </a:solidFill>
-                </a:endParaRPr>
               </a:p>
             </p:txBody>
           </p:sp>
         </mc:Choice>
-        <mc:Fallback>
+        <mc:Fallback xmlns="">
           <p:sp>
             <p:nvSpPr>
               <p:cNvPr id="4" name="文本框 3"/>
@@ -4459,7 +5187,7 @@
                 <a:avLst/>
               </a:prstGeom>
               <a:blipFill rotWithShape="1">
-                <a:blip r:embed="rId1"/>
+                <a:blip r:embed="rId2"/>
                 <a:stretch>
                   <a:fillRect l="-14035" t="-10" r="-16216"/>
                 </a:stretch>
@@ -4480,8 +5208,8 @@
           </p:sp>
         </mc:Fallback>
       </mc:AlternateContent>
-      <mc:AlternateContent xmlns:mc="http://schemas.openxmlformats.org/markup-compatibility/2006">
-        <mc:Choice xmlns:a14="http://schemas.microsoft.com/office/drawing/2010/main" Requires="a14">
+      <mc:AlternateContent xmlns:mc="http://schemas.openxmlformats.org/markup-compatibility/2006" xmlns:a14="http://schemas.microsoft.com/office/drawing/2010/main">
+        <mc:Choice Requires="a14">
           <p:sp>
             <p:nvSpPr>
               <p:cNvPr id="3" name="文本框 2"/>
@@ -4560,16 +5288,11 @@
                   </a:rPr>
                   <a:t> time.</a:t>
                 </a:r>
-                <a:endParaRPr lang="en-US" sz="3200" b="1" dirty="0">
-                  <a:solidFill>
-                    <a:schemeClr val="tx1"/>
-                  </a:solidFill>
-                </a:endParaRPr>
               </a:p>
             </p:txBody>
           </p:sp>
         </mc:Choice>
-        <mc:Fallback>
+        <mc:Fallback xmlns="">
           <p:sp>
             <p:nvSpPr>
               <p:cNvPr id="3" name="文本框 2"/>
@@ -4587,7 +5310,7 @@
                 <a:avLst/>
               </a:prstGeom>
               <a:blipFill rotWithShape="1">
-                <a:blip r:embed="rId2"/>
+                <a:blip r:embed="rId3"/>
                 <a:stretch>
                   <a:fillRect l="-14" t="-80" r="-32227" b="70"/>
                 </a:stretch>
@@ -4639,11 +5362,6 @@
               </a:rPr>
               <a:t>No, at least not for comparison-based sorting…</a:t>
             </a:r>
-            <a:endParaRPr lang="en-US" sz="2800" dirty="0">
-              <a:solidFill>
-                <a:srgbClr val="C00000"/>
-              </a:solidFill>
-            </a:endParaRPr>
           </a:p>
         </p:txBody>
       </p:sp>
@@ -4680,13 +5398,6 @@
               </a:rPr>
               <a:t>Humm, maybe “non-comparison-based” sorting?</a:t>
             </a:r>
-            <a:endParaRPr lang="en-US" sz="2800" dirty="0">
-              <a:solidFill>
-                <a:schemeClr val="accent1">
-                  <a:lumMod val="75000"/>
-                </a:schemeClr>
-              </a:solidFill>
-            </a:endParaRPr>
           </a:p>
         </p:txBody>
       </p:sp>
@@ -4776,7 +5487,7 @@
 </p:sld>
 </file>
 
-<file path=ppt/slides/slide12.xml><?xml version="1.0" encoding="utf-8"?>
+<file path=ppt/slides/slide13.xml><?xml version="1.0" encoding="utf-8"?>
 <p:sld xmlns:a="http://schemas.openxmlformats.org/drawingml/2006/main" xmlns:r="http://schemas.openxmlformats.org/officeDocument/2006/relationships" xmlns:p="http://schemas.openxmlformats.org/presentationml/2006/main">
   <p:cSld>
     <p:spTree>
@@ -4812,12 +5523,11 @@
               <a:rPr lang="en-US" dirty="0"/>
               <a:t>Bucket sort</a:t>
             </a:r>
-            <a:endParaRPr lang="en-US" dirty="0"/>
           </a:p>
         </p:txBody>
       </p:sp>
-      <mc:AlternateContent xmlns:mc="http://schemas.openxmlformats.org/markup-compatibility/2006">
-        <mc:Choice xmlns:a14="http://schemas.microsoft.com/office/drawing/2010/main" Requires="a14">
+      <mc:AlternateContent xmlns:mc="http://schemas.openxmlformats.org/markup-compatibility/2006" xmlns:a14="http://schemas.microsoft.com/office/drawing/2010/main">
+        <mc:Choice Requires="a14">
           <p:sp>
             <p:nvSpPr>
               <p:cNvPr id="3" name="内容占位符 2"/>
@@ -4864,19 +5574,7 @@
                       <a:rPr lang="en-US" sz="2400" b="0" i="1" smtClean="0">
                         <a:latin typeface="Cambria Math" panose="02040503050406030204" pitchFamily="18" charset="0"/>
                       </a:rPr>
-                      <m:t>[</m:t>
-                    </m:r>
-                    <m:r>
-                      <a:rPr lang="en-US" sz="2400" b="0" i="1" smtClean="0">
-                        <a:latin typeface="Cambria Math" panose="02040503050406030204" pitchFamily="18" charset="0"/>
-                      </a:rPr>
-                      <m:t>10</m:t>
-                    </m:r>
-                    <m:r>
-                      <a:rPr lang="en-US" sz="2400" b="0" i="1" smtClean="0">
-                        <a:latin typeface="Cambria Math" panose="02040503050406030204" pitchFamily="18" charset="0"/>
-                      </a:rPr>
-                      <m:t>]</m:t>
+                      <m:t>[10]</m:t>
                     </m:r>
                   </m:oMath>
                 </a14:m>
@@ -4947,14 +5645,12 @@
                   <a:rPr lang="en-US" sz="2400" dirty="0"/>
                   <a:t>?</a:t>
                 </a:r>
-                <a:endParaRPr lang="en-US" sz="2400" dirty="0"/>
               </a:p>
               <a:p>
                 <a:r>
                   <a:rPr lang="en-US" sz="2400" dirty="0"/>
                   <a:t>Of course, very easy!</a:t>
                 </a:r>
-                <a:endParaRPr lang="en-US" sz="2400" dirty="0"/>
               </a:p>
               <a:p>
                 <a:pPr lvl="1"/>
@@ -4974,7 +5670,6 @@
                   <a:rPr lang="en-US" sz="2000" dirty="0"/>
                   <a:t>.)</a:t>
                 </a:r>
-                <a:endParaRPr lang="en-US" sz="2000" dirty="0"/>
               </a:p>
               <a:p>
                 <a:pPr lvl="1"/>
@@ -4982,7 +5677,6 @@
                   <a:rPr lang="en-US" sz="2000" dirty="0"/>
                   <a:t>Scan through input, for each item, append it to the end of the corresponding list.</a:t>
                 </a:r>
-                <a:endParaRPr lang="en-US" sz="2000" dirty="0"/>
               </a:p>
               <a:p>
                 <a:pPr lvl="1"/>
@@ -4990,7 +5684,6 @@
                   <a:rPr lang="en-US" sz="2000" dirty="0"/>
                   <a:t>Concatenate all lists.</a:t>
                 </a:r>
-                <a:endParaRPr lang="en-US" sz="2000" dirty="0"/>
               </a:p>
               <a:p>
                 <a:r>
@@ -5032,7 +5725,6 @@
                   <a:rPr lang="en-US" sz="2400" dirty="0"/>
                   <a:t> time.</a:t>
                 </a:r>
-                <a:endParaRPr lang="en-US" sz="2400" dirty="0"/>
               </a:p>
               <a:p>
                 <a:r>
@@ -5047,7 +5739,6 @@
                   <a:rPr lang="en-US" sz="2400" dirty="0"/>
                   <a:t> a comparison based algorithm.</a:t>
                 </a:r>
-                <a:endParaRPr lang="en-US" sz="2400" dirty="0"/>
               </a:p>
               <a:p>
                 <a:pPr lvl="1"/>
@@ -5055,7 +5746,6 @@
                   <a:rPr lang="en-US" sz="2000" dirty="0"/>
                   <a:t>No comparison between items are made.</a:t>
                 </a:r>
-                <a:endParaRPr lang="en-US" sz="2000" dirty="0"/>
               </a:p>
               <a:p>
                 <a:pPr lvl="1"/>
@@ -5063,12 +5753,11 @@
                   <a:rPr lang="en-US" sz="2000" dirty="0"/>
                   <a:t>Instead the algorithm uses actual values of the items.</a:t>
                 </a:r>
-                <a:endParaRPr lang="en-US" sz="2000" dirty="0"/>
               </a:p>
             </p:txBody>
           </p:sp>
         </mc:Choice>
-        <mc:Fallback>
+        <mc:Fallback xmlns="">
           <p:sp>
             <p:nvSpPr>
               <p:cNvPr id="3" name="内容占位符 2"/>
@@ -5085,7 +5774,7 @@
                 <a:ext cx="7886700" cy="4773829"/>
               </a:xfrm>
               <a:blipFill rotWithShape="1">
-                <a:blip r:embed="rId1"/>
+                <a:blip r:embed="rId2"/>
                 <a:stretch>
                   <a:fillRect t="-2" b="13"/>
                 </a:stretch>
@@ -5446,7 +6135,7 @@
 </p:sld>
 </file>
 
-<file path=ppt/slides/slide13.xml><?xml version="1.0" encoding="utf-8"?>
+<file path=ppt/slides/slide14.xml><?xml version="1.0" encoding="utf-8"?>
 <p:sld xmlns:a="http://schemas.openxmlformats.org/drawingml/2006/main" xmlns:r="http://schemas.openxmlformats.org/officeDocument/2006/relationships" xmlns:p="http://schemas.openxmlformats.org/presentationml/2006/main">
   <p:cSld>
     <p:spTree>
@@ -5482,12 +6171,11 @@
               <a:rPr lang="en-US" dirty="0"/>
               <a:t>Bucket sort</a:t>
             </a:r>
-            <a:endParaRPr lang="en-US" dirty="0"/>
           </a:p>
         </p:txBody>
       </p:sp>
-      <mc:AlternateContent xmlns:mc="http://schemas.openxmlformats.org/markup-compatibility/2006">
-        <mc:Choice xmlns:a14="http://schemas.microsoft.com/office/drawing/2010/main" Requires="a14">
+      <mc:AlternateContent xmlns:mc="http://schemas.openxmlformats.org/markup-compatibility/2006" xmlns:a14="http://schemas.microsoft.com/office/drawing/2010/main">
+        <mc:Choice Requires="a14">
           <p:sp>
             <p:nvSpPr>
               <p:cNvPr id="3" name="内容占位符 2"/>
@@ -5541,7 +6229,6 @@
                   <a:rPr lang="en-US" sz="2400" dirty="0"/>
                   <a:t>, then we can use the following algorithm to sort them.</a:t>
                 </a:r>
-                <a:endParaRPr lang="en-US" sz="2400" dirty="0"/>
               </a:p>
               <a:p>
                 <a:endParaRPr lang="en-US" sz="2400" dirty="0"/>
@@ -5606,7 +6293,6 @@
                   <a:rPr lang="en-US" sz="2400" dirty="0"/>
                   <a:t>.</a:t>
                 </a:r>
-                <a:endParaRPr lang="en-US" sz="2400" dirty="0"/>
               </a:p>
               <a:p>
                 <a:pPr lvl="1"/>
@@ -5645,7 +6331,6 @@
                   <a:rPr lang="en-US" sz="2000" dirty="0"/>
                   <a:t> time to create buckets.</a:t>
                 </a:r>
-                <a:endParaRPr lang="en-US" sz="2000" dirty="0"/>
               </a:p>
               <a:p>
                 <a:pPr lvl="1"/>
@@ -5684,7 +6369,6 @@
                   <a:rPr lang="en-US" sz="2000" dirty="0"/>
                   <a:t> time to assign items to buckets.</a:t>
                 </a:r>
-                <a:endParaRPr lang="en-US" sz="2000" dirty="0"/>
               </a:p>
               <a:p>
                 <a:pPr lvl="1"/>
@@ -5722,12 +6406,11 @@
                   <a:rPr lang="en-US" sz="2000" dirty="0"/>
                   <a:t> time to combine buckets.</a:t>
                 </a:r>
-                <a:endParaRPr lang="en-US" sz="2000" dirty="0"/>
               </a:p>
             </p:txBody>
           </p:sp>
         </mc:Choice>
-        <mc:Fallback>
+        <mc:Fallback xmlns="">
           <p:sp>
             <p:nvSpPr>
               <p:cNvPr id="3" name="内容占位符 2"/>
@@ -5744,7 +6427,7 @@
                 <a:ext cx="7886700" cy="4802185"/>
               </a:xfrm>
               <a:blipFill rotWithShape="1">
-                <a:blip r:embed="rId1"/>
+                <a:blip r:embed="rId2"/>
                 <a:stretch>
                   <a:fillRect t="-7" b="13"/>
                 </a:stretch>
@@ -5831,11 +6514,6 @@
               </a:rPr>
               <a:t>(A, d):</a:t>
             </a:r>
-            <a:endParaRPr lang="en-GB" b="1" u="sng" dirty="0">
-              <a:solidFill>
-                <a:schemeClr val="tx1"/>
-              </a:solidFill>
-            </a:endParaRPr>
           </a:p>
           <a:p>
             <a:pPr>
@@ -5943,13 +6621,6 @@
               </a:rPr>
               <a:t>(d)</a:t>
             </a:r>
-            <a:endParaRPr lang="en-US" dirty="0">
-              <a:solidFill>
-                <a:schemeClr val="tx1"/>
-              </a:solidFill>
-              <a:latin typeface="Courier New" panose="02070309020205020404" pitchFamily="49" charset="0"/>
-              <a:cs typeface="Courier New" panose="02070309020205020404" pitchFamily="49" charset="0"/>
-            </a:endParaRPr>
           </a:p>
           <a:p>
             <a:pPr>
@@ -6007,13 +6678,6 @@
               </a:rPr>
               <a:t>)</a:t>
             </a:r>
-            <a:endParaRPr lang="en-US" dirty="0">
-              <a:solidFill>
-                <a:schemeClr val="tx1"/>
-              </a:solidFill>
-              <a:latin typeface="Courier New" panose="02070309020205020404" pitchFamily="49" charset="0"/>
-              <a:cs typeface="Courier New" panose="02070309020205020404" pitchFamily="49" charset="0"/>
-            </a:endParaRPr>
           </a:p>
           <a:p>
             <a:pPr>
@@ -6071,13 +6735,6 @@
               </a:rPr>
               <a:t>])</a:t>
             </a:r>
-            <a:endParaRPr lang="en-US" dirty="0">
-              <a:solidFill>
-                <a:schemeClr val="tx1"/>
-              </a:solidFill>
-              <a:latin typeface="Courier New" panose="02070309020205020404" pitchFamily="49" charset="0"/>
-              <a:cs typeface="Courier New" panose="02070309020205020404" pitchFamily="49" charset="0"/>
-            </a:endParaRPr>
           </a:p>
           <a:p>
             <a:pPr>
@@ -6175,18 +6832,11 @@
               </a:rPr>
               <a:t>)</a:t>
             </a:r>
-            <a:endParaRPr lang="en-US" dirty="0">
-              <a:solidFill>
-                <a:schemeClr val="tx1"/>
-              </a:solidFill>
-              <a:latin typeface="Courier New" panose="02070309020205020404" pitchFamily="49" charset="0"/>
-              <a:cs typeface="Courier New" panose="02070309020205020404" pitchFamily="49" charset="0"/>
-            </a:endParaRPr>
           </a:p>
         </p:txBody>
       </p:sp>
-      <mc:AlternateContent xmlns:mc="http://schemas.openxmlformats.org/markup-compatibility/2006">
-        <mc:Choice xmlns:a14="http://schemas.microsoft.com/office/drawing/2010/main" Requires="a14">
+      <mc:AlternateContent xmlns:mc="http://schemas.openxmlformats.org/markup-compatibility/2006" xmlns:a14="http://schemas.microsoft.com/office/drawing/2010/main">
+        <mc:Choice Requires="a14">
           <p:sp>
             <p:nvSpPr>
               <p:cNvPr id="5" name="文本框 4"/>
@@ -6271,16 +6921,11 @@
                   </a:rPr>
                   <a:t>Say sort 1000 64-bit integers.</a:t>
                 </a:r>
-                <a:endParaRPr lang="en-US" sz="2000" dirty="0">
-                  <a:solidFill>
-                    <a:srgbClr val="C00000"/>
-                  </a:solidFill>
-                </a:endParaRPr>
               </a:p>
             </p:txBody>
           </p:sp>
         </mc:Choice>
-        <mc:Fallback>
+        <mc:Fallback xmlns="">
           <p:sp>
             <p:nvSpPr>
               <p:cNvPr id="5" name="文本框 4"/>
@@ -6298,7 +6943,7 @@
                 <a:avLst/>
               </a:prstGeom>
               <a:blipFill rotWithShape="1">
-                <a:blip r:embed="rId2"/>
+                <a:blip r:embed="rId3"/>
                 <a:stretch>
                   <a:fillRect l="-1" t="-67" r="-10948" b="47"/>
                 </a:stretch>
@@ -6547,7 +7192,7 @@
 </p:sld>
 </file>
 
-<file path=ppt/slides/slide14.xml><?xml version="1.0" encoding="utf-8"?>
+<file path=ppt/slides/slide15.xml><?xml version="1.0" encoding="utf-8"?>
 <p:sld xmlns:a="http://schemas.openxmlformats.org/drawingml/2006/main" xmlns:r="http://schemas.openxmlformats.org/officeDocument/2006/relationships" xmlns:p="http://schemas.openxmlformats.org/presentationml/2006/main">
   <p:cSld>
     <p:spTree>
@@ -6583,12 +7228,11 @@
               <a:rPr lang="en-US" dirty="0"/>
               <a:t>Bucket sort</a:t>
             </a:r>
-            <a:endParaRPr lang="en-US" dirty="0"/>
           </a:p>
         </p:txBody>
       </p:sp>
-      <mc:AlternateContent xmlns:mc="http://schemas.openxmlformats.org/markup-compatibility/2006">
-        <mc:Choice xmlns:a14="http://schemas.microsoft.com/office/drawing/2010/main" Requires="a14">
+      <mc:AlternateContent xmlns:mc="http://schemas.openxmlformats.org/markup-compatibility/2006" xmlns:a14="http://schemas.microsoft.com/office/drawing/2010/main">
+        <mc:Choice Requires="a14">
           <p:sp>
             <p:nvSpPr>
               <p:cNvPr id="3" name="内容占位符 2"/>
@@ -6618,7 +7262,6 @@
                   <a:rPr lang="en-US" sz="2400" dirty="0"/>
                   <a:t>If the range of items’ values is too large, allow each bucket to hold multiple values.</a:t>
                 </a:r>
-                <a:endParaRPr lang="en-US" sz="2400" dirty="0"/>
               </a:p>
               <a:p>
                 <a:pPr>
@@ -6688,7 +7331,6 @@
                   <a:rPr lang="en-US" sz="2400" dirty="0"/>
                   <a:t>.</a:t>
                 </a:r>
-                <a:endParaRPr lang="en-US" sz="2400" dirty="0"/>
               </a:p>
               <a:p>
                 <a:pPr>
@@ -6710,12 +7352,11 @@
                   <a:rPr lang="en-US" sz="2400" dirty="0"/>
                   <a:t>before combining them.</a:t>
                 </a:r>
-                <a:endParaRPr lang="en-US" sz="2400" dirty="0"/>
               </a:p>
             </p:txBody>
           </p:sp>
         </mc:Choice>
-        <mc:Fallback>
+        <mc:Fallback xmlns="">
           <p:sp>
             <p:nvSpPr>
               <p:cNvPr id="3" name="内容占位符 2"/>
@@ -6728,7 +7369,7 @@
             </p:nvSpPr>
             <p:spPr>
               <a:blipFill rotWithShape="1">
-                <a:blip r:embed="rId1"/>
+                <a:blip r:embed="rId2"/>
                 <a:stretch>
                   <a:fillRect b="7"/>
                 </a:stretch>
@@ -6758,7 +7399,7 @@
           <p:nvPr/>
         </p:nvPicPr>
         <p:blipFill>
-          <a:blip r:embed="rId2">
+          <a:blip r:embed="rId3" cstate="print">
             <a:extLst>
               <a:ext uri="{28A0092B-C50C-407E-A947-70E740481C1C}">
                 <a14:useLocalDpi xmlns:a14="http://schemas.microsoft.com/office/drawing/2010/main" val="0"/>
@@ -6805,8 +7446,8 @@
           </a:extLst>
         </p:spPr>
       </p:pic>
-      <mc:AlternateContent xmlns:mc="http://schemas.openxmlformats.org/markup-compatibility/2006">
-        <mc:Choice xmlns:a14="http://schemas.microsoft.com/office/drawing/2010/main" Requires="a14">
+      <mc:AlternateContent xmlns:mc="http://schemas.openxmlformats.org/markup-compatibility/2006" xmlns:a14="http://schemas.microsoft.com/office/drawing/2010/main">
+        <mc:Choice Requires="a14">
           <p:sp>
             <p:nvSpPr>
               <p:cNvPr id="5" name="文本框 4"/>
@@ -6829,6 +7470,7 @@
               </a:bodyPr>
               <a:lstStyle/>
               <a:p>
+                <a:pPr/>
                 <a14:m>
                   <m:oMathPara xmlns:m="http://schemas.openxmlformats.org/officeDocument/2006/math">
                     <m:oMathParaPr>
@@ -6851,25 +7493,7 @@
                           </a:solidFill>
                           <a:latin typeface="Cambria Math" panose="02040503050406030204" pitchFamily="18" charset="0"/>
                         </a:rPr>
-                        <m:t>=</m:t>
-                      </m:r>
-                      <m:r>
-                        <a:rPr lang="en-US" sz="2000" b="0" i="1" smtClean="0">
-                          <a:solidFill>
-                            <a:srgbClr val="C00000"/>
-                          </a:solidFill>
-                          <a:latin typeface="Cambria Math" panose="02040503050406030204" pitchFamily="18" charset="0"/>
-                        </a:rPr>
-                        <m:t>8</m:t>
-                      </m:r>
-                      <m:r>
-                        <a:rPr lang="en-US" sz="2000" b="0" i="1" smtClean="0">
-                          <a:solidFill>
-                            <a:srgbClr val="C00000"/>
-                          </a:solidFill>
-                          <a:latin typeface="Cambria Math" panose="02040503050406030204" pitchFamily="18" charset="0"/>
-                        </a:rPr>
-                        <m:t>,</m:t>
+                        <m:t>=8,</m:t>
                       </m:r>
                       <m:r>
                         <a:rPr lang="en-US" sz="2000" b="0" i="1" smtClean="0">
@@ -6887,25 +7511,7 @@
                           </a:solidFill>
                           <a:latin typeface="Cambria Math" panose="02040503050406030204" pitchFamily="18" charset="0"/>
                         </a:rPr>
-                        <m:t>=</m:t>
-                      </m:r>
-                      <m:r>
-                        <a:rPr lang="en-US" sz="2000" b="0" i="1" smtClean="0">
-                          <a:solidFill>
-                            <a:srgbClr val="C00000"/>
-                          </a:solidFill>
-                          <a:latin typeface="Cambria Math" panose="02040503050406030204" pitchFamily="18" charset="0"/>
-                        </a:rPr>
-                        <m:t>50</m:t>
-                      </m:r>
-                      <m:r>
-                        <a:rPr lang="en-US" sz="2000" b="0" i="1" smtClean="0">
-                          <a:solidFill>
-                            <a:srgbClr val="C00000"/>
-                          </a:solidFill>
-                          <a:latin typeface="Cambria Math" panose="02040503050406030204" pitchFamily="18" charset="0"/>
-                        </a:rPr>
-                        <m:t>,</m:t>
+                        <m:t>=50,</m:t>
                       </m:r>
                       <m:r>
                         <a:rPr lang="en-US" sz="2000" b="0" i="1" smtClean="0">
@@ -6923,16 +7529,7 @@
                           </a:solidFill>
                           <a:latin typeface="Cambria Math" panose="02040503050406030204" pitchFamily="18" charset="0"/>
                         </a:rPr>
-                        <m:t>=</m:t>
-                      </m:r>
-                      <m:r>
-                        <a:rPr lang="en-US" sz="2000" b="0" i="1" smtClean="0">
-                          <a:solidFill>
-                            <a:srgbClr val="C00000"/>
-                          </a:solidFill>
-                          <a:latin typeface="Cambria Math" panose="02040503050406030204" pitchFamily="18" charset="0"/>
-                        </a:rPr>
-                        <m:t>5</m:t>
+                        <m:t>=5</m:t>
                       </m:r>
                     </m:oMath>
                   </m:oMathPara>
@@ -6946,7 +7543,7 @@
             </p:txBody>
           </p:sp>
         </mc:Choice>
-        <mc:Fallback>
+        <mc:Fallback xmlns="">
           <p:sp>
             <p:nvSpPr>
               <p:cNvPr id="5" name="文本框 4"/>
@@ -6964,7 +7561,7 @@
                 <a:avLst/>
               </a:prstGeom>
               <a:blipFill rotWithShape="1">
-                <a:blip r:embed="rId3"/>
+                <a:blip r:embed="rId4"/>
                 <a:stretch>
                   <a:fillRect l="-4" t="-25" r="-2152" b="40"/>
                 </a:stretch>
@@ -6994,7 +7591,7 @@
           <p:nvPr/>
         </p:nvPicPr>
         <p:blipFill>
-          <a:blip r:embed="rId4">
+          <a:blip r:embed="rId5" cstate="print">
             <a:extLst>
               <a:ext uri="{28A0092B-C50C-407E-A947-70E740481C1C}">
                 <a14:useLocalDpi xmlns:a14="http://schemas.microsoft.com/office/drawing/2010/main" val="0"/>
@@ -7107,11 +7704,6 @@
               </a:rPr>
               <a:t>(A, k):</a:t>
             </a:r>
-            <a:endParaRPr lang="en-GB" b="1" u="sng" dirty="0">
-              <a:solidFill>
-                <a:schemeClr val="tx1"/>
-              </a:solidFill>
-            </a:endParaRPr>
           </a:p>
           <a:p>
             <a:pPr>
@@ -7209,13 +7801,6 @@
               </a:rPr>
               <a:t>(k)</a:t>
             </a:r>
-            <a:endParaRPr lang="en-US" dirty="0">
-              <a:solidFill>
-                <a:schemeClr val="tx1"/>
-              </a:solidFill>
-              <a:latin typeface="Courier New" panose="02070309020205020404" pitchFamily="49" charset="0"/>
-              <a:cs typeface="Courier New" panose="02070309020205020404" pitchFamily="49" charset="0"/>
-            </a:endParaRPr>
           </a:p>
           <a:p>
             <a:pPr>
@@ -7273,13 +7858,6 @@
               </a:rPr>
               <a:t>)</a:t>
             </a:r>
-            <a:endParaRPr lang="en-US" dirty="0">
-              <a:solidFill>
-                <a:schemeClr val="tx1"/>
-              </a:solidFill>
-              <a:latin typeface="Courier New" panose="02070309020205020404" pitchFamily="49" charset="0"/>
-              <a:cs typeface="Courier New" panose="02070309020205020404" pitchFamily="49" charset="0"/>
-            </a:endParaRPr>
           </a:p>
           <a:p>
             <a:pPr>
@@ -7337,13 +7915,6 @@
               </a:rPr>
               <a:t>])</a:t>
             </a:r>
-            <a:endParaRPr lang="en-US" dirty="0">
-              <a:solidFill>
-                <a:schemeClr val="tx1"/>
-              </a:solidFill>
-              <a:latin typeface="Courier New" panose="02070309020205020404" pitchFamily="49" charset="0"/>
-              <a:cs typeface="Courier New" panose="02070309020205020404" pitchFamily="49" charset="0"/>
-            </a:endParaRPr>
           </a:p>
           <a:p>
             <a:pPr>
@@ -7361,13 +7932,6 @@
               </a:rPr>
               <a:t>for (j=1 to k)</a:t>
             </a:r>
-            <a:endParaRPr lang="en-US" dirty="0">
-              <a:solidFill>
-                <a:schemeClr val="tx1"/>
-              </a:solidFill>
-              <a:latin typeface="Courier New" panose="02070309020205020404" pitchFamily="49" charset="0"/>
-              <a:cs typeface="Courier New" panose="02070309020205020404" pitchFamily="49" charset="0"/>
-            </a:endParaRPr>
           </a:p>
           <a:p>
             <a:pPr>
@@ -7435,13 +7999,6 @@
               </a:rPr>
               <a:t>)</a:t>
             </a:r>
-            <a:endParaRPr lang="en-US" dirty="0">
-              <a:solidFill>
-                <a:schemeClr val="tx1"/>
-              </a:solidFill>
-              <a:latin typeface="Courier New" panose="02070309020205020404" pitchFamily="49" charset="0"/>
-              <a:cs typeface="Courier New" panose="02070309020205020404" pitchFamily="49" charset="0"/>
-            </a:endParaRPr>
           </a:p>
           <a:p>
             <a:pPr>
@@ -7529,13 +8086,6 @@
               </a:rPr>
               <a:t>)</a:t>
             </a:r>
-            <a:endParaRPr lang="en-US" dirty="0">
-              <a:solidFill>
-                <a:schemeClr val="tx1"/>
-              </a:solidFill>
-              <a:latin typeface="Courier New" panose="02070309020205020404" pitchFamily="49" charset="0"/>
-              <a:cs typeface="Courier New" panose="02070309020205020404" pitchFamily="49" charset="0"/>
-            </a:endParaRPr>
           </a:p>
         </p:txBody>
       </p:sp>
@@ -7701,7 +8251,7 @@
 </p:sld>
 </file>
 
-<file path=ppt/slides/slide15.xml><?xml version="1.0" encoding="utf-8"?>
+<file path=ppt/slides/slide16.xml><?xml version="1.0" encoding="utf-8"?>
 <p:sld xmlns:a="http://schemas.openxmlformats.org/drawingml/2006/main" xmlns:r="http://schemas.openxmlformats.org/officeDocument/2006/relationships" xmlns:p="http://schemas.openxmlformats.org/presentationml/2006/main">
   <p:cSld>
     <p:spTree>
@@ -7737,12 +8287,11 @@
               <a:rPr lang="en-US" dirty="0"/>
               <a:t>Bucket sort</a:t>
             </a:r>
-            <a:endParaRPr lang="en-US" dirty="0"/>
           </a:p>
         </p:txBody>
       </p:sp>
-      <mc:AlternateContent xmlns:mc="http://schemas.openxmlformats.org/markup-compatibility/2006">
-        <mc:Choice xmlns:a14="http://schemas.microsoft.com/office/drawing/2010/main" Requires="a14">
+      <mc:AlternateContent xmlns:mc="http://schemas.openxmlformats.org/markup-compatibility/2006" xmlns:a14="http://schemas.microsoft.com/office/drawing/2010/main">
+        <mc:Choice Requires="a14">
           <p:sp>
             <p:nvSpPr>
               <p:cNvPr id="3" name="内容占位符 2"/>
@@ -7818,7 +8367,6 @@
                   <a:rPr lang="en-US" sz="2400" dirty="0"/>
                   <a:t>, plus cost for sorting within buckets.</a:t>
                 </a:r>
-                <a:endParaRPr lang="en-US" sz="2400" dirty="0"/>
               </a:p>
               <a:p>
                 <a:pPr>
@@ -8001,7 +8549,6 @@
                   <a:rPr lang="en-US" sz="2400" dirty="0"/>
                   <a:t>.</a:t>
                 </a:r>
-                <a:endParaRPr lang="en-US" sz="2400" dirty="0"/>
               </a:p>
               <a:p>
                 <a:pPr>
@@ -8186,7 +8733,6 @@
                   <a:rPr lang="en-US" sz="2400" dirty="0"/>
                   <a:t> buckets.</a:t>
                 </a:r>
-                <a:endParaRPr lang="en-US" sz="2400" dirty="0"/>
               </a:p>
               <a:p>
                 <a:pPr>
@@ -8208,12 +8754,11 @@
                   <a:rPr lang="en-US" sz="2400" dirty="0"/>
                   <a:t> can be stable.</a:t>
                 </a:r>
-                <a:endParaRPr lang="en-US" sz="2400" dirty="0"/>
               </a:p>
             </p:txBody>
           </p:sp>
         </mc:Choice>
-        <mc:Fallback>
+        <mc:Fallback xmlns="">
           <p:sp>
             <p:nvSpPr>
               <p:cNvPr id="3" name="内容占位符 2"/>
@@ -8226,7 +8771,7 @@
             </p:nvSpPr>
             <p:spPr>
               <a:blipFill rotWithShape="1">
-                <a:blip r:embed="rId1"/>
+                <a:blip r:embed="rId2"/>
                 <a:stretch>
                   <a:fillRect b="7"/>
                 </a:stretch>
@@ -8313,11 +8858,6 @@
               </a:rPr>
               <a:t>(A, k):</a:t>
             </a:r>
-            <a:endParaRPr lang="en-GB" b="1" u="sng" dirty="0">
-              <a:solidFill>
-                <a:schemeClr val="tx1"/>
-              </a:solidFill>
-            </a:endParaRPr>
           </a:p>
           <a:p>
             <a:pPr>
@@ -8415,13 +8955,6 @@
               </a:rPr>
               <a:t>(k)</a:t>
             </a:r>
-            <a:endParaRPr lang="en-US" dirty="0">
-              <a:solidFill>
-                <a:schemeClr val="tx1"/>
-              </a:solidFill>
-              <a:latin typeface="Courier New" panose="02070309020205020404" pitchFamily="49" charset="0"/>
-              <a:cs typeface="Courier New" panose="02070309020205020404" pitchFamily="49" charset="0"/>
-            </a:endParaRPr>
           </a:p>
           <a:p>
             <a:pPr>
@@ -8479,13 +9012,6 @@
               </a:rPr>
               <a:t>)</a:t>
             </a:r>
-            <a:endParaRPr lang="en-US" dirty="0">
-              <a:solidFill>
-                <a:schemeClr val="tx1"/>
-              </a:solidFill>
-              <a:latin typeface="Courier New" panose="02070309020205020404" pitchFamily="49" charset="0"/>
-              <a:cs typeface="Courier New" panose="02070309020205020404" pitchFamily="49" charset="0"/>
-            </a:endParaRPr>
           </a:p>
           <a:p>
             <a:pPr>
@@ -8543,13 +9069,6 @@
               </a:rPr>
               <a:t>])</a:t>
             </a:r>
-            <a:endParaRPr lang="en-US" dirty="0">
-              <a:solidFill>
-                <a:schemeClr val="tx1"/>
-              </a:solidFill>
-              <a:latin typeface="Courier New" panose="02070309020205020404" pitchFamily="49" charset="0"/>
-              <a:cs typeface="Courier New" panose="02070309020205020404" pitchFamily="49" charset="0"/>
-            </a:endParaRPr>
           </a:p>
           <a:p>
             <a:pPr>
@@ -8567,13 +9086,6 @@
               </a:rPr>
               <a:t>for (j=1 to k)</a:t>
             </a:r>
-            <a:endParaRPr lang="en-US" dirty="0">
-              <a:solidFill>
-                <a:schemeClr val="tx1"/>
-              </a:solidFill>
-              <a:latin typeface="Courier New" panose="02070309020205020404" pitchFamily="49" charset="0"/>
-              <a:cs typeface="Courier New" panose="02070309020205020404" pitchFamily="49" charset="0"/>
-            </a:endParaRPr>
           </a:p>
           <a:p>
             <a:pPr>
@@ -8641,13 +9153,6 @@
               </a:rPr>
               <a:t>)</a:t>
             </a:r>
-            <a:endParaRPr lang="en-US" dirty="0">
-              <a:solidFill>
-                <a:schemeClr val="tx1"/>
-              </a:solidFill>
-              <a:latin typeface="Courier New" panose="02070309020205020404" pitchFamily="49" charset="0"/>
-              <a:cs typeface="Courier New" panose="02070309020205020404" pitchFamily="49" charset="0"/>
-            </a:endParaRPr>
           </a:p>
           <a:p>
             <a:pPr>
@@ -8735,13 +9240,6 @@
               </a:rPr>
               <a:t>)</a:t>
             </a:r>
-            <a:endParaRPr lang="en-US" dirty="0">
-              <a:solidFill>
-                <a:schemeClr val="tx1"/>
-              </a:solidFill>
-              <a:latin typeface="Courier New" panose="02070309020205020404" pitchFamily="49" charset="0"/>
-              <a:cs typeface="Courier New" panose="02070309020205020404" pitchFamily="49" charset="0"/>
-            </a:endParaRPr>
           </a:p>
         </p:txBody>
       </p:sp>
@@ -8930,7 +9428,7 @@
 </p:sld>
 </file>
 
-<file path=ppt/slides/slide16.xml><?xml version="1.0" encoding="utf-8"?>
+<file path=ppt/slides/slide17.xml><?xml version="1.0" encoding="utf-8"?>
 <p:sld xmlns:a="http://schemas.openxmlformats.org/drawingml/2006/main" xmlns:r="http://schemas.openxmlformats.org/officeDocument/2006/relationships" xmlns:p="http://schemas.openxmlformats.org/presentationml/2006/main">
   <p:cSld>
     <p:spTree>
@@ -8966,12 +9464,11 @@
               <a:rPr lang="en-US" dirty="0"/>
               <a:t>Radix sort</a:t>
             </a:r>
-            <a:endParaRPr lang="en-US" dirty="0"/>
           </a:p>
         </p:txBody>
       </p:sp>
-      <mc:AlternateContent xmlns:mc="http://schemas.openxmlformats.org/markup-compatibility/2006">
-        <mc:Choice xmlns:a14="http://schemas.microsoft.com/office/drawing/2010/main" Requires="a14">
+      <mc:AlternateContent xmlns:mc="http://schemas.openxmlformats.org/markup-compatibility/2006" xmlns:a14="http://schemas.microsoft.com/office/drawing/2010/main">
+        <mc:Choice Requires="a14">
           <p:sp>
             <p:nvSpPr>
               <p:cNvPr id="3" name="内容占位符 2"/>
@@ -9026,14 +9523,12 @@
                   <a:rPr lang="en-US" sz="2400" dirty="0"/>
                   <a:t>-digits.</a:t>
                 </a:r>
-                <a:endParaRPr lang="en-US" sz="2400" dirty="0"/>
               </a:p>
               <a:p>
                 <a:r>
                   <a:rPr lang="en-US" sz="2400" dirty="0"/>
                   <a:t>How about recursive bucket sort?</a:t>
                 </a:r>
-                <a:endParaRPr lang="en-US" sz="2400" dirty="0"/>
               </a:p>
               <a:p>
                 <a:pPr lvl="1"/>
@@ -9041,7 +9536,6 @@
                   <a:rPr lang="en-US" sz="2000" dirty="0"/>
                   <a:t>Based on most significant bit, assign items to 10 buckets.</a:t>
                 </a:r>
-                <a:endParaRPr lang="en-US" sz="2000" dirty="0"/>
               </a:p>
               <a:p>
                 <a:pPr lvl="1"/>
@@ -9057,7 +9551,6 @@
                   <a:rPr lang="en-US" sz="2000" dirty="0"/>
                   <a:t> most significant bit).</a:t>
                 </a:r>
-                <a:endParaRPr lang="en-US" sz="2000" dirty="0"/>
               </a:p>
               <a:p>
                 <a:r>
@@ -9083,12 +9576,11 @@
                   <a:rPr lang="en-US" sz="2400" dirty="0"/>
                   <a:t> significant bit.</a:t>
                 </a:r>
-                <a:endParaRPr lang="en-US" sz="2400" dirty="0"/>
               </a:p>
             </p:txBody>
           </p:sp>
         </mc:Choice>
-        <mc:Fallback>
+        <mc:Fallback xmlns="">
           <p:sp>
             <p:nvSpPr>
               <p:cNvPr id="3" name="内容占位符 2"/>
@@ -9105,7 +9597,7 @@
                 <a:ext cx="7886700" cy="4802186"/>
               </a:xfrm>
               <a:blipFill rotWithShape="1">
-                <a:blip r:embed="rId1"/>
+                <a:blip r:embed="rId2"/>
                 <a:stretch>
                   <a:fillRect t="-7" b="13"/>
                 </a:stretch>
@@ -9192,11 +9684,6 @@
               </a:rPr>
               <a:t>(A, d):</a:t>
             </a:r>
-            <a:endParaRPr lang="en-GB" b="1" u="sng" dirty="0">
-              <a:solidFill>
-                <a:schemeClr val="tx1"/>
-              </a:solidFill>
-            </a:endParaRPr>
           </a:p>
           <a:p>
             <a:pPr>
@@ -9234,13 +9721,6 @@
               </a:rPr>
               <a:t>=1 to d)</a:t>
             </a:r>
-            <a:endParaRPr lang="en-US" dirty="0">
-              <a:solidFill>
-                <a:schemeClr val="tx1"/>
-              </a:solidFill>
-              <a:latin typeface="Courier New" panose="02070309020205020404" pitchFamily="49" charset="0"/>
-              <a:cs typeface="Courier New" panose="02070309020205020404" pitchFamily="49" charset="0"/>
-            </a:endParaRPr>
           </a:p>
           <a:p>
             <a:pPr>
@@ -9336,7 +9816,7 @@
           <p:nvPr/>
         </p:nvPicPr>
         <p:blipFill>
-          <a:blip r:embed="rId2"/>
+          <a:blip r:embed="rId3"/>
           <a:stretch>
             <a:fillRect/>
           </a:stretch>
@@ -9393,7 +9873,6 @@
               <a:rPr lang="en-US" sz="2400" dirty="0"/>
               <a:t>Valid but not for now…</a:t>
             </a:r>
-            <a:endParaRPr lang="en-US" sz="2400" dirty="0"/>
           </a:p>
         </p:txBody>
       </p:sp>
@@ -9762,7 +10241,7 @@
 </p:sld>
 </file>
 
-<file path=ppt/slides/slide17.xml><?xml version="1.0" encoding="utf-8"?>
+<file path=ppt/slides/slide18.xml><?xml version="1.0" encoding="utf-8"?>
 <p:sld xmlns:a="http://schemas.openxmlformats.org/drawingml/2006/main" xmlns:r="http://schemas.openxmlformats.org/officeDocument/2006/relationships" xmlns:p="http://schemas.openxmlformats.org/presentationml/2006/main">
   <p:cSld>
     <p:spTree>
@@ -9798,7 +10277,6 @@
               <a:rPr lang="en-US" dirty="0"/>
               <a:t>Radix sort</a:t>
             </a:r>
-            <a:endParaRPr lang="en-US" dirty="0"/>
           </a:p>
         </p:txBody>
       </p:sp>
@@ -9868,11 +10346,6 @@
               </a:rPr>
               <a:t>(A, d):</a:t>
             </a:r>
-            <a:endParaRPr lang="en-GB" b="1" u="sng" dirty="0">
-              <a:solidFill>
-                <a:schemeClr val="tx1"/>
-              </a:solidFill>
-            </a:endParaRPr>
           </a:p>
           <a:p>
             <a:pPr>
@@ -9910,13 +10383,6 @@
               </a:rPr>
               <a:t>=1 to d)</a:t>
             </a:r>
-            <a:endParaRPr lang="en-US" dirty="0">
-              <a:solidFill>
-                <a:schemeClr val="tx1"/>
-              </a:solidFill>
-              <a:latin typeface="Courier New" panose="02070309020205020404" pitchFamily="49" charset="0"/>
-              <a:cs typeface="Courier New" panose="02070309020205020404" pitchFamily="49" charset="0"/>
-            </a:endParaRPr>
           </a:p>
           <a:p>
             <a:pPr>
@@ -9984,16 +10450,11 @@
               </a:rPr>
               <a:t>Why it works?!</a:t>
             </a:r>
-            <a:endParaRPr lang="en-US" sz="2400" dirty="0">
-              <a:solidFill>
-                <a:srgbClr val="C00000"/>
-              </a:solidFill>
-            </a:endParaRPr>
           </a:p>
         </p:txBody>
       </p:sp>
-      <mc:AlternateContent xmlns:mc="http://schemas.openxmlformats.org/markup-compatibility/2006">
-        <mc:Choice xmlns:a14="http://schemas.microsoft.com/office/drawing/2010/main" Requires="a14">
+      <mc:AlternateContent xmlns:mc="http://schemas.openxmlformats.org/markup-compatibility/2006" xmlns:a14="http://schemas.microsoft.com/office/drawing/2010/main">
+        <mc:Choice Requires="a14">
           <p:sp>
             <p:nvSpPr>
               <p:cNvPr id="9" name="文本框 8"/>
@@ -10056,12 +10517,11 @@
                   <a:rPr lang="en-US" sz="2400" dirty="0"/>
                   <a:t> bits.</a:t>
                 </a:r>
-                <a:endParaRPr lang="en-US" sz="2400" dirty="0"/>
               </a:p>
             </p:txBody>
           </p:sp>
         </mc:Choice>
-        <mc:Fallback>
+        <mc:Fallback xmlns="">
           <p:sp>
             <p:nvSpPr>
               <p:cNvPr id="9" name="文本框 8"/>
@@ -10079,7 +10539,7 @@
                 <a:avLst/>
               </a:prstGeom>
               <a:blipFill rotWithShape="1">
-                <a:blip r:embed="rId1"/>
+                <a:blip r:embed="rId2"/>
                 <a:stretch>
                   <a:fillRect t="-6532" r="-12620" b="71"/>
                 </a:stretch>
@@ -10100,8 +10560,8 @@
           </p:sp>
         </mc:Fallback>
       </mc:AlternateContent>
-      <mc:AlternateContent xmlns:mc="http://schemas.openxmlformats.org/markup-compatibility/2006">
-        <mc:Choice xmlns:a14="http://schemas.microsoft.com/office/drawing/2010/main" Requires="a14">
+      <mc:AlternateContent xmlns:mc="http://schemas.openxmlformats.org/markup-compatibility/2006" xmlns:a14="http://schemas.microsoft.com/office/drawing/2010/main">
+        <mc:Choice Requires="a14">
           <p:sp>
             <p:nvSpPr>
               <p:cNvPr id="10" name="文本框 9"/>
@@ -10133,7 +10593,6 @@
                   <a:rPr lang="en-US" sz="2200" dirty="0"/>
                   <a:t>Use induction to prove the claim.</a:t>
                 </a:r>
-                <a:endParaRPr lang="en-US" sz="2200" dirty="0"/>
               </a:p>
               <a:p>
                 <a:pPr marL="215900" indent="-215900">
@@ -10155,7 +10614,6 @@
                   <a:rPr lang="en-US" sz="2200" dirty="0"/>
                   <a:t>] Claim holds after the first iteration.</a:t>
                 </a:r>
-                <a:endParaRPr lang="en-US" sz="2200" dirty="0"/>
               </a:p>
               <a:p>
                 <a:pPr marL="215900" indent="-215900">
@@ -10189,13 +10647,7 @@
                       <a:rPr lang="en-US" sz="2200" i="1" dirty="0" smtClean="0">
                         <a:latin typeface="Cambria Math" panose="02040503050406030204" pitchFamily="18" charset="0"/>
                       </a:rPr>
-                      <m:t>−</m:t>
-                    </m:r>
-                    <m:r>
-                      <a:rPr lang="en-US" sz="2200" i="1" dirty="0" smtClean="0">
-                        <a:latin typeface="Cambria Math" panose="02040503050406030204" pitchFamily="18" charset="0"/>
-                      </a:rPr>
-                      <m:t>1</m:t>
+                      <m:t>−1</m:t>
                     </m:r>
                   </m:oMath>
                 </a14:m>
@@ -10203,7 +10655,6 @@
                   <a:rPr lang="en-US" sz="2200" dirty="0"/>
                   <a:t> iterations.</a:t>
                 </a:r>
-                <a:endParaRPr lang="en-US" sz="2200" dirty="0"/>
               </a:p>
               <a:p>
                 <a:pPr marL="215900" indent="-215900">
@@ -10267,7 +10718,6 @@
                   <a:rPr lang="en-US" sz="2200" dirty="0"/>
                   <a:t> iterations.</a:t>
                 </a:r>
-                <a:endParaRPr lang="en-US" sz="2200" dirty="0"/>
               </a:p>
               <a:p>
                 <a:pPr marL="673100" lvl="1" indent="-215900">
@@ -10376,7 +10826,6 @@
                   <a:rPr lang="en-US" sz="2000" dirty="0"/>
                   <a:t>.</a:t>
                 </a:r>
-                <a:endParaRPr lang="en-US" sz="2000" dirty="0"/>
               </a:p>
               <a:p>
                 <a:pPr marL="673100" lvl="1" indent="-215900">
@@ -10482,13 +10931,7 @@
                           <a:rPr lang="en-US" sz="2000" b="0" i="1" smtClean="0">
                             <a:latin typeface="Cambria Math" panose="02040503050406030204" pitchFamily="18" charset="0"/>
                           </a:rPr>
-                          <m:t>…</m:t>
-                        </m:r>
-                        <m:r>
-                          <a:rPr lang="en-US" sz="2000" b="0" i="1" smtClean="0">
-                            <a:latin typeface="Cambria Math" panose="02040503050406030204" pitchFamily="18" charset="0"/>
-                          </a:rPr>
-                          <m:t>1</m:t>
+                          <m:t>…1</m:t>
                         </m:r>
                       </m:e>
                     </m:d>
@@ -10540,7 +10983,6 @@
                   <a:rPr lang="en-US" sz="2000" dirty="0"/>
                   <a:t>.</a:t>
                 </a:r>
-                <a:endParaRPr lang="en-US" sz="2000" dirty="0"/>
               </a:p>
               <a:p>
                 <a:pPr marL="673100" lvl="1" indent="-215900">
@@ -10670,13 +11112,7 @@
                               <a:rPr lang="en-US" sz="2000" b="0" i="1" smtClean="0">
                                 <a:latin typeface="Cambria Math" panose="02040503050406030204" pitchFamily="18" charset="0"/>
                               </a:rPr>
-                              <m:t>−</m:t>
-                            </m:r>
-                            <m:r>
-                              <a:rPr lang="en-US" sz="2000" b="0" i="1" smtClean="0">
-                                <a:latin typeface="Cambria Math" panose="02040503050406030204" pitchFamily="18" charset="0"/>
-                              </a:rPr>
-                              <m:t>1</m:t>
+                              <m:t>−1</m:t>
                             </m:r>
                           </m:e>
                         </m:d>
@@ -10684,13 +11120,7 @@
                           <a:rPr lang="en-US" sz="2000" b="0" i="1" smtClean="0">
                             <a:latin typeface="Cambria Math" panose="02040503050406030204" pitchFamily="18" charset="0"/>
                           </a:rPr>
-                          <m:t>…</m:t>
-                        </m:r>
-                        <m:r>
-                          <a:rPr lang="en-US" sz="2000" b="0" i="1" smtClean="0">
-                            <a:latin typeface="Cambria Math" panose="02040503050406030204" pitchFamily="18" charset="0"/>
-                          </a:rPr>
-                          <m:t>1</m:t>
+                          <m:t>…1</m:t>
                         </m:r>
                       </m:e>
                     </m:d>
@@ -10731,13 +11161,7 @@
                           <a:rPr lang="en-US" sz="2000" b="0" i="1" smtClean="0">
                             <a:latin typeface="Cambria Math" panose="02040503050406030204" pitchFamily="18" charset="0"/>
                           </a:rPr>
-                          <m:t>−</m:t>
-                        </m:r>
-                        <m:r>
-                          <a:rPr lang="en-US" sz="2000" b="0" i="1" smtClean="0">
-                            <a:latin typeface="Cambria Math" panose="02040503050406030204" pitchFamily="18" charset="0"/>
-                          </a:rPr>
-                          <m:t>1</m:t>
+                          <m:t>−1</m:t>
                         </m:r>
                       </m:e>
                     </m:d>
@@ -10745,19 +11169,7 @@
                       <a:rPr lang="en-US" sz="2000" b="0" i="1" smtClean="0">
                         <a:latin typeface="Cambria Math" panose="02040503050406030204" pitchFamily="18" charset="0"/>
                       </a:rPr>
-                      <m:t>…</m:t>
-                    </m:r>
-                    <m:r>
-                      <a:rPr lang="en-US" sz="2000" b="0" i="1" smtClean="0">
-                        <a:latin typeface="Cambria Math" panose="02040503050406030204" pitchFamily="18" charset="0"/>
-                      </a:rPr>
-                      <m:t>1</m:t>
-                    </m:r>
-                    <m:r>
-                      <a:rPr lang="en-US" sz="2000" b="0" i="1" smtClean="0">
-                        <a:latin typeface="Cambria Math" panose="02040503050406030204" pitchFamily="18" charset="0"/>
-                      </a:rPr>
-                      <m:t>]</m:t>
+                      <m:t>…1]</m:t>
                     </m:r>
                   </m:oMath>
                 </a14:m>
@@ -10852,12 +11264,11 @@
                   <a:rPr lang="en-US" sz="2000" dirty="0"/>
                   <a:t>.</a:t>
                 </a:r>
-                <a:endParaRPr lang="en-US" sz="2000" dirty="0"/>
               </a:p>
             </p:txBody>
           </p:sp>
         </mc:Choice>
-        <mc:Fallback>
+        <mc:Fallback xmlns="">
           <p:sp>
             <p:nvSpPr>
               <p:cNvPr id="10" name="文本框 9"/>
@@ -10875,7 +11286,7 @@
                 <a:avLst/>
               </a:prstGeom>
               <a:blipFill rotWithShape="1">
-                <a:blip r:embed="rId2"/>
+                <a:blip r:embed="rId3"/>
                 <a:stretch>
                   <a:fillRect t="-11" r="-13621" b="18"/>
                 </a:stretch>
@@ -10905,7 +11316,7 @@
           <p:nvPr/>
         </p:nvPicPr>
         <p:blipFill>
-          <a:blip r:embed="rId3"/>
+          <a:blip r:embed="rId4"/>
           <a:stretch>
             <a:fillRect/>
           </a:stretch>
@@ -11365,7 +11776,7 @@
 </p:sld>
 </file>
 
-<file path=ppt/slides/slide18.xml><?xml version="1.0" encoding="utf-8"?>
+<file path=ppt/slides/slide19.xml><?xml version="1.0" encoding="utf-8"?>
 <p:sld xmlns:a="http://schemas.openxmlformats.org/drawingml/2006/main" xmlns:r="http://schemas.openxmlformats.org/officeDocument/2006/relationships" xmlns:p="http://schemas.openxmlformats.org/presentationml/2006/main">
   <p:cSld>
     <p:spTree>
@@ -11401,7 +11812,6 @@
               <a:rPr lang="en-US" dirty="0"/>
               <a:t>Radix sort</a:t>
             </a:r>
-            <a:endParaRPr lang="en-US" dirty="0"/>
           </a:p>
         </p:txBody>
       </p:sp>
@@ -11471,11 +11881,6 @@
               </a:rPr>
               <a:t>(A, d):</a:t>
             </a:r>
-            <a:endParaRPr lang="en-GB" b="1" u="sng" dirty="0">
-              <a:solidFill>
-                <a:schemeClr val="tx1"/>
-              </a:solidFill>
-            </a:endParaRPr>
           </a:p>
           <a:p>
             <a:pPr>
@@ -11513,13 +11918,6 @@
               </a:rPr>
               <a:t>=1 to d)</a:t>
             </a:r>
-            <a:endParaRPr lang="en-US" dirty="0">
-              <a:solidFill>
-                <a:schemeClr val="tx1"/>
-              </a:solidFill>
-              <a:latin typeface="Courier New" panose="02070309020205020404" pitchFamily="49" charset="0"/>
-              <a:cs typeface="Courier New" panose="02070309020205020404" pitchFamily="49" charset="0"/>
-            </a:endParaRPr>
           </a:p>
           <a:p>
             <a:pPr>
@@ -11587,11 +11985,6 @@
               </a:rPr>
               <a:t>How much time?</a:t>
             </a:r>
-            <a:endParaRPr lang="en-US" sz="2400" dirty="0">
-              <a:solidFill>
-                <a:srgbClr val="C00000"/>
-              </a:solidFill>
-            </a:endParaRPr>
           </a:p>
         </p:txBody>
       </p:sp>
@@ -11604,7 +11997,7 @@
           <p:nvPr/>
         </p:nvPicPr>
         <p:blipFill>
-          <a:blip r:embed="rId1"/>
+          <a:blip r:embed="rId2"/>
           <a:stretch>
             <a:fillRect/>
           </a:stretch>
@@ -11701,11 +12094,6 @@
               </a:rPr>
               <a:t>(A, d):</a:t>
             </a:r>
-            <a:endParaRPr lang="en-GB" b="1" u="sng" dirty="0">
-              <a:solidFill>
-                <a:schemeClr val="tx1"/>
-              </a:solidFill>
-            </a:endParaRPr>
           </a:p>
           <a:p>
             <a:pPr>
@@ -11743,13 +12131,6 @@
               </a:rPr>
               <a:t>=1 to d)</a:t>
             </a:r>
-            <a:endParaRPr lang="en-US" dirty="0">
-              <a:solidFill>
-                <a:schemeClr val="tx1"/>
-              </a:solidFill>
-              <a:latin typeface="Courier New" panose="02070309020205020404" pitchFamily="49" charset="0"/>
-              <a:cs typeface="Courier New" panose="02070309020205020404" pitchFamily="49" charset="0"/>
-            </a:endParaRPr>
           </a:p>
           <a:p>
             <a:pPr>
@@ -11827,8 +12208,8 @@
           </a:p>
         </p:txBody>
       </p:sp>
-      <mc:AlternateContent xmlns:mc="http://schemas.openxmlformats.org/markup-compatibility/2006">
-        <mc:Choice xmlns:a14="http://schemas.microsoft.com/office/drawing/2010/main" Requires="a14">
+      <mc:AlternateContent xmlns:mc="http://schemas.openxmlformats.org/markup-compatibility/2006" xmlns:a14="http://schemas.microsoft.com/office/drawing/2010/main">
+        <mc:Choice Requires="a14">
           <p:sp>
             <p:nvSpPr>
               <p:cNvPr id="3" name="文本框 2"/>
@@ -11901,12 +12282,11 @@
                   <a:rPr lang="en-US" sz="2000" dirty="0"/>
                   <a:t> buckets.</a:t>
                 </a:r>
-                <a:endParaRPr lang="en-US" sz="2000" dirty="0"/>
               </a:p>
             </p:txBody>
           </p:sp>
         </mc:Choice>
-        <mc:Fallback>
+        <mc:Fallback xmlns="">
           <p:sp>
             <p:nvSpPr>
               <p:cNvPr id="3" name="文本框 2"/>
@@ -11924,7 +12304,7 @@
                 <a:avLst/>
               </a:prstGeom>
               <a:blipFill rotWithShape="1">
-                <a:blip r:embed="rId2"/>
+                <a:blip r:embed="rId3"/>
                 <a:stretch>
                   <a:fillRect l="-8" t="-142" r="-10348" b="157"/>
                 </a:stretch>
@@ -11945,8 +12325,8 @@
           </p:sp>
         </mc:Fallback>
       </mc:AlternateContent>
-      <mc:AlternateContent xmlns:mc="http://schemas.openxmlformats.org/markup-compatibility/2006">
-        <mc:Choice xmlns:a14="http://schemas.microsoft.com/office/drawing/2010/main" Requires="a14">
+      <mc:AlternateContent xmlns:mc="http://schemas.openxmlformats.org/markup-compatibility/2006" xmlns:a14="http://schemas.microsoft.com/office/drawing/2010/main">
+        <mc:Choice Requires="a14">
           <p:sp>
             <p:nvSpPr>
               <p:cNvPr id="13" name="文本框 12"/>
@@ -12040,12 +12420,11 @@
                   <a:rPr lang="en-US" sz="2400" dirty="0"/>
                   <a:t> time.</a:t>
                 </a:r>
-                <a:endParaRPr lang="en-US" sz="2400" dirty="0"/>
               </a:p>
             </p:txBody>
           </p:sp>
         </mc:Choice>
-        <mc:Fallback>
+        <mc:Fallback xmlns="">
           <p:sp>
             <p:nvSpPr>
               <p:cNvPr id="13" name="文本框 12"/>
@@ -12063,7 +12442,7 @@
                 <a:avLst/>
               </a:prstGeom>
               <a:blipFill rotWithShape="1">
-                <a:blip r:embed="rId3"/>
+                <a:blip r:embed="rId4"/>
                 <a:stretch>
                   <a:fillRect l="-8" t="-73" r="-6082" b="77"/>
                 </a:stretch>
@@ -12262,426 +12641,6 @@
 </p:sld>
 </file>
 
-<file path=ppt/slides/slide19.xml><?xml version="1.0" encoding="utf-8"?>
-<p:sld xmlns:a="http://schemas.openxmlformats.org/drawingml/2006/main" xmlns:r="http://schemas.openxmlformats.org/officeDocument/2006/relationships" xmlns:p="http://schemas.openxmlformats.org/presentationml/2006/main">
-  <p:cSld>
-    <p:spTree>
-      <p:nvGrpSpPr>
-        <p:cNvPr id="1" name=""/>
-        <p:cNvGrpSpPr/>
-        <p:nvPr/>
-      </p:nvGrpSpPr>
-      <p:grpSpPr>
-        <a:xfrm>
-          <a:off x="0" y="0"/>
-          <a:ext cx="0" cy="0"/>
-          <a:chOff x="0" y="0"/>
-          <a:chExt cx="0" cy="0"/>
-        </a:xfrm>
-      </p:grpSpPr>
-      <p:sp>
-        <p:nvSpPr>
-          <p:cNvPr id="2" name="标题 1"/>
-          <p:cNvSpPr>
-            <a:spLocks noGrp="1"/>
-          </p:cNvSpPr>
-          <p:nvPr>
-            <p:ph type="title"/>
-          </p:nvPr>
-        </p:nvSpPr>
-        <p:spPr/>
-        <p:txBody>
-          <a:bodyPr/>
-          <a:lstStyle/>
-          <a:p>
-            <a:r>
-              <a:rPr lang="en-US" dirty="0"/>
-              <a:t>Summary</a:t>
-            </a:r>
-            <a:endParaRPr lang="en-US" dirty="0"/>
-          </a:p>
-        </p:txBody>
-      </p:sp>
-      <mc:AlternateContent xmlns:mc="http://schemas.openxmlformats.org/markup-compatibility/2006">
-        <mc:Choice xmlns:a14="http://schemas.microsoft.com/office/drawing/2010/main" Requires="a14">
-          <p:sp>
-            <p:nvSpPr>
-              <p:cNvPr id="3" name="内容占位符 2"/>
-              <p:cNvSpPr>
-                <a:spLocks noGrp="1"/>
-              </p:cNvSpPr>
-              <p:nvPr>
-                <p:ph idx="1"/>
-              </p:nvPr>
-            </p:nvSpPr>
-            <p:spPr>
-              <a:xfrm>
-                <a:off x="628650" y="1825625"/>
-                <a:ext cx="8515350" cy="4351338"/>
-              </a:xfrm>
-            </p:spPr>
-            <p:txBody>
-              <a:bodyPr/>
-              <a:lstStyle/>
-              <a:p>
-                <a:pPr marL="0" indent="0">
-                  <a:buNone/>
-                </a:pPr>
-                <a:r>
-                  <a:rPr lang="en-US" sz="2600" b="1" dirty="0">
-                    <a:solidFill>
-                      <a:schemeClr val="accent1">
-                        <a:lumMod val="75000"/>
-                      </a:schemeClr>
-                    </a:solidFill>
-                  </a:rPr>
-                  <a:t>Lower Bounds:</a:t>
-                </a:r>
-                <a:endParaRPr lang="en-US" sz="2600" b="1" dirty="0">
-                  <a:solidFill>
-                    <a:schemeClr val="accent1">
-                      <a:lumMod val="75000"/>
-                    </a:schemeClr>
-                  </a:solidFill>
-                </a:endParaRPr>
-              </a:p>
-              <a:p>
-                <a:r>
-                  <a:rPr lang="en-US" sz="2600" dirty="0"/>
-                  <a:t>Sorting needs </a:t>
-                </a:r>
-                <a14:m>
-                  <m:oMath xmlns:m="http://schemas.openxmlformats.org/officeDocument/2006/math">
-                    <m:r>
-                      <m:rPr>
-                        <m:sty m:val="p"/>
-                      </m:rPr>
-                      <a:rPr lang="en-US" sz="2600" b="0" i="0" smtClean="0">
-                        <a:latin typeface="Cambria Math" panose="02040503050406030204" pitchFamily="18" charset="0"/>
-                      </a:rPr>
-                      <m:t>Ω</m:t>
-                    </m:r>
-                    <m:r>
-                      <a:rPr lang="en-US" sz="2600" b="0" i="1" smtClean="0">
-                        <a:latin typeface="Cambria Math" panose="02040503050406030204" pitchFamily="18" charset="0"/>
-                      </a:rPr>
-                      <m:t>(</m:t>
-                    </m:r>
-                    <m:r>
-                      <a:rPr lang="en-US" sz="2600" b="0" i="1" smtClean="0">
-                        <a:latin typeface="Cambria Math" panose="02040503050406030204" pitchFamily="18" charset="0"/>
-                      </a:rPr>
-                      <m:t>𝑛</m:t>
-                    </m:r>
-                    <m:r>
-                      <a:rPr lang="en-US" sz="2600" b="0" i="1" smtClean="0">
-                        <a:latin typeface="Cambria Math" panose="02040503050406030204" pitchFamily="18" charset="0"/>
-                      </a:rPr>
-                      <m:t>)</m:t>
-                    </m:r>
-                  </m:oMath>
-                </a14:m>
-                <a:r>
-                  <a:rPr lang="en-US" sz="2600" dirty="0"/>
-                  <a:t> time. </a:t>
-                </a:r>
-                <a:r>
-                  <a:rPr lang="en-US" sz="2000" dirty="0">
-                    <a:solidFill>
-                      <a:srgbClr val="C00000"/>
-                    </a:solidFill>
-                  </a:rPr>
-                  <a:t>(adversary argument)</a:t>
-                </a:r>
-                <a:endParaRPr lang="en-US" sz="2000" dirty="0">
-                  <a:solidFill>
-                    <a:srgbClr val="C00000"/>
-                  </a:solidFill>
-                </a:endParaRPr>
-              </a:p>
-              <a:p>
-                <a:r>
-                  <a:rPr lang="en-US" sz="2600" dirty="0"/>
-                  <a:t>Comparison-based sorting needs </a:t>
-                </a:r>
-                <a14:m>
-                  <m:oMath xmlns:m="http://schemas.openxmlformats.org/officeDocument/2006/math">
-                    <m:r>
-                      <m:rPr>
-                        <m:sty m:val="p"/>
-                      </m:rPr>
-                      <a:rPr lang="en-US" sz="2600">
-                        <a:latin typeface="Cambria Math" panose="02040503050406030204" pitchFamily="18" charset="0"/>
-                      </a:rPr>
-                      <m:t>Ω</m:t>
-                    </m:r>
-                    <m:r>
-                      <a:rPr lang="en-US" sz="2600" i="1">
-                        <a:latin typeface="Cambria Math" panose="02040503050406030204" pitchFamily="18" charset="0"/>
-                      </a:rPr>
-                      <m:t>(</m:t>
-                    </m:r>
-                    <m:r>
-                      <a:rPr lang="en-US" sz="2600" i="1">
-                        <a:latin typeface="Cambria Math" panose="02040503050406030204" pitchFamily="18" charset="0"/>
-                      </a:rPr>
-                      <m:t>𝑛</m:t>
-                    </m:r>
-                    <m:func>
-                      <m:funcPr>
-                        <m:ctrlPr>
-                          <a:rPr lang="en-US" sz="2600" b="0" i="1" smtClean="0">
-                            <a:latin typeface="Cambria Math" panose="02040503050406030204" pitchFamily="18" charset="0"/>
-                          </a:rPr>
-                        </m:ctrlPr>
-                      </m:funcPr>
-                      <m:fName>
-                        <m:r>
-                          <m:rPr>
-                            <m:sty m:val="p"/>
-                          </m:rPr>
-                          <a:rPr lang="en-US" sz="2600" b="0" i="0" smtClean="0">
-                            <a:latin typeface="Cambria Math" panose="02040503050406030204" pitchFamily="18" charset="0"/>
-                          </a:rPr>
-                          <m:t>log</m:t>
-                        </m:r>
-                      </m:fName>
-                      <m:e>
-                        <m:r>
-                          <a:rPr lang="en-US" sz="2600" b="0" i="1" smtClean="0">
-                            <a:latin typeface="Cambria Math" panose="02040503050406030204" pitchFamily="18" charset="0"/>
-                          </a:rPr>
-                          <m:t>𝑛</m:t>
-                        </m:r>
-                      </m:e>
-                    </m:func>
-                    <m:r>
-                      <a:rPr lang="en-US" sz="2600" i="1">
-                        <a:latin typeface="Cambria Math" panose="02040503050406030204" pitchFamily="18" charset="0"/>
-                      </a:rPr>
-                      <m:t>)</m:t>
-                    </m:r>
-                  </m:oMath>
-                </a14:m>
-                <a:r>
-                  <a:rPr lang="en-US" sz="2600" dirty="0"/>
-                  <a:t>. </a:t>
-                </a:r>
-                <a:r>
-                  <a:rPr lang="en-US" sz="2000" dirty="0">
-                    <a:solidFill>
-                      <a:srgbClr val="C00000"/>
-                    </a:solidFill>
-                  </a:rPr>
-                  <a:t>(decision tree)</a:t>
-                </a:r>
-                <a:endParaRPr lang="en-US" sz="2000" dirty="0">
-                  <a:solidFill>
-                    <a:srgbClr val="C00000"/>
-                  </a:solidFill>
-                </a:endParaRPr>
-              </a:p>
-              <a:p>
-                <a:pPr marL="0" indent="0">
-                  <a:spcBef>
-                    <a:spcPts val="2400"/>
-                  </a:spcBef>
-                  <a:buNone/>
-                </a:pPr>
-                <a:r>
-                  <a:rPr lang="en-US" sz="2600" b="1" dirty="0">
-                    <a:solidFill>
-                      <a:schemeClr val="accent1">
-                        <a:lumMod val="75000"/>
-                      </a:schemeClr>
-                    </a:solidFill>
-                  </a:rPr>
-                  <a:t>Upper Bounds:</a:t>
-                </a:r>
-                <a:endParaRPr lang="en-US" sz="2600" b="1" dirty="0">
-                  <a:solidFill>
-                    <a:schemeClr val="accent1">
-                      <a:lumMod val="75000"/>
-                    </a:schemeClr>
-                  </a:solidFill>
-                </a:endParaRPr>
-              </a:p>
-              <a:p>
-                <a:r>
-                  <a:rPr lang="en-US" sz="2600" dirty="0"/>
-                  <a:t>There are </a:t>
-                </a:r>
-                <a14:m>
-                  <m:oMath xmlns:m="http://schemas.openxmlformats.org/officeDocument/2006/math">
-                    <m:r>
-                      <a:rPr lang="en-US" sz="2600" b="0" i="1" smtClean="0">
-                        <a:latin typeface="Cambria Math" panose="02040503050406030204" pitchFamily="18" charset="0"/>
-                      </a:rPr>
-                      <m:t>𝑂</m:t>
-                    </m:r>
-                    <m:r>
-                      <a:rPr lang="en-US" sz="2600" b="0" i="1" smtClean="0">
-                        <a:latin typeface="Cambria Math" panose="02040503050406030204" pitchFamily="18" charset="0"/>
-                      </a:rPr>
-                      <m:t>(</m:t>
-                    </m:r>
-                    <m:r>
-                      <a:rPr lang="en-US" sz="2600" b="0" i="1" smtClean="0">
-                        <a:latin typeface="Cambria Math" panose="02040503050406030204" pitchFamily="18" charset="0"/>
-                      </a:rPr>
-                      <m:t>𝑛</m:t>
-                    </m:r>
-                    <m:func>
-                      <m:funcPr>
-                        <m:ctrlPr>
-                          <a:rPr lang="en-US" sz="2600" b="0" i="1" smtClean="0">
-                            <a:latin typeface="Cambria Math" panose="02040503050406030204" pitchFamily="18" charset="0"/>
-                          </a:rPr>
-                        </m:ctrlPr>
-                      </m:funcPr>
-                      <m:fName>
-                        <m:r>
-                          <m:rPr>
-                            <m:sty m:val="p"/>
-                          </m:rPr>
-                          <a:rPr lang="en-US" sz="2600" b="0" i="0" smtClean="0">
-                            <a:latin typeface="Cambria Math" panose="02040503050406030204" pitchFamily="18" charset="0"/>
-                          </a:rPr>
-                          <m:t>log</m:t>
-                        </m:r>
-                      </m:fName>
-                      <m:e>
-                        <m:r>
-                          <a:rPr lang="en-US" sz="2600" b="0" i="1" smtClean="0">
-                            <a:latin typeface="Cambria Math" panose="02040503050406030204" pitchFamily="18" charset="0"/>
-                          </a:rPr>
-                          <m:t>𝑛</m:t>
-                        </m:r>
-                      </m:e>
-                    </m:func>
-                    <m:r>
-                      <a:rPr lang="en-US" sz="2600" b="0" i="1" smtClean="0">
-                        <a:latin typeface="Cambria Math" panose="02040503050406030204" pitchFamily="18" charset="0"/>
-                      </a:rPr>
-                      <m:t>)</m:t>
-                    </m:r>
-                  </m:oMath>
-                </a14:m>
-                <a:r>
-                  <a:rPr lang="en-US" sz="2600" dirty="0"/>
-                  <a:t> comparison-based sorting algorithms.</a:t>
-                </a:r>
-                <a:endParaRPr lang="en-US" sz="2600" dirty="0"/>
-              </a:p>
-              <a:p>
-                <a:r>
-                  <a:rPr lang="en-US" sz="2600" dirty="0" err="1">
-                    <a:latin typeface="Courier New" panose="02070309020205020404" pitchFamily="49" charset="0"/>
-                    <a:cs typeface="Courier New" panose="02070309020205020404" pitchFamily="49" charset="0"/>
-                  </a:rPr>
-                  <a:t>BucketSort</a:t>
-                </a:r>
-                <a:r>
-                  <a:rPr lang="en-US" sz="2600" dirty="0"/>
-                  <a:t>, </a:t>
-                </a:r>
-                <a:r>
-                  <a:rPr lang="en-US" sz="2600" dirty="0" err="1">
-                    <a:latin typeface="Courier New" panose="02070309020205020404" pitchFamily="49" charset="0"/>
-                    <a:cs typeface="Courier New" panose="02070309020205020404" pitchFamily="49" charset="0"/>
-                  </a:rPr>
-                  <a:t>RadixSort</a:t>
-                </a:r>
-                <a:r>
-                  <a:rPr lang="en-US" sz="2600" dirty="0"/>
-                  <a:t> can be </a:t>
-                </a:r>
-                <a14:m>
-                  <m:oMath xmlns:m="http://schemas.openxmlformats.org/officeDocument/2006/math">
-                    <m:r>
-                      <m:rPr>
-                        <m:sty m:val="p"/>
-                      </m:rPr>
-                      <a:rPr lang="en-US" sz="2600" b="0" i="0" smtClean="0">
-                        <a:latin typeface="Cambria Math" panose="02040503050406030204" pitchFamily="18" charset="0"/>
-                      </a:rPr>
-                      <m:t>Θ</m:t>
-                    </m:r>
-                    <m:r>
-                      <a:rPr lang="en-US" sz="2600" b="0" i="1" smtClean="0">
-                        <a:latin typeface="Cambria Math" panose="02040503050406030204" pitchFamily="18" charset="0"/>
-                      </a:rPr>
-                      <m:t>(</m:t>
-                    </m:r>
-                    <m:r>
-                      <a:rPr lang="en-US" sz="2600" b="0" i="1" smtClean="0">
-                        <a:latin typeface="Cambria Math" panose="02040503050406030204" pitchFamily="18" charset="0"/>
-                      </a:rPr>
-                      <m:t>𝑛</m:t>
-                    </m:r>
-                    <m:r>
-                      <a:rPr lang="en-US" sz="2600" b="0" i="1" smtClean="0">
-                        <a:latin typeface="Cambria Math" panose="02040503050406030204" pitchFamily="18" charset="0"/>
-                      </a:rPr>
-                      <m:t>)</m:t>
-                    </m:r>
-                  </m:oMath>
-                </a14:m>
-                <a:r>
-                  <a:rPr lang="en-US" sz="2600" dirty="0"/>
-                  <a:t> in many cases.</a:t>
-                </a:r>
-                <a:endParaRPr lang="en-US" sz="2600" dirty="0"/>
-              </a:p>
-            </p:txBody>
-          </p:sp>
-        </mc:Choice>
-        <mc:Fallback>
-          <p:sp>
-            <p:nvSpPr>
-              <p:cNvPr id="3" name="内容占位符 2"/>
-              <p:cNvSpPr>
-                <a:spLocks noRot="1" noChangeAspect="1" noMove="1" noResize="1" noEditPoints="1" noAdjustHandles="1" noChangeArrowheads="1" noChangeShapeType="1" noTextEdit="1"/>
-              </p:cNvSpPr>
-              <p:nvPr>
-                <p:ph idx="1"/>
-              </p:nvPr>
-            </p:nvSpPr>
-            <p:spPr>
-              <a:xfrm>
-                <a:off x="628650" y="1825625"/>
-                <a:ext cx="8515350" cy="4351338"/>
-              </a:xfrm>
-              <a:blipFill rotWithShape="1">
-                <a:blip r:embed="rId1"/>
-                <a:stretch>
-                  <a:fillRect b="7"/>
-                </a:stretch>
-              </a:blipFill>
-            </p:spPr>
-            <p:txBody>
-              <a:bodyPr/>
-              <a:lstStyle/>
-              <a:p>
-                <a:r>
-                  <a:rPr lang="zh-CN" altLang="en-US">
-                    <a:noFill/>
-                  </a:rPr>
-                  <a:t> </a:t>
-                </a:r>
-              </a:p>
-            </p:txBody>
-          </p:sp>
-        </mc:Fallback>
-      </mc:AlternateContent>
-    </p:spTree>
-  </p:cSld>
-  <p:clrMapOvr>
-    <a:masterClrMapping/>
-  </p:clrMapOvr>
-</p:sld>
-</file>
-
 <file path=ppt/slides/slide2.xml><?xml version="1.0" encoding="utf-8"?>
 <p:sld xmlns:a="http://schemas.openxmlformats.org/drawingml/2006/main" xmlns:r="http://schemas.openxmlformats.org/officeDocument/2006/relationships" xmlns:p="http://schemas.openxmlformats.org/presentationml/2006/main">
   <p:cSld>
@@ -12699,8 +12658,8 @@
           <a:chExt cx="0" cy="0"/>
         </a:xfrm>
       </p:grpSpPr>
-      <mc:AlternateContent xmlns:mc="http://schemas.openxmlformats.org/markup-compatibility/2006">
-        <mc:Choice xmlns:a14="http://schemas.microsoft.com/office/drawing/2010/main" Requires="a14">
+      <mc:AlternateContent xmlns:mc="http://schemas.openxmlformats.org/markup-compatibility/2006" xmlns:a14="http://schemas.microsoft.com/office/drawing/2010/main">
+        <mc:Choice Requires="a14">
           <p:sp>
             <p:nvSpPr>
               <p:cNvPr id="4" name="文本框 3"/>
@@ -12814,16 +12773,11 @@
                   </a:rPr>
                   <a:t>?</a:t>
                 </a:r>
-                <a:endParaRPr lang="en-US" sz="3200" b="1" dirty="0">
-                  <a:solidFill>
-                    <a:srgbClr val="C00000"/>
-                  </a:solidFill>
-                </a:endParaRPr>
               </a:p>
             </p:txBody>
           </p:sp>
         </mc:Choice>
-        <mc:Fallback>
+        <mc:Fallback xmlns="">
           <p:sp>
             <p:nvSpPr>
               <p:cNvPr id="4" name="文本框 3"/>
@@ -12841,7 +12795,7 @@
                 <a:avLst/>
               </a:prstGeom>
               <a:blipFill rotWithShape="1">
-                <a:blip r:embed="rId1"/>
+                <a:blip r:embed="rId2"/>
                 <a:stretch>
                   <a:fillRect l="-14035" t="-59" r="-16216" b="49"/>
                 </a:stretch>
@@ -12871,6 +12825,399 @@
 </file>
 
 <file path=ppt/slides/slide20.xml><?xml version="1.0" encoding="utf-8"?>
+<p:sld xmlns:a="http://schemas.openxmlformats.org/drawingml/2006/main" xmlns:r="http://schemas.openxmlformats.org/officeDocument/2006/relationships" xmlns:p="http://schemas.openxmlformats.org/presentationml/2006/main">
+  <p:cSld>
+    <p:spTree>
+      <p:nvGrpSpPr>
+        <p:cNvPr id="1" name=""/>
+        <p:cNvGrpSpPr/>
+        <p:nvPr/>
+      </p:nvGrpSpPr>
+      <p:grpSpPr>
+        <a:xfrm>
+          <a:off x="0" y="0"/>
+          <a:ext cx="0" cy="0"/>
+          <a:chOff x="0" y="0"/>
+          <a:chExt cx="0" cy="0"/>
+        </a:xfrm>
+      </p:grpSpPr>
+      <p:sp>
+        <p:nvSpPr>
+          <p:cNvPr id="2" name="标题 1"/>
+          <p:cNvSpPr>
+            <a:spLocks noGrp="1"/>
+          </p:cNvSpPr>
+          <p:nvPr>
+            <p:ph type="title"/>
+          </p:nvPr>
+        </p:nvSpPr>
+        <p:spPr/>
+        <p:txBody>
+          <a:bodyPr/>
+          <a:lstStyle/>
+          <a:p>
+            <a:r>
+              <a:rPr lang="en-US" dirty="0"/>
+              <a:t>Summary</a:t>
+            </a:r>
+          </a:p>
+        </p:txBody>
+      </p:sp>
+      <mc:AlternateContent xmlns:mc="http://schemas.openxmlformats.org/markup-compatibility/2006" xmlns:a14="http://schemas.microsoft.com/office/drawing/2010/main">
+        <mc:Choice Requires="a14">
+          <p:sp>
+            <p:nvSpPr>
+              <p:cNvPr id="3" name="内容占位符 2"/>
+              <p:cNvSpPr>
+                <a:spLocks noGrp="1"/>
+              </p:cNvSpPr>
+              <p:nvPr>
+                <p:ph idx="1"/>
+              </p:nvPr>
+            </p:nvSpPr>
+            <p:spPr>
+              <a:xfrm>
+                <a:off x="628650" y="1825625"/>
+                <a:ext cx="8515350" cy="4351338"/>
+              </a:xfrm>
+            </p:spPr>
+            <p:txBody>
+              <a:bodyPr/>
+              <a:lstStyle/>
+              <a:p>
+                <a:pPr marL="0" indent="0">
+                  <a:buNone/>
+                </a:pPr>
+                <a:r>
+                  <a:rPr lang="en-US" sz="2600" b="1" dirty="0">
+                    <a:solidFill>
+                      <a:schemeClr val="accent1">
+                        <a:lumMod val="75000"/>
+                      </a:schemeClr>
+                    </a:solidFill>
+                  </a:rPr>
+                  <a:t>Lower Bounds:</a:t>
+                </a:r>
+              </a:p>
+              <a:p>
+                <a:r>
+                  <a:rPr lang="en-US" sz="2600" dirty="0"/>
+                  <a:t>Sorting needs </a:t>
+                </a:r>
+                <a14:m>
+                  <m:oMath xmlns:m="http://schemas.openxmlformats.org/officeDocument/2006/math">
+                    <m:r>
+                      <m:rPr>
+                        <m:sty m:val="p"/>
+                      </m:rPr>
+                      <a:rPr lang="en-US" sz="2600" b="0" i="0" smtClean="0">
+                        <a:latin typeface="Cambria Math" panose="02040503050406030204" pitchFamily="18" charset="0"/>
+                      </a:rPr>
+                      <m:t>Ω</m:t>
+                    </m:r>
+                    <m:r>
+                      <a:rPr lang="en-US" sz="2600" b="0" i="1" smtClean="0">
+                        <a:latin typeface="Cambria Math" panose="02040503050406030204" pitchFamily="18" charset="0"/>
+                      </a:rPr>
+                      <m:t>(</m:t>
+                    </m:r>
+                    <m:r>
+                      <a:rPr lang="en-US" sz="2600" b="0" i="1" smtClean="0">
+                        <a:latin typeface="Cambria Math" panose="02040503050406030204" pitchFamily="18" charset="0"/>
+                      </a:rPr>
+                      <m:t>𝑛</m:t>
+                    </m:r>
+                    <m:r>
+                      <a:rPr lang="en-US" sz="2600" b="0" i="1" smtClean="0">
+                        <a:latin typeface="Cambria Math" panose="02040503050406030204" pitchFamily="18" charset="0"/>
+                      </a:rPr>
+                      <m:t>)</m:t>
+                    </m:r>
+                  </m:oMath>
+                </a14:m>
+                <a:r>
+                  <a:rPr lang="en-US" sz="2600" dirty="0"/>
+                  <a:t> time. </a:t>
+                </a:r>
+                <a:r>
+                  <a:rPr lang="en-US" sz="2000" dirty="0">
+                    <a:solidFill>
+                      <a:srgbClr val="C00000"/>
+                    </a:solidFill>
+                  </a:rPr>
+                  <a:t>(adversary argument)</a:t>
+                </a:r>
+              </a:p>
+              <a:p>
+                <a:r>
+                  <a:rPr lang="en-US" sz="2600" dirty="0"/>
+                  <a:t>Comparison-based sorting needs </a:t>
+                </a:r>
+                <a14:m>
+                  <m:oMath xmlns:m="http://schemas.openxmlformats.org/officeDocument/2006/math">
+                    <m:r>
+                      <m:rPr>
+                        <m:sty m:val="p"/>
+                      </m:rPr>
+                      <a:rPr lang="en-US" sz="2600">
+                        <a:latin typeface="Cambria Math" panose="02040503050406030204" pitchFamily="18" charset="0"/>
+                      </a:rPr>
+                      <m:t>Ω</m:t>
+                    </m:r>
+                    <m:r>
+                      <a:rPr lang="en-US" sz="2600" i="1">
+                        <a:latin typeface="Cambria Math" panose="02040503050406030204" pitchFamily="18" charset="0"/>
+                      </a:rPr>
+                      <m:t>(</m:t>
+                    </m:r>
+                    <m:r>
+                      <a:rPr lang="en-US" sz="2600" i="1">
+                        <a:latin typeface="Cambria Math" panose="02040503050406030204" pitchFamily="18" charset="0"/>
+                      </a:rPr>
+                      <m:t>𝑛</m:t>
+                    </m:r>
+                    <m:func>
+                      <m:funcPr>
+                        <m:ctrlPr>
+                          <a:rPr lang="en-US" sz="2600" b="0" i="1" smtClean="0">
+                            <a:latin typeface="Cambria Math" panose="02040503050406030204" pitchFamily="18" charset="0"/>
+                          </a:rPr>
+                        </m:ctrlPr>
+                      </m:funcPr>
+                      <m:fName>
+                        <m:r>
+                          <m:rPr>
+                            <m:sty m:val="p"/>
+                          </m:rPr>
+                          <a:rPr lang="en-US" sz="2600" b="0" i="0" smtClean="0">
+                            <a:latin typeface="Cambria Math" panose="02040503050406030204" pitchFamily="18" charset="0"/>
+                          </a:rPr>
+                          <m:t>log</m:t>
+                        </m:r>
+                      </m:fName>
+                      <m:e>
+                        <m:r>
+                          <a:rPr lang="en-US" sz="2600" b="0" i="1" smtClean="0">
+                            <a:latin typeface="Cambria Math" panose="02040503050406030204" pitchFamily="18" charset="0"/>
+                          </a:rPr>
+                          <m:t>𝑛</m:t>
+                        </m:r>
+                      </m:e>
+                    </m:func>
+                    <m:r>
+                      <a:rPr lang="en-US" sz="2600" i="1">
+                        <a:latin typeface="Cambria Math" panose="02040503050406030204" pitchFamily="18" charset="0"/>
+                      </a:rPr>
+                      <m:t>)</m:t>
+                    </m:r>
+                  </m:oMath>
+                </a14:m>
+                <a:r>
+                  <a:rPr lang="en-US" sz="2600" dirty="0"/>
+                  <a:t>. </a:t>
+                </a:r>
+                <a:r>
+                  <a:rPr lang="en-US" sz="2000" dirty="0">
+                    <a:solidFill>
+                      <a:srgbClr val="C00000"/>
+                    </a:solidFill>
+                  </a:rPr>
+                  <a:t>(decision tree)</a:t>
+                </a:r>
+              </a:p>
+              <a:p>
+                <a:pPr marL="0" indent="0">
+                  <a:spcBef>
+                    <a:spcPts val="2400"/>
+                  </a:spcBef>
+                  <a:buNone/>
+                </a:pPr>
+                <a:r>
+                  <a:rPr lang="en-US" sz="2600" b="1" dirty="0">
+                    <a:solidFill>
+                      <a:schemeClr val="accent1">
+                        <a:lumMod val="75000"/>
+                      </a:schemeClr>
+                    </a:solidFill>
+                  </a:rPr>
+                  <a:t>Upper Bounds:</a:t>
+                </a:r>
+              </a:p>
+              <a:p>
+                <a:r>
+                  <a:rPr lang="en-US" sz="2600" dirty="0"/>
+                  <a:t>There are </a:t>
+                </a:r>
+                <a14:m>
+                  <m:oMath xmlns:m="http://schemas.openxmlformats.org/officeDocument/2006/math">
+                    <m:r>
+                      <a:rPr lang="en-US" sz="2600" b="0" i="1" smtClean="0">
+                        <a:latin typeface="Cambria Math" panose="02040503050406030204" pitchFamily="18" charset="0"/>
+                      </a:rPr>
+                      <m:t>𝑂</m:t>
+                    </m:r>
+                    <m:r>
+                      <a:rPr lang="en-US" sz="2600" b="0" i="1" smtClean="0">
+                        <a:latin typeface="Cambria Math" panose="02040503050406030204" pitchFamily="18" charset="0"/>
+                      </a:rPr>
+                      <m:t>(</m:t>
+                    </m:r>
+                    <m:r>
+                      <a:rPr lang="en-US" sz="2600" b="0" i="1" smtClean="0">
+                        <a:latin typeface="Cambria Math" panose="02040503050406030204" pitchFamily="18" charset="0"/>
+                      </a:rPr>
+                      <m:t>𝑛</m:t>
+                    </m:r>
+                    <m:func>
+                      <m:funcPr>
+                        <m:ctrlPr>
+                          <a:rPr lang="en-US" sz="2600" b="0" i="1" smtClean="0">
+                            <a:latin typeface="Cambria Math" panose="02040503050406030204" pitchFamily="18" charset="0"/>
+                          </a:rPr>
+                        </m:ctrlPr>
+                      </m:funcPr>
+                      <m:fName>
+                        <m:r>
+                          <m:rPr>
+                            <m:sty m:val="p"/>
+                          </m:rPr>
+                          <a:rPr lang="en-US" sz="2600" b="0" i="0" smtClean="0">
+                            <a:latin typeface="Cambria Math" panose="02040503050406030204" pitchFamily="18" charset="0"/>
+                          </a:rPr>
+                          <m:t>log</m:t>
+                        </m:r>
+                      </m:fName>
+                      <m:e>
+                        <m:r>
+                          <a:rPr lang="en-US" sz="2600" b="0" i="1" smtClean="0">
+                            <a:latin typeface="Cambria Math" panose="02040503050406030204" pitchFamily="18" charset="0"/>
+                          </a:rPr>
+                          <m:t>𝑛</m:t>
+                        </m:r>
+                      </m:e>
+                    </m:func>
+                    <m:r>
+                      <a:rPr lang="en-US" sz="2600" b="0" i="1" smtClean="0">
+                        <a:latin typeface="Cambria Math" panose="02040503050406030204" pitchFamily="18" charset="0"/>
+                      </a:rPr>
+                      <m:t>)</m:t>
+                    </m:r>
+                  </m:oMath>
+                </a14:m>
+                <a:r>
+                  <a:rPr lang="en-US" sz="2600" dirty="0"/>
+                  <a:t> comparison-based sorting algorithms.</a:t>
+                </a:r>
+              </a:p>
+              <a:p>
+                <a:r>
+                  <a:rPr lang="en-US" sz="2600" dirty="0" err="1">
+                    <a:latin typeface="Courier New" panose="02070309020205020404" pitchFamily="49" charset="0"/>
+                    <a:cs typeface="Courier New" panose="02070309020205020404" pitchFamily="49" charset="0"/>
+                  </a:rPr>
+                  <a:t>BucketSort</a:t>
+                </a:r>
+                <a:r>
+                  <a:rPr lang="en-US" sz="2600" dirty="0"/>
+                  <a:t>, </a:t>
+                </a:r>
+                <a:r>
+                  <a:rPr lang="en-US" sz="2600" dirty="0" err="1">
+                    <a:latin typeface="Courier New" panose="02070309020205020404" pitchFamily="49" charset="0"/>
+                    <a:cs typeface="Courier New" panose="02070309020205020404" pitchFamily="49" charset="0"/>
+                  </a:rPr>
+                  <a:t>RadixSort</a:t>
+                </a:r>
+                <a:r>
+                  <a:rPr lang="en-US" sz="2600" dirty="0"/>
+                  <a:t> can be </a:t>
+                </a:r>
+                <a14:m>
+                  <m:oMath xmlns:m="http://schemas.openxmlformats.org/officeDocument/2006/math">
+                    <m:r>
+                      <m:rPr>
+                        <m:sty m:val="p"/>
+                      </m:rPr>
+                      <a:rPr lang="en-US" sz="2600" b="0" i="0" smtClean="0">
+                        <a:latin typeface="Cambria Math" panose="02040503050406030204" pitchFamily="18" charset="0"/>
+                      </a:rPr>
+                      <m:t>Θ</m:t>
+                    </m:r>
+                    <m:r>
+                      <a:rPr lang="en-US" sz="2600" b="0" i="1" smtClean="0">
+                        <a:latin typeface="Cambria Math" panose="02040503050406030204" pitchFamily="18" charset="0"/>
+                      </a:rPr>
+                      <m:t>(</m:t>
+                    </m:r>
+                    <m:r>
+                      <a:rPr lang="en-US" sz="2600" b="0" i="1" smtClean="0">
+                        <a:latin typeface="Cambria Math" panose="02040503050406030204" pitchFamily="18" charset="0"/>
+                      </a:rPr>
+                      <m:t>𝑛</m:t>
+                    </m:r>
+                    <m:r>
+                      <a:rPr lang="en-US" sz="2600" b="0" i="1" smtClean="0">
+                        <a:latin typeface="Cambria Math" panose="02040503050406030204" pitchFamily="18" charset="0"/>
+                      </a:rPr>
+                      <m:t>)</m:t>
+                    </m:r>
+                  </m:oMath>
+                </a14:m>
+                <a:r>
+                  <a:rPr lang="en-US" sz="2600" dirty="0"/>
+                  <a:t> in many cases.</a:t>
+                </a:r>
+              </a:p>
+            </p:txBody>
+          </p:sp>
+        </mc:Choice>
+        <mc:Fallback xmlns="">
+          <p:sp>
+            <p:nvSpPr>
+              <p:cNvPr id="3" name="内容占位符 2"/>
+              <p:cNvSpPr>
+                <a:spLocks noRot="1" noChangeAspect="1" noMove="1" noResize="1" noEditPoints="1" noAdjustHandles="1" noChangeArrowheads="1" noChangeShapeType="1" noTextEdit="1"/>
+              </p:cNvSpPr>
+              <p:nvPr>
+                <p:ph idx="1"/>
+              </p:nvPr>
+            </p:nvSpPr>
+            <p:spPr>
+              <a:xfrm>
+                <a:off x="628650" y="1825625"/>
+                <a:ext cx="8515350" cy="4351338"/>
+              </a:xfrm>
+              <a:blipFill rotWithShape="1">
+                <a:blip r:embed="rId2"/>
+                <a:stretch>
+                  <a:fillRect b="7"/>
+                </a:stretch>
+              </a:blipFill>
+            </p:spPr>
+            <p:txBody>
+              <a:bodyPr/>
+              <a:lstStyle/>
+              <a:p>
+                <a:r>
+                  <a:rPr lang="zh-CN" altLang="en-US">
+                    <a:noFill/>
+                  </a:rPr>
+                  <a:t> </a:t>
+                </a:r>
+              </a:p>
+            </p:txBody>
+          </p:sp>
+        </mc:Fallback>
+      </mc:AlternateContent>
+    </p:spTree>
+  </p:cSld>
+  <p:clrMapOvr>
+    <a:masterClrMapping/>
+  </p:clrMapOvr>
+</p:sld>
+</file>
+
+<file path=ppt/slides/slide21.xml><?xml version="1.0" encoding="utf-8"?>
 <p:sld xmlns:a="http://schemas.openxmlformats.org/drawingml/2006/main" xmlns:r="http://schemas.openxmlformats.org/officeDocument/2006/relationships" xmlns:p="http://schemas.openxmlformats.org/presentationml/2006/main">
   <p:cSld>
     <p:spTree>
@@ -12986,12 +13333,11 @@
               <a:rPr lang="en-US" dirty="0"/>
               <a:t>Upper bound and Lower bound</a:t>
             </a:r>
-            <a:endParaRPr lang="en-US" dirty="0"/>
           </a:p>
         </p:txBody>
       </p:sp>
-      <mc:AlternateContent xmlns:mc="http://schemas.openxmlformats.org/markup-compatibility/2006">
-        <mc:Choice xmlns:a14="http://schemas.microsoft.com/office/drawing/2010/main" Requires="a14">
+      <mc:AlternateContent xmlns:mc="http://schemas.openxmlformats.org/markup-compatibility/2006" xmlns:a14="http://schemas.microsoft.com/office/drawing/2010/main">
+        <mc:Choice Requires="a14">
           <p:sp>
             <p:nvSpPr>
               <p:cNvPr id="3" name="内容占位符 2"/>
@@ -13033,7 +13379,6 @@
                   <a:rPr lang="en-US" sz="2400" dirty="0"/>
                   <a:t>. (Such as the sorting problem.)</a:t>
                 </a:r>
-                <a:endParaRPr lang="en-US" sz="2400" dirty="0"/>
               </a:p>
               <a:p>
                 <a:r>
@@ -13044,7 +13389,6 @@
                   <a:rPr lang="en-US" sz="2400" dirty="0"/>
                   <a:t> how fast can we solve the problem?</a:t>
                 </a:r>
-                <a:endParaRPr lang="en-US" sz="2400" dirty="0"/>
               </a:p>
               <a:p>
                 <a:pPr lvl="1"/>
@@ -13262,7 +13606,6 @@
                   <a:rPr lang="en-US" sz="2000" dirty="0"/>
                   <a:t>.</a:t>
                 </a:r>
-                <a:endParaRPr lang="en-US" sz="2000" dirty="0"/>
               </a:p>
               <a:p>
                 <a:pPr lvl="1"/>
@@ -13345,7 +13688,6 @@
                   <a:rPr lang="en-US" sz="2000" dirty="0"/>
                   <a:t>.</a:t>
                 </a:r>
-                <a:endParaRPr lang="en-US" sz="2000" dirty="0"/>
               </a:p>
               <a:p>
                 <a:pPr lvl="1"/>
@@ -13368,7 +13710,6 @@
                   <a:rPr lang="en-US" sz="2000" dirty="0"/>
                   <a:t>.</a:t>
                 </a:r>
-                <a:endParaRPr lang="en-US" sz="2000" dirty="0"/>
               </a:p>
               <a:p>
                 <a:r>
@@ -13379,7 +13720,6 @@
                   <a:rPr lang="en-US" sz="2400" dirty="0"/>
                   <a:t> how slow solving the problem has to be?</a:t>
                 </a:r>
-                <a:endParaRPr lang="en-US" sz="2400" dirty="0"/>
               </a:p>
               <a:p>
                 <a:pPr lvl="1"/>
@@ -13700,7 +14040,6 @@
                   <a:rPr lang="en-US" sz="2000" dirty="0"/>
                   <a:t> </a:t>
                 </a:r>
-                <a:endParaRPr lang="en-US" sz="2000" dirty="0"/>
               </a:p>
               <a:p>
                 <a:pPr lvl="1"/>
@@ -13835,7 +14174,6 @@
                   <a:rPr lang="en-US" sz="2000" dirty="0"/>
                   <a:t>.</a:t>
                 </a:r>
-                <a:endParaRPr lang="en-US" sz="2000" dirty="0"/>
               </a:p>
               <a:p>
                 <a:pPr lvl="1"/>
@@ -14020,12 +14358,11 @@
                   <a:rPr lang="en-US" sz="2000" dirty="0"/>
                   <a:t>.</a:t>
                 </a:r>
-                <a:endParaRPr lang="en-US" sz="2000" dirty="0"/>
               </a:p>
             </p:txBody>
           </p:sp>
         </mc:Choice>
-        <mc:Fallback>
+        <mc:Fallback xmlns="">
           <p:sp>
             <p:nvSpPr>
               <p:cNvPr id="3" name="内容占位符 2"/>
@@ -14042,7 +14379,7 @@
                 <a:ext cx="7886700" cy="4802185"/>
               </a:xfrm>
               <a:blipFill rotWithShape="1">
-                <a:blip r:embed="rId1"/>
+                <a:blip r:embed="rId2"/>
                 <a:stretch>
                   <a:fillRect t="-192" b="-4099"/>
                 </a:stretch>
@@ -14511,12 +14848,11 @@
               <a:rPr lang="en-US" dirty="0"/>
               <a:t>Lower bound of a problem</a:t>
             </a:r>
-            <a:endParaRPr lang="en-US" dirty="0"/>
           </a:p>
         </p:txBody>
       </p:sp>
-      <mc:AlternateContent xmlns:mc="http://schemas.openxmlformats.org/markup-compatibility/2006">
-        <mc:Choice xmlns:a14="http://schemas.microsoft.com/office/drawing/2010/main" Requires="a14">
+      <mc:AlternateContent xmlns:mc="http://schemas.openxmlformats.org/markup-compatibility/2006" xmlns:a14="http://schemas.microsoft.com/office/drawing/2010/main">
+        <mc:Choice Requires="a14">
           <p:sp>
             <p:nvSpPr>
               <p:cNvPr id="3" name="内容占位符 2"/>
@@ -14717,7 +15053,6 @@
                   <a:rPr lang="en-US" sz="2400" dirty="0"/>
                   <a:t>.</a:t>
                 </a:r>
-                <a:endParaRPr lang="en-US" sz="2400" dirty="0"/>
               </a:p>
               <a:p>
                 <a:endParaRPr lang="en-US" sz="2400" dirty="0"/>
@@ -14746,7 +15081,6 @@
                   <a:rPr lang="en-US" sz="2400" dirty="0"/>
                   <a:t>(On the other hand, smaller upper bound is better.)</a:t>
                 </a:r>
-                <a:endParaRPr lang="en-US" sz="2400" dirty="0"/>
               </a:p>
               <a:p>
                 <a:endParaRPr lang="en-US" sz="2400" dirty="0"/>
@@ -14756,7 +15090,6 @@
                   <a:rPr lang="en-US" sz="2400" dirty="0"/>
                   <a:t>But how do we prove a lower bound?!</a:t>
                 </a:r>
-                <a:endParaRPr lang="en-US" sz="2400" dirty="0"/>
               </a:p>
               <a:p>
                 <a:pPr lvl="1"/>
@@ -14764,7 +15097,6 @@
                   <a:rPr lang="en-US" sz="2000" dirty="0"/>
                   <a:t>It is usually unpractical to examine all possible algorithms…</a:t>
                 </a:r>
-                <a:endParaRPr lang="en-US" sz="2000" dirty="0"/>
               </a:p>
               <a:p>
                 <a:pPr lvl="1"/>
@@ -14772,12 +15104,11 @@
                   <a:rPr lang="en-US" sz="2000" dirty="0"/>
                   <a:t>Instead, rely on structures/properties of the problem itself…</a:t>
                 </a:r>
-                <a:endParaRPr lang="en-US" sz="2000" dirty="0"/>
               </a:p>
             </p:txBody>
           </p:sp>
         </mc:Choice>
-        <mc:Fallback>
+        <mc:Fallback xmlns="">
           <p:sp>
             <p:nvSpPr>
               <p:cNvPr id="3" name="内容占位符 2"/>
@@ -14790,7 +15121,7 @@
             </p:nvSpPr>
             <p:spPr>
               <a:blipFill rotWithShape="1">
-                <a:blip r:embed="rId1"/>
+                <a:blip r:embed="rId2"/>
                 <a:stretch>
                   <a:fillRect b="7"/>
                 </a:stretch>
@@ -15052,12 +15383,11 @@
               <a:rPr lang="en-US" dirty="0"/>
               <a:t>The Adversary Argument</a:t>
             </a:r>
-            <a:endParaRPr lang="en-US" dirty="0"/>
           </a:p>
         </p:txBody>
       </p:sp>
-      <mc:AlternateContent xmlns:mc="http://schemas.openxmlformats.org/markup-compatibility/2006">
-        <mc:Choice xmlns:a14="http://schemas.microsoft.com/office/drawing/2010/main" Requires="a14">
+      <mc:AlternateContent xmlns:mc="http://schemas.openxmlformats.org/markup-compatibility/2006" xmlns:a14="http://schemas.microsoft.com/office/drawing/2010/main">
+        <mc:Choice Requires="a14">
           <p:sp>
             <p:nvSpPr>
               <p:cNvPr id="3" name="内容占位符 2"/>
@@ -15098,7 +15428,6 @@
                   <a:rPr lang="en-US" sz="2200" dirty="0"/>
                   <a:t>.</a:t>
                 </a:r>
-                <a:endParaRPr lang="en-US" sz="2200" dirty="0"/>
               </a:p>
               <a:p>
                 <a:r>
@@ -15120,7 +15449,6 @@
                   <a:rPr lang="en-US" sz="2200" dirty="0"/>
                   <a:t> asks about the input, Eve answers.</a:t>
                 </a:r>
-                <a:endParaRPr lang="en-US" sz="2200" dirty="0"/>
               </a:p>
               <a:p>
                 <a:r>
@@ -15232,7 +15560,6 @@
                   <a:rPr lang="en-US" sz="2200" dirty="0"/>
                   <a:t> are two such inputs.</a:t>
                 </a:r>
-                <a:endParaRPr lang="en-US" sz="2200" dirty="0"/>
               </a:p>
               <a:p>
                 <a:r>
@@ -15451,7 +15778,6 @@
                   <a:rPr lang="en-US" sz="2200" dirty="0"/>
                   <a:t>’s output invalid.</a:t>
                 </a:r>
-                <a:endParaRPr lang="en-US" sz="2200" dirty="0"/>
               </a:p>
               <a:p>
                 <a14:m>
@@ -15481,7 +15807,6 @@
                   <a:rPr lang="en-US" sz="2200" dirty="0"/>
                   <a:t> an algorithm which solves the considered problem!</a:t>
                 </a:r>
-                <a:endParaRPr lang="en-US" sz="2200" dirty="0"/>
               </a:p>
               <a:p>
                 <a14:m>
@@ -15511,19 +15836,17 @@
                   <a:rPr lang="en-US" sz="2200" dirty="0"/>
                   <a:t> algorithm: no restrictions posed on its behavior.</a:t>
                 </a:r>
-                <a:endParaRPr lang="en-US" sz="2200" dirty="0"/>
               </a:p>
               <a:p>
                 <a:r>
                   <a:rPr lang="en-US" sz="2200" dirty="0"/>
                   <a:t>Any algorithm that does solve the problem must ask enough questions (i.e., do enough work), and this is a lower bound!</a:t>
                 </a:r>
-                <a:endParaRPr lang="en-US" sz="2200" dirty="0"/>
               </a:p>
             </p:txBody>
           </p:sp>
         </mc:Choice>
-        <mc:Fallback>
+        <mc:Fallback xmlns="">
           <p:sp>
             <p:nvSpPr>
               <p:cNvPr id="3" name="内容占位符 2"/>
@@ -15540,7 +15863,7 @@
                 <a:ext cx="7886700" cy="4802185"/>
               </a:xfrm>
               <a:blipFill rotWithShape="1">
-                <a:blip r:embed="rId1"/>
+                <a:blip r:embed="rId2"/>
                 <a:stretch>
                   <a:fillRect t="-7" b="-23630"/>
                 </a:stretch>
@@ -15570,7 +15893,7 @@
           <p:nvPr/>
         </p:nvPicPr>
         <p:blipFill>
-          <a:blip r:embed="rId2">
+          <a:blip r:embed="rId3" cstate="print">
             <a:extLst>
               <a:ext uri="{28A0092B-C50C-407E-A947-70E740481C1C}">
                 <a14:useLocalDpi xmlns:a14="http://schemas.microsoft.com/office/drawing/2010/main" val="0"/>
@@ -16076,12 +16399,11 @@
               <a:rPr lang="en-US" dirty="0"/>
               <a:t>Lower bound for sorting </a:t>
             </a:r>
-            <a:endParaRPr lang="en-US" dirty="0"/>
           </a:p>
         </p:txBody>
       </p:sp>
-      <mc:AlternateContent xmlns:mc="http://schemas.openxmlformats.org/markup-compatibility/2006">
-        <mc:Choice xmlns:a14="http://schemas.microsoft.com/office/drawing/2010/main" Requires="a14">
+      <mc:AlternateContent xmlns:mc="http://schemas.openxmlformats.org/markup-compatibility/2006" xmlns:a14="http://schemas.microsoft.com/office/drawing/2010/main">
+        <mc:Choice Requires="a14">
           <p:sp>
             <p:nvSpPr>
               <p:cNvPr id="5" name="文本框 4"/>
@@ -16122,12 +16444,11 @@
                   <a:rPr lang="en-US" sz="2000" dirty="0"/>
                   <a:t> integers.</a:t>
                 </a:r>
-                <a:endParaRPr lang="en-US" sz="2000" dirty="0"/>
               </a:p>
             </p:txBody>
           </p:sp>
         </mc:Choice>
-        <mc:Fallback>
+        <mc:Fallback xmlns="">
           <p:sp>
             <p:nvSpPr>
               <p:cNvPr id="5" name="文本框 4"/>
@@ -16145,7 +16466,7 @@
                 <a:avLst/>
               </a:prstGeom>
               <a:blipFill rotWithShape="1">
-                <a:blip r:embed="rId1"/>
+                <a:blip r:embed="rId2"/>
                 <a:stretch>
                   <a:fillRect t="-110" r="-9500" b="125"/>
                 </a:stretch>
@@ -16180,8 +16501,8 @@
             <a:chExt cx="3123511" cy="621363"/>
           </a:xfrm>
         </p:grpSpPr>
-        <mc:AlternateContent xmlns:mc="http://schemas.openxmlformats.org/markup-compatibility/2006">
-          <mc:Choice xmlns:a14="http://schemas.microsoft.com/office/drawing/2010/main" Requires="a14">
+        <mc:AlternateContent xmlns:mc="http://schemas.openxmlformats.org/markup-compatibility/2006" xmlns:a14="http://schemas.microsoft.com/office/drawing/2010/main">
+          <mc:Choice Requires="a14">
             <p:sp>
               <p:nvSpPr>
                 <p:cNvPr id="8" name="矩形 7"/>
@@ -16286,7 +16607,7 @@
               </p:txBody>
             </p:sp>
           </mc:Choice>
-          <mc:Fallback>
+          <mc:Fallback xmlns="">
             <p:sp>
               <p:nvSpPr>
                 <p:cNvPr id="8" name="矩形 7"/>
@@ -16304,7 +16625,7 @@
                   <a:avLst/>
                 </a:prstGeom>
                 <a:blipFill rotWithShape="1">
-                  <a:blip r:embed="rId2"/>
+                  <a:blip r:embed="rId3"/>
                 </a:blipFill>
                 <a:ln w="19050">
                   <a:solidFill>
@@ -16343,8 +16664,8 @@
             </p:sp>
           </mc:Fallback>
         </mc:AlternateContent>
-        <mc:AlternateContent xmlns:mc="http://schemas.openxmlformats.org/markup-compatibility/2006">
-          <mc:Choice xmlns:a14="http://schemas.microsoft.com/office/drawing/2010/main" Requires="a14">
+        <mc:AlternateContent xmlns:mc="http://schemas.openxmlformats.org/markup-compatibility/2006" xmlns:a14="http://schemas.microsoft.com/office/drawing/2010/main">
+          <mc:Choice Requires="a14">
             <p:sp>
               <p:nvSpPr>
                 <p:cNvPr id="9" name="矩形 8"/>
@@ -16449,7 +16770,7 @@
               </p:txBody>
             </p:sp>
           </mc:Choice>
-          <mc:Fallback>
+          <mc:Fallback xmlns="">
             <p:sp>
               <p:nvSpPr>
                 <p:cNvPr id="9" name="矩形 8"/>
@@ -16467,7 +16788,7 @@
                   <a:avLst/>
                 </a:prstGeom>
                 <a:blipFill rotWithShape="1">
-                  <a:blip r:embed="rId3"/>
+                  <a:blip r:embed="rId4"/>
                 </a:blipFill>
                 <a:ln w="19050">
                   <a:solidFill>
@@ -16558,16 +16879,11 @@
                 </a:rPr>
                 <a:t>…</a:t>
               </a:r>
-              <a:endParaRPr lang="en-US" sz="2400" b="1" dirty="0">
-                <a:solidFill>
-                  <a:schemeClr val="tx1"/>
-                </a:solidFill>
-              </a:endParaRPr>
             </a:p>
           </p:txBody>
         </p:sp>
-        <mc:AlternateContent xmlns:mc="http://schemas.openxmlformats.org/markup-compatibility/2006">
-          <mc:Choice xmlns:a14="http://schemas.microsoft.com/office/drawing/2010/main" Requires="a14">
+        <mc:AlternateContent xmlns:mc="http://schemas.openxmlformats.org/markup-compatibility/2006" xmlns:a14="http://schemas.microsoft.com/office/drawing/2010/main">
+          <mc:Choice Requires="a14">
             <p:sp>
               <p:nvSpPr>
                 <p:cNvPr id="11" name="矩形 10"/>
@@ -16657,16 +16973,7 @@
                                 </a:solidFill>
                                 <a:latin typeface="Cambria Math" panose="02040503050406030204" pitchFamily="18" charset="0"/>
                               </a:rPr>
-                              <m:t>−</m:t>
-                            </m:r>
-                            <m:r>
-                              <a:rPr lang="en-US" sz="1600" b="0" i="1" smtClean="0">
-                                <a:solidFill>
-                                  <a:schemeClr val="tx1"/>
-                                </a:solidFill>
-                                <a:latin typeface="Cambria Math" panose="02040503050406030204" pitchFamily="18" charset="0"/>
-                              </a:rPr>
-                              <m:t>1</m:t>
+                              <m:t>−1</m:t>
                             </m:r>
                           </m:sub>
                         </m:sSub>
@@ -16690,7 +16997,7 @@
               </p:txBody>
             </p:sp>
           </mc:Choice>
-          <mc:Fallback>
+          <mc:Fallback xmlns="">
             <p:sp>
               <p:nvSpPr>
                 <p:cNvPr id="11" name="矩形 10"/>
@@ -16708,7 +17015,7 @@
                   <a:avLst/>
                 </a:prstGeom>
                 <a:blipFill rotWithShape="1">
-                  <a:blip r:embed="rId4"/>
+                  <a:blip r:embed="rId5"/>
                 </a:blipFill>
                 <a:ln w="19050">
                   <a:solidFill>
@@ -16747,8 +17054,8 @@
             </p:sp>
           </mc:Fallback>
         </mc:AlternateContent>
-        <mc:AlternateContent xmlns:mc="http://schemas.openxmlformats.org/markup-compatibility/2006">
-          <mc:Choice xmlns:a14="http://schemas.microsoft.com/office/drawing/2010/main" Requires="a14">
+        <mc:AlternateContent xmlns:mc="http://schemas.openxmlformats.org/markup-compatibility/2006" xmlns:a14="http://schemas.microsoft.com/office/drawing/2010/main">
+          <mc:Choice Requires="a14">
             <p:sp>
               <p:nvSpPr>
                 <p:cNvPr id="12" name="矩形 11"/>
@@ -16853,7 +17160,7 @@
               </p:txBody>
             </p:sp>
           </mc:Choice>
-          <mc:Fallback>
+          <mc:Fallback xmlns="">
             <p:sp>
               <p:nvSpPr>
                 <p:cNvPr id="12" name="矩形 11"/>
@@ -16871,7 +17178,7 @@
                   <a:avLst/>
                 </a:prstGeom>
                 <a:blipFill rotWithShape="1">
-                  <a:blip r:embed="rId5"/>
+                  <a:blip r:embed="rId6"/>
                 </a:blipFill>
                 <a:ln w="19050">
                   <a:solidFill>
@@ -16920,7 +17227,7 @@
           <p:nvPr/>
         </p:nvPicPr>
         <p:blipFill>
-          <a:blip r:embed="rId6">
+          <a:blip r:embed="rId7" cstate="print">
             <a:extLst>
               <a:ext uri="{28A0092B-C50C-407E-A947-70E740481C1C}">
                 <a14:useLocalDpi xmlns:a14="http://schemas.microsoft.com/office/drawing/2010/main" val="0"/>
@@ -16961,7 +17268,7 @@
           <p:nvPr/>
         </p:nvPicPr>
         <p:blipFill>
-          <a:blip r:embed="rId7">
+          <a:blip r:embed="rId8" cstate="print">
             <a:extLst>
               <a:ext uri="{28A0092B-C50C-407E-A947-70E740481C1C}">
                 <a14:useLocalDpi xmlns:a14="http://schemas.microsoft.com/office/drawing/2010/main" val="0"/>
@@ -16993,8 +17300,8 @@
           </a:extLst>
         </p:spPr>
       </p:pic>
-      <mc:AlternateContent xmlns:mc="http://schemas.openxmlformats.org/markup-compatibility/2006">
-        <mc:Choice xmlns:a14="http://schemas.microsoft.com/office/drawing/2010/main" Requires="a14">
+      <mc:AlternateContent xmlns:mc="http://schemas.openxmlformats.org/markup-compatibility/2006" xmlns:a14="http://schemas.microsoft.com/office/drawing/2010/main">
+        <mc:Choice Requires="a14">
           <p:sp>
             <p:nvSpPr>
               <p:cNvPr id="15" name="文本框 14"/>
@@ -17051,13 +17358,7 @@
                           <a:rPr lang="en-US" i="1">
                             <a:latin typeface="Cambria Math" panose="02040503050406030204" pitchFamily="18" charset="0"/>
                           </a:rPr>
-                          <m:t>−</m:t>
-                        </m:r>
-                        <m:r>
-                          <a:rPr lang="en-US" i="1">
-                            <a:latin typeface="Cambria Math" panose="02040503050406030204" pitchFamily="18" charset="0"/>
-                          </a:rPr>
-                          <m:t>1</m:t>
+                          <m:t>−1</m:t>
                         </m:r>
                       </m:sub>
                     </m:sSub>
@@ -17067,12 +17368,11 @@
                   <a:rPr lang="en-US" dirty="0"/>
                   <a:t>?”</a:t>
                 </a:r>
-                <a:endParaRPr lang="en-US" dirty="0"/>
               </a:p>
             </p:txBody>
           </p:sp>
         </mc:Choice>
-        <mc:Fallback>
+        <mc:Fallback xmlns="">
           <p:sp>
             <p:nvSpPr>
               <p:cNvPr id="15" name="文本框 14"/>
@@ -17090,7 +17390,7 @@
                 <a:avLst/>
               </a:prstGeom>
               <a:blipFill rotWithShape="1">
-                <a:blip r:embed="rId8"/>
+                <a:blip r:embed="rId9"/>
                 <a:stretch>
                   <a:fillRect l="-19" t="-66" r="-6838" b="2"/>
                 </a:stretch>
@@ -17125,8 +17425,8 @@
             <a:chExt cx="3123511" cy="621363"/>
           </a:xfrm>
         </p:grpSpPr>
-        <mc:AlternateContent xmlns:mc="http://schemas.openxmlformats.org/markup-compatibility/2006">
-          <mc:Choice xmlns:a14="http://schemas.microsoft.com/office/drawing/2010/main" Requires="a14">
+        <mc:AlternateContent xmlns:mc="http://schemas.openxmlformats.org/markup-compatibility/2006" xmlns:a14="http://schemas.microsoft.com/office/drawing/2010/main">
+          <mc:Choice Requires="a14">
             <p:sp>
               <p:nvSpPr>
                 <p:cNvPr id="18" name="矩形 17"/>
@@ -17231,7 +17531,7 @@
               </p:txBody>
             </p:sp>
           </mc:Choice>
-          <mc:Fallback>
+          <mc:Fallback xmlns="">
             <p:sp>
               <p:nvSpPr>
                 <p:cNvPr id="18" name="矩形 17"/>
@@ -17249,7 +17549,7 @@
                   <a:avLst/>
                 </a:prstGeom>
                 <a:blipFill rotWithShape="1">
-                  <a:blip r:embed="rId2"/>
+                  <a:blip r:embed="rId3"/>
                 </a:blipFill>
                 <a:ln w="19050">
                   <a:solidFill>
@@ -17288,8 +17588,8 @@
             </p:sp>
           </mc:Fallback>
         </mc:AlternateContent>
-        <mc:AlternateContent xmlns:mc="http://schemas.openxmlformats.org/markup-compatibility/2006">
-          <mc:Choice xmlns:a14="http://schemas.microsoft.com/office/drawing/2010/main" Requires="a14">
+        <mc:AlternateContent xmlns:mc="http://schemas.openxmlformats.org/markup-compatibility/2006" xmlns:a14="http://schemas.microsoft.com/office/drawing/2010/main">
+          <mc:Choice Requires="a14">
             <p:sp>
               <p:nvSpPr>
                 <p:cNvPr id="19" name="矩形 18"/>
@@ -17394,7 +17694,7 @@
               </p:txBody>
             </p:sp>
           </mc:Choice>
-          <mc:Fallback>
+          <mc:Fallback xmlns="">
             <p:sp>
               <p:nvSpPr>
                 <p:cNvPr id="19" name="矩形 18"/>
@@ -17412,7 +17712,7 @@
                   <a:avLst/>
                 </a:prstGeom>
                 <a:blipFill rotWithShape="1">
-                  <a:blip r:embed="rId3"/>
+                  <a:blip r:embed="rId4"/>
                 </a:blipFill>
                 <a:ln w="19050">
                   <a:solidFill>
@@ -17503,16 +17803,11 @@
                 </a:rPr>
                 <a:t>…</a:t>
               </a:r>
-              <a:endParaRPr lang="en-US" sz="2400" b="1" dirty="0">
-                <a:solidFill>
-                  <a:schemeClr val="tx1"/>
-                </a:solidFill>
-              </a:endParaRPr>
             </a:p>
           </p:txBody>
         </p:sp>
-        <mc:AlternateContent xmlns:mc="http://schemas.openxmlformats.org/markup-compatibility/2006">
-          <mc:Choice xmlns:a14="http://schemas.microsoft.com/office/drawing/2010/main" Requires="a14">
+        <mc:AlternateContent xmlns:mc="http://schemas.openxmlformats.org/markup-compatibility/2006" xmlns:a14="http://schemas.microsoft.com/office/drawing/2010/main">
+          <mc:Choice Requires="a14">
             <p:sp>
               <p:nvSpPr>
                 <p:cNvPr id="21" name="矩形 20"/>
@@ -17605,16 +17900,7 @@
                                 </a:solidFill>
                                 <a:latin typeface="Cambria Math" panose="02040503050406030204" pitchFamily="18" charset="0"/>
                               </a:rPr>
-                              <m:t>−</m:t>
-                            </m:r>
-                            <m:r>
-                              <a:rPr lang="en-US" sz="1600" b="0" i="1" smtClean="0">
-                                <a:solidFill>
-                                  <a:schemeClr val="tx1"/>
-                                </a:solidFill>
-                                <a:latin typeface="Cambria Math" panose="02040503050406030204" pitchFamily="18" charset="0"/>
-                              </a:rPr>
-                              <m:t>1</m:t>
+                              <m:t>−1</m:t>
                             </m:r>
                           </m:sub>
                         </m:sSub>
@@ -17637,16 +17923,11 @@
                     </a:rPr>
                     <a:t>=1</a:t>
                   </a:r>
-                  <a:endParaRPr lang="en-US" sz="1600" dirty="0">
-                    <a:solidFill>
-                      <a:schemeClr val="tx1"/>
-                    </a:solidFill>
-                  </a:endParaRPr>
                 </a:p>
               </p:txBody>
             </p:sp>
           </mc:Choice>
-          <mc:Fallback>
+          <mc:Fallback xmlns="">
             <p:sp>
               <p:nvSpPr>
                 <p:cNvPr id="21" name="矩形 20"/>
@@ -17664,7 +17945,7 @@
                   <a:avLst/>
                 </a:prstGeom>
                 <a:blipFill rotWithShape="1">
-                  <a:blip r:embed="rId9"/>
+                  <a:blip r:embed="rId10"/>
                 </a:blipFill>
                 <a:ln w="19050">
                   <a:solidFill>
@@ -17703,8 +17984,8 @@
             </p:sp>
           </mc:Fallback>
         </mc:AlternateContent>
-        <mc:AlternateContent xmlns:mc="http://schemas.openxmlformats.org/markup-compatibility/2006">
-          <mc:Choice xmlns:a14="http://schemas.microsoft.com/office/drawing/2010/main" Requires="a14">
+        <mc:AlternateContent xmlns:mc="http://schemas.openxmlformats.org/markup-compatibility/2006" xmlns:a14="http://schemas.microsoft.com/office/drawing/2010/main">
+          <mc:Choice Requires="a14">
             <p:sp>
               <p:nvSpPr>
                 <p:cNvPr id="22" name="矩形 21"/>
@@ -17809,7 +18090,7 @@
               </p:txBody>
             </p:sp>
           </mc:Choice>
-          <mc:Fallback>
+          <mc:Fallback xmlns="">
             <p:sp>
               <p:nvSpPr>
                 <p:cNvPr id="22" name="矩形 21"/>
@@ -17827,7 +18108,7 @@
                   <a:avLst/>
                 </a:prstGeom>
                 <a:blipFill rotWithShape="1">
-                  <a:blip r:embed="rId5"/>
+                  <a:blip r:embed="rId6"/>
                 </a:blipFill>
                 <a:ln w="19050">
                   <a:solidFill>
@@ -17867,8 +18148,8 @@
           </mc:Fallback>
         </mc:AlternateContent>
       </p:grpSp>
-      <mc:AlternateContent xmlns:mc="http://schemas.openxmlformats.org/markup-compatibility/2006">
-        <mc:Choice xmlns:a14="http://schemas.microsoft.com/office/drawing/2010/main" Requires="a14">
+      <mc:AlternateContent xmlns:mc="http://schemas.openxmlformats.org/markup-compatibility/2006" xmlns:a14="http://schemas.microsoft.com/office/drawing/2010/main">
+        <mc:Choice Requires="a14">
           <p:sp>
             <p:nvSpPr>
               <p:cNvPr id="23" name="文本框 22"/>
@@ -17924,13 +18205,7 @@
                           <a:rPr lang="en-US" i="1">
                             <a:latin typeface="Cambria Math" panose="02040503050406030204" pitchFamily="18" charset="0"/>
                           </a:rPr>
-                          <m:t>−</m:t>
-                        </m:r>
-                        <m:r>
-                          <a:rPr lang="en-US" i="1">
-                            <a:latin typeface="Cambria Math" panose="02040503050406030204" pitchFamily="18" charset="0"/>
-                          </a:rPr>
-                          <m:t>1</m:t>
+                          <m:t>−1</m:t>
                         </m:r>
                       </m:sub>
                     </m:sSub>
@@ -17938,13 +18213,7 @@
                       <a:rPr lang="en-US" b="0" i="0" smtClean="0">
                         <a:latin typeface="Cambria Math" panose="02040503050406030204" pitchFamily="18" charset="0"/>
                       </a:rPr>
-                      <m:t>=</m:t>
-                    </m:r>
-                    <m:r>
-                      <a:rPr lang="en-US" b="0" i="0" smtClean="0">
-                        <a:latin typeface="Cambria Math" panose="02040503050406030204" pitchFamily="18" charset="0"/>
-                      </a:rPr>
-                      <m:t>1</m:t>
+                      <m:t>=1</m:t>
                     </m:r>
                   </m:oMath>
                 </a14:m>
@@ -17952,12 +18221,11 @@
                   <a:rPr lang="en-US" dirty="0"/>
                   <a:t>”</a:t>
                 </a:r>
-                <a:endParaRPr lang="en-US" dirty="0"/>
               </a:p>
             </p:txBody>
           </p:sp>
         </mc:Choice>
-        <mc:Fallback>
+        <mc:Fallback xmlns="">
           <p:sp>
             <p:nvSpPr>
               <p:cNvPr id="23" name="文本框 22"/>
@@ -17975,7 +18243,7 @@
                 <a:avLst/>
               </a:prstGeom>
               <a:blipFill rotWithShape="1">
-                <a:blip r:embed="rId10"/>
+                <a:blip r:embed="rId11"/>
                 <a:stretch>
                   <a:fillRect l="-19" t="-66" r="-5489" b="2"/>
                 </a:stretch>
@@ -18023,12 +18291,11 @@
               <a:rPr lang="en-US" dirty="0"/>
               <a:t>Busy…busy…busy…</a:t>
             </a:r>
-            <a:endParaRPr lang="en-US" dirty="0"/>
           </a:p>
         </p:txBody>
       </p:sp>
-      <mc:AlternateContent xmlns:mc="http://schemas.openxmlformats.org/markup-compatibility/2006">
-        <mc:Choice xmlns:a14="http://schemas.microsoft.com/office/drawing/2010/main" Requires="a14">
+      <mc:AlternateContent xmlns:mc="http://schemas.openxmlformats.org/markup-compatibility/2006" xmlns:a14="http://schemas.microsoft.com/office/drawing/2010/main">
+        <mc:Choice Requires="a14">
           <p:sp>
             <p:nvSpPr>
               <p:cNvPr id="25" name="文本框 24"/>
@@ -18089,12 +18356,11 @@
                   <a:rPr lang="en-US" dirty="0"/>
                   <a:t>?”</a:t>
                 </a:r>
-                <a:endParaRPr lang="en-US" dirty="0"/>
               </a:p>
             </p:txBody>
           </p:sp>
         </mc:Choice>
-        <mc:Fallback>
+        <mc:Fallback xmlns="">
           <p:sp>
             <p:nvSpPr>
               <p:cNvPr id="25" name="文本框 24"/>
@@ -18112,7 +18378,7 @@
                 <a:avLst/>
               </a:prstGeom>
               <a:blipFill rotWithShape="1">
-                <a:blip r:embed="rId11"/>
+                <a:blip r:embed="rId12"/>
                 <a:stretch>
                   <a:fillRect l="-41" t="-112" r="-6912" b="47"/>
                 </a:stretch>
@@ -18133,8 +18399,8 @@
           </p:sp>
         </mc:Fallback>
       </mc:AlternateContent>
-      <mc:AlternateContent xmlns:mc="http://schemas.openxmlformats.org/markup-compatibility/2006">
-        <mc:Choice xmlns:a14="http://schemas.microsoft.com/office/drawing/2010/main" Requires="a14">
+      <mc:AlternateContent xmlns:mc="http://schemas.openxmlformats.org/markup-compatibility/2006" xmlns:a14="http://schemas.microsoft.com/office/drawing/2010/main">
+        <mc:Choice Requires="a14">
           <p:sp>
             <p:nvSpPr>
               <p:cNvPr id="26" name="文本框 25"/>
@@ -18192,13 +18458,7 @@
                       <a:rPr lang="en-US" b="0" i="0" smtClean="0">
                         <a:latin typeface="Cambria Math" panose="02040503050406030204" pitchFamily="18" charset="0"/>
                       </a:rPr>
-                      <m:t>=</m:t>
-                    </m:r>
-                    <m:r>
-                      <a:rPr lang="en-US" b="0" i="0" smtClean="0">
-                        <a:latin typeface="Cambria Math" panose="02040503050406030204" pitchFamily="18" charset="0"/>
-                      </a:rPr>
-                      <m:t>1</m:t>
+                      <m:t>=1</m:t>
                     </m:r>
                   </m:oMath>
                 </a14:m>
@@ -18206,12 +18466,11 @@
                   <a:rPr lang="en-US" dirty="0"/>
                   <a:t>”</a:t>
                 </a:r>
-                <a:endParaRPr lang="en-US" dirty="0"/>
               </a:p>
             </p:txBody>
           </p:sp>
         </mc:Choice>
-        <mc:Fallback>
+        <mc:Fallback xmlns="">
           <p:sp>
             <p:nvSpPr>
               <p:cNvPr id="26" name="文本框 25"/>
@@ -18229,7 +18488,7 @@
                 <a:avLst/>
               </a:prstGeom>
               <a:blipFill rotWithShape="1">
-                <a:blip r:embed="rId12"/>
+                <a:blip r:embed="rId13"/>
                 <a:stretch>
                   <a:fillRect l="-23" t="-112" r="-5311" b="47"/>
                 </a:stretch>
@@ -18264,8 +18523,8 @@
             <a:chExt cx="3123511" cy="621363"/>
           </a:xfrm>
         </p:grpSpPr>
-        <mc:AlternateContent xmlns:mc="http://schemas.openxmlformats.org/markup-compatibility/2006">
-          <mc:Choice xmlns:a14="http://schemas.microsoft.com/office/drawing/2010/main" Requires="a14">
+        <mc:AlternateContent xmlns:mc="http://schemas.openxmlformats.org/markup-compatibility/2006" xmlns:a14="http://schemas.microsoft.com/office/drawing/2010/main">
+          <mc:Choice Requires="a14">
             <p:sp>
               <p:nvSpPr>
                 <p:cNvPr id="28" name="矩形 27"/>
@@ -18372,16 +18631,11 @@
                     </a:rPr>
                     <a:t>=1</a:t>
                   </a:r>
-                  <a:endParaRPr lang="en-US" sz="1600" dirty="0">
-                    <a:solidFill>
-                      <a:schemeClr val="tx1"/>
-                    </a:solidFill>
-                  </a:endParaRPr>
                 </a:p>
               </p:txBody>
             </p:sp>
           </mc:Choice>
-          <mc:Fallback>
+          <mc:Fallback xmlns="">
             <p:sp>
               <p:nvSpPr>
                 <p:cNvPr id="28" name="矩形 27"/>
@@ -18399,7 +18653,7 @@
                   <a:avLst/>
                 </a:prstGeom>
                 <a:blipFill rotWithShape="1">
-                  <a:blip r:embed="rId13"/>
+                  <a:blip r:embed="rId14"/>
                 </a:blipFill>
                 <a:ln w="19050">
                   <a:solidFill>
@@ -18438,8 +18692,8 @@
             </p:sp>
           </mc:Fallback>
         </mc:AlternateContent>
-        <mc:AlternateContent xmlns:mc="http://schemas.openxmlformats.org/markup-compatibility/2006">
-          <mc:Choice xmlns:a14="http://schemas.microsoft.com/office/drawing/2010/main" Requires="a14">
+        <mc:AlternateContent xmlns:mc="http://schemas.openxmlformats.org/markup-compatibility/2006" xmlns:a14="http://schemas.microsoft.com/office/drawing/2010/main">
+          <mc:Choice Requires="a14">
             <p:sp>
               <p:nvSpPr>
                 <p:cNvPr id="29" name="矩形 28"/>
@@ -18544,7 +18798,7 @@
               </p:txBody>
             </p:sp>
           </mc:Choice>
-          <mc:Fallback>
+          <mc:Fallback xmlns="">
             <p:sp>
               <p:nvSpPr>
                 <p:cNvPr id="29" name="矩形 28"/>
@@ -18562,7 +18816,7 @@
                   <a:avLst/>
                 </a:prstGeom>
                 <a:blipFill rotWithShape="1">
-                  <a:blip r:embed="rId3"/>
+                  <a:blip r:embed="rId4"/>
                 </a:blipFill>
                 <a:ln w="19050">
                   <a:solidFill>
@@ -18653,16 +18907,11 @@
                 </a:rPr>
                 <a:t>…</a:t>
               </a:r>
-              <a:endParaRPr lang="en-US" sz="2400" b="1" dirty="0">
-                <a:solidFill>
-                  <a:schemeClr val="tx1"/>
-                </a:solidFill>
-              </a:endParaRPr>
             </a:p>
           </p:txBody>
         </p:sp>
-        <mc:AlternateContent xmlns:mc="http://schemas.openxmlformats.org/markup-compatibility/2006">
-          <mc:Choice xmlns:a14="http://schemas.microsoft.com/office/drawing/2010/main" Requires="a14">
+        <mc:AlternateContent xmlns:mc="http://schemas.openxmlformats.org/markup-compatibility/2006" xmlns:a14="http://schemas.microsoft.com/office/drawing/2010/main">
+          <mc:Choice Requires="a14">
             <p:sp>
               <p:nvSpPr>
                 <p:cNvPr id="31" name="矩形 30"/>
@@ -18755,16 +19004,7 @@
                                 </a:solidFill>
                                 <a:latin typeface="Cambria Math" panose="02040503050406030204" pitchFamily="18" charset="0"/>
                               </a:rPr>
-                              <m:t>−</m:t>
-                            </m:r>
-                            <m:r>
-                              <a:rPr lang="en-US" sz="1600" b="0" i="1" smtClean="0">
-                                <a:solidFill>
-                                  <a:schemeClr val="tx1"/>
-                                </a:solidFill>
-                                <a:latin typeface="Cambria Math" panose="02040503050406030204" pitchFamily="18" charset="0"/>
-                              </a:rPr>
-                              <m:t>1</m:t>
+                              <m:t>−1</m:t>
                             </m:r>
                           </m:sub>
                         </m:sSub>
@@ -18787,16 +19027,11 @@
                     </a:rPr>
                     <a:t>=1</a:t>
                   </a:r>
-                  <a:endParaRPr lang="en-US" sz="1600" dirty="0">
-                    <a:solidFill>
-                      <a:schemeClr val="tx1"/>
-                    </a:solidFill>
-                  </a:endParaRPr>
                 </a:p>
               </p:txBody>
             </p:sp>
           </mc:Choice>
-          <mc:Fallback>
+          <mc:Fallback xmlns="">
             <p:sp>
               <p:nvSpPr>
                 <p:cNvPr id="31" name="矩形 30"/>
@@ -18814,7 +19049,7 @@
                   <a:avLst/>
                 </a:prstGeom>
                 <a:blipFill rotWithShape="1">
-                  <a:blip r:embed="rId9"/>
+                  <a:blip r:embed="rId10"/>
                 </a:blipFill>
                 <a:ln w="19050">
                   <a:solidFill>
@@ -18853,8 +19088,8 @@
             </p:sp>
           </mc:Fallback>
         </mc:AlternateContent>
-        <mc:AlternateContent xmlns:mc="http://schemas.openxmlformats.org/markup-compatibility/2006">
-          <mc:Choice xmlns:a14="http://schemas.microsoft.com/office/drawing/2010/main" Requires="a14">
+        <mc:AlternateContent xmlns:mc="http://schemas.openxmlformats.org/markup-compatibility/2006" xmlns:a14="http://schemas.microsoft.com/office/drawing/2010/main">
+          <mc:Choice Requires="a14">
             <p:sp>
               <p:nvSpPr>
                 <p:cNvPr id="32" name="矩形 31"/>
@@ -18959,7 +19194,7 @@
               </p:txBody>
             </p:sp>
           </mc:Choice>
-          <mc:Fallback>
+          <mc:Fallback xmlns="">
             <p:sp>
               <p:nvSpPr>
                 <p:cNvPr id="32" name="矩形 31"/>
@@ -18977,7 +19212,7 @@
                   <a:avLst/>
                 </a:prstGeom>
                 <a:blipFill rotWithShape="1">
-                  <a:blip r:embed="rId5"/>
+                  <a:blip r:embed="rId6"/>
                 </a:blipFill>
                 <a:ln w="19050">
                   <a:solidFill>
@@ -19065,11 +19300,6 @@
               </a:rPr>
               <a:t>…</a:t>
             </a:r>
-            <a:endParaRPr lang="en-US" sz="2400" b="1" dirty="0">
-              <a:solidFill>
-                <a:schemeClr val="tx1"/>
-              </a:solidFill>
-            </a:endParaRPr>
           </a:p>
         </p:txBody>
       </p:sp>
@@ -19136,8 +19366,8 @@
           </a:p>
         </p:txBody>
       </p:sp>
-      <mc:AlternateContent xmlns:mc="http://schemas.openxmlformats.org/markup-compatibility/2006">
-        <mc:Choice xmlns:a14="http://schemas.microsoft.com/office/drawing/2010/main" Requires="a14">
+      <mc:AlternateContent xmlns:mc="http://schemas.openxmlformats.org/markup-compatibility/2006" xmlns:a14="http://schemas.microsoft.com/office/drawing/2010/main">
+        <mc:Choice Requires="a14">
           <p:sp>
             <p:nvSpPr>
               <p:cNvPr id="2051" name="文本框 2050"/>
@@ -19179,16 +19409,7 @@
                         </a:solidFill>
                         <a:latin typeface="Cambria Math" panose="02040503050406030204" pitchFamily="18" charset="0"/>
                       </a:rPr>
-                      <m:t>−</m:t>
-                    </m:r>
-                    <m:r>
-                      <a:rPr lang="en-US" sz="2000" b="0" i="1" smtClean="0">
-                        <a:solidFill>
-                          <a:srgbClr val="C00000"/>
-                        </a:solidFill>
-                        <a:latin typeface="Cambria Math" panose="02040503050406030204" pitchFamily="18" charset="0"/>
-                      </a:rPr>
-                      <m:t>1</m:t>
+                      <m:t>−1</m:t>
                     </m:r>
                   </m:oMath>
                 </a14:m>
@@ -19258,16 +19479,11 @@
                   </a:rPr>
                   <a:t> work</a:t>
                 </a:r>
-                <a:endParaRPr lang="en-US" sz="2000" dirty="0">
-                  <a:solidFill>
-                    <a:srgbClr val="C00000"/>
-                  </a:solidFill>
-                </a:endParaRPr>
               </a:p>
             </p:txBody>
           </p:sp>
         </mc:Choice>
-        <mc:Fallback>
+        <mc:Fallback xmlns="">
           <p:sp>
             <p:nvSpPr>
               <p:cNvPr id="2051" name="文本框 2050"/>
@@ -19285,7 +19501,7 @@
                 <a:avLst/>
               </a:prstGeom>
               <a:blipFill rotWithShape="1">
-                <a:blip r:embed="rId14"/>
+                <a:blip r:embed="rId15"/>
                 <a:stretch>
                   <a:fillRect l="-4691" r="-8787" b="39"/>
                 </a:stretch>
@@ -19320,8 +19536,8 @@
             <a:chExt cx="3123511" cy="621363"/>
           </a:xfrm>
         </p:grpSpPr>
-        <mc:AlternateContent xmlns:mc="http://schemas.openxmlformats.org/markup-compatibility/2006">
-          <mc:Choice xmlns:a14="http://schemas.microsoft.com/office/drawing/2010/main" Requires="a14">
+        <mc:AlternateContent xmlns:mc="http://schemas.openxmlformats.org/markup-compatibility/2006" xmlns:a14="http://schemas.microsoft.com/office/drawing/2010/main">
+          <mc:Choice Requires="a14">
             <p:sp>
               <p:nvSpPr>
                 <p:cNvPr id="40" name="矩形 39"/>
@@ -19428,16 +19644,11 @@
                     </a:rPr>
                     <a:t>=1</a:t>
                   </a:r>
-                  <a:endParaRPr lang="en-US" sz="1600" dirty="0">
-                    <a:solidFill>
-                      <a:schemeClr val="tx1"/>
-                    </a:solidFill>
-                  </a:endParaRPr>
                 </a:p>
               </p:txBody>
             </p:sp>
           </mc:Choice>
-          <mc:Fallback>
+          <mc:Fallback xmlns="">
             <p:sp>
               <p:nvSpPr>
                 <p:cNvPr id="40" name="矩形 39"/>
@@ -19455,7 +19666,7 @@
                   <a:avLst/>
                 </a:prstGeom>
                 <a:blipFill rotWithShape="1">
-                  <a:blip r:embed="rId13"/>
+                  <a:blip r:embed="rId14"/>
                 </a:blipFill>
                 <a:ln w="19050">
                   <a:solidFill>
@@ -19494,8 +19705,8 @@
             </p:sp>
           </mc:Fallback>
         </mc:AlternateContent>
-        <mc:AlternateContent xmlns:mc="http://schemas.openxmlformats.org/markup-compatibility/2006">
-          <mc:Choice xmlns:a14="http://schemas.microsoft.com/office/drawing/2010/main" Requires="a14">
+        <mc:AlternateContent xmlns:mc="http://schemas.openxmlformats.org/markup-compatibility/2006" xmlns:a14="http://schemas.microsoft.com/office/drawing/2010/main">
+          <mc:Choice Requires="a14">
             <p:sp>
               <p:nvSpPr>
                 <p:cNvPr id="41" name="矩形 40"/>
@@ -19602,16 +19813,11 @@
                     </a:rPr>
                     <a:t>=?</a:t>
                   </a:r>
-                  <a:endParaRPr lang="en-US" sz="1600" b="1" dirty="0">
-                    <a:solidFill>
-                      <a:srgbClr val="C00000"/>
-                    </a:solidFill>
-                  </a:endParaRPr>
                 </a:p>
               </p:txBody>
             </p:sp>
           </mc:Choice>
-          <mc:Fallback>
+          <mc:Fallback xmlns="">
             <p:sp>
               <p:nvSpPr>
                 <p:cNvPr id="41" name="矩形 40"/>
@@ -19629,7 +19835,7 @@
                   <a:avLst/>
                 </a:prstGeom>
                 <a:blipFill rotWithShape="1">
-                  <a:blip r:embed="rId15"/>
+                  <a:blip r:embed="rId16"/>
                 </a:blipFill>
                 <a:ln w="19050">
                   <a:solidFill>
@@ -19723,16 +19929,11 @@
                 </a:rPr>
                 <a:t>…</a:t>
               </a:r>
-              <a:endParaRPr lang="en-US" sz="2400" b="1" dirty="0">
-                <a:solidFill>
-                  <a:schemeClr val="tx1"/>
-                </a:solidFill>
-              </a:endParaRPr>
             </a:p>
           </p:txBody>
         </p:sp>
-        <mc:AlternateContent xmlns:mc="http://schemas.openxmlformats.org/markup-compatibility/2006">
-          <mc:Choice xmlns:a14="http://schemas.microsoft.com/office/drawing/2010/main" Requires="a14">
+        <mc:AlternateContent xmlns:mc="http://schemas.openxmlformats.org/markup-compatibility/2006" xmlns:a14="http://schemas.microsoft.com/office/drawing/2010/main">
+          <mc:Choice Requires="a14">
             <p:sp>
               <p:nvSpPr>
                 <p:cNvPr id="43" name="矩形 42"/>
@@ -19825,16 +20026,7 @@
                                 </a:solidFill>
                                 <a:latin typeface="Cambria Math" panose="02040503050406030204" pitchFamily="18" charset="0"/>
                               </a:rPr>
-                              <m:t>−</m:t>
-                            </m:r>
-                            <m:r>
-                              <a:rPr lang="en-US" sz="1600" b="0" i="1" smtClean="0">
-                                <a:solidFill>
-                                  <a:schemeClr val="tx1"/>
-                                </a:solidFill>
-                                <a:latin typeface="Cambria Math" panose="02040503050406030204" pitchFamily="18" charset="0"/>
-                              </a:rPr>
-                              <m:t>1</m:t>
+                              <m:t>−1</m:t>
                             </m:r>
                           </m:sub>
                         </m:sSub>
@@ -19857,16 +20049,11 @@
                     </a:rPr>
                     <a:t>=1</a:t>
                   </a:r>
-                  <a:endParaRPr lang="en-US" sz="1600" dirty="0">
-                    <a:solidFill>
-                      <a:schemeClr val="tx1"/>
-                    </a:solidFill>
-                  </a:endParaRPr>
                 </a:p>
               </p:txBody>
             </p:sp>
           </mc:Choice>
-          <mc:Fallback>
+          <mc:Fallback xmlns="">
             <p:sp>
               <p:nvSpPr>
                 <p:cNvPr id="43" name="矩形 42"/>
@@ -19884,7 +20071,7 @@
                   <a:avLst/>
                 </a:prstGeom>
                 <a:blipFill rotWithShape="1">
-                  <a:blip r:embed="rId9"/>
+                  <a:blip r:embed="rId10"/>
                 </a:blipFill>
                 <a:ln w="19050">
                   <a:solidFill>
@@ -19923,8 +20110,8 @@
             </p:sp>
           </mc:Fallback>
         </mc:AlternateContent>
-        <mc:AlternateContent xmlns:mc="http://schemas.openxmlformats.org/markup-compatibility/2006">
-          <mc:Choice xmlns:a14="http://schemas.microsoft.com/office/drawing/2010/main" Requires="a14">
+        <mc:AlternateContent xmlns:mc="http://schemas.openxmlformats.org/markup-compatibility/2006" xmlns:a14="http://schemas.microsoft.com/office/drawing/2010/main">
+          <mc:Choice Requires="a14">
             <p:sp>
               <p:nvSpPr>
                 <p:cNvPr id="44" name="矩形 43"/>
@@ -20031,16 +20218,11 @@
                     </a:rPr>
                     <a:t>=1</a:t>
                   </a:r>
-                  <a:endParaRPr lang="en-US" sz="1600" dirty="0">
-                    <a:solidFill>
-                      <a:schemeClr val="tx1"/>
-                    </a:solidFill>
-                  </a:endParaRPr>
                 </a:p>
               </p:txBody>
             </p:sp>
           </mc:Choice>
-          <mc:Fallback>
+          <mc:Fallback xmlns="">
             <p:sp>
               <p:nvSpPr>
                 <p:cNvPr id="44" name="矩形 43"/>
@@ -20058,7 +20240,7 @@
                   <a:avLst/>
                 </a:prstGeom>
                 <a:blipFill rotWithShape="1">
-                  <a:blip r:embed="rId16"/>
+                  <a:blip r:embed="rId17"/>
                 </a:blipFill>
                 <a:ln w="19050">
                   <a:solidFill>
@@ -20098,8 +20280,8 @@
           </mc:Fallback>
         </mc:AlternateContent>
       </p:grpSp>
-      <mc:AlternateContent xmlns:mc="http://schemas.openxmlformats.org/markup-compatibility/2006">
-        <mc:Choice xmlns:a14="http://schemas.microsoft.com/office/drawing/2010/main" Requires="a14">
+      <mc:AlternateContent xmlns:mc="http://schemas.openxmlformats.org/markup-compatibility/2006" xmlns:a14="http://schemas.microsoft.com/office/drawing/2010/main">
+        <mc:Choice Requires="a14">
           <p:sp>
             <p:nvSpPr>
               <p:cNvPr id="2052" name="文本框 2051"/>
@@ -20181,16 +20363,11 @@
                   </a:rPr>
                   <a:t> at beginning or end?</a:t>
                 </a:r>
-                <a:endParaRPr lang="en-US" sz="2400" dirty="0">
-                  <a:solidFill>
-                    <a:srgbClr val="C00000"/>
-                  </a:solidFill>
-                </a:endParaRPr>
               </a:p>
             </p:txBody>
           </p:sp>
         </mc:Choice>
-        <mc:Fallback>
+        <mc:Fallback xmlns="">
           <p:sp>
             <p:nvSpPr>
               <p:cNvPr id="2052" name="文本框 2051"/>
@@ -20208,7 +20385,7 @@
                 <a:avLst/>
               </a:prstGeom>
               <a:blipFill rotWithShape="1">
-                <a:blip r:embed="rId17"/>
+                <a:blip r:embed="rId18"/>
                 <a:stretch>
                   <a:fillRect l="10740" t="-300167" r="3884" b="-247665"/>
                 </a:stretch>
@@ -20243,8 +20420,8 @@
             <a:chExt cx="3123511" cy="621363"/>
           </a:xfrm>
         </p:grpSpPr>
-        <mc:AlternateContent xmlns:mc="http://schemas.openxmlformats.org/markup-compatibility/2006">
-          <mc:Choice xmlns:a14="http://schemas.microsoft.com/office/drawing/2010/main" Requires="a14">
+        <mc:AlternateContent xmlns:mc="http://schemas.openxmlformats.org/markup-compatibility/2006" xmlns:a14="http://schemas.microsoft.com/office/drawing/2010/main">
+          <mc:Choice Requires="a14">
             <p:sp>
               <p:nvSpPr>
                 <p:cNvPr id="47" name="矩形 46"/>
@@ -20351,16 +20528,11 @@
                     </a:rPr>
                     <a:t>&lt;1</a:t>
                   </a:r>
-                  <a:endParaRPr lang="en-US" sz="1600" dirty="0">
-                    <a:solidFill>
-                      <a:schemeClr val="tx1"/>
-                    </a:solidFill>
-                  </a:endParaRPr>
                 </a:p>
               </p:txBody>
             </p:sp>
           </mc:Choice>
-          <mc:Fallback>
+          <mc:Fallback xmlns="">
             <p:sp>
               <p:nvSpPr>
                 <p:cNvPr id="47" name="矩形 46"/>
@@ -20378,7 +20550,7 @@
                   <a:avLst/>
                 </a:prstGeom>
                 <a:blipFill rotWithShape="1">
-                  <a:blip r:embed="rId18"/>
+                  <a:blip r:embed="rId19"/>
                 </a:blipFill>
                 <a:ln w="19050">
                   <a:solidFill>
@@ -20417,8 +20589,8 @@
             </p:sp>
           </mc:Fallback>
         </mc:AlternateContent>
-        <mc:AlternateContent xmlns:mc="http://schemas.openxmlformats.org/markup-compatibility/2006">
-          <mc:Choice xmlns:a14="http://schemas.microsoft.com/office/drawing/2010/main" Requires="a14">
+        <mc:AlternateContent xmlns:mc="http://schemas.openxmlformats.org/markup-compatibility/2006" xmlns:a14="http://schemas.microsoft.com/office/drawing/2010/main">
+          <mc:Choice Requires="a14">
             <p:sp>
               <p:nvSpPr>
                 <p:cNvPr id="48" name="矩形 47"/>
@@ -20525,16 +20697,11 @@
                     </a:rPr>
                     <a:t>=1</a:t>
                   </a:r>
-                  <a:endParaRPr lang="en-US" sz="1600" dirty="0">
-                    <a:solidFill>
-                      <a:schemeClr val="tx1"/>
-                    </a:solidFill>
-                  </a:endParaRPr>
                 </a:p>
               </p:txBody>
             </p:sp>
           </mc:Choice>
-          <mc:Fallback>
+          <mc:Fallback xmlns="">
             <p:sp>
               <p:nvSpPr>
                 <p:cNvPr id="48" name="矩形 47"/>
@@ -20552,7 +20719,7 @@
                   <a:avLst/>
                 </a:prstGeom>
                 <a:blipFill rotWithShape="1">
-                  <a:blip r:embed="rId13"/>
+                  <a:blip r:embed="rId14"/>
                 </a:blipFill>
                 <a:ln w="19050">
                   <a:solidFill>
@@ -20646,16 +20813,11 @@
                 </a:rPr>
                 <a:t>…</a:t>
               </a:r>
-              <a:endParaRPr lang="en-US" sz="2400" b="1" dirty="0">
-                <a:solidFill>
-                  <a:schemeClr val="tx1"/>
-                </a:solidFill>
-              </a:endParaRPr>
             </a:p>
           </p:txBody>
         </p:sp>
-        <mc:AlternateContent xmlns:mc="http://schemas.openxmlformats.org/markup-compatibility/2006">
-          <mc:Choice xmlns:a14="http://schemas.microsoft.com/office/drawing/2010/main" Requires="a14">
+        <mc:AlternateContent xmlns:mc="http://schemas.openxmlformats.org/markup-compatibility/2006" xmlns:a14="http://schemas.microsoft.com/office/drawing/2010/main">
+          <mc:Choice Requires="a14">
             <p:sp>
               <p:nvSpPr>
                 <p:cNvPr id="50" name="矩形 49"/>
@@ -20748,16 +20910,7 @@
                                 </a:solidFill>
                                 <a:latin typeface="Cambria Math" panose="02040503050406030204" pitchFamily="18" charset="0"/>
                               </a:rPr>
-                              <m:t>−</m:t>
-                            </m:r>
-                            <m:r>
-                              <a:rPr lang="en-US" sz="1600" b="0" i="1" smtClean="0">
-                                <a:solidFill>
-                                  <a:schemeClr val="tx1"/>
-                                </a:solidFill>
-                                <a:latin typeface="Cambria Math" panose="02040503050406030204" pitchFamily="18" charset="0"/>
-                              </a:rPr>
-                              <m:t>1</m:t>
+                              <m:t>−1</m:t>
                             </m:r>
                           </m:sub>
                         </m:sSub>
@@ -20780,16 +20933,11 @@
                     </a:rPr>
                     <a:t>=1</a:t>
                   </a:r>
-                  <a:endParaRPr lang="en-US" sz="1600" dirty="0">
-                    <a:solidFill>
-                      <a:schemeClr val="tx1"/>
-                    </a:solidFill>
-                  </a:endParaRPr>
                 </a:p>
               </p:txBody>
             </p:sp>
           </mc:Choice>
-          <mc:Fallback>
+          <mc:Fallback xmlns="">
             <p:sp>
               <p:nvSpPr>
                 <p:cNvPr id="50" name="矩形 49"/>
@@ -20807,7 +20955,7 @@
                   <a:avLst/>
                 </a:prstGeom>
                 <a:blipFill rotWithShape="1">
-                  <a:blip r:embed="rId9"/>
+                  <a:blip r:embed="rId10"/>
                 </a:blipFill>
                 <a:ln w="19050">
                   <a:solidFill>
@@ -20846,8 +20994,8 @@
             </p:sp>
           </mc:Fallback>
         </mc:AlternateContent>
-        <mc:AlternateContent xmlns:mc="http://schemas.openxmlformats.org/markup-compatibility/2006">
-          <mc:Choice xmlns:a14="http://schemas.microsoft.com/office/drawing/2010/main" Requires="a14">
+        <mc:AlternateContent xmlns:mc="http://schemas.openxmlformats.org/markup-compatibility/2006" xmlns:a14="http://schemas.microsoft.com/office/drawing/2010/main">
+          <mc:Choice Requires="a14">
             <p:sp>
               <p:nvSpPr>
                 <p:cNvPr id="51" name="矩形 50"/>
@@ -20954,16 +21102,11 @@
                     </a:rPr>
                     <a:t>=1</a:t>
                   </a:r>
-                  <a:endParaRPr lang="en-US" sz="1600" dirty="0">
-                    <a:solidFill>
-                      <a:schemeClr val="tx1"/>
-                    </a:solidFill>
-                  </a:endParaRPr>
                 </a:p>
               </p:txBody>
             </p:sp>
           </mc:Choice>
-          <mc:Fallback>
+          <mc:Fallback xmlns="">
             <p:sp>
               <p:nvSpPr>
                 <p:cNvPr id="51" name="矩形 50"/>
@@ -20981,7 +21124,7 @@
                   <a:avLst/>
                 </a:prstGeom>
                 <a:blipFill rotWithShape="1">
-                  <a:blip r:embed="rId16"/>
+                  <a:blip r:embed="rId17"/>
                 </a:blipFill>
                 <a:ln w="19050">
                   <a:solidFill>
@@ -21035,8 +21178,8 @@
             <a:chExt cx="3123511" cy="621363"/>
           </a:xfrm>
         </p:grpSpPr>
-        <mc:AlternateContent xmlns:mc="http://schemas.openxmlformats.org/markup-compatibility/2006">
-          <mc:Choice xmlns:a14="http://schemas.microsoft.com/office/drawing/2010/main" Requires="a14">
+        <mc:AlternateContent xmlns:mc="http://schemas.openxmlformats.org/markup-compatibility/2006" xmlns:a14="http://schemas.microsoft.com/office/drawing/2010/main">
+          <mc:Choice Requires="a14">
             <p:sp>
               <p:nvSpPr>
                 <p:cNvPr id="53" name="矩形 52"/>
@@ -21143,16 +21286,11 @@
                     </a:rPr>
                     <a:t>=1</a:t>
                   </a:r>
-                  <a:endParaRPr lang="en-US" sz="1600" dirty="0">
-                    <a:solidFill>
-                      <a:schemeClr val="tx1"/>
-                    </a:solidFill>
-                  </a:endParaRPr>
                 </a:p>
               </p:txBody>
             </p:sp>
           </mc:Choice>
-          <mc:Fallback>
+          <mc:Fallback xmlns="">
             <p:sp>
               <p:nvSpPr>
                 <p:cNvPr id="53" name="矩形 52"/>
@@ -21170,7 +21308,7 @@
                   <a:avLst/>
                 </a:prstGeom>
                 <a:blipFill rotWithShape="1">
-                  <a:blip r:embed="rId13"/>
+                  <a:blip r:embed="rId14"/>
                 </a:blipFill>
                 <a:ln w="19050">
                   <a:solidFill>
@@ -21209,8 +21347,8 @@
             </p:sp>
           </mc:Fallback>
         </mc:AlternateContent>
-        <mc:AlternateContent xmlns:mc="http://schemas.openxmlformats.org/markup-compatibility/2006">
-          <mc:Choice xmlns:a14="http://schemas.microsoft.com/office/drawing/2010/main" Requires="a14">
+        <mc:AlternateContent xmlns:mc="http://schemas.openxmlformats.org/markup-compatibility/2006" xmlns:a14="http://schemas.microsoft.com/office/drawing/2010/main">
+          <mc:Choice Requires="a14">
             <p:sp>
               <p:nvSpPr>
                 <p:cNvPr id="54" name="矩形 53"/>
@@ -21317,16 +21455,11 @@
                     </a:rPr>
                     <a:t>=1</a:t>
                   </a:r>
-                  <a:endParaRPr lang="en-US" sz="1600" dirty="0">
-                    <a:solidFill>
-                      <a:schemeClr val="tx1"/>
-                    </a:solidFill>
-                  </a:endParaRPr>
                 </a:p>
               </p:txBody>
             </p:sp>
           </mc:Choice>
-          <mc:Fallback>
+          <mc:Fallback xmlns="">
             <p:sp>
               <p:nvSpPr>
                 <p:cNvPr id="54" name="矩形 53"/>
@@ -21344,7 +21477,7 @@
                   <a:avLst/>
                 </a:prstGeom>
                 <a:blipFill rotWithShape="1">
-                  <a:blip r:embed="rId19"/>
+                  <a:blip r:embed="rId20"/>
                 </a:blipFill>
                 <a:ln w="19050">
                   <a:solidFill>
@@ -21438,16 +21571,11 @@
                 </a:rPr>
                 <a:t>…</a:t>
               </a:r>
-              <a:endParaRPr lang="en-US" sz="2400" b="1" dirty="0">
-                <a:solidFill>
-                  <a:schemeClr val="tx1"/>
-                </a:solidFill>
-              </a:endParaRPr>
             </a:p>
           </p:txBody>
         </p:sp>
-        <mc:AlternateContent xmlns:mc="http://schemas.openxmlformats.org/markup-compatibility/2006">
-          <mc:Choice xmlns:a14="http://schemas.microsoft.com/office/drawing/2010/main" Requires="a14">
+        <mc:AlternateContent xmlns:mc="http://schemas.openxmlformats.org/markup-compatibility/2006" xmlns:a14="http://schemas.microsoft.com/office/drawing/2010/main">
+          <mc:Choice Requires="a14">
             <p:sp>
               <p:nvSpPr>
                 <p:cNvPr id="56" name="矩形 55"/>
@@ -21554,16 +21682,11 @@
                     </a:rPr>
                     <a:t>=1</a:t>
                   </a:r>
-                  <a:endParaRPr lang="en-US" sz="1600" dirty="0">
-                    <a:solidFill>
-                      <a:schemeClr val="tx1"/>
-                    </a:solidFill>
-                  </a:endParaRPr>
                 </a:p>
               </p:txBody>
             </p:sp>
           </mc:Choice>
-          <mc:Fallback>
+          <mc:Fallback xmlns="">
             <p:sp>
               <p:nvSpPr>
                 <p:cNvPr id="56" name="矩形 55"/>
@@ -21581,7 +21704,7 @@
                   <a:avLst/>
                 </a:prstGeom>
                 <a:blipFill rotWithShape="1">
-                  <a:blip r:embed="rId16"/>
+                  <a:blip r:embed="rId17"/>
                 </a:blipFill>
                 <a:ln w="19050">
                   <a:solidFill>
@@ -21620,8 +21743,8 @@
             </p:sp>
           </mc:Fallback>
         </mc:AlternateContent>
-        <mc:AlternateContent xmlns:mc="http://schemas.openxmlformats.org/markup-compatibility/2006">
-          <mc:Choice xmlns:a14="http://schemas.microsoft.com/office/drawing/2010/main" Requires="a14">
+        <mc:AlternateContent xmlns:mc="http://schemas.openxmlformats.org/markup-compatibility/2006" xmlns:a14="http://schemas.microsoft.com/office/drawing/2010/main">
+          <mc:Choice Requires="a14">
             <p:sp>
               <p:nvSpPr>
                 <p:cNvPr id="57" name="矩形 56"/>
@@ -21728,16 +21851,11 @@
                     </a:rPr>
                     <a:t>&gt;1</a:t>
                   </a:r>
-                  <a:endParaRPr lang="en-US" sz="1600" dirty="0">
-                    <a:solidFill>
-                      <a:schemeClr val="tx1"/>
-                    </a:solidFill>
-                  </a:endParaRPr>
                 </a:p>
               </p:txBody>
             </p:sp>
           </mc:Choice>
-          <mc:Fallback>
+          <mc:Fallback xmlns="">
             <p:sp>
               <p:nvSpPr>
                 <p:cNvPr id="57" name="矩形 56"/>
@@ -21755,7 +21873,7 @@
                   <a:avLst/>
                 </a:prstGeom>
                 <a:blipFill rotWithShape="1">
-                  <a:blip r:embed="rId20"/>
+                  <a:blip r:embed="rId21"/>
                 </a:blipFill>
                 <a:ln w="19050">
                   <a:solidFill>
@@ -21795,8 +21913,8 @@
           </mc:Fallback>
         </mc:AlternateContent>
       </p:grpSp>
-      <mc:AlternateContent xmlns:mc="http://schemas.openxmlformats.org/markup-compatibility/2006">
-        <mc:Choice xmlns:a14="http://schemas.microsoft.com/office/drawing/2010/main" Requires="a14">
+      <mc:AlternateContent xmlns:mc="http://schemas.openxmlformats.org/markup-compatibility/2006" xmlns:a14="http://schemas.microsoft.com/office/drawing/2010/main">
+        <mc:Choice Requires="a14">
           <p:sp>
             <p:nvSpPr>
               <p:cNvPr id="58" name="文本框 57"/>
@@ -21871,16 +21989,7 @@
                         </a:solidFill>
                         <a:latin typeface="Cambria Math" panose="02040503050406030204" pitchFamily="18" charset="0"/>
                       </a:rPr>
-                      <m:t>&gt;</m:t>
-                    </m:r>
-                    <m:r>
-                      <a:rPr lang="en-US" sz="2000" b="0" i="1" smtClean="0">
-                        <a:solidFill>
-                          <a:srgbClr val="C00000"/>
-                        </a:solidFill>
-                        <a:latin typeface="Cambria Math" panose="02040503050406030204" pitchFamily="18" charset="0"/>
-                      </a:rPr>
-                      <m:t>1</m:t>
+                      <m:t>&gt;1</m:t>
                     </m:r>
                   </m:oMath>
                 </a14:m>
@@ -21893,7 +22002,7 @@
             </p:txBody>
           </p:sp>
         </mc:Choice>
-        <mc:Fallback>
+        <mc:Fallback xmlns="">
           <p:sp>
             <p:nvSpPr>
               <p:cNvPr id="58" name="文本框 57"/>
@@ -21911,7 +22020,7 @@
                 <a:avLst/>
               </a:prstGeom>
               <a:blipFill rotWithShape="1">
-                <a:blip r:embed="rId21"/>
+                <a:blip r:embed="rId22"/>
                 <a:stretch>
                   <a:fillRect l="-5014" t="-66" r="-8581" b="1"/>
                 </a:stretch>
@@ -21932,8 +22041,8 @@
           </p:sp>
         </mc:Fallback>
       </mc:AlternateContent>
-      <mc:AlternateContent xmlns:mc="http://schemas.openxmlformats.org/markup-compatibility/2006">
-        <mc:Choice xmlns:a14="http://schemas.microsoft.com/office/drawing/2010/main" Requires="a14">
+      <mc:AlternateContent xmlns:mc="http://schemas.openxmlformats.org/markup-compatibility/2006" xmlns:a14="http://schemas.microsoft.com/office/drawing/2010/main">
+        <mc:Choice Requires="a14">
           <p:sp>
             <p:nvSpPr>
               <p:cNvPr id="2053" name="文本框 2052"/>
@@ -21989,13 +22098,7 @@
                       <a:rPr lang="en-US" sz="2000" b="0" i="1" smtClean="0">
                         <a:latin typeface="Cambria Math" panose="02040503050406030204" pitchFamily="18" charset="0"/>
                       </a:rPr>
-                      <m:t>−</m:t>
-                    </m:r>
-                    <m:r>
-                      <a:rPr lang="en-US" sz="2000" b="0" i="1" smtClean="0">
-                        <a:latin typeface="Cambria Math" panose="02040503050406030204" pitchFamily="18" charset="0"/>
-                      </a:rPr>
-                      <m:t>1</m:t>
+                      <m:t>−1</m:t>
                     </m:r>
                   </m:oMath>
                 </a14:m>
@@ -22003,12 +22106,11 @@
                   <a:rPr lang="en-US" sz="2000" dirty="0"/>
                   <a:t> times, does not solve the problem.</a:t>
                 </a:r>
-                <a:endParaRPr lang="en-US" sz="2000" dirty="0"/>
               </a:p>
             </p:txBody>
           </p:sp>
         </mc:Choice>
-        <mc:Fallback>
+        <mc:Fallback xmlns="">
           <p:sp>
             <p:nvSpPr>
               <p:cNvPr id="2053" name="文本框 2052"/>
@@ -22026,7 +22128,7 @@
                 <a:avLst/>
               </a:prstGeom>
               <a:blipFill rotWithShape="1">
-                <a:blip r:embed="rId22"/>
+                <a:blip r:embed="rId23"/>
                 <a:stretch>
                   <a:fillRect l="-855" t="-4173" r="-840" b="-9482"/>
                 </a:stretch>
@@ -22061,8 +22163,8 @@
           </p:sp>
         </mc:Fallback>
       </mc:AlternateContent>
-      <mc:AlternateContent xmlns:mc="http://schemas.openxmlformats.org/markup-compatibility/2006">
-        <mc:Choice xmlns:a14="http://schemas.microsoft.com/office/drawing/2010/main" Requires="a14">
+      <mc:AlternateContent xmlns:mc="http://schemas.openxmlformats.org/markup-compatibility/2006" xmlns:a14="http://schemas.microsoft.com/office/drawing/2010/main">
+        <mc:Choice Requires="a14">
           <p:sp>
             <p:nvSpPr>
               <p:cNvPr id="60" name="文本框 59"/>
@@ -22118,13 +22220,7 @@
                       <a:rPr lang="en-US" sz="2000" b="0" i="1" smtClean="0">
                         <a:latin typeface="Cambria Math" panose="02040503050406030204" pitchFamily="18" charset="0"/>
                       </a:rPr>
-                      <m:t>−</m:t>
-                    </m:r>
-                    <m:r>
-                      <a:rPr lang="en-US" sz="2000" b="0" i="1" smtClean="0">
-                        <a:latin typeface="Cambria Math" panose="02040503050406030204" pitchFamily="18" charset="0"/>
-                      </a:rPr>
-                      <m:t>1</m:t>
+                      <m:t>−1</m:t>
                     </m:r>
                   </m:oMath>
                 </a14:m>
@@ -22132,12 +22228,11 @@
                   <a:rPr lang="en-US" sz="2000" dirty="0"/>
                   <a:t> times does not solve the problem.</a:t>
                 </a:r>
-                <a:endParaRPr lang="en-US" sz="2000" dirty="0"/>
               </a:p>
             </p:txBody>
           </p:sp>
         </mc:Choice>
-        <mc:Fallback>
+        <mc:Fallback xmlns="">
           <p:sp>
             <p:nvSpPr>
               <p:cNvPr id="60" name="文本框 59"/>
@@ -22155,7 +22250,7 @@
                 <a:avLst/>
               </a:prstGeom>
               <a:blipFill rotWithShape="1">
-                <a:blip r:embed="rId23"/>
+                <a:blip r:embed="rId24"/>
                 <a:stretch>
                   <a:fillRect l="-856" t="-4147" r="-838" b="-9418"/>
                 </a:stretch>
@@ -22190,8 +22285,8 @@
           </p:sp>
         </mc:Fallback>
       </mc:AlternateContent>
-      <mc:AlternateContent xmlns:mc="http://schemas.openxmlformats.org/markup-compatibility/2006">
-        <mc:Choice xmlns:a14="http://schemas.microsoft.com/office/drawing/2010/main" Requires="a14">
+      <mc:AlternateContent xmlns:mc="http://schemas.openxmlformats.org/markup-compatibility/2006" xmlns:a14="http://schemas.microsoft.com/office/drawing/2010/main">
+        <mc:Choice Requires="a14">
           <p:sp>
             <p:nvSpPr>
               <p:cNvPr id="61" name="文本框 60"/>
@@ -22280,12 +22375,11 @@
                   <a:rPr lang="en-US" sz="2000" dirty="0"/>
                   <a:t>.</a:t>
                 </a:r>
-                <a:endParaRPr lang="en-US" sz="2000" dirty="0"/>
               </a:p>
             </p:txBody>
           </p:sp>
         </mc:Choice>
-        <mc:Fallback>
+        <mc:Fallback xmlns="">
           <p:sp>
             <p:nvSpPr>
               <p:cNvPr id="61" name="文本框 60"/>
@@ -22303,7 +22397,7 @@
                 <a:avLst/>
               </a:prstGeom>
               <a:blipFill rotWithShape="1">
-                <a:blip r:embed="rId24"/>
+                <a:blip r:embed="rId25"/>
                 <a:stretch>
                   <a:fillRect l="-856" t="-4181" r="-838" b="-9473"/>
                 </a:stretch>
@@ -23174,8 +23268,8 @@
           <a:chExt cx="0" cy="0"/>
         </a:xfrm>
       </p:grpSpPr>
-      <mc:AlternateContent xmlns:mc="http://schemas.openxmlformats.org/markup-compatibility/2006">
-        <mc:Choice xmlns:a14="http://schemas.microsoft.com/office/drawing/2010/main" Requires="a14">
+      <mc:AlternateContent xmlns:mc="http://schemas.openxmlformats.org/markup-compatibility/2006" xmlns:a14="http://schemas.microsoft.com/office/drawing/2010/main">
+        <mc:Choice Requires="a14">
           <p:sp>
             <p:nvSpPr>
               <p:cNvPr id="4" name="文本框 3"/>
@@ -23289,16 +23383,11 @@
                   </a:rPr>
                   <a:t>?</a:t>
                 </a:r>
-                <a:endParaRPr lang="en-US" sz="3200" b="1" dirty="0">
-                  <a:solidFill>
-                    <a:srgbClr val="C00000"/>
-                  </a:solidFill>
-                </a:endParaRPr>
               </a:p>
             </p:txBody>
           </p:sp>
         </mc:Choice>
-        <mc:Fallback>
+        <mc:Fallback xmlns="">
           <p:sp>
             <p:nvSpPr>
               <p:cNvPr id="4" name="文本框 3"/>
@@ -23316,7 +23405,7 @@
                 <a:avLst/>
               </a:prstGeom>
               <a:blipFill rotWithShape="1">
-                <a:blip r:embed="rId1"/>
+                <a:blip r:embed="rId2"/>
                 <a:stretch>
                   <a:fillRect l="-14035" t="-59" r="-16216" b="49"/>
                 </a:stretch>
@@ -23337,8 +23426,8 @@
           </p:sp>
         </mc:Fallback>
       </mc:AlternateContent>
-      <mc:AlternateContent xmlns:mc="http://schemas.openxmlformats.org/markup-compatibility/2006">
-        <mc:Choice xmlns:a14="http://schemas.microsoft.com/office/drawing/2010/main" Requires="a14">
+      <mc:AlternateContent xmlns:mc="http://schemas.openxmlformats.org/markup-compatibility/2006" xmlns:a14="http://schemas.microsoft.com/office/drawing/2010/main">
+        <mc:Choice Requires="a14">
           <p:sp>
             <p:nvSpPr>
               <p:cNvPr id="3" name="文本框 2"/>
@@ -23417,16 +23506,11 @@
                   </a:rPr>
                   <a:t> time.</a:t>
                 </a:r>
-                <a:endParaRPr lang="en-US" sz="3200" b="1" dirty="0">
-                  <a:solidFill>
-                    <a:schemeClr val="tx1"/>
-                  </a:solidFill>
-                </a:endParaRPr>
               </a:p>
             </p:txBody>
           </p:sp>
         </mc:Choice>
-        <mc:Fallback>
+        <mc:Fallback xmlns="">
           <p:sp>
             <p:nvSpPr>
               <p:cNvPr id="3" name="文本框 2"/>
@@ -23444,7 +23528,7 @@
                 <a:avLst/>
               </a:prstGeom>
               <a:blipFill rotWithShape="1">
-                <a:blip r:embed="rId2"/>
+                <a:blip r:embed="rId3"/>
                 <a:stretch>
                   <a:fillRect l="-14" t="-20" r="-32227" b="10"/>
                 </a:stretch>
@@ -23496,11 +23580,6 @@
               </a:rPr>
               <a:t>No, at least not for a large class of algorithms…</a:t>
             </a:r>
-            <a:endParaRPr lang="en-US" sz="2800" dirty="0">
-              <a:solidFill>
-                <a:srgbClr val="C00000"/>
-              </a:solidFill>
-            </a:endParaRPr>
           </a:p>
         </p:txBody>
       </p:sp>
@@ -23674,12 +23753,11 @@
               <a:rPr lang="en-US" sz="3800" dirty="0"/>
               <a:t>Comparison-based sorting lower bound</a:t>
             </a:r>
-            <a:endParaRPr lang="en-US" sz="3800" dirty="0"/>
           </a:p>
         </p:txBody>
       </p:sp>
-      <mc:AlternateContent xmlns:mc="http://schemas.openxmlformats.org/markup-compatibility/2006">
-        <mc:Choice xmlns:a14="http://schemas.microsoft.com/office/drawing/2010/main" Requires="a14">
+      <mc:AlternateContent xmlns:mc="http://schemas.openxmlformats.org/markup-compatibility/2006" xmlns:a14="http://schemas.microsoft.com/office/drawing/2010/main">
+        <mc:Choice Requires="a14">
           <p:sp>
             <p:nvSpPr>
               <p:cNvPr id="3" name="内容占位符 2"/>
@@ -23735,7 +23813,6 @@
                   <a:rPr lang="en-US" sz="2200" dirty="0"/>
                   <a:t> between the input items.</a:t>
                 </a:r>
-                <a:endParaRPr lang="en-US" sz="2200" dirty="0"/>
               </a:p>
               <a:p>
                 <a:pPr>
@@ -23751,7 +23828,6 @@
                   <a:rPr lang="en-US" sz="1800" dirty="0"/>
                   <a:t>.</a:t>
                 </a:r>
-                <a:endParaRPr lang="en-US" sz="1800" dirty="0"/>
               </a:p>
               <a:p>
                 <a:pPr lvl="1">
@@ -23899,7 +23975,6 @@
                   <a:rPr lang="en-US" sz="1800" dirty="0"/>
                   <a:t>” to gain order info.</a:t>
                 </a:r>
-                <a:endParaRPr lang="en-US" sz="1800" dirty="0"/>
               </a:p>
               <a:p>
                 <a:pPr lvl="1">
@@ -23919,12 +23994,11 @@
                   <a:rPr lang="en-US" sz="1800" dirty="0"/>
                   <a:t> inspect the values of input items.</a:t>
                 </a:r>
-                <a:endParaRPr lang="en-US" sz="1800" dirty="0"/>
               </a:p>
             </p:txBody>
           </p:sp>
         </mc:Choice>
-        <mc:Fallback>
+        <mc:Fallback xmlns="">
           <p:sp>
             <p:nvSpPr>
               <p:cNvPr id="3" name="内容占位符 2"/>
@@ -23941,7 +24015,7 @@
                 <a:ext cx="7886700" cy="4802185"/>
               </a:xfrm>
               <a:blipFill rotWithShape="1">
-                <a:blip r:embed="rId1"/>
+                <a:blip r:embed="rId2"/>
                 <a:stretch>
                   <a:fillRect t="-7" b="13"/>
                 </a:stretch>
@@ -23962,8 +24036,8 @@
           </p:sp>
         </mc:Fallback>
       </mc:AlternateContent>
-      <mc:AlternateContent xmlns:mc="http://schemas.openxmlformats.org/markup-compatibility/2006">
-        <mc:Choice xmlns:a14="http://schemas.microsoft.com/office/drawing/2010/main" Requires="a14">
+      <mc:AlternateContent xmlns:mc="http://schemas.openxmlformats.org/markup-compatibility/2006" xmlns:a14="http://schemas.microsoft.com/office/drawing/2010/main">
+        <mc:Choice Requires="a14">
           <p:sp>
             <p:nvSpPr>
               <p:cNvPr id="4" name="文本框 3"/>
@@ -24067,12 +24141,11 @@
                   <a:rPr lang="en-US" sz="2400" dirty="0"/>
                   <a:t>, in the worst case.</a:t>
                 </a:r>
-                <a:endParaRPr lang="en-US" sz="2400" dirty="0"/>
               </a:p>
             </p:txBody>
           </p:sp>
         </mc:Choice>
-        <mc:Fallback>
+        <mc:Fallback xmlns="">
           <p:sp>
             <p:nvSpPr>
               <p:cNvPr id="4" name="文本框 3"/>
@@ -24090,7 +24163,7 @@
                 <a:avLst/>
               </a:prstGeom>
               <a:blipFill rotWithShape="1">
-                <a:blip r:embed="rId2"/>
+                <a:blip r:embed="rId3"/>
                 <a:stretch>
                   <a:fillRect l="-688" t="-3501" r="-679" b="-7991"/>
                 </a:stretch>
@@ -24358,7 +24431,6 @@
               <a:rPr lang="en-US" dirty="0"/>
               <a:t>Decision Tree</a:t>
             </a:r>
-            <a:endParaRPr lang="en-US" dirty="0"/>
           </a:p>
         </p:txBody>
       </p:sp>
@@ -24388,7 +24460,6 @@
               <a:rPr lang="en-US" sz="2400" dirty="0"/>
               <a:t>Decisions trees can be used to describe algorithms.</a:t>
             </a:r>
-            <a:endParaRPr lang="en-US" sz="2400" dirty="0"/>
           </a:p>
           <a:p>
             <a:pPr lvl="1"/>
@@ -24396,7 +24467,6 @@
               <a:rPr lang="en-US" sz="2000" dirty="0"/>
               <a:t>A decision tree is a tree.</a:t>
             </a:r>
-            <a:endParaRPr lang="en-US" sz="2000" dirty="0"/>
           </a:p>
           <a:p>
             <a:pPr lvl="1"/>
@@ -24404,7 +24474,6 @@
               <a:rPr lang="en-US" sz="2000" dirty="0"/>
               <a:t>Each internal node denotes a query the algorithm makes on input.</a:t>
             </a:r>
-            <a:endParaRPr lang="en-US" sz="2000" dirty="0"/>
           </a:p>
           <a:p>
             <a:pPr lvl="1"/>
@@ -24412,7 +24481,6 @@
               <a:rPr lang="en-US" sz="2000" dirty="0"/>
               <a:t>Outgoing edges denote the possible answers to that query.</a:t>
             </a:r>
-            <a:endParaRPr lang="en-US" sz="2000" dirty="0"/>
           </a:p>
           <a:p>
             <a:pPr lvl="1"/>
@@ -24420,14 +24488,12 @@
               <a:rPr lang="en-US" sz="2000" dirty="0"/>
               <a:t>Each leaf denotes an output.</a:t>
             </a:r>
-            <a:endParaRPr lang="en-US" sz="2000" dirty="0"/>
           </a:p>
           <a:p>
             <a:r>
               <a:rPr lang="en-US" sz="2400" dirty="0"/>
               <a:t>One execution of the algorithm is a path from root to a leaf.</a:t>
             </a:r>
-            <a:endParaRPr lang="en-US" sz="2400" dirty="0"/>
           </a:p>
           <a:p>
             <a:pPr lvl="1"/>
@@ -24435,7 +24501,6 @@
               <a:rPr lang="en-US" sz="2000" dirty="0"/>
               <a:t>At each internal node, answer to query tells us where to go next.</a:t>
             </a:r>
-            <a:endParaRPr lang="en-US" sz="2000" dirty="0"/>
           </a:p>
           <a:p>
             <a:r>
@@ -24446,246 +24511,9 @@
               </a:rPr>
               <a:t>The worst-case time complexity is at least the length of the longest path from root to some leaf. I.e., height of the tree!</a:t>
             </a:r>
-            <a:endParaRPr lang="en-US" sz="2400" dirty="0">
-              <a:solidFill>
-                <a:srgbClr val="C00000"/>
-              </a:solidFill>
-            </a:endParaRPr>
           </a:p>
         </p:txBody>
       </p:sp>
-      <p:grpSp>
-        <p:nvGrpSpPr>
-          <p:cNvPr id="8" name="组合 7"/>
-          <p:cNvGrpSpPr/>
-          <p:nvPr/>
-        </p:nvGrpSpPr>
-        <p:grpSpPr>
-          <a:xfrm>
-            <a:off x="3741683" y="4363439"/>
-            <a:ext cx="4773667" cy="2129642"/>
-            <a:chOff x="3741683" y="4363439"/>
-            <a:chExt cx="4773667" cy="2129642"/>
-          </a:xfrm>
-        </p:grpSpPr>
-        <p:pic>
-          <p:nvPicPr>
-            <p:cNvPr id="4" name="图片 3"/>
-            <p:cNvPicPr>
-              <a:picLocks noChangeAspect="1"/>
-            </p:cNvPicPr>
-            <p:nvPr/>
-          </p:nvPicPr>
-          <p:blipFill>
-            <a:blip r:embed="rId1"/>
-            <a:stretch>
-              <a:fillRect/>
-            </a:stretch>
-          </p:blipFill>
-          <p:spPr>
-            <a:xfrm>
-              <a:off x="3741683" y="4363439"/>
-              <a:ext cx="4773667" cy="2129642"/>
-            </a:xfrm>
-            <a:prstGeom prst="rect">
-              <a:avLst/>
-            </a:prstGeom>
-            <a:ln w="38100" cap="sq">
-              <a:solidFill>
-                <a:srgbClr val="000000"/>
-              </a:solidFill>
-              <a:prstDash val="solid"/>
-              <a:miter lim="800000"/>
-              <a:headEnd/>
-              <a:tailEnd/>
-            </a:ln>
-            <a:effectLst>
-              <a:outerShdw blurRad="50800" dist="38100" dir="2700000" algn="tl" rotWithShape="0">
-                <a:srgbClr val="000000">
-                  <a:alpha val="43000"/>
-                </a:srgbClr>
-              </a:outerShdw>
-            </a:effectLst>
-          </p:spPr>
-        </p:pic>
-        <mc:AlternateContent xmlns:mc="http://schemas.openxmlformats.org/markup-compatibility/2006">
-          <mc:Choice xmlns:a14="http://schemas.microsoft.com/office/drawing/2010/main" Requires="a14">
-            <p:sp>
-              <p:nvSpPr>
-                <p:cNvPr id="7" name="文本框 6"/>
-                <p:cNvSpPr txBox="1"/>
-                <p:nvPr/>
-              </p:nvSpPr>
-              <p:spPr>
-                <a:xfrm>
-                  <a:off x="3808740" y="4363439"/>
-                  <a:ext cx="1535805" cy="276999"/>
-                </a:xfrm>
-                <a:prstGeom prst="rect">
-                  <a:avLst/>
-                </a:prstGeom>
-                <a:noFill/>
-              </p:spPr>
-              <p:txBody>
-                <a:bodyPr wrap="none" lIns="0" tIns="0" rIns="0" bIns="0" rtlCol="0">
-                  <a:spAutoFit/>
-                </a:bodyPr>
-                <a:lstStyle/>
-                <a:p>
-                  <a:r>
-                    <a:rPr lang="en-US" dirty="0"/>
-                    <a:t>Sort </a:t>
-                  </a:r>
-                  <a14:m>
-                    <m:oMath xmlns:m="http://schemas.openxmlformats.org/officeDocument/2006/math">
-                      <m:d>
-                        <m:dPr>
-                          <m:begChr m:val="⟨"/>
-                          <m:endChr m:val="⟩"/>
-                          <m:ctrlPr>
-                            <a:rPr lang="en-US" i="1" smtClean="0">
-                              <a:latin typeface="Cambria Math" panose="02040503050406030204" pitchFamily="18" charset="0"/>
-                            </a:rPr>
-                          </m:ctrlPr>
-                        </m:dPr>
-                        <m:e>
-                          <m:sSub>
-                            <m:sSubPr>
-                              <m:ctrlPr>
-                                <a:rPr lang="en-US" b="0" i="1" smtClean="0">
-                                  <a:latin typeface="Cambria Math" panose="02040503050406030204" pitchFamily="18" charset="0"/>
-                                </a:rPr>
-                              </m:ctrlPr>
-                            </m:sSubPr>
-                            <m:e>
-                              <m:r>
-                                <a:rPr lang="en-US" b="0" i="1" smtClean="0">
-                                  <a:latin typeface="Cambria Math" panose="02040503050406030204" pitchFamily="18" charset="0"/>
-                                </a:rPr>
-                                <m:t>𝑎</m:t>
-                              </m:r>
-                            </m:e>
-                            <m:sub>
-                              <m:r>
-                                <a:rPr lang="en-US" b="0" i="1" smtClean="0">
-                                  <a:latin typeface="Cambria Math" panose="02040503050406030204" pitchFamily="18" charset="0"/>
-                                </a:rPr>
-                                <m:t>1</m:t>
-                              </m:r>
-                            </m:sub>
-                          </m:sSub>
-                          <m:r>
-                            <a:rPr lang="en-US" b="0" i="1" smtClean="0">
-                              <a:latin typeface="Cambria Math" panose="02040503050406030204" pitchFamily="18" charset="0"/>
-                            </a:rPr>
-                            <m:t>,</m:t>
-                          </m:r>
-                          <m:sSub>
-                            <m:sSubPr>
-                              <m:ctrlPr>
-                                <a:rPr lang="en-US" b="0" i="1" smtClean="0">
-                                  <a:latin typeface="Cambria Math" panose="02040503050406030204" pitchFamily="18" charset="0"/>
-                                </a:rPr>
-                              </m:ctrlPr>
-                            </m:sSubPr>
-                            <m:e>
-                              <m:r>
-                                <a:rPr lang="en-US" b="0" i="1" smtClean="0">
-                                  <a:latin typeface="Cambria Math" panose="02040503050406030204" pitchFamily="18" charset="0"/>
-                                </a:rPr>
-                                <m:t>𝑎</m:t>
-                              </m:r>
-                            </m:e>
-                            <m:sub>
-                              <m:r>
-                                <a:rPr lang="en-US" b="0" i="1" smtClean="0">
-                                  <a:latin typeface="Cambria Math" panose="02040503050406030204" pitchFamily="18" charset="0"/>
-                                </a:rPr>
-                                <m:t>2</m:t>
-                              </m:r>
-                            </m:sub>
-                          </m:sSub>
-                          <m:r>
-                            <a:rPr lang="en-US" b="0" i="1" smtClean="0">
-                              <a:latin typeface="Cambria Math" panose="02040503050406030204" pitchFamily="18" charset="0"/>
-                            </a:rPr>
-                            <m:t>,</m:t>
-                          </m:r>
-                          <m:sSub>
-                            <m:sSubPr>
-                              <m:ctrlPr>
-                                <a:rPr lang="en-US" b="0" i="1" smtClean="0">
-                                  <a:latin typeface="Cambria Math" panose="02040503050406030204" pitchFamily="18" charset="0"/>
-                                </a:rPr>
-                              </m:ctrlPr>
-                            </m:sSubPr>
-                            <m:e>
-                              <m:r>
-                                <a:rPr lang="en-US" b="0" i="1" smtClean="0">
-                                  <a:latin typeface="Cambria Math" panose="02040503050406030204" pitchFamily="18" charset="0"/>
-                                </a:rPr>
-                                <m:t>𝑎</m:t>
-                              </m:r>
-                            </m:e>
-                            <m:sub>
-                              <m:r>
-                                <a:rPr lang="en-US" b="0" i="1" smtClean="0">
-                                  <a:latin typeface="Cambria Math" panose="02040503050406030204" pitchFamily="18" charset="0"/>
-                                </a:rPr>
-                                <m:t>3</m:t>
-                              </m:r>
-                            </m:sub>
-                          </m:sSub>
-                        </m:e>
-                      </m:d>
-                    </m:oMath>
-                  </a14:m>
-                  <a:r>
-                    <a:rPr lang="en-US" dirty="0"/>
-                    <a:t>.</a:t>
-                  </a:r>
-                  <a:endParaRPr lang="en-US" dirty="0"/>
-                </a:p>
-              </p:txBody>
-            </p:sp>
-          </mc:Choice>
-          <mc:Fallback>
-            <p:sp>
-              <p:nvSpPr>
-                <p:cNvPr id="7" name="文本框 6"/>
-                <p:cNvSpPr txBox="1">
-                  <a:spLocks noRot="1" noChangeAspect="1" noMove="1" noResize="1" noEditPoints="1" noAdjustHandles="1" noChangeArrowheads="1" noChangeShapeType="1" noTextEdit="1"/>
-                </p:cNvSpPr>
-                <p:nvPr/>
-              </p:nvSpPr>
-              <p:spPr>
-                <a:xfrm>
-                  <a:off x="3808740" y="4363439"/>
-                  <a:ext cx="1535805" cy="276999"/>
-                </a:xfrm>
-                <a:prstGeom prst="rect">
-                  <a:avLst/>
-                </a:prstGeom>
-                <a:blipFill rotWithShape="1">
-                  <a:blip r:embed="rId2"/>
-                </a:blipFill>
-              </p:spPr>
-              <p:txBody>
-                <a:bodyPr/>
-                <a:lstStyle/>
-                <a:p>
-                  <a:r>
-                    <a:rPr lang="zh-CN" altLang="en-US">
-                      <a:noFill/>
-                    </a:rPr>
-                    <a:t> </a:t>
-                  </a:r>
-                </a:p>
-              </p:txBody>
-            </p:sp>
-          </mc:Fallback>
-        </mc:AlternateContent>
-      </p:grpSp>
       <mc:AlternateContent xmlns:mc="http://schemas.openxmlformats.org/markup-compatibility/2006">
         <mc:Choice xmlns:a14="http://schemas.microsoft.com/office/drawing/2010/main" Requires="a14">
           <p:sp>
@@ -24696,7 +24524,7 @@
             </p:nvSpPr>
             <p:spPr>
               <a:xfrm>
-                <a:off x="6133159" y="4363439"/>
+                <a:off x="6133159" y="5167312"/>
                 <a:ext cx="2382191" cy="276999"/>
               </a:xfrm>
               <a:prstGeom prst="rect">
@@ -24710,6 +24538,7 @@
               </a:bodyPr>
               <a:lstStyle/>
               <a:p>
+                <a:pPr/>
                 <a14:m>
                   <m:oMathPara xmlns:m="http://schemas.openxmlformats.org/officeDocument/2006/math">
                     <m:oMathParaPr>
@@ -24756,19 +24585,7 @@
                             <a:rPr lang="en-US" b="0" i="1" smtClean="0">
                               <a:latin typeface="Cambria Math" panose="02040503050406030204" pitchFamily="18" charset="0"/>
                             </a:rPr>
-                            <m:t>=</m:t>
-                          </m:r>
-                          <m:r>
-                            <a:rPr lang="en-US" b="0" i="1" smtClean="0">
-                              <a:latin typeface="Cambria Math" panose="02040503050406030204" pitchFamily="18" charset="0"/>
-                            </a:rPr>
-                            <m:t>6</m:t>
-                          </m:r>
-                          <m:r>
-                            <a:rPr lang="en-US" b="0" i="1" smtClean="0">
-                              <a:latin typeface="Cambria Math" panose="02040503050406030204" pitchFamily="18" charset="0"/>
-                            </a:rPr>
-                            <m:t>,</m:t>
+                            <m:t>=6,</m:t>
                           </m:r>
                           <m:sSub>
                             <m:sSubPr>
@@ -24799,19 +24616,7 @@
                             <a:rPr lang="en-US" b="0" i="1" smtClean="0">
                               <a:latin typeface="Cambria Math" panose="02040503050406030204" pitchFamily="18" charset="0"/>
                             </a:rPr>
-                            <m:t>=</m:t>
-                          </m:r>
-                          <m:r>
-                            <a:rPr lang="en-US" b="0" i="1" smtClean="0">
-                              <a:latin typeface="Cambria Math" panose="02040503050406030204" pitchFamily="18" charset="0"/>
-                            </a:rPr>
-                            <m:t>8</m:t>
-                          </m:r>
-                          <m:r>
-                            <a:rPr lang="en-US" b="0" i="1" smtClean="0">
-                              <a:latin typeface="Cambria Math" panose="02040503050406030204" pitchFamily="18" charset="0"/>
-                            </a:rPr>
-                            <m:t>,</m:t>
+                            <m:t>=8,</m:t>
                           </m:r>
                           <m:sSub>
                             <m:sSubPr>
@@ -24842,13 +24647,7 @@
                             <a:rPr lang="en-US" b="0" i="1" smtClean="0">
                               <a:latin typeface="Cambria Math" panose="02040503050406030204" pitchFamily="18" charset="0"/>
                             </a:rPr>
-                            <m:t>=</m:t>
-                          </m:r>
-                          <m:r>
-                            <a:rPr lang="en-US" b="0" i="1" smtClean="0">
-                              <a:latin typeface="Cambria Math" panose="02040503050406030204" pitchFamily="18" charset="0"/>
-                            </a:rPr>
-                            <m:t>5</m:t>
+                            <m:t>=5</m:t>
                           </m:r>
                         </m:e>
                       </m:d>
@@ -24871,16 +24670,16 @@
             </p:nvSpPr>
             <p:spPr>
               <a:xfrm>
-                <a:off x="6133159" y="4363439"/>
+                <a:off x="6133159" y="5167312"/>
                 <a:ext cx="2382191" cy="276999"/>
               </a:xfrm>
               <a:prstGeom prst="rect">
                 <a:avLst/>
               </a:prstGeom>
-              <a:blipFill rotWithShape="1">
-                <a:blip r:embed="rId3"/>
+              <a:blipFill>
+                <a:blip r:embed="rId2"/>
                 <a:stretch>
-                  <a:fillRect l="-14" t="-128" r="-11675" b="178"/>
+                  <a:fillRect b="-15556"/>
                 </a:stretch>
               </a:blipFill>
             </p:spPr>
@@ -25086,28 +24885,6 @@
                                         <p:strVal val="hidden"/>
                                       </p:to>
                                     </p:set>
-                                  </p:childTnLst>
-                                </p:cTn>
-                              </p:par>
-                              <p:par>
-                                <p:cTn id="17" presetID="42" presetClass="path" presetSubtype="0" accel="50000" decel="50000" fill="hold" nodeType="withEffect">
-                                  <p:stCondLst>
-                                    <p:cond delay="0"/>
-                                  </p:stCondLst>
-                                  <p:childTnLst>
-                                    <p:animMotion origin="layout" path="M 1.11111E-6 4.81481E-6 L 1.11111E-6 -0.32709 " pathEditMode="relative" rAng="0" ptsTypes="AA">
-                                      <p:cBhvr>
-                                        <p:cTn id="18" dur="500" fill="hold"/>
-                                        <p:tgtEl>
-                                          <p:spTgt spid="8"/>
-                                        </p:tgtEl>
-                                        <p:attrNameLst>
-                                          <p:attrName>ppt_x</p:attrName>
-                                          <p:attrName>ppt_y</p:attrName>
-                                        </p:attrNameLst>
-                                      </p:cBhvr>
-                                      <p:rCtr x="0" y="-16366"/>
-                                    </p:animMotion>
                                   </p:childTnLst>
                                 </p:cTn>
                               </p:par>
@@ -25397,6 +25174,8 @@
       </a:bgFillStyleLst>
     </a:fmtScheme>
   </a:themeElements>
+  <a:objectDefaults/>
+  <a:extraClrSchemeLst/>
   <a:extLst>
     <a:ext uri="{05A4C25C-085E-4340-85A3-A5531E510DB2}">
       <thm15:themeFamily xmlns:thm15="http://schemas.microsoft.com/office/thememl/2012/main" name="Office Theme" id="{62F939B6-93AF-4DB8-9C6B-D6C7DFDC589F}" vid="{4A3C46E8-61CC-4603-A589-7422A47A8E4A}"/>
